--- a/doc/diagrams/Icons.pptx
+++ b/doc/diagrams/Icons.pptx
@@ -6,9 +6,14 @@
   </p:sldMasterIdLst>
   <p:sldIdLst>
     <p:sldId id="257" r:id="rId2"/>
+    <p:sldId id="258" r:id="rId3"/>
+    <p:sldId id="259" r:id="rId4"/>
   </p:sldIdLst>
   <p:sldSz cx="2743200" cy="2011363"/>
   <p:notesSz cx="6858000" cy="9144000"/>
+  <p:custDataLst>
+    <p:tags r:id="rId5"/>
+  </p:custDataLst>
   <p:defaultTextStyle>
     <a:defPPr>
       <a:defRPr lang="en-US"/>
@@ -289,7 +294,7 @@
             <a:fld id="{1D8BD707-D9CF-40AE-B4C6-C98DA3205C09}" type="datetimeFigureOut">
               <a:rPr lang="en-US" smtClean="0"/>
               <a:pPr/>
-              <a:t>3/15/2013</a:t>
+              <a:t>3/21/2013</a:t>
             </a:fld>
             <a:endParaRPr lang="en-US"/>
           </a:p>
@@ -463,7 +468,7 @@
             <a:fld id="{1D8BD707-D9CF-40AE-B4C6-C98DA3205C09}" type="datetimeFigureOut">
               <a:rPr lang="en-US" smtClean="0"/>
               <a:pPr/>
-              <a:t>3/15/2013</a:t>
+              <a:t>3/21/2013</a:t>
             </a:fld>
             <a:endParaRPr lang="en-US"/>
           </a:p>
@@ -640,7 +645,7 @@
             <a:fld id="{1D8BD707-D9CF-40AE-B4C6-C98DA3205C09}" type="datetimeFigureOut">
               <a:rPr lang="en-US" smtClean="0"/>
               <a:pPr/>
-              <a:t>3/15/2013</a:t>
+              <a:t>3/21/2013</a:t>
             </a:fld>
             <a:endParaRPr lang="en-US"/>
           </a:p>
@@ -807,7 +812,7 @@
             <a:fld id="{1D8BD707-D9CF-40AE-B4C6-C98DA3205C09}" type="datetimeFigureOut">
               <a:rPr lang="en-US" smtClean="0"/>
               <a:pPr/>
-              <a:t>3/15/2013</a:t>
+              <a:t>3/21/2013</a:t>
             </a:fld>
             <a:endParaRPr lang="en-US"/>
           </a:p>
@@ -1050,7 +1055,7 @@
             <a:fld id="{1D8BD707-D9CF-40AE-B4C6-C98DA3205C09}" type="datetimeFigureOut">
               <a:rPr lang="en-US" smtClean="0"/>
               <a:pPr/>
-              <a:t>3/15/2013</a:t>
+              <a:t>3/21/2013</a:t>
             </a:fld>
             <a:endParaRPr lang="en-US"/>
           </a:p>
@@ -1335,7 +1340,7 @@
             <a:fld id="{1D8BD707-D9CF-40AE-B4C6-C98DA3205C09}" type="datetimeFigureOut">
               <a:rPr lang="en-US" smtClean="0"/>
               <a:pPr/>
-              <a:t>3/15/2013</a:t>
+              <a:t>3/21/2013</a:t>
             </a:fld>
             <a:endParaRPr lang="en-US"/>
           </a:p>
@@ -1754,7 +1759,7 @@
             <a:fld id="{1D8BD707-D9CF-40AE-B4C6-C98DA3205C09}" type="datetimeFigureOut">
               <a:rPr lang="en-US" smtClean="0"/>
               <a:pPr/>
-              <a:t>3/15/2013</a:t>
+              <a:t>3/21/2013</a:t>
             </a:fld>
             <a:endParaRPr lang="en-US"/>
           </a:p>
@@ -1869,7 +1874,7 @@
             <a:fld id="{1D8BD707-D9CF-40AE-B4C6-C98DA3205C09}" type="datetimeFigureOut">
               <a:rPr lang="en-US" smtClean="0"/>
               <a:pPr/>
-              <a:t>3/15/2013</a:t>
+              <a:t>3/21/2013</a:t>
             </a:fld>
             <a:endParaRPr lang="en-US"/>
           </a:p>
@@ -1961,7 +1966,7 @@
             <a:fld id="{1D8BD707-D9CF-40AE-B4C6-C98DA3205C09}" type="datetimeFigureOut">
               <a:rPr lang="en-US" smtClean="0"/>
               <a:pPr/>
-              <a:t>3/15/2013</a:t>
+              <a:t>3/21/2013</a:t>
             </a:fld>
             <a:endParaRPr lang="en-US"/>
           </a:p>
@@ -2235,7 +2240,7 @@
             <a:fld id="{1D8BD707-D9CF-40AE-B4C6-C98DA3205C09}" type="datetimeFigureOut">
               <a:rPr lang="en-US" smtClean="0"/>
               <a:pPr/>
-              <a:t>3/15/2013</a:t>
+              <a:t>3/21/2013</a:t>
             </a:fld>
             <a:endParaRPr lang="en-US"/>
           </a:p>
@@ -2485,7 +2490,7 @@
             <a:fld id="{1D8BD707-D9CF-40AE-B4C6-C98DA3205C09}" type="datetimeFigureOut">
               <a:rPr lang="en-US" smtClean="0"/>
               <a:pPr/>
-              <a:t>3/15/2013</a:t>
+              <a:t>3/21/2013</a:t>
             </a:fld>
             <a:endParaRPr lang="en-US"/>
           </a:p>
@@ -2695,7 +2700,7 @@
             <a:fld id="{1D8BD707-D9CF-40AE-B4C6-C98DA3205C09}" type="datetimeFigureOut">
               <a:rPr lang="en-US" smtClean="0"/>
               <a:pPr/>
-              <a:t>3/15/2013</a:t>
+              <a:t>3/21/2013</a:t>
             </a:fld>
             <a:endParaRPr lang="en-US"/>
           </a:p>
@@ -3770,6 +3775,1433 @@
 </p:sld>
 </file>
 
+<file path=ppt/slides/slide2.xml><?xml version="1.0" encoding="utf-8"?>
+<p:sld xmlns:a="http://schemas.openxmlformats.org/drawingml/2006/main" xmlns:r="http://schemas.openxmlformats.org/officeDocument/2006/relationships" xmlns:p="http://schemas.openxmlformats.org/presentationml/2006/main">
+  <p:cSld>
+    <p:spTree>
+      <p:nvGrpSpPr>
+        <p:cNvPr id="1" name=""/>
+        <p:cNvGrpSpPr/>
+        <p:nvPr/>
+      </p:nvGrpSpPr>
+      <p:grpSpPr>
+        <a:xfrm>
+          <a:off x="0" y="0"/>
+          <a:ext cx="0" cy="0"/>
+          <a:chOff x="0" y="0"/>
+          <a:chExt cx="0" cy="0"/>
+        </a:xfrm>
+      </p:grpSpPr>
+      <p:grpSp>
+        <p:nvGrpSpPr>
+          <p:cNvPr id="23" name="Group 22"/>
+          <p:cNvGrpSpPr/>
+          <p:nvPr/>
+        </p:nvGrpSpPr>
+        <p:grpSpPr>
+          <a:xfrm>
+            <a:off x="800853" y="465652"/>
+            <a:ext cx="1069404" cy="688776"/>
+            <a:chOff x="710071" y="818142"/>
+            <a:chExt cx="1069404" cy="688776"/>
+          </a:xfrm>
+        </p:grpSpPr>
+        <p:sp>
+          <p:nvSpPr>
+            <p:cNvPr id="34" name="Flowchart: Connector 33"/>
+            <p:cNvSpPr/>
+            <p:nvPr/>
+          </p:nvSpPr>
+          <p:spPr>
+            <a:xfrm>
+              <a:off x="770784" y="818142"/>
+              <a:ext cx="342109" cy="336286"/>
+            </a:xfrm>
+            <a:prstGeom prst="flowChartConnector">
+              <a:avLst/>
+            </a:prstGeom>
+            <a:noFill/>
+            <a:ln w="28575">
+              <a:solidFill>
+                <a:schemeClr val="tx2"/>
+              </a:solidFill>
+            </a:ln>
+          </p:spPr>
+          <p:style>
+            <a:lnRef idx="2">
+              <a:schemeClr val="accent1">
+                <a:shade val="50000"/>
+              </a:schemeClr>
+            </a:lnRef>
+            <a:fillRef idx="1">
+              <a:schemeClr val="accent1"/>
+            </a:fillRef>
+            <a:effectRef idx="0">
+              <a:schemeClr val="accent1"/>
+            </a:effectRef>
+            <a:fontRef idx="minor">
+              <a:schemeClr val="lt1"/>
+            </a:fontRef>
+          </p:style>
+          <p:txBody>
+            <a:bodyPr rtlCol="0" anchor="ctr"/>
+            <a:lstStyle/>
+            <a:p>
+              <a:pPr algn="ctr"/>
+              <a:endParaRPr lang="en-SG"/>
+            </a:p>
+          </p:txBody>
+        </p:sp>
+        <p:sp>
+          <p:nvSpPr>
+            <p:cNvPr id="35" name="Flowchart: Delay 34"/>
+            <p:cNvSpPr/>
+            <p:nvPr/>
+          </p:nvSpPr>
+          <p:spPr>
+            <a:xfrm rot="16200000">
+              <a:off x="745717" y="1148524"/>
+              <a:ext cx="322748" cy="394039"/>
+            </a:xfrm>
+            <a:prstGeom prst="flowChartDelay">
+              <a:avLst/>
+            </a:prstGeom>
+            <a:noFill/>
+            <a:ln w="28575">
+              <a:solidFill>
+                <a:schemeClr val="tx2"/>
+              </a:solidFill>
+            </a:ln>
+          </p:spPr>
+          <p:style>
+            <a:lnRef idx="2">
+              <a:schemeClr val="accent1">
+                <a:shade val="50000"/>
+              </a:schemeClr>
+            </a:lnRef>
+            <a:fillRef idx="1">
+              <a:schemeClr val="accent1"/>
+            </a:fillRef>
+            <a:effectRef idx="0">
+              <a:schemeClr val="accent1"/>
+            </a:effectRef>
+            <a:fontRef idx="minor">
+              <a:schemeClr val="lt1"/>
+            </a:fontRef>
+          </p:style>
+          <p:txBody>
+            <a:bodyPr rtlCol="0" anchor="ctr"/>
+            <a:lstStyle/>
+            <a:p>
+              <a:pPr algn="ctr"/>
+              <a:endParaRPr lang="en-SG"/>
+            </a:p>
+          </p:txBody>
+        </p:sp>
+        <p:sp>
+          <p:nvSpPr>
+            <p:cNvPr id="36" name="Freeform 35"/>
+            <p:cNvSpPr/>
+            <p:nvPr/>
+          </p:nvSpPr>
+          <p:spPr>
+            <a:xfrm>
+              <a:off x="1087760" y="1062268"/>
+              <a:ext cx="77528" cy="29032"/>
+            </a:xfrm>
+            <a:custGeom>
+              <a:avLst/>
+              <a:gdLst>
+                <a:gd name="connsiteX0" fmla="*/ 0 w 50006"/>
+                <a:gd name="connsiteY0" fmla="*/ 0 h 19050"/>
+                <a:gd name="connsiteX1" fmla="*/ 0 w 50006"/>
+                <a:gd name="connsiteY1" fmla="*/ 0 h 19050"/>
+                <a:gd name="connsiteX2" fmla="*/ 21431 w 50006"/>
+                <a:gd name="connsiteY2" fmla="*/ 4762 h 19050"/>
+                <a:gd name="connsiteX3" fmla="*/ 28575 w 50006"/>
+                <a:gd name="connsiteY3" fmla="*/ 9525 h 19050"/>
+                <a:gd name="connsiteX4" fmla="*/ 38100 w 50006"/>
+                <a:gd name="connsiteY4" fmla="*/ 14287 h 19050"/>
+                <a:gd name="connsiteX5" fmla="*/ 50006 w 50006"/>
+                <a:gd name="connsiteY5" fmla="*/ 19050 h 19050"/>
+              </a:gdLst>
+              <a:ahLst/>
+              <a:cxnLst>
+                <a:cxn ang="0">
+                  <a:pos x="connsiteX0" y="connsiteY0"/>
+                </a:cxn>
+                <a:cxn ang="0">
+                  <a:pos x="connsiteX1" y="connsiteY1"/>
+                </a:cxn>
+                <a:cxn ang="0">
+                  <a:pos x="connsiteX2" y="connsiteY2"/>
+                </a:cxn>
+                <a:cxn ang="0">
+                  <a:pos x="connsiteX3" y="connsiteY3"/>
+                </a:cxn>
+                <a:cxn ang="0">
+                  <a:pos x="connsiteX4" y="connsiteY4"/>
+                </a:cxn>
+                <a:cxn ang="0">
+                  <a:pos x="connsiteX5" y="connsiteY5"/>
+                </a:cxn>
+              </a:cxnLst>
+              <a:rect l="l" t="t" r="r" b="b"/>
+              <a:pathLst>
+                <a:path w="50006" h="19050">
+                  <a:moveTo>
+                    <a:pt x="0" y="0"/>
+                  </a:moveTo>
+                  <a:lnTo>
+                    <a:pt x="0" y="0"/>
+                  </a:lnTo>
+                  <a:cubicBezTo>
+                    <a:pt x="7144" y="1587"/>
+                    <a:pt x="14489" y="2448"/>
+                    <a:pt x="21431" y="4762"/>
+                  </a:cubicBezTo>
+                  <a:cubicBezTo>
+                    <a:pt x="24146" y="5667"/>
+                    <a:pt x="26090" y="8105"/>
+                    <a:pt x="28575" y="9525"/>
+                  </a:cubicBezTo>
+                  <a:cubicBezTo>
+                    <a:pt x="31657" y="11286"/>
+                    <a:pt x="34837" y="12889"/>
+                    <a:pt x="38100" y="14287"/>
+                  </a:cubicBezTo>
+                  <a:cubicBezTo>
+                    <a:pt x="58672" y="23103"/>
+                    <a:pt x="34691" y="11391"/>
+                    <a:pt x="50006" y="19050"/>
+                  </a:cubicBezTo>
+                </a:path>
+              </a:pathLst>
+            </a:custGeom>
+            <a:noFill/>
+            <a:ln w="28575">
+              <a:solidFill>
+                <a:schemeClr val="tx2"/>
+              </a:solidFill>
+            </a:ln>
+          </p:spPr>
+          <p:style>
+            <a:lnRef idx="2">
+              <a:schemeClr val="accent1">
+                <a:shade val="50000"/>
+              </a:schemeClr>
+            </a:lnRef>
+            <a:fillRef idx="1">
+              <a:schemeClr val="accent1"/>
+            </a:fillRef>
+            <a:effectRef idx="0">
+              <a:schemeClr val="accent1"/>
+            </a:effectRef>
+            <a:fontRef idx="minor">
+              <a:schemeClr val="lt1"/>
+            </a:fontRef>
+          </p:style>
+          <p:txBody>
+            <a:bodyPr rtlCol="0" anchor="ctr"/>
+            <a:lstStyle/>
+            <a:p>
+              <a:pPr algn="ctr"/>
+              <a:endParaRPr lang="en-SG"/>
+            </a:p>
+          </p:txBody>
+        </p:sp>
+        <p:sp>
+          <p:nvSpPr>
+            <p:cNvPr id="2" name="Freeform 1"/>
+            <p:cNvSpPr/>
+            <p:nvPr/>
+          </p:nvSpPr>
+          <p:spPr>
+            <a:xfrm rot="20784184">
+              <a:off x="963571" y="1018492"/>
+              <a:ext cx="80391" cy="94854"/>
+            </a:xfrm>
+            <a:custGeom>
+              <a:avLst/>
+              <a:gdLst>
+                <a:gd name="connsiteX0" fmla="*/ 80391 w 80391"/>
+                <a:gd name="connsiteY0" fmla="*/ 94854 h 94854"/>
+                <a:gd name="connsiteX1" fmla="*/ 8302 w 80391"/>
+                <a:gd name="connsiteY1" fmla="*/ 60707 h 94854"/>
+                <a:gd name="connsiteX2" fmla="*/ 4507 w 80391"/>
+                <a:gd name="connsiteY2" fmla="*/ 0 h 94854"/>
+              </a:gdLst>
+              <a:ahLst/>
+              <a:cxnLst>
+                <a:cxn ang="0">
+                  <a:pos x="connsiteX0" y="connsiteY0"/>
+                </a:cxn>
+                <a:cxn ang="0">
+                  <a:pos x="connsiteX1" y="connsiteY1"/>
+                </a:cxn>
+                <a:cxn ang="0">
+                  <a:pos x="connsiteX2" y="connsiteY2"/>
+                </a:cxn>
+              </a:cxnLst>
+              <a:rect l="l" t="t" r="r" b="b"/>
+              <a:pathLst>
+                <a:path w="80391" h="94854">
+                  <a:moveTo>
+                    <a:pt x="80391" y="94854"/>
+                  </a:moveTo>
+                  <a:cubicBezTo>
+                    <a:pt x="50670" y="85685"/>
+                    <a:pt x="20949" y="76516"/>
+                    <a:pt x="8302" y="60707"/>
+                  </a:cubicBezTo>
+                  <a:cubicBezTo>
+                    <a:pt x="-4345" y="44898"/>
+                    <a:pt x="81" y="22449"/>
+                    <a:pt x="4507" y="0"/>
+                  </a:cubicBezTo>
+                </a:path>
+              </a:pathLst>
+            </a:custGeom>
+            <a:noFill/>
+            <a:ln w="28575" cap="rnd">
+              <a:solidFill>
+                <a:schemeClr val="tx2"/>
+              </a:solidFill>
+            </a:ln>
+          </p:spPr>
+          <p:style>
+            <a:lnRef idx="2">
+              <a:schemeClr val="accent1">
+                <a:shade val="50000"/>
+              </a:schemeClr>
+            </a:lnRef>
+            <a:fillRef idx="1">
+              <a:schemeClr val="accent1"/>
+            </a:fillRef>
+            <a:effectRef idx="0">
+              <a:schemeClr val="accent1"/>
+            </a:effectRef>
+            <a:fontRef idx="minor">
+              <a:schemeClr val="lt1"/>
+            </a:fontRef>
+          </p:style>
+          <p:txBody>
+            <a:bodyPr rtlCol="0" anchor="ctr"/>
+            <a:lstStyle/>
+            <a:p>
+              <a:pPr algn="ctr"/>
+              <a:endParaRPr lang="en-US"/>
+            </a:p>
+          </p:txBody>
+        </p:sp>
+        <p:sp>
+          <p:nvSpPr>
+            <p:cNvPr id="18" name="Flowchart: Connector 17"/>
+            <p:cNvSpPr/>
+            <p:nvPr/>
+          </p:nvSpPr>
+          <p:spPr>
+            <a:xfrm>
+              <a:off x="953548" y="894930"/>
+              <a:ext cx="70882" cy="69675"/>
+            </a:xfrm>
+            <a:prstGeom prst="flowChartConnector">
+              <a:avLst/>
+            </a:prstGeom>
+            <a:noFill/>
+            <a:ln w="28575">
+              <a:solidFill>
+                <a:schemeClr val="tx2"/>
+              </a:solidFill>
+            </a:ln>
+          </p:spPr>
+          <p:style>
+            <a:lnRef idx="2">
+              <a:schemeClr val="accent1">
+                <a:shade val="50000"/>
+              </a:schemeClr>
+            </a:lnRef>
+            <a:fillRef idx="1">
+              <a:schemeClr val="accent1"/>
+            </a:fillRef>
+            <a:effectRef idx="0">
+              <a:schemeClr val="accent1"/>
+            </a:effectRef>
+            <a:fontRef idx="minor">
+              <a:schemeClr val="lt1"/>
+            </a:fontRef>
+          </p:style>
+          <p:txBody>
+            <a:bodyPr rtlCol="0" anchor="ctr"/>
+            <a:lstStyle/>
+            <a:p>
+              <a:pPr algn="ctr"/>
+              <a:endParaRPr lang="en-SG"/>
+            </a:p>
+          </p:txBody>
+        </p:sp>
+        <p:grpSp>
+          <p:nvGrpSpPr>
+            <p:cNvPr id="22" name="Group 21"/>
+            <p:cNvGrpSpPr/>
+            <p:nvPr/>
+          </p:nvGrpSpPr>
+          <p:grpSpPr>
+            <a:xfrm rot="21055926">
+              <a:off x="1339348" y="1077701"/>
+              <a:ext cx="440127" cy="282384"/>
+              <a:chOff x="1339349" y="1121467"/>
+              <a:chExt cx="440127" cy="282384"/>
+            </a:xfrm>
+          </p:grpSpPr>
+          <p:sp>
+            <p:nvSpPr>
+              <p:cNvPr id="4" name="Rounded Rectangle 3"/>
+              <p:cNvSpPr/>
+              <p:nvPr/>
+            </p:nvSpPr>
+            <p:spPr>
+              <a:xfrm>
+                <a:off x="1339349" y="1121467"/>
+                <a:ext cx="440127" cy="282384"/>
+              </a:xfrm>
+              <a:prstGeom prst="roundRect">
+                <a:avLst>
+                  <a:gd name="adj" fmla="val 0"/>
+                </a:avLst>
+              </a:prstGeom>
+              <a:noFill/>
+              <a:ln w="28575" cap="rnd">
+                <a:solidFill>
+                  <a:schemeClr val="accent6">
+                    <a:lumMod val="75000"/>
+                  </a:schemeClr>
+                </a:solidFill>
+              </a:ln>
+            </p:spPr>
+            <p:style>
+              <a:lnRef idx="2">
+                <a:schemeClr val="accent1">
+                  <a:shade val="50000"/>
+                </a:schemeClr>
+              </a:lnRef>
+              <a:fillRef idx="1">
+                <a:schemeClr val="accent1"/>
+              </a:fillRef>
+              <a:effectRef idx="0">
+                <a:schemeClr val="accent1"/>
+              </a:effectRef>
+              <a:fontRef idx="minor">
+                <a:schemeClr val="lt1"/>
+              </a:fontRef>
+            </p:style>
+            <p:txBody>
+              <a:bodyPr rtlCol="0" anchor="ctr"/>
+              <a:lstStyle/>
+              <a:p>
+                <a:pPr algn="ctr"/>
+                <a:endParaRPr lang="en-US"/>
+              </a:p>
+            </p:txBody>
+          </p:sp>
+          <p:sp>
+            <p:nvSpPr>
+              <p:cNvPr id="7" name="Freeform 6"/>
+              <p:cNvSpPr/>
+              <p:nvPr/>
+            </p:nvSpPr>
+            <p:spPr>
+              <a:xfrm>
+                <a:off x="1345406" y="1126331"/>
+                <a:ext cx="423863" cy="183357"/>
+              </a:xfrm>
+              <a:custGeom>
+                <a:avLst/>
+                <a:gdLst>
+                  <a:gd name="connsiteX0" fmla="*/ 0 w 423863"/>
+                  <a:gd name="connsiteY0" fmla="*/ 7144 h 183357"/>
+                  <a:gd name="connsiteX1" fmla="*/ 204788 w 423863"/>
+                  <a:gd name="connsiteY1" fmla="*/ 183357 h 183357"/>
+                  <a:gd name="connsiteX2" fmla="*/ 423863 w 423863"/>
+                  <a:gd name="connsiteY2" fmla="*/ 0 h 183357"/>
+                </a:gdLst>
+                <a:ahLst/>
+                <a:cxnLst>
+                  <a:cxn ang="0">
+                    <a:pos x="connsiteX0" y="connsiteY0"/>
+                  </a:cxn>
+                  <a:cxn ang="0">
+                    <a:pos x="connsiteX1" y="connsiteY1"/>
+                  </a:cxn>
+                  <a:cxn ang="0">
+                    <a:pos x="connsiteX2" y="connsiteY2"/>
+                  </a:cxn>
+                </a:cxnLst>
+                <a:rect l="l" t="t" r="r" b="b"/>
+                <a:pathLst>
+                  <a:path w="423863" h="183357">
+                    <a:moveTo>
+                      <a:pt x="0" y="7144"/>
+                    </a:moveTo>
+                    <a:lnTo>
+                      <a:pt x="204788" y="183357"/>
+                    </a:lnTo>
+                    <a:lnTo>
+                      <a:pt x="423863" y="0"/>
+                    </a:lnTo>
+                  </a:path>
+                </a:pathLst>
+              </a:custGeom>
+              <a:noFill/>
+              <a:ln w="28575" cap="rnd">
+                <a:solidFill>
+                  <a:schemeClr val="accent6">
+                    <a:lumMod val="75000"/>
+                  </a:schemeClr>
+                </a:solidFill>
+              </a:ln>
+            </p:spPr>
+            <p:style>
+              <a:lnRef idx="2">
+                <a:schemeClr val="accent1">
+                  <a:shade val="50000"/>
+                </a:schemeClr>
+              </a:lnRef>
+              <a:fillRef idx="1">
+                <a:schemeClr val="accent1"/>
+              </a:fillRef>
+              <a:effectRef idx="0">
+                <a:schemeClr val="accent1"/>
+              </a:effectRef>
+              <a:fontRef idx="minor">
+                <a:schemeClr val="lt1"/>
+              </a:fontRef>
+            </p:style>
+            <p:txBody>
+              <a:bodyPr rtlCol="0" anchor="ctr"/>
+              <a:lstStyle/>
+              <a:p>
+                <a:pPr algn="ctr"/>
+                <a:endParaRPr lang="en-US">
+                  <a:solidFill>
+                    <a:schemeClr val="lt1"/>
+                  </a:solidFill>
+                </a:endParaRPr>
+              </a:p>
+            </p:txBody>
+          </p:sp>
+        </p:grpSp>
+        <p:sp>
+          <p:nvSpPr>
+            <p:cNvPr id="20" name="Freeform 19"/>
+            <p:cNvSpPr/>
+            <p:nvPr/>
+          </p:nvSpPr>
+          <p:spPr>
+            <a:xfrm>
+              <a:off x="1087760" y="1244495"/>
+              <a:ext cx="247795" cy="193503"/>
+            </a:xfrm>
+            <a:custGeom>
+              <a:avLst/>
+              <a:gdLst>
+                <a:gd name="connsiteX0" fmla="*/ 0 w 231445"/>
+                <a:gd name="connsiteY0" fmla="*/ 41736 h 193503"/>
+                <a:gd name="connsiteX1" fmla="*/ 125208 w 231445"/>
+                <a:gd name="connsiteY1" fmla="*/ 193503 h 193503"/>
+                <a:gd name="connsiteX2" fmla="*/ 231445 w 231445"/>
+                <a:gd name="connsiteY2" fmla="*/ 0 h 193503"/>
+              </a:gdLst>
+              <a:ahLst/>
+              <a:cxnLst>
+                <a:cxn ang="0">
+                  <a:pos x="connsiteX0" y="connsiteY0"/>
+                </a:cxn>
+                <a:cxn ang="0">
+                  <a:pos x="connsiteX1" y="connsiteY1"/>
+                </a:cxn>
+                <a:cxn ang="0">
+                  <a:pos x="connsiteX2" y="connsiteY2"/>
+                </a:cxn>
+              </a:cxnLst>
+              <a:rect l="l" t="t" r="r" b="b"/>
+              <a:pathLst>
+                <a:path w="231445" h="193503">
+                  <a:moveTo>
+                    <a:pt x="0" y="41736"/>
+                  </a:moveTo>
+                  <a:lnTo>
+                    <a:pt x="125208" y="193503"/>
+                  </a:lnTo>
+                  <a:lnTo>
+                    <a:pt x="231445" y="0"/>
+                  </a:lnTo>
+                </a:path>
+              </a:pathLst>
+            </a:custGeom>
+            <a:noFill/>
+            <a:ln w="28575" cap="rnd">
+              <a:solidFill>
+                <a:schemeClr val="tx2"/>
+              </a:solidFill>
+              <a:tailEnd type="oval"/>
+            </a:ln>
+          </p:spPr>
+          <p:style>
+            <a:lnRef idx="2">
+              <a:schemeClr val="accent1">
+                <a:shade val="50000"/>
+              </a:schemeClr>
+            </a:lnRef>
+            <a:fillRef idx="1">
+              <a:schemeClr val="accent1"/>
+            </a:fillRef>
+            <a:effectRef idx="0">
+              <a:schemeClr val="accent1"/>
+            </a:effectRef>
+            <a:fontRef idx="minor">
+              <a:schemeClr val="lt1"/>
+            </a:fontRef>
+          </p:style>
+          <p:txBody>
+            <a:bodyPr rtlCol="0" anchor="ctr"/>
+            <a:lstStyle/>
+            <a:p>
+              <a:pPr algn="ctr"/>
+              <a:endParaRPr lang="en-US">
+                <a:solidFill>
+                  <a:schemeClr val="lt1"/>
+                </a:solidFill>
+              </a:endParaRPr>
+            </a:p>
+          </p:txBody>
+        </p:sp>
+      </p:grpSp>
+    </p:spTree>
+    <p:extLst>
+      <p:ext uri="{BB962C8B-B14F-4D97-AF65-F5344CB8AC3E}">
+        <p14:creationId xmlns:p14="http://schemas.microsoft.com/office/powerpoint/2010/main" val="3716401697"/>
+      </p:ext>
+    </p:extLst>
+  </p:cSld>
+  <p:clrMapOvr>
+    <a:masterClrMapping/>
+  </p:clrMapOvr>
+  <p:timing>
+    <p:tnLst>
+      <p:par>
+        <p:cTn id="1" dur="indefinite" restart="never" nodeType="tmRoot"/>
+      </p:par>
+    </p:tnLst>
+  </p:timing>
+</p:sld>
+</file>
+
+<file path=ppt/slides/slide3.xml><?xml version="1.0" encoding="utf-8"?>
+<p:sld xmlns:a="http://schemas.openxmlformats.org/drawingml/2006/main" xmlns:r="http://schemas.openxmlformats.org/officeDocument/2006/relationships" xmlns:p="http://schemas.openxmlformats.org/presentationml/2006/main">
+  <p:cSld>
+    <p:spTree>
+      <p:nvGrpSpPr>
+        <p:cNvPr id="1" name=""/>
+        <p:cNvGrpSpPr/>
+        <p:nvPr/>
+      </p:nvGrpSpPr>
+      <p:grpSpPr>
+        <a:xfrm>
+          <a:off x="0" y="0"/>
+          <a:ext cx="0" cy="0"/>
+          <a:chOff x="0" y="0"/>
+          <a:chExt cx="0" cy="0"/>
+        </a:xfrm>
+      </p:grpSpPr>
+      <p:grpSp>
+        <p:nvGrpSpPr>
+          <p:cNvPr id="10" name="Group 9"/>
+          <p:cNvGrpSpPr/>
+          <p:nvPr/>
+        </p:nvGrpSpPr>
+        <p:grpSpPr>
+          <a:xfrm>
+            <a:off x="800853" y="465652"/>
+            <a:ext cx="1039331" cy="688776"/>
+            <a:chOff x="800853" y="465652"/>
+            <a:chExt cx="1039331" cy="688776"/>
+          </a:xfrm>
+        </p:grpSpPr>
+        <p:sp>
+          <p:nvSpPr>
+            <p:cNvPr id="34" name="Flowchart: Connector 33"/>
+            <p:cNvSpPr/>
+            <p:nvPr/>
+          </p:nvSpPr>
+          <p:spPr>
+            <a:xfrm>
+              <a:off x="861566" y="465652"/>
+              <a:ext cx="342109" cy="336286"/>
+            </a:xfrm>
+            <a:prstGeom prst="flowChartConnector">
+              <a:avLst/>
+            </a:prstGeom>
+            <a:noFill/>
+            <a:ln w="28575">
+              <a:solidFill>
+                <a:schemeClr val="tx2"/>
+              </a:solidFill>
+            </a:ln>
+          </p:spPr>
+          <p:style>
+            <a:lnRef idx="2">
+              <a:schemeClr val="accent1">
+                <a:shade val="50000"/>
+              </a:schemeClr>
+            </a:lnRef>
+            <a:fillRef idx="1">
+              <a:schemeClr val="accent1"/>
+            </a:fillRef>
+            <a:effectRef idx="0">
+              <a:schemeClr val="accent1"/>
+            </a:effectRef>
+            <a:fontRef idx="minor">
+              <a:schemeClr val="lt1"/>
+            </a:fontRef>
+          </p:style>
+          <p:txBody>
+            <a:bodyPr rtlCol="0" anchor="ctr"/>
+            <a:lstStyle/>
+            <a:p>
+              <a:pPr algn="ctr"/>
+              <a:endParaRPr lang="en-SG"/>
+            </a:p>
+          </p:txBody>
+        </p:sp>
+        <p:sp>
+          <p:nvSpPr>
+            <p:cNvPr id="35" name="Flowchart: Delay 34"/>
+            <p:cNvSpPr/>
+            <p:nvPr/>
+          </p:nvSpPr>
+          <p:spPr>
+            <a:xfrm rot="16200000">
+              <a:off x="836499" y="796034"/>
+              <a:ext cx="322748" cy="394039"/>
+            </a:xfrm>
+            <a:prstGeom prst="flowChartDelay">
+              <a:avLst/>
+            </a:prstGeom>
+            <a:noFill/>
+            <a:ln w="28575">
+              <a:solidFill>
+                <a:schemeClr val="tx2"/>
+              </a:solidFill>
+            </a:ln>
+          </p:spPr>
+          <p:style>
+            <a:lnRef idx="2">
+              <a:schemeClr val="accent1">
+                <a:shade val="50000"/>
+              </a:schemeClr>
+            </a:lnRef>
+            <a:fillRef idx="1">
+              <a:schemeClr val="accent1"/>
+            </a:fillRef>
+            <a:effectRef idx="0">
+              <a:schemeClr val="accent1"/>
+            </a:effectRef>
+            <a:fontRef idx="minor">
+              <a:schemeClr val="lt1"/>
+            </a:fontRef>
+          </p:style>
+          <p:txBody>
+            <a:bodyPr rtlCol="0" anchor="ctr"/>
+            <a:lstStyle/>
+            <a:p>
+              <a:pPr algn="ctr"/>
+              <a:endParaRPr lang="en-SG"/>
+            </a:p>
+          </p:txBody>
+        </p:sp>
+        <p:sp>
+          <p:nvSpPr>
+            <p:cNvPr id="36" name="Freeform 35"/>
+            <p:cNvSpPr/>
+            <p:nvPr/>
+          </p:nvSpPr>
+          <p:spPr>
+            <a:xfrm>
+              <a:off x="1178542" y="709778"/>
+              <a:ext cx="77528" cy="29032"/>
+            </a:xfrm>
+            <a:custGeom>
+              <a:avLst/>
+              <a:gdLst>
+                <a:gd name="connsiteX0" fmla="*/ 0 w 50006"/>
+                <a:gd name="connsiteY0" fmla="*/ 0 h 19050"/>
+                <a:gd name="connsiteX1" fmla="*/ 0 w 50006"/>
+                <a:gd name="connsiteY1" fmla="*/ 0 h 19050"/>
+                <a:gd name="connsiteX2" fmla="*/ 21431 w 50006"/>
+                <a:gd name="connsiteY2" fmla="*/ 4762 h 19050"/>
+                <a:gd name="connsiteX3" fmla="*/ 28575 w 50006"/>
+                <a:gd name="connsiteY3" fmla="*/ 9525 h 19050"/>
+                <a:gd name="connsiteX4" fmla="*/ 38100 w 50006"/>
+                <a:gd name="connsiteY4" fmla="*/ 14287 h 19050"/>
+                <a:gd name="connsiteX5" fmla="*/ 50006 w 50006"/>
+                <a:gd name="connsiteY5" fmla="*/ 19050 h 19050"/>
+              </a:gdLst>
+              <a:ahLst/>
+              <a:cxnLst>
+                <a:cxn ang="0">
+                  <a:pos x="connsiteX0" y="connsiteY0"/>
+                </a:cxn>
+                <a:cxn ang="0">
+                  <a:pos x="connsiteX1" y="connsiteY1"/>
+                </a:cxn>
+                <a:cxn ang="0">
+                  <a:pos x="connsiteX2" y="connsiteY2"/>
+                </a:cxn>
+                <a:cxn ang="0">
+                  <a:pos x="connsiteX3" y="connsiteY3"/>
+                </a:cxn>
+                <a:cxn ang="0">
+                  <a:pos x="connsiteX4" y="connsiteY4"/>
+                </a:cxn>
+                <a:cxn ang="0">
+                  <a:pos x="connsiteX5" y="connsiteY5"/>
+                </a:cxn>
+              </a:cxnLst>
+              <a:rect l="l" t="t" r="r" b="b"/>
+              <a:pathLst>
+                <a:path w="50006" h="19050">
+                  <a:moveTo>
+                    <a:pt x="0" y="0"/>
+                  </a:moveTo>
+                  <a:lnTo>
+                    <a:pt x="0" y="0"/>
+                  </a:lnTo>
+                  <a:cubicBezTo>
+                    <a:pt x="7144" y="1587"/>
+                    <a:pt x="14489" y="2448"/>
+                    <a:pt x="21431" y="4762"/>
+                  </a:cubicBezTo>
+                  <a:cubicBezTo>
+                    <a:pt x="24146" y="5667"/>
+                    <a:pt x="26090" y="8105"/>
+                    <a:pt x="28575" y="9525"/>
+                  </a:cubicBezTo>
+                  <a:cubicBezTo>
+                    <a:pt x="31657" y="11286"/>
+                    <a:pt x="34837" y="12889"/>
+                    <a:pt x="38100" y="14287"/>
+                  </a:cubicBezTo>
+                  <a:cubicBezTo>
+                    <a:pt x="58672" y="23103"/>
+                    <a:pt x="34691" y="11391"/>
+                    <a:pt x="50006" y="19050"/>
+                  </a:cubicBezTo>
+                </a:path>
+              </a:pathLst>
+            </a:custGeom>
+            <a:noFill/>
+            <a:ln w="28575">
+              <a:solidFill>
+                <a:schemeClr val="tx2"/>
+              </a:solidFill>
+            </a:ln>
+          </p:spPr>
+          <p:style>
+            <a:lnRef idx="2">
+              <a:schemeClr val="accent1">
+                <a:shade val="50000"/>
+              </a:schemeClr>
+            </a:lnRef>
+            <a:fillRef idx="1">
+              <a:schemeClr val="accent1"/>
+            </a:fillRef>
+            <a:effectRef idx="0">
+              <a:schemeClr val="accent1"/>
+            </a:effectRef>
+            <a:fontRef idx="minor">
+              <a:schemeClr val="lt1"/>
+            </a:fontRef>
+          </p:style>
+          <p:txBody>
+            <a:bodyPr rtlCol="0" anchor="ctr"/>
+            <a:lstStyle/>
+            <a:p>
+              <a:pPr algn="ctr"/>
+              <a:endParaRPr lang="en-SG"/>
+            </a:p>
+          </p:txBody>
+        </p:sp>
+        <p:sp>
+          <p:nvSpPr>
+            <p:cNvPr id="2" name="Freeform 1"/>
+            <p:cNvSpPr/>
+            <p:nvPr/>
+          </p:nvSpPr>
+          <p:spPr>
+            <a:xfrm rot="20784184">
+              <a:off x="1054353" y="666002"/>
+              <a:ext cx="80391" cy="94854"/>
+            </a:xfrm>
+            <a:custGeom>
+              <a:avLst/>
+              <a:gdLst>
+                <a:gd name="connsiteX0" fmla="*/ 80391 w 80391"/>
+                <a:gd name="connsiteY0" fmla="*/ 94854 h 94854"/>
+                <a:gd name="connsiteX1" fmla="*/ 8302 w 80391"/>
+                <a:gd name="connsiteY1" fmla="*/ 60707 h 94854"/>
+                <a:gd name="connsiteX2" fmla="*/ 4507 w 80391"/>
+                <a:gd name="connsiteY2" fmla="*/ 0 h 94854"/>
+              </a:gdLst>
+              <a:ahLst/>
+              <a:cxnLst>
+                <a:cxn ang="0">
+                  <a:pos x="connsiteX0" y="connsiteY0"/>
+                </a:cxn>
+                <a:cxn ang="0">
+                  <a:pos x="connsiteX1" y="connsiteY1"/>
+                </a:cxn>
+                <a:cxn ang="0">
+                  <a:pos x="connsiteX2" y="connsiteY2"/>
+                </a:cxn>
+              </a:cxnLst>
+              <a:rect l="l" t="t" r="r" b="b"/>
+              <a:pathLst>
+                <a:path w="80391" h="94854">
+                  <a:moveTo>
+                    <a:pt x="80391" y="94854"/>
+                  </a:moveTo>
+                  <a:cubicBezTo>
+                    <a:pt x="50670" y="85685"/>
+                    <a:pt x="20949" y="76516"/>
+                    <a:pt x="8302" y="60707"/>
+                  </a:cubicBezTo>
+                  <a:cubicBezTo>
+                    <a:pt x="-4345" y="44898"/>
+                    <a:pt x="81" y="22449"/>
+                    <a:pt x="4507" y="0"/>
+                  </a:cubicBezTo>
+                </a:path>
+              </a:pathLst>
+            </a:custGeom>
+            <a:noFill/>
+            <a:ln w="28575" cap="rnd">
+              <a:solidFill>
+                <a:schemeClr val="tx2"/>
+              </a:solidFill>
+            </a:ln>
+          </p:spPr>
+          <p:style>
+            <a:lnRef idx="2">
+              <a:schemeClr val="accent1">
+                <a:shade val="50000"/>
+              </a:schemeClr>
+            </a:lnRef>
+            <a:fillRef idx="1">
+              <a:schemeClr val="accent1"/>
+            </a:fillRef>
+            <a:effectRef idx="0">
+              <a:schemeClr val="accent1"/>
+            </a:effectRef>
+            <a:fontRef idx="minor">
+              <a:schemeClr val="lt1"/>
+            </a:fontRef>
+          </p:style>
+          <p:txBody>
+            <a:bodyPr rtlCol="0" anchor="ctr"/>
+            <a:lstStyle/>
+            <a:p>
+              <a:pPr algn="ctr"/>
+              <a:endParaRPr lang="en-US"/>
+            </a:p>
+          </p:txBody>
+        </p:sp>
+        <p:sp>
+          <p:nvSpPr>
+            <p:cNvPr id="18" name="Flowchart: Connector 17"/>
+            <p:cNvSpPr/>
+            <p:nvPr/>
+          </p:nvSpPr>
+          <p:spPr>
+            <a:xfrm>
+              <a:off x="1044330" y="542440"/>
+              <a:ext cx="70882" cy="69675"/>
+            </a:xfrm>
+            <a:prstGeom prst="flowChartConnector">
+              <a:avLst/>
+            </a:prstGeom>
+            <a:noFill/>
+            <a:ln w="28575">
+              <a:solidFill>
+                <a:schemeClr val="tx2"/>
+              </a:solidFill>
+            </a:ln>
+          </p:spPr>
+          <p:style>
+            <a:lnRef idx="2">
+              <a:schemeClr val="accent1">
+                <a:shade val="50000"/>
+              </a:schemeClr>
+            </a:lnRef>
+            <a:fillRef idx="1">
+              <a:schemeClr val="accent1"/>
+            </a:fillRef>
+            <a:effectRef idx="0">
+              <a:schemeClr val="accent1"/>
+            </a:effectRef>
+            <a:fontRef idx="minor">
+              <a:schemeClr val="lt1"/>
+            </a:fontRef>
+          </p:style>
+          <p:txBody>
+            <a:bodyPr rtlCol="0" anchor="ctr"/>
+            <a:lstStyle/>
+            <a:p>
+              <a:pPr algn="ctr"/>
+              <a:endParaRPr lang="en-SG"/>
+            </a:p>
+          </p:txBody>
+        </p:sp>
+        <p:sp>
+          <p:nvSpPr>
+            <p:cNvPr id="4" name="Rounded Rectangle 3"/>
+            <p:cNvSpPr/>
+            <p:nvPr/>
+          </p:nvSpPr>
+          <p:spPr>
+            <a:xfrm>
+              <a:off x="1487043" y="660353"/>
+              <a:ext cx="353141" cy="394039"/>
+            </a:xfrm>
+            <a:prstGeom prst="roundRect">
+              <a:avLst>
+                <a:gd name="adj" fmla="val 0"/>
+              </a:avLst>
+            </a:prstGeom>
+            <a:noFill/>
+            <a:ln w="28575" cap="rnd">
+              <a:solidFill>
+                <a:schemeClr val="accent6">
+                  <a:lumMod val="75000"/>
+                </a:schemeClr>
+              </a:solidFill>
+            </a:ln>
+          </p:spPr>
+          <p:style>
+            <a:lnRef idx="2">
+              <a:schemeClr val="accent1">
+                <a:shade val="50000"/>
+              </a:schemeClr>
+            </a:lnRef>
+            <a:fillRef idx="1">
+              <a:schemeClr val="accent1"/>
+            </a:fillRef>
+            <a:effectRef idx="0">
+              <a:schemeClr val="accent1"/>
+            </a:effectRef>
+            <a:fontRef idx="minor">
+              <a:schemeClr val="lt1"/>
+            </a:fontRef>
+          </p:style>
+          <p:txBody>
+            <a:bodyPr rtlCol="0" anchor="ctr"/>
+            <a:lstStyle/>
+            <a:p>
+              <a:pPr algn="ctr"/>
+              <a:endParaRPr lang="en-US"/>
+            </a:p>
+          </p:txBody>
+        </p:sp>
+        <p:sp>
+          <p:nvSpPr>
+            <p:cNvPr id="20" name="Freeform 19"/>
+            <p:cNvSpPr/>
+            <p:nvPr/>
+          </p:nvSpPr>
+          <p:spPr>
+            <a:xfrm>
+              <a:off x="1178542" y="892005"/>
+              <a:ext cx="247795" cy="193503"/>
+            </a:xfrm>
+            <a:custGeom>
+              <a:avLst/>
+              <a:gdLst>
+                <a:gd name="connsiteX0" fmla="*/ 0 w 231445"/>
+                <a:gd name="connsiteY0" fmla="*/ 41736 h 193503"/>
+                <a:gd name="connsiteX1" fmla="*/ 125208 w 231445"/>
+                <a:gd name="connsiteY1" fmla="*/ 193503 h 193503"/>
+                <a:gd name="connsiteX2" fmla="*/ 231445 w 231445"/>
+                <a:gd name="connsiteY2" fmla="*/ 0 h 193503"/>
+              </a:gdLst>
+              <a:ahLst/>
+              <a:cxnLst>
+                <a:cxn ang="0">
+                  <a:pos x="connsiteX0" y="connsiteY0"/>
+                </a:cxn>
+                <a:cxn ang="0">
+                  <a:pos x="connsiteX1" y="connsiteY1"/>
+                </a:cxn>
+                <a:cxn ang="0">
+                  <a:pos x="connsiteX2" y="connsiteY2"/>
+                </a:cxn>
+              </a:cxnLst>
+              <a:rect l="l" t="t" r="r" b="b"/>
+              <a:pathLst>
+                <a:path w="231445" h="193503">
+                  <a:moveTo>
+                    <a:pt x="0" y="41736"/>
+                  </a:moveTo>
+                  <a:lnTo>
+                    <a:pt x="125208" y="193503"/>
+                  </a:lnTo>
+                  <a:lnTo>
+                    <a:pt x="231445" y="0"/>
+                  </a:lnTo>
+                </a:path>
+              </a:pathLst>
+            </a:custGeom>
+            <a:noFill/>
+            <a:ln w="28575" cap="rnd">
+              <a:solidFill>
+                <a:schemeClr val="tx2"/>
+              </a:solidFill>
+              <a:tailEnd type="oval"/>
+            </a:ln>
+          </p:spPr>
+          <p:style>
+            <a:lnRef idx="2">
+              <a:schemeClr val="accent1">
+                <a:shade val="50000"/>
+              </a:schemeClr>
+            </a:lnRef>
+            <a:fillRef idx="1">
+              <a:schemeClr val="accent1"/>
+            </a:fillRef>
+            <a:effectRef idx="0">
+              <a:schemeClr val="accent1"/>
+            </a:effectRef>
+            <a:fontRef idx="minor">
+              <a:schemeClr val="lt1"/>
+            </a:fontRef>
+          </p:style>
+          <p:txBody>
+            <a:bodyPr rtlCol="0" anchor="ctr"/>
+            <a:lstStyle/>
+            <a:p>
+              <a:pPr algn="ctr"/>
+              <a:endParaRPr lang="en-US">
+                <a:solidFill>
+                  <a:schemeClr val="lt1"/>
+                </a:solidFill>
+              </a:endParaRPr>
+            </a:p>
+          </p:txBody>
+        </p:sp>
+        <p:cxnSp>
+          <p:nvCxnSpPr>
+            <p:cNvPr id="5" name="Straight Connector 4"/>
+            <p:cNvCxnSpPr/>
+            <p:nvPr/>
+          </p:nvCxnSpPr>
+          <p:spPr>
+            <a:xfrm>
+              <a:off x="1536648" y="709778"/>
+              <a:ext cx="246622" cy="0"/>
+            </a:xfrm>
+            <a:prstGeom prst="line">
+              <a:avLst/>
+            </a:prstGeom>
+            <a:ln>
+              <a:solidFill>
+                <a:schemeClr val="accent6">
+                  <a:lumMod val="75000"/>
+                </a:schemeClr>
+              </a:solidFill>
+            </a:ln>
+          </p:spPr>
+          <p:style>
+            <a:lnRef idx="1">
+              <a:schemeClr val="accent1"/>
+            </a:lnRef>
+            <a:fillRef idx="0">
+              <a:schemeClr val="accent1"/>
+            </a:fillRef>
+            <a:effectRef idx="0">
+              <a:schemeClr val="accent1"/>
+            </a:effectRef>
+            <a:fontRef idx="minor">
+              <a:schemeClr val="tx1"/>
+            </a:fontRef>
+          </p:style>
+        </p:cxnSp>
+        <p:cxnSp>
+          <p:nvCxnSpPr>
+            <p:cNvPr id="14" name="Straight Connector 13"/>
+            <p:cNvCxnSpPr/>
+            <p:nvPr/>
+          </p:nvCxnSpPr>
+          <p:spPr>
+            <a:xfrm>
+              <a:off x="1536648" y="768891"/>
+              <a:ext cx="246622" cy="0"/>
+            </a:xfrm>
+            <a:prstGeom prst="line">
+              <a:avLst/>
+            </a:prstGeom>
+            <a:ln>
+              <a:solidFill>
+                <a:schemeClr val="accent6">
+                  <a:lumMod val="75000"/>
+                </a:schemeClr>
+              </a:solidFill>
+            </a:ln>
+          </p:spPr>
+          <p:style>
+            <a:lnRef idx="1">
+              <a:schemeClr val="accent1"/>
+            </a:lnRef>
+            <a:fillRef idx="0">
+              <a:schemeClr val="accent1"/>
+            </a:fillRef>
+            <a:effectRef idx="0">
+              <a:schemeClr val="accent1"/>
+            </a:effectRef>
+            <a:fontRef idx="minor">
+              <a:schemeClr val="tx1"/>
+            </a:fontRef>
+          </p:style>
+        </p:cxnSp>
+        <p:cxnSp>
+          <p:nvCxnSpPr>
+            <p:cNvPr id="15" name="Straight Connector 14"/>
+            <p:cNvCxnSpPr/>
+            <p:nvPr/>
+          </p:nvCxnSpPr>
+          <p:spPr>
+            <a:xfrm>
+              <a:off x="1536648" y="828004"/>
+              <a:ext cx="246622" cy="0"/>
+            </a:xfrm>
+            <a:prstGeom prst="line">
+              <a:avLst/>
+            </a:prstGeom>
+            <a:ln>
+              <a:solidFill>
+                <a:schemeClr val="accent6">
+                  <a:lumMod val="75000"/>
+                </a:schemeClr>
+              </a:solidFill>
+            </a:ln>
+          </p:spPr>
+          <p:style>
+            <a:lnRef idx="1">
+              <a:schemeClr val="accent1"/>
+            </a:lnRef>
+            <a:fillRef idx="0">
+              <a:schemeClr val="accent1"/>
+            </a:fillRef>
+            <a:effectRef idx="0">
+              <a:schemeClr val="accent1"/>
+            </a:effectRef>
+            <a:fontRef idx="minor">
+              <a:schemeClr val="tx1"/>
+            </a:fontRef>
+          </p:style>
+        </p:cxnSp>
+        <p:cxnSp>
+          <p:nvCxnSpPr>
+            <p:cNvPr id="16" name="Straight Connector 15"/>
+            <p:cNvCxnSpPr/>
+            <p:nvPr/>
+          </p:nvCxnSpPr>
+          <p:spPr>
+            <a:xfrm>
+              <a:off x="1536648" y="887117"/>
+              <a:ext cx="246622" cy="0"/>
+            </a:xfrm>
+            <a:prstGeom prst="line">
+              <a:avLst/>
+            </a:prstGeom>
+            <a:ln>
+              <a:solidFill>
+                <a:schemeClr val="accent6">
+                  <a:lumMod val="75000"/>
+                </a:schemeClr>
+              </a:solidFill>
+            </a:ln>
+          </p:spPr>
+          <p:style>
+            <a:lnRef idx="1">
+              <a:schemeClr val="accent1"/>
+            </a:lnRef>
+            <a:fillRef idx="0">
+              <a:schemeClr val="accent1"/>
+            </a:fillRef>
+            <a:effectRef idx="0">
+              <a:schemeClr val="accent1"/>
+            </a:effectRef>
+            <a:fontRef idx="minor">
+              <a:schemeClr val="tx1"/>
+            </a:fontRef>
+          </p:style>
+        </p:cxnSp>
+        <p:sp>
+          <p:nvSpPr>
+            <p:cNvPr id="6" name="Pentagon 5"/>
+            <p:cNvSpPr/>
+            <p:nvPr/>
+          </p:nvSpPr>
+          <p:spPr>
+            <a:xfrm rot="2240143">
+              <a:off x="1282872" y="869145"/>
+              <a:ext cx="326300" cy="45719"/>
+            </a:xfrm>
+            <a:prstGeom prst="homePlate">
+              <a:avLst/>
+            </a:prstGeom>
+            <a:solidFill>
+              <a:schemeClr val="tx2"/>
+            </a:solidFill>
+            <a:ln>
+              <a:noFill/>
+            </a:ln>
+          </p:spPr>
+          <p:style>
+            <a:lnRef idx="2">
+              <a:schemeClr val="accent1">
+                <a:shade val="50000"/>
+              </a:schemeClr>
+            </a:lnRef>
+            <a:fillRef idx="1">
+              <a:schemeClr val="accent1"/>
+            </a:fillRef>
+            <a:effectRef idx="0">
+              <a:schemeClr val="accent1"/>
+            </a:effectRef>
+            <a:fontRef idx="minor">
+              <a:schemeClr val="lt1"/>
+            </a:fontRef>
+          </p:style>
+          <p:txBody>
+            <a:bodyPr rtlCol="0" anchor="ctr"/>
+            <a:lstStyle/>
+            <a:p>
+              <a:pPr algn="ctr"/>
+              <a:endParaRPr lang="en-US"/>
+            </a:p>
+          </p:txBody>
+        </p:sp>
+        <p:sp>
+          <p:nvSpPr>
+            <p:cNvPr id="8" name="Freeform 7"/>
+            <p:cNvSpPr/>
+            <p:nvPr/>
+          </p:nvSpPr>
+          <p:spPr>
+            <a:xfrm>
+              <a:off x="1608737" y="937165"/>
+              <a:ext cx="106237" cy="75884"/>
+            </a:xfrm>
+            <a:custGeom>
+              <a:avLst/>
+              <a:gdLst>
+                <a:gd name="connsiteX0" fmla="*/ 0 w 106237"/>
+                <a:gd name="connsiteY0" fmla="*/ 26559 h 75884"/>
+                <a:gd name="connsiteX1" fmla="*/ 30353 w 106237"/>
+                <a:gd name="connsiteY1" fmla="*/ 75884 h 75884"/>
+                <a:gd name="connsiteX2" fmla="*/ 106237 w 106237"/>
+                <a:gd name="connsiteY2" fmla="*/ 0 h 75884"/>
+              </a:gdLst>
+              <a:ahLst/>
+              <a:cxnLst>
+                <a:cxn ang="0">
+                  <a:pos x="connsiteX0" y="connsiteY0"/>
+                </a:cxn>
+                <a:cxn ang="0">
+                  <a:pos x="connsiteX1" y="connsiteY1"/>
+                </a:cxn>
+                <a:cxn ang="0">
+                  <a:pos x="connsiteX2" y="connsiteY2"/>
+                </a:cxn>
+              </a:cxnLst>
+              <a:rect l="l" t="t" r="r" b="b"/>
+              <a:pathLst>
+                <a:path w="106237" h="75884">
+                  <a:moveTo>
+                    <a:pt x="0" y="26559"/>
+                  </a:moveTo>
+                  <a:lnTo>
+                    <a:pt x="30353" y="75884"/>
+                  </a:lnTo>
+                  <a:lnTo>
+                    <a:pt x="106237" y="0"/>
+                  </a:lnTo>
+                </a:path>
+              </a:pathLst>
+            </a:custGeom>
+            <a:noFill/>
+            <a:ln w="28575" cap="rnd">
+              <a:solidFill>
+                <a:srgbClr val="00B050"/>
+              </a:solidFill>
+            </a:ln>
+          </p:spPr>
+          <p:style>
+            <a:lnRef idx="2">
+              <a:schemeClr val="accent1">
+                <a:shade val="50000"/>
+              </a:schemeClr>
+            </a:lnRef>
+            <a:fillRef idx="1">
+              <a:schemeClr val="accent1"/>
+            </a:fillRef>
+            <a:effectRef idx="0">
+              <a:schemeClr val="accent1"/>
+            </a:effectRef>
+            <a:fontRef idx="minor">
+              <a:schemeClr val="lt1"/>
+            </a:fontRef>
+          </p:style>
+          <p:txBody>
+            <a:bodyPr rtlCol="0" anchor="ctr"/>
+            <a:lstStyle/>
+            <a:p>
+              <a:pPr algn="ctr"/>
+              <a:endParaRPr lang="en-US">
+                <a:solidFill>
+                  <a:schemeClr val="lt1"/>
+                </a:solidFill>
+              </a:endParaRPr>
+            </a:p>
+          </p:txBody>
+        </p:sp>
+      </p:grpSp>
+    </p:spTree>
+    <p:extLst>
+      <p:ext uri="{BB962C8B-B14F-4D97-AF65-F5344CB8AC3E}">
+        <p14:creationId xmlns:p14="http://schemas.microsoft.com/office/powerpoint/2010/main" val="1177397186"/>
+      </p:ext>
+    </p:extLst>
+  </p:cSld>
+  <p:clrMapOvr>
+    <a:masterClrMapping/>
+  </p:clrMapOvr>
+  <p:timing>
+    <p:tnLst>
+      <p:par>
+        <p:cTn id="1" dur="indefinite" restart="never" nodeType="tmRoot"/>
+      </p:par>
+    </p:tnLst>
+  </p:timing>
+</p:sld>
+</file>
+
+<file path=ppt/tags/tag1.xml><?xml version="1.0" encoding="utf-8"?>
+<p:tagLst xmlns:a="http://schemas.openxmlformats.org/drawingml/2006/main" xmlns:r="http://schemas.openxmlformats.org/officeDocument/2006/relationships" xmlns:p="http://schemas.openxmlformats.org/presentationml/2006/main">
+  <p:tag name="ARTICULATE_PROJECT_OPEN" val="0"/>
+</p:tagLst>
+</file>
+
 <file path=ppt/theme/theme1.xml><?xml version="1.0" encoding="utf-8"?>
 <a:theme xmlns:a="http://schemas.openxmlformats.org/drawingml/2006/main" name="Office Theme">
   <a:themeElements>

--- a/doc/diagrams/Icons.pptx
+++ b/doc/diagrams/Icons.pptx
@@ -6,13 +6,16 @@
   </p:sldMasterIdLst>
   <p:sldIdLst>
     <p:sldId id="257" r:id="rId2"/>
-    <p:sldId id="258" r:id="rId3"/>
-    <p:sldId id="259" r:id="rId4"/>
+    <p:sldId id="262" r:id="rId3"/>
+    <p:sldId id="261" r:id="rId4"/>
+    <p:sldId id="258" r:id="rId5"/>
+    <p:sldId id="259" r:id="rId6"/>
+    <p:sldId id="260" r:id="rId7"/>
   </p:sldIdLst>
   <p:sldSz cx="2743200" cy="2011363"/>
   <p:notesSz cx="6858000" cy="9144000"/>
   <p:custDataLst>
-    <p:tags r:id="rId5"/>
+    <p:tags r:id="rId8"/>
   </p:custDataLst>
   <p:defaultTextStyle>
     <a:defPPr>
@@ -294,7 +297,7 @@
             <a:fld id="{1D8BD707-D9CF-40AE-B4C6-C98DA3205C09}" type="datetimeFigureOut">
               <a:rPr lang="en-US" smtClean="0"/>
               <a:pPr/>
-              <a:t>3/21/2013</a:t>
+              <a:t>3/22/2013</a:t>
             </a:fld>
             <a:endParaRPr lang="en-US"/>
           </a:p>
@@ -468,7 +471,7 @@
             <a:fld id="{1D8BD707-D9CF-40AE-B4C6-C98DA3205C09}" type="datetimeFigureOut">
               <a:rPr lang="en-US" smtClean="0"/>
               <a:pPr/>
-              <a:t>3/21/2013</a:t>
+              <a:t>3/22/2013</a:t>
             </a:fld>
             <a:endParaRPr lang="en-US"/>
           </a:p>
@@ -645,7 +648,7 @@
             <a:fld id="{1D8BD707-D9CF-40AE-B4C6-C98DA3205C09}" type="datetimeFigureOut">
               <a:rPr lang="en-US" smtClean="0"/>
               <a:pPr/>
-              <a:t>3/21/2013</a:t>
+              <a:t>3/22/2013</a:t>
             </a:fld>
             <a:endParaRPr lang="en-US"/>
           </a:p>
@@ -812,7 +815,7 @@
             <a:fld id="{1D8BD707-D9CF-40AE-B4C6-C98DA3205C09}" type="datetimeFigureOut">
               <a:rPr lang="en-US" smtClean="0"/>
               <a:pPr/>
-              <a:t>3/21/2013</a:t>
+              <a:t>3/22/2013</a:t>
             </a:fld>
             <a:endParaRPr lang="en-US"/>
           </a:p>
@@ -1055,7 +1058,7 @@
             <a:fld id="{1D8BD707-D9CF-40AE-B4C6-C98DA3205C09}" type="datetimeFigureOut">
               <a:rPr lang="en-US" smtClean="0"/>
               <a:pPr/>
-              <a:t>3/21/2013</a:t>
+              <a:t>3/22/2013</a:t>
             </a:fld>
             <a:endParaRPr lang="en-US"/>
           </a:p>
@@ -1340,7 +1343,7 @@
             <a:fld id="{1D8BD707-D9CF-40AE-B4C6-C98DA3205C09}" type="datetimeFigureOut">
               <a:rPr lang="en-US" smtClean="0"/>
               <a:pPr/>
-              <a:t>3/21/2013</a:t>
+              <a:t>3/22/2013</a:t>
             </a:fld>
             <a:endParaRPr lang="en-US"/>
           </a:p>
@@ -1759,7 +1762,7 @@
             <a:fld id="{1D8BD707-D9CF-40AE-B4C6-C98DA3205C09}" type="datetimeFigureOut">
               <a:rPr lang="en-US" smtClean="0"/>
               <a:pPr/>
-              <a:t>3/21/2013</a:t>
+              <a:t>3/22/2013</a:t>
             </a:fld>
             <a:endParaRPr lang="en-US"/>
           </a:p>
@@ -1874,7 +1877,7 @@
             <a:fld id="{1D8BD707-D9CF-40AE-B4C6-C98DA3205C09}" type="datetimeFigureOut">
               <a:rPr lang="en-US" smtClean="0"/>
               <a:pPr/>
-              <a:t>3/21/2013</a:t>
+              <a:t>3/22/2013</a:t>
             </a:fld>
             <a:endParaRPr lang="en-US"/>
           </a:p>
@@ -1966,7 +1969,7 @@
             <a:fld id="{1D8BD707-D9CF-40AE-B4C6-C98DA3205C09}" type="datetimeFigureOut">
               <a:rPr lang="en-US" smtClean="0"/>
               <a:pPr/>
-              <a:t>3/21/2013</a:t>
+              <a:t>3/22/2013</a:t>
             </a:fld>
             <a:endParaRPr lang="en-US"/>
           </a:p>
@@ -2240,7 +2243,7 @@
             <a:fld id="{1D8BD707-D9CF-40AE-B4C6-C98DA3205C09}" type="datetimeFigureOut">
               <a:rPr lang="en-US" smtClean="0"/>
               <a:pPr/>
-              <a:t>3/21/2013</a:t>
+              <a:t>3/22/2013</a:t>
             </a:fld>
             <a:endParaRPr lang="en-US"/>
           </a:p>
@@ -2490,7 +2493,7 @@
             <a:fld id="{1D8BD707-D9CF-40AE-B4C6-C98DA3205C09}" type="datetimeFigureOut">
               <a:rPr lang="en-US" smtClean="0"/>
               <a:pPr/>
-              <a:t>3/21/2013</a:t>
+              <a:t>3/22/2013</a:t>
             </a:fld>
             <a:endParaRPr lang="en-US"/>
           </a:p>
@@ -2700,7 +2703,7 @@
             <a:fld id="{1D8BD707-D9CF-40AE-B4C6-C98DA3205C09}" type="datetimeFigureOut">
               <a:rPr lang="en-US" smtClean="0"/>
               <a:pPr/>
-              <a:t>3/21/2013</a:t>
+              <a:t>3/22/2013</a:t>
             </a:fld>
             <a:endParaRPr lang="en-US"/>
           </a:p>
@@ -3073,37 +3076,910 @@
       </p:grpSpPr>
       <p:grpSp>
         <p:nvGrpSpPr>
-          <p:cNvPr id="2068" name="Group 2067"/>
+          <p:cNvPr id="5" name="Group 4"/>
           <p:cNvGrpSpPr/>
           <p:nvPr/>
         </p:nvGrpSpPr>
         <p:grpSpPr>
           <a:xfrm>
-            <a:off x="1677590" y="918404"/>
-            <a:ext cx="463536" cy="688776"/>
-            <a:chOff x="1387087" y="920741"/>
-            <a:chExt cx="463536" cy="688776"/>
+            <a:off x="1571191" y="894822"/>
+            <a:ext cx="676331" cy="741901"/>
+            <a:chOff x="1571191" y="894822"/>
+            <a:chExt cx="676331" cy="741901"/>
           </a:xfrm>
         </p:grpSpPr>
+        <p:grpSp>
+          <p:nvGrpSpPr>
+            <p:cNvPr id="2068" name="Group 2067"/>
+            <p:cNvGrpSpPr/>
+            <p:nvPr/>
+          </p:nvGrpSpPr>
+          <p:grpSpPr>
+            <a:xfrm>
+              <a:off x="1677590" y="918404"/>
+              <a:ext cx="463536" cy="688776"/>
+              <a:chOff x="1387087" y="920741"/>
+              <a:chExt cx="463536" cy="688776"/>
+            </a:xfrm>
+          </p:grpSpPr>
+          <p:sp>
+            <p:nvSpPr>
+              <p:cNvPr id="34" name="Flowchart: Connector 33"/>
+              <p:cNvSpPr/>
+              <p:nvPr/>
+            </p:nvSpPr>
+            <p:spPr>
+              <a:xfrm>
+                <a:off x="1447800" y="920741"/>
+                <a:ext cx="342109" cy="336286"/>
+              </a:xfrm>
+              <a:prstGeom prst="flowChartConnector">
+                <a:avLst/>
+              </a:prstGeom>
+              <a:noFill/>
+              <a:ln w="38100">
+                <a:solidFill>
+                  <a:srgbClr val="C00000"/>
+                </a:solidFill>
+              </a:ln>
+            </p:spPr>
+            <p:style>
+              <a:lnRef idx="2">
+                <a:schemeClr val="accent1">
+                  <a:shade val="50000"/>
+                </a:schemeClr>
+              </a:lnRef>
+              <a:fillRef idx="1">
+                <a:schemeClr val="accent1"/>
+              </a:fillRef>
+              <a:effectRef idx="0">
+                <a:schemeClr val="accent1"/>
+              </a:effectRef>
+              <a:fontRef idx="minor">
+                <a:schemeClr val="lt1"/>
+              </a:fontRef>
+            </p:style>
+            <p:txBody>
+              <a:bodyPr rtlCol="0" anchor="ctr"/>
+              <a:lstStyle/>
+              <a:p>
+                <a:pPr algn="ctr"/>
+                <a:endParaRPr lang="en-SG"/>
+              </a:p>
+            </p:txBody>
+          </p:sp>
+          <p:sp>
+            <p:nvSpPr>
+              <p:cNvPr id="35" name="Flowchart: Delay 34"/>
+              <p:cNvSpPr/>
+              <p:nvPr/>
+            </p:nvSpPr>
+            <p:spPr>
+              <a:xfrm rot="16200000">
+                <a:off x="1457481" y="1216375"/>
+                <a:ext cx="322748" cy="463536"/>
+              </a:xfrm>
+              <a:prstGeom prst="flowChartDelay">
+                <a:avLst/>
+              </a:prstGeom>
+              <a:noFill/>
+              <a:ln w="38100">
+                <a:solidFill>
+                  <a:srgbClr val="C00000"/>
+                </a:solidFill>
+              </a:ln>
+            </p:spPr>
+            <p:style>
+              <a:lnRef idx="2">
+                <a:schemeClr val="accent1">
+                  <a:shade val="50000"/>
+                </a:schemeClr>
+              </a:lnRef>
+              <a:fillRef idx="1">
+                <a:schemeClr val="accent1"/>
+              </a:fillRef>
+              <a:effectRef idx="0">
+                <a:schemeClr val="accent1"/>
+              </a:effectRef>
+              <a:fontRef idx="minor">
+                <a:schemeClr val="lt1"/>
+              </a:fontRef>
+            </p:style>
+            <p:txBody>
+              <a:bodyPr rtlCol="0" anchor="ctr"/>
+              <a:lstStyle/>
+              <a:p>
+                <a:pPr algn="ctr"/>
+                <a:endParaRPr lang="en-SG"/>
+              </a:p>
+            </p:txBody>
+          </p:sp>
+          <p:sp>
+            <p:nvSpPr>
+              <p:cNvPr id="36" name="Freeform 35"/>
+              <p:cNvSpPr/>
+              <p:nvPr/>
+            </p:nvSpPr>
+            <p:spPr>
+              <a:xfrm>
+                <a:off x="1764776" y="1164867"/>
+                <a:ext cx="77528" cy="29032"/>
+              </a:xfrm>
+              <a:custGeom>
+                <a:avLst/>
+                <a:gdLst>
+                  <a:gd name="connsiteX0" fmla="*/ 0 w 50006"/>
+                  <a:gd name="connsiteY0" fmla="*/ 0 h 19050"/>
+                  <a:gd name="connsiteX1" fmla="*/ 0 w 50006"/>
+                  <a:gd name="connsiteY1" fmla="*/ 0 h 19050"/>
+                  <a:gd name="connsiteX2" fmla="*/ 21431 w 50006"/>
+                  <a:gd name="connsiteY2" fmla="*/ 4762 h 19050"/>
+                  <a:gd name="connsiteX3" fmla="*/ 28575 w 50006"/>
+                  <a:gd name="connsiteY3" fmla="*/ 9525 h 19050"/>
+                  <a:gd name="connsiteX4" fmla="*/ 38100 w 50006"/>
+                  <a:gd name="connsiteY4" fmla="*/ 14287 h 19050"/>
+                  <a:gd name="connsiteX5" fmla="*/ 50006 w 50006"/>
+                  <a:gd name="connsiteY5" fmla="*/ 19050 h 19050"/>
+                </a:gdLst>
+                <a:ahLst/>
+                <a:cxnLst>
+                  <a:cxn ang="0">
+                    <a:pos x="connsiteX0" y="connsiteY0"/>
+                  </a:cxn>
+                  <a:cxn ang="0">
+                    <a:pos x="connsiteX1" y="connsiteY1"/>
+                  </a:cxn>
+                  <a:cxn ang="0">
+                    <a:pos x="connsiteX2" y="connsiteY2"/>
+                  </a:cxn>
+                  <a:cxn ang="0">
+                    <a:pos x="connsiteX3" y="connsiteY3"/>
+                  </a:cxn>
+                  <a:cxn ang="0">
+                    <a:pos x="connsiteX4" y="connsiteY4"/>
+                  </a:cxn>
+                  <a:cxn ang="0">
+                    <a:pos x="connsiteX5" y="connsiteY5"/>
+                  </a:cxn>
+                </a:cxnLst>
+                <a:rect l="l" t="t" r="r" b="b"/>
+                <a:pathLst>
+                  <a:path w="50006" h="19050">
+                    <a:moveTo>
+                      <a:pt x="0" y="0"/>
+                    </a:moveTo>
+                    <a:lnTo>
+                      <a:pt x="0" y="0"/>
+                    </a:lnTo>
+                    <a:cubicBezTo>
+                      <a:pt x="7144" y="1587"/>
+                      <a:pt x="14489" y="2448"/>
+                      <a:pt x="21431" y="4762"/>
+                    </a:cubicBezTo>
+                    <a:cubicBezTo>
+                      <a:pt x="24146" y="5667"/>
+                      <a:pt x="26090" y="8105"/>
+                      <a:pt x="28575" y="9525"/>
+                    </a:cubicBezTo>
+                    <a:cubicBezTo>
+                      <a:pt x="31657" y="11286"/>
+                      <a:pt x="34837" y="12889"/>
+                      <a:pt x="38100" y="14287"/>
+                    </a:cubicBezTo>
+                    <a:cubicBezTo>
+                      <a:pt x="58672" y="23103"/>
+                      <a:pt x="34691" y="11391"/>
+                      <a:pt x="50006" y="19050"/>
+                    </a:cubicBezTo>
+                  </a:path>
+                </a:pathLst>
+              </a:custGeom>
+              <a:solidFill>
+                <a:schemeClr val="bg1"/>
+              </a:solidFill>
+              <a:ln w="38100">
+                <a:solidFill>
+                  <a:srgbClr val="C00000"/>
+                </a:solidFill>
+              </a:ln>
+            </p:spPr>
+            <p:style>
+              <a:lnRef idx="2">
+                <a:schemeClr val="accent1">
+                  <a:shade val="50000"/>
+                </a:schemeClr>
+              </a:lnRef>
+              <a:fillRef idx="1">
+                <a:schemeClr val="accent1"/>
+              </a:fillRef>
+              <a:effectRef idx="0">
+                <a:schemeClr val="accent1"/>
+              </a:effectRef>
+              <a:fontRef idx="minor">
+                <a:schemeClr val="lt1"/>
+              </a:fontRef>
+            </p:style>
+            <p:txBody>
+              <a:bodyPr rtlCol="0" anchor="ctr"/>
+              <a:lstStyle/>
+              <a:p>
+                <a:pPr algn="ctr"/>
+                <a:endParaRPr lang="en-SG"/>
+              </a:p>
+            </p:txBody>
+          </p:sp>
+          <p:sp>
+            <p:nvSpPr>
+              <p:cNvPr id="8" name="Freeform 7"/>
+              <p:cNvSpPr/>
+              <p:nvPr/>
+            </p:nvSpPr>
+            <p:spPr>
+              <a:xfrm>
+                <a:off x="1564481" y="1126331"/>
+                <a:ext cx="150019" cy="90488"/>
+              </a:xfrm>
+              <a:custGeom>
+                <a:avLst/>
+                <a:gdLst>
+                  <a:gd name="connsiteX0" fmla="*/ 150019 w 150019"/>
+                  <a:gd name="connsiteY0" fmla="*/ 90488 h 90488"/>
+                  <a:gd name="connsiteX1" fmla="*/ 130969 w 150019"/>
+                  <a:gd name="connsiteY1" fmla="*/ 40482 h 90488"/>
+                  <a:gd name="connsiteX2" fmla="*/ 73819 w 150019"/>
+                  <a:gd name="connsiteY2" fmla="*/ 61913 h 90488"/>
+                  <a:gd name="connsiteX3" fmla="*/ 69057 w 150019"/>
+                  <a:gd name="connsiteY3" fmla="*/ 16669 h 90488"/>
+                  <a:gd name="connsiteX4" fmla="*/ 4763 w 150019"/>
+                  <a:gd name="connsiteY4" fmla="*/ 38100 h 90488"/>
+                  <a:gd name="connsiteX5" fmla="*/ 0 w 150019"/>
+                  <a:gd name="connsiteY5" fmla="*/ 0 h 90488"/>
+                </a:gdLst>
+                <a:ahLst/>
+                <a:cxnLst>
+                  <a:cxn ang="0">
+                    <a:pos x="connsiteX0" y="connsiteY0"/>
+                  </a:cxn>
+                  <a:cxn ang="0">
+                    <a:pos x="connsiteX1" y="connsiteY1"/>
+                  </a:cxn>
+                  <a:cxn ang="0">
+                    <a:pos x="connsiteX2" y="connsiteY2"/>
+                  </a:cxn>
+                  <a:cxn ang="0">
+                    <a:pos x="connsiteX3" y="connsiteY3"/>
+                  </a:cxn>
+                  <a:cxn ang="0">
+                    <a:pos x="connsiteX4" y="connsiteY4"/>
+                  </a:cxn>
+                  <a:cxn ang="0">
+                    <a:pos x="connsiteX5" y="connsiteY5"/>
+                  </a:cxn>
+                </a:cxnLst>
+                <a:rect l="l" t="t" r="r" b="b"/>
+                <a:pathLst>
+                  <a:path w="150019" h="90488">
+                    <a:moveTo>
+                      <a:pt x="150019" y="90488"/>
+                    </a:moveTo>
+                    <a:lnTo>
+                      <a:pt x="130969" y="40482"/>
+                    </a:lnTo>
+                    <a:lnTo>
+                      <a:pt x="73819" y="61913"/>
+                    </a:lnTo>
+                    <a:lnTo>
+                      <a:pt x="69057" y="16669"/>
+                    </a:lnTo>
+                    <a:lnTo>
+                      <a:pt x="4763" y="38100"/>
+                    </a:lnTo>
+                    <a:lnTo>
+                      <a:pt x="0" y="0"/>
+                    </a:lnTo>
+                  </a:path>
+                </a:pathLst>
+              </a:custGeom>
+              <a:noFill/>
+              <a:ln w="38100">
+                <a:solidFill>
+                  <a:srgbClr val="C00000"/>
+                </a:solidFill>
+              </a:ln>
+            </p:spPr>
+            <p:style>
+              <a:lnRef idx="2">
+                <a:schemeClr val="accent1">
+                  <a:shade val="50000"/>
+                </a:schemeClr>
+              </a:lnRef>
+              <a:fillRef idx="1">
+                <a:schemeClr val="accent1"/>
+              </a:fillRef>
+              <a:effectRef idx="0">
+                <a:schemeClr val="accent1"/>
+              </a:effectRef>
+              <a:fontRef idx="minor">
+                <a:schemeClr val="lt1"/>
+              </a:fontRef>
+            </p:style>
+            <p:txBody>
+              <a:bodyPr rtlCol="0" anchor="ctr"/>
+              <a:lstStyle/>
+              <a:p>
+                <a:pPr algn="ctr"/>
+                <a:endParaRPr lang="en-US">
+                  <a:solidFill>
+                    <a:schemeClr val="lt1"/>
+                  </a:solidFill>
+                </a:endParaRPr>
+              </a:p>
+            </p:txBody>
+          </p:sp>
+          <p:cxnSp>
+            <p:nvCxnSpPr>
+              <p:cNvPr id="26" name="Straight Connector 25"/>
+              <p:cNvCxnSpPr/>
+              <p:nvPr/>
+            </p:nvCxnSpPr>
+            <p:spPr>
+              <a:xfrm flipV="1">
+                <a:off x="1639490" y="992137"/>
+                <a:ext cx="76200" cy="80218"/>
+              </a:xfrm>
+              <a:prstGeom prst="line">
+                <a:avLst/>
+              </a:prstGeom>
+              <a:noFill/>
+              <a:ln w="38100">
+                <a:solidFill>
+                  <a:srgbClr val="C00000"/>
+                </a:solidFill>
+              </a:ln>
+            </p:spPr>
+            <p:style>
+              <a:lnRef idx="2">
+                <a:schemeClr val="accent1">
+                  <a:shade val="50000"/>
+                </a:schemeClr>
+              </a:lnRef>
+              <a:fillRef idx="1">
+                <a:schemeClr val="accent1"/>
+              </a:fillRef>
+              <a:effectRef idx="0">
+                <a:schemeClr val="accent1"/>
+              </a:effectRef>
+              <a:fontRef idx="minor">
+                <a:schemeClr val="lt1"/>
+              </a:fontRef>
+            </p:style>
+          </p:cxnSp>
+          <p:cxnSp>
+            <p:nvCxnSpPr>
+              <p:cNvPr id="45" name="Straight Connector 44"/>
+              <p:cNvCxnSpPr/>
+              <p:nvPr/>
+            </p:nvCxnSpPr>
+            <p:spPr>
+              <a:xfrm>
+                <a:off x="1639490" y="992137"/>
+                <a:ext cx="76200" cy="80217"/>
+              </a:xfrm>
+              <a:prstGeom prst="line">
+                <a:avLst/>
+              </a:prstGeom>
+              <a:noFill/>
+              <a:ln w="38100">
+                <a:solidFill>
+                  <a:srgbClr val="C00000"/>
+                </a:solidFill>
+              </a:ln>
+            </p:spPr>
+            <p:style>
+              <a:lnRef idx="2">
+                <a:schemeClr val="accent1">
+                  <a:shade val="50000"/>
+                </a:schemeClr>
+              </a:lnRef>
+              <a:fillRef idx="1">
+                <a:schemeClr val="accent1"/>
+              </a:fillRef>
+              <a:effectRef idx="0">
+                <a:schemeClr val="accent1"/>
+              </a:effectRef>
+              <a:fontRef idx="minor">
+                <a:schemeClr val="lt1"/>
+              </a:fontRef>
+            </p:style>
+          </p:cxnSp>
+        </p:grpSp>
         <p:sp>
           <p:nvSpPr>
-            <p:cNvPr id="34" name="Flowchart: Connector 33"/>
+            <p:cNvPr id="18" name="Rectangle 17"/>
             <p:cNvSpPr/>
             <p:nvPr/>
           </p:nvSpPr>
           <p:spPr>
             <a:xfrm>
-              <a:off x="1447800" y="920741"/>
-              <a:ext cx="342109" cy="336286"/>
+              <a:off x="1571191" y="894822"/>
+              <a:ext cx="676331" cy="741901"/>
             </a:xfrm>
-            <a:prstGeom prst="flowChartConnector">
+            <a:prstGeom prst="rect">
               <a:avLst/>
             </a:prstGeom>
             <a:noFill/>
-            <a:ln w="38100">
+            <a:ln>
+              <a:noFill/>
+            </a:ln>
+          </p:spPr>
+          <p:style>
+            <a:lnRef idx="2">
+              <a:schemeClr val="accent1">
+                <a:shade val="50000"/>
+              </a:schemeClr>
+            </a:lnRef>
+            <a:fillRef idx="1">
+              <a:schemeClr val="accent1"/>
+            </a:fillRef>
+            <a:effectRef idx="0">
+              <a:schemeClr val="accent1"/>
+            </a:effectRef>
+            <a:fontRef idx="minor">
+              <a:schemeClr val="lt1"/>
+            </a:fontRef>
+          </p:style>
+          <p:txBody>
+            <a:bodyPr rtlCol="0" anchor="ctr"/>
+            <a:lstStyle/>
+            <a:p>
+              <a:pPr algn="ctr"/>
+              <a:endParaRPr lang="en-SG"/>
+            </a:p>
+          </p:txBody>
+        </p:sp>
+      </p:grpSp>
+      <p:grpSp>
+        <p:nvGrpSpPr>
+          <p:cNvPr id="15" name="Group 14"/>
+          <p:cNvGrpSpPr/>
+          <p:nvPr/>
+        </p:nvGrpSpPr>
+        <p:grpSpPr>
+          <a:xfrm>
+            <a:off x="333132" y="894416"/>
+            <a:ext cx="789139" cy="742307"/>
+            <a:chOff x="333132" y="894416"/>
+            <a:chExt cx="789139" cy="742307"/>
+          </a:xfrm>
+        </p:grpSpPr>
+        <p:grpSp>
+          <p:nvGrpSpPr>
+            <p:cNvPr id="14" name="Group 13"/>
+            <p:cNvGrpSpPr/>
+            <p:nvPr/>
+          </p:nvGrpSpPr>
+          <p:grpSpPr>
+            <a:xfrm>
+              <a:off x="355851" y="894416"/>
+              <a:ext cx="693815" cy="742307"/>
+              <a:chOff x="355851" y="894416"/>
+              <a:chExt cx="693815" cy="742307"/>
+            </a:xfrm>
+          </p:grpSpPr>
+          <p:grpSp>
+            <p:nvGrpSpPr>
+              <p:cNvPr id="2074" name="Group 2073"/>
+              <p:cNvGrpSpPr/>
+              <p:nvPr/>
+            </p:nvGrpSpPr>
+            <p:grpSpPr>
+              <a:xfrm>
+                <a:off x="355851" y="894416"/>
+                <a:ext cx="641086" cy="720866"/>
+                <a:chOff x="355851" y="894416"/>
+                <a:chExt cx="641086" cy="720866"/>
+              </a:xfrm>
+              <a:noFill/>
+            </p:grpSpPr>
+            <p:sp>
+              <p:nvSpPr>
+                <p:cNvPr id="13" name="Arc 12"/>
+                <p:cNvSpPr/>
+                <p:nvPr/>
+              </p:nvSpPr>
+              <p:spPr>
+                <a:xfrm>
+                  <a:off x="594113" y="926506"/>
+                  <a:ext cx="342109" cy="336286"/>
+                </a:xfrm>
+                <a:prstGeom prst="arc">
+                  <a:avLst>
+                    <a:gd name="adj1" fmla="val 18413051"/>
+                    <a:gd name="adj2" fmla="val 16918372"/>
+                  </a:avLst>
+                </a:prstGeom>
+                <a:grpFill/>
+                <a:ln w="38100">
+                  <a:solidFill>
+                    <a:schemeClr val="tx2"/>
+                  </a:solidFill>
+                </a:ln>
+              </p:spPr>
+              <p:style>
+                <a:lnRef idx="2">
+                  <a:schemeClr val="accent1">
+                    <a:shade val="50000"/>
+                  </a:schemeClr>
+                </a:lnRef>
+                <a:fillRef idx="1">
+                  <a:schemeClr val="accent1"/>
+                </a:fillRef>
+                <a:effectRef idx="0">
+                  <a:schemeClr val="accent1"/>
+                </a:effectRef>
+                <a:fontRef idx="minor">
+                  <a:schemeClr val="lt1"/>
+                </a:fontRef>
+              </p:style>
+              <p:txBody>
+                <a:bodyPr rtlCol="0" anchor="ctr"/>
+                <a:lstStyle/>
+                <a:p>
+                  <a:pPr algn="ctr"/>
+                  <a:endParaRPr lang="en-SG"/>
+                </a:p>
+              </p:txBody>
+            </p:sp>
+            <p:sp>
+              <p:nvSpPr>
+                <p:cNvPr id="17" name="Flowchart: Delay 16"/>
+                <p:cNvSpPr/>
+                <p:nvPr/>
+              </p:nvSpPr>
+              <p:spPr>
+                <a:xfrm rot="16200000">
+                  <a:off x="564908" y="1261026"/>
+                  <a:ext cx="322748" cy="385763"/>
+                </a:xfrm>
+                <a:prstGeom prst="flowChartDelay">
+                  <a:avLst/>
+                </a:prstGeom>
+                <a:grpFill/>
+                <a:ln w="38100">
+                  <a:solidFill>
+                    <a:schemeClr val="tx2"/>
+                  </a:solidFill>
+                </a:ln>
+              </p:spPr>
+              <p:style>
+                <a:lnRef idx="2">
+                  <a:schemeClr val="accent1">
+                    <a:shade val="50000"/>
+                  </a:schemeClr>
+                </a:lnRef>
+                <a:fillRef idx="1">
+                  <a:schemeClr val="accent1"/>
+                </a:fillRef>
+                <a:effectRef idx="0">
+                  <a:schemeClr val="accent1"/>
+                </a:effectRef>
+                <a:fontRef idx="minor">
+                  <a:schemeClr val="lt1"/>
+                </a:fontRef>
+              </p:style>
+              <p:txBody>
+                <a:bodyPr rtlCol="0" anchor="ctr"/>
+                <a:lstStyle/>
+                <a:p>
+                  <a:pPr algn="ctr"/>
+                  <a:endParaRPr lang="en-SG"/>
+                </a:p>
+              </p:txBody>
+            </p:sp>
+            <p:sp>
+              <p:nvSpPr>
+                <p:cNvPr id="16" name="Flowchart: Connector 15"/>
+                <p:cNvSpPr/>
+                <p:nvPr/>
+              </p:nvSpPr>
+              <p:spPr>
+                <a:xfrm>
+                  <a:off x="694286" y="1030030"/>
+                  <a:ext cx="70882" cy="69675"/>
+                </a:xfrm>
+                <a:prstGeom prst="flowChartConnector">
+                  <a:avLst/>
+                </a:prstGeom>
+                <a:grpFill/>
+                <a:ln w="38100">
+                  <a:solidFill>
+                    <a:schemeClr val="tx2"/>
+                  </a:solidFill>
+                </a:ln>
+              </p:spPr>
+              <p:style>
+                <a:lnRef idx="2">
+                  <a:schemeClr val="accent1">
+                    <a:shade val="50000"/>
+                  </a:schemeClr>
+                </a:lnRef>
+                <a:fillRef idx="1">
+                  <a:schemeClr val="accent1"/>
+                </a:fillRef>
+                <a:effectRef idx="0">
+                  <a:schemeClr val="accent1"/>
+                </a:effectRef>
+                <a:fontRef idx="minor">
+                  <a:schemeClr val="lt1"/>
+                </a:fontRef>
+              </p:style>
+              <p:txBody>
+                <a:bodyPr rtlCol="0" anchor="ctr"/>
+                <a:lstStyle/>
+                <a:p>
+                  <a:pPr algn="ctr"/>
+                  <a:endParaRPr lang="en-SG"/>
+                </a:p>
+              </p:txBody>
+            </p:sp>
+            <p:sp>
+              <p:nvSpPr>
+                <p:cNvPr id="3" name="TextBox 2"/>
+                <p:cNvSpPr txBox="1"/>
+                <p:nvPr/>
+              </p:nvSpPr>
+              <p:spPr>
+                <a:xfrm rot="19605016">
+                  <a:off x="355851" y="894416"/>
+                  <a:ext cx="111679" cy="307567"/>
+                </a:xfrm>
+                <a:prstGeom prst="rect">
+                  <a:avLst/>
+                </a:prstGeom>
+                <a:grpFill/>
+              </p:spPr>
+              <p:txBody>
+                <a:bodyPr wrap="square" lIns="0" tIns="0" rIns="0" bIns="0" rtlCol="0">
+                  <a:noAutofit/>
+                </a:bodyPr>
+                <a:lstStyle/>
+                <a:p>
+                  <a:r>
+                    <a:rPr lang="en-US" sz="3200" b="1" dirty="0" smtClean="0">
+                      <a:solidFill>
+                        <a:schemeClr val="accent6">
+                          <a:lumMod val="75000"/>
+                        </a:schemeClr>
+                      </a:solidFill>
+                    </a:rPr>
+                    <a:t>!</a:t>
+                  </a:r>
+                  <a:endParaRPr lang="en-US" sz="3200" b="1" dirty="0">
+                    <a:solidFill>
+                      <a:schemeClr val="accent6">
+                        <a:lumMod val="75000"/>
+                      </a:schemeClr>
+                    </a:solidFill>
+                  </a:endParaRPr>
+                </a:p>
+              </p:txBody>
+            </p:sp>
+            <p:sp>
+              <p:nvSpPr>
+                <p:cNvPr id="64" name="Flowchart: Connector 63"/>
+                <p:cNvSpPr/>
+                <p:nvPr/>
+              </p:nvSpPr>
+              <p:spPr>
+                <a:xfrm>
+                  <a:off x="792423" y="913307"/>
+                  <a:ext cx="70882" cy="69675"/>
+                </a:xfrm>
+                <a:prstGeom prst="flowChartConnector">
+                  <a:avLst/>
+                </a:prstGeom>
+                <a:grpFill/>
+                <a:ln w="38100">
+                  <a:solidFill>
+                    <a:schemeClr val="tx2"/>
+                  </a:solidFill>
+                </a:ln>
+              </p:spPr>
+              <p:style>
+                <a:lnRef idx="2">
+                  <a:schemeClr val="accent1">
+                    <a:shade val="50000"/>
+                  </a:schemeClr>
+                </a:lnRef>
+                <a:fillRef idx="1">
+                  <a:schemeClr val="accent1"/>
+                </a:fillRef>
+                <a:effectRef idx="0">
+                  <a:schemeClr val="accent1"/>
+                </a:effectRef>
+                <a:fontRef idx="minor">
+                  <a:schemeClr val="lt1"/>
+                </a:fontRef>
+              </p:style>
+              <p:txBody>
+                <a:bodyPr rtlCol="0" anchor="ctr"/>
+                <a:lstStyle/>
+                <a:p>
+                  <a:pPr algn="ctr"/>
+                  <a:endParaRPr lang="en-SG"/>
+                </a:p>
+              </p:txBody>
+            </p:sp>
+            <p:cxnSp>
+              <p:nvCxnSpPr>
+                <p:cNvPr id="2073" name="Straight Connector 2072"/>
+                <p:cNvCxnSpPr/>
+                <p:nvPr/>
+              </p:nvCxnSpPr>
+              <p:spPr>
+                <a:xfrm>
+                  <a:off x="936222" y="1094649"/>
+                  <a:ext cx="60715" cy="0"/>
+                </a:xfrm>
+                <a:prstGeom prst="line">
+                  <a:avLst/>
+                </a:prstGeom>
+                <a:grpFill/>
+                <a:ln w="38100" cap="rnd">
+                  <a:solidFill>
+                    <a:schemeClr val="tx2"/>
+                  </a:solidFill>
+                </a:ln>
+              </p:spPr>
+              <p:style>
+                <a:lnRef idx="2">
+                  <a:schemeClr val="accent1">
+                    <a:shade val="50000"/>
+                  </a:schemeClr>
+                </a:lnRef>
+                <a:fillRef idx="1">
+                  <a:schemeClr val="accent1"/>
+                </a:fillRef>
+                <a:effectRef idx="0">
+                  <a:schemeClr val="accent1"/>
+                </a:effectRef>
+                <a:fontRef idx="minor">
+                  <a:schemeClr val="lt1"/>
+                </a:fontRef>
+              </p:style>
+            </p:cxnSp>
+          </p:grpSp>
+          <p:sp>
+            <p:nvSpPr>
+              <p:cNvPr id="4" name="Rectangle 3"/>
+              <p:cNvSpPr/>
+              <p:nvPr/>
+            </p:nvSpPr>
+            <p:spPr>
+              <a:xfrm>
+                <a:off x="373335" y="894822"/>
+                <a:ext cx="676331" cy="741901"/>
+              </a:xfrm>
+              <a:prstGeom prst="rect">
+                <a:avLst/>
+              </a:prstGeom>
+              <a:noFill/>
+              <a:ln>
+                <a:noFill/>
+              </a:ln>
+            </p:spPr>
+            <p:style>
+              <a:lnRef idx="2">
+                <a:schemeClr val="accent1">
+                  <a:shade val="50000"/>
+                </a:schemeClr>
+              </a:lnRef>
+              <a:fillRef idx="1">
+                <a:schemeClr val="accent1"/>
+              </a:fillRef>
+              <a:effectRef idx="0">
+                <a:schemeClr val="accent1"/>
+              </a:effectRef>
+              <a:fontRef idx="minor">
+                <a:schemeClr val="lt1"/>
+              </a:fontRef>
+            </p:style>
+            <p:txBody>
+              <a:bodyPr rtlCol="0" anchor="ctr"/>
+              <a:lstStyle/>
+              <a:p>
+                <a:pPr algn="ctr"/>
+                <a:endParaRPr lang="en-SG"/>
+              </a:p>
+            </p:txBody>
+          </p:sp>
+        </p:grpSp>
+        <p:sp>
+          <p:nvSpPr>
+            <p:cNvPr id="21" name="Freeform 20"/>
+            <p:cNvSpPr/>
+            <p:nvPr/>
+          </p:nvSpPr>
+          <p:spPr>
+            <a:xfrm>
+              <a:off x="333132" y="1366392"/>
+              <a:ext cx="238069" cy="208108"/>
+            </a:xfrm>
+            <a:custGeom>
+              <a:avLst/>
+              <a:gdLst>
+                <a:gd name="connsiteX0" fmla="*/ 238069 w 238069"/>
+                <a:gd name="connsiteY0" fmla="*/ 0 h 248890"/>
+                <a:gd name="connsiteX1" fmla="*/ 0 w 238069"/>
+                <a:gd name="connsiteY1" fmla="*/ 108213 h 248890"/>
+                <a:gd name="connsiteX2" fmla="*/ 189373 w 238069"/>
+                <a:gd name="connsiteY2" fmla="*/ 229952 h 248890"/>
+                <a:gd name="connsiteX3" fmla="*/ 162320 w 238069"/>
+                <a:gd name="connsiteY3" fmla="*/ 248890 h 248890"/>
+                <a:gd name="connsiteX0" fmla="*/ 238069 w 238069"/>
+                <a:gd name="connsiteY0" fmla="*/ 0 h 290415"/>
+                <a:gd name="connsiteX1" fmla="*/ 0 w 238069"/>
+                <a:gd name="connsiteY1" fmla="*/ 108213 h 290415"/>
+                <a:gd name="connsiteX2" fmla="*/ 189373 w 238069"/>
+                <a:gd name="connsiteY2" fmla="*/ 229952 h 290415"/>
+                <a:gd name="connsiteX3" fmla="*/ 132562 w 238069"/>
+                <a:gd name="connsiteY3" fmla="*/ 290415 h 290415"/>
+                <a:gd name="connsiteX0" fmla="*/ 238069 w 238069"/>
+                <a:gd name="connsiteY0" fmla="*/ 0 h 280034"/>
+                <a:gd name="connsiteX1" fmla="*/ 0 w 238069"/>
+                <a:gd name="connsiteY1" fmla="*/ 108213 h 280034"/>
+                <a:gd name="connsiteX2" fmla="*/ 189373 w 238069"/>
+                <a:gd name="connsiteY2" fmla="*/ 229952 h 280034"/>
+                <a:gd name="connsiteX3" fmla="*/ 146088 w 238069"/>
+                <a:gd name="connsiteY3" fmla="*/ 280034 h 280034"/>
+                <a:gd name="connsiteX0" fmla="*/ 238069 w 238069"/>
+                <a:gd name="connsiteY0" fmla="*/ 0 h 266193"/>
+                <a:gd name="connsiteX1" fmla="*/ 0 w 238069"/>
+                <a:gd name="connsiteY1" fmla="*/ 108213 h 266193"/>
+                <a:gd name="connsiteX2" fmla="*/ 189373 w 238069"/>
+                <a:gd name="connsiteY2" fmla="*/ 229952 h 266193"/>
+                <a:gd name="connsiteX3" fmla="*/ 148794 w 238069"/>
+                <a:gd name="connsiteY3" fmla="*/ 266193 h 266193"/>
+              </a:gdLst>
+              <a:ahLst/>
+              <a:cxnLst>
+                <a:cxn ang="0">
+                  <a:pos x="connsiteX0" y="connsiteY0"/>
+                </a:cxn>
+                <a:cxn ang="0">
+                  <a:pos x="connsiteX1" y="connsiteY1"/>
+                </a:cxn>
+                <a:cxn ang="0">
+                  <a:pos x="connsiteX2" y="connsiteY2"/>
+                </a:cxn>
+                <a:cxn ang="0">
+                  <a:pos x="connsiteX3" y="connsiteY3"/>
+                </a:cxn>
+              </a:cxnLst>
+              <a:rect l="l" t="t" r="r" b="b"/>
+              <a:pathLst>
+                <a:path w="238069" h="266193">
+                  <a:moveTo>
+                    <a:pt x="238069" y="0"/>
+                  </a:moveTo>
+                  <a:lnTo>
+                    <a:pt x="0" y="108213"/>
+                  </a:lnTo>
+                  <a:lnTo>
+                    <a:pt x="189373" y="229952"/>
+                  </a:lnTo>
+                  <a:lnTo>
+                    <a:pt x="148794" y="266193"/>
+                  </a:lnTo>
+                </a:path>
+              </a:pathLst>
+            </a:custGeom>
+            <a:noFill/>
+            <a:ln w="28575" cap="rnd">
               <a:solidFill>
-                <a:srgbClr val="C00000"/>
+                <a:schemeClr val="tx2"/>
               </a:solidFill>
+              <a:tailEnd type="oval"/>
             </a:ln>
           </p:spPr>
           <p:style>
@@ -3133,23 +4009,90 @@
         </p:sp>
         <p:sp>
           <p:nvSpPr>
-            <p:cNvPr id="35" name="Flowchart: Delay 34"/>
+            <p:cNvPr id="22" name="Freeform 21"/>
             <p:cNvSpPr/>
             <p:nvPr/>
           </p:nvSpPr>
           <p:spPr>
-            <a:xfrm rot="16200000">
-              <a:off x="1457481" y="1216375"/>
-              <a:ext cx="322748" cy="463536"/>
+            <a:xfrm flipH="1">
+              <a:off x="884202" y="1349853"/>
+              <a:ext cx="238069" cy="208108"/>
             </a:xfrm>
-            <a:prstGeom prst="flowChartDelay">
+            <a:custGeom>
               <a:avLst/>
-            </a:prstGeom>
+              <a:gdLst>
+                <a:gd name="connsiteX0" fmla="*/ 238069 w 238069"/>
+                <a:gd name="connsiteY0" fmla="*/ 0 h 248890"/>
+                <a:gd name="connsiteX1" fmla="*/ 0 w 238069"/>
+                <a:gd name="connsiteY1" fmla="*/ 108213 h 248890"/>
+                <a:gd name="connsiteX2" fmla="*/ 189373 w 238069"/>
+                <a:gd name="connsiteY2" fmla="*/ 229952 h 248890"/>
+                <a:gd name="connsiteX3" fmla="*/ 162320 w 238069"/>
+                <a:gd name="connsiteY3" fmla="*/ 248890 h 248890"/>
+                <a:gd name="connsiteX0" fmla="*/ 238069 w 238069"/>
+                <a:gd name="connsiteY0" fmla="*/ 0 h 290415"/>
+                <a:gd name="connsiteX1" fmla="*/ 0 w 238069"/>
+                <a:gd name="connsiteY1" fmla="*/ 108213 h 290415"/>
+                <a:gd name="connsiteX2" fmla="*/ 189373 w 238069"/>
+                <a:gd name="connsiteY2" fmla="*/ 229952 h 290415"/>
+                <a:gd name="connsiteX3" fmla="*/ 132562 w 238069"/>
+                <a:gd name="connsiteY3" fmla="*/ 290415 h 290415"/>
+                <a:gd name="connsiteX0" fmla="*/ 238069 w 238069"/>
+                <a:gd name="connsiteY0" fmla="*/ 0 h 280034"/>
+                <a:gd name="connsiteX1" fmla="*/ 0 w 238069"/>
+                <a:gd name="connsiteY1" fmla="*/ 108213 h 280034"/>
+                <a:gd name="connsiteX2" fmla="*/ 189373 w 238069"/>
+                <a:gd name="connsiteY2" fmla="*/ 229952 h 280034"/>
+                <a:gd name="connsiteX3" fmla="*/ 146088 w 238069"/>
+                <a:gd name="connsiteY3" fmla="*/ 280034 h 280034"/>
+                <a:gd name="connsiteX0" fmla="*/ 238069 w 238069"/>
+                <a:gd name="connsiteY0" fmla="*/ 0 h 266193"/>
+                <a:gd name="connsiteX1" fmla="*/ 0 w 238069"/>
+                <a:gd name="connsiteY1" fmla="*/ 108213 h 266193"/>
+                <a:gd name="connsiteX2" fmla="*/ 189373 w 238069"/>
+                <a:gd name="connsiteY2" fmla="*/ 229952 h 266193"/>
+                <a:gd name="connsiteX3" fmla="*/ 148794 w 238069"/>
+                <a:gd name="connsiteY3" fmla="*/ 266193 h 266193"/>
+              </a:gdLst>
+              <a:ahLst/>
+              <a:cxnLst>
+                <a:cxn ang="0">
+                  <a:pos x="connsiteX0" y="connsiteY0"/>
+                </a:cxn>
+                <a:cxn ang="0">
+                  <a:pos x="connsiteX1" y="connsiteY1"/>
+                </a:cxn>
+                <a:cxn ang="0">
+                  <a:pos x="connsiteX2" y="connsiteY2"/>
+                </a:cxn>
+                <a:cxn ang="0">
+                  <a:pos x="connsiteX3" y="connsiteY3"/>
+                </a:cxn>
+              </a:cxnLst>
+              <a:rect l="l" t="t" r="r" b="b"/>
+              <a:pathLst>
+                <a:path w="238069" h="266193">
+                  <a:moveTo>
+                    <a:pt x="238069" y="0"/>
+                  </a:moveTo>
+                  <a:lnTo>
+                    <a:pt x="0" y="108213"/>
+                  </a:lnTo>
+                  <a:lnTo>
+                    <a:pt x="189373" y="229952"/>
+                  </a:lnTo>
+                  <a:lnTo>
+                    <a:pt x="148794" y="266193"/>
+                  </a:lnTo>
+                </a:path>
+              </a:pathLst>
+            </a:custGeom>
             <a:noFill/>
-            <a:ln w="38100">
+            <a:ln w="28575" cap="rnd">
               <a:solidFill>
-                <a:srgbClr val="C00000"/>
+                <a:schemeClr val="tx2"/>
               </a:solidFill>
+              <a:tailEnd type="oval"/>
             </a:ln>
           </p:spPr>
           <p:style>
@@ -3177,583 +4120,6 @@
             </a:p>
           </p:txBody>
         </p:sp>
-        <p:sp>
-          <p:nvSpPr>
-            <p:cNvPr id="36" name="Freeform 35"/>
-            <p:cNvSpPr/>
-            <p:nvPr/>
-          </p:nvSpPr>
-          <p:spPr>
-            <a:xfrm>
-              <a:off x="1764776" y="1164867"/>
-              <a:ext cx="77528" cy="29032"/>
-            </a:xfrm>
-            <a:custGeom>
-              <a:avLst/>
-              <a:gdLst>
-                <a:gd name="connsiteX0" fmla="*/ 0 w 50006"/>
-                <a:gd name="connsiteY0" fmla="*/ 0 h 19050"/>
-                <a:gd name="connsiteX1" fmla="*/ 0 w 50006"/>
-                <a:gd name="connsiteY1" fmla="*/ 0 h 19050"/>
-                <a:gd name="connsiteX2" fmla="*/ 21431 w 50006"/>
-                <a:gd name="connsiteY2" fmla="*/ 4762 h 19050"/>
-                <a:gd name="connsiteX3" fmla="*/ 28575 w 50006"/>
-                <a:gd name="connsiteY3" fmla="*/ 9525 h 19050"/>
-                <a:gd name="connsiteX4" fmla="*/ 38100 w 50006"/>
-                <a:gd name="connsiteY4" fmla="*/ 14287 h 19050"/>
-                <a:gd name="connsiteX5" fmla="*/ 50006 w 50006"/>
-                <a:gd name="connsiteY5" fmla="*/ 19050 h 19050"/>
-              </a:gdLst>
-              <a:ahLst/>
-              <a:cxnLst>
-                <a:cxn ang="0">
-                  <a:pos x="connsiteX0" y="connsiteY0"/>
-                </a:cxn>
-                <a:cxn ang="0">
-                  <a:pos x="connsiteX1" y="connsiteY1"/>
-                </a:cxn>
-                <a:cxn ang="0">
-                  <a:pos x="connsiteX2" y="connsiteY2"/>
-                </a:cxn>
-                <a:cxn ang="0">
-                  <a:pos x="connsiteX3" y="connsiteY3"/>
-                </a:cxn>
-                <a:cxn ang="0">
-                  <a:pos x="connsiteX4" y="connsiteY4"/>
-                </a:cxn>
-                <a:cxn ang="0">
-                  <a:pos x="connsiteX5" y="connsiteY5"/>
-                </a:cxn>
-              </a:cxnLst>
-              <a:rect l="l" t="t" r="r" b="b"/>
-              <a:pathLst>
-                <a:path w="50006" h="19050">
-                  <a:moveTo>
-                    <a:pt x="0" y="0"/>
-                  </a:moveTo>
-                  <a:lnTo>
-                    <a:pt x="0" y="0"/>
-                  </a:lnTo>
-                  <a:cubicBezTo>
-                    <a:pt x="7144" y="1587"/>
-                    <a:pt x="14489" y="2448"/>
-                    <a:pt x="21431" y="4762"/>
-                  </a:cubicBezTo>
-                  <a:cubicBezTo>
-                    <a:pt x="24146" y="5667"/>
-                    <a:pt x="26090" y="8105"/>
-                    <a:pt x="28575" y="9525"/>
-                  </a:cubicBezTo>
-                  <a:cubicBezTo>
-                    <a:pt x="31657" y="11286"/>
-                    <a:pt x="34837" y="12889"/>
-                    <a:pt x="38100" y="14287"/>
-                  </a:cubicBezTo>
-                  <a:cubicBezTo>
-                    <a:pt x="58672" y="23103"/>
-                    <a:pt x="34691" y="11391"/>
-                    <a:pt x="50006" y="19050"/>
-                  </a:cubicBezTo>
-                </a:path>
-              </a:pathLst>
-            </a:custGeom>
-            <a:solidFill>
-              <a:schemeClr val="bg1"/>
-            </a:solidFill>
-            <a:ln w="38100">
-              <a:solidFill>
-                <a:srgbClr val="C00000"/>
-              </a:solidFill>
-            </a:ln>
-          </p:spPr>
-          <p:style>
-            <a:lnRef idx="2">
-              <a:schemeClr val="accent1">
-                <a:shade val="50000"/>
-              </a:schemeClr>
-            </a:lnRef>
-            <a:fillRef idx="1">
-              <a:schemeClr val="accent1"/>
-            </a:fillRef>
-            <a:effectRef idx="0">
-              <a:schemeClr val="accent1"/>
-            </a:effectRef>
-            <a:fontRef idx="minor">
-              <a:schemeClr val="lt1"/>
-            </a:fontRef>
-          </p:style>
-          <p:txBody>
-            <a:bodyPr rtlCol="0" anchor="ctr"/>
-            <a:lstStyle/>
-            <a:p>
-              <a:pPr algn="ctr"/>
-              <a:endParaRPr lang="en-SG"/>
-            </a:p>
-          </p:txBody>
-        </p:sp>
-        <p:sp>
-          <p:nvSpPr>
-            <p:cNvPr id="8" name="Freeform 7"/>
-            <p:cNvSpPr/>
-            <p:nvPr/>
-          </p:nvSpPr>
-          <p:spPr>
-            <a:xfrm>
-              <a:off x="1564481" y="1126331"/>
-              <a:ext cx="150019" cy="90488"/>
-            </a:xfrm>
-            <a:custGeom>
-              <a:avLst/>
-              <a:gdLst>
-                <a:gd name="connsiteX0" fmla="*/ 150019 w 150019"/>
-                <a:gd name="connsiteY0" fmla="*/ 90488 h 90488"/>
-                <a:gd name="connsiteX1" fmla="*/ 130969 w 150019"/>
-                <a:gd name="connsiteY1" fmla="*/ 40482 h 90488"/>
-                <a:gd name="connsiteX2" fmla="*/ 73819 w 150019"/>
-                <a:gd name="connsiteY2" fmla="*/ 61913 h 90488"/>
-                <a:gd name="connsiteX3" fmla="*/ 69057 w 150019"/>
-                <a:gd name="connsiteY3" fmla="*/ 16669 h 90488"/>
-                <a:gd name="connsiteX4" fmla="*/ 4763 w 150019"/>
-                <a:gd name="connsiteY4" fmla="*/ 38100 h 90488"/>
-                <a:gd name="connsiteX5" fmla="*/ 0 w 150019"/>
-                <a:gd name="connsiteY5" fmla="*/ 0 h 90488"/>
-              </a:gdLst>
-              <a:ahLst/>
-              <a:cxnLst>
-                <a:cxn ang="0">
-                  <a:pos x="connsiteX0" y="connsiteY0"/>
-                </a:cxn>
-                <a:cxn ang="0">
-                  <a:pos x="connsiteX1" y="connsiteY1"/>
-                </a:cxn>
-                <a:cxn ang="0">
-                  <a:pos x="connsiteX2" y="connsiteY2"/>
-                </a:cxn>
-                <a:cxn ang="0">
-                  <a:pos x="connsiteX3" y="connsiteY3"/>
-                </a:cxn>
-                <a:cxn ang="0">
-                  <a:pos x="connsiteX4" y="connsiteY4"/>
-                </a:cxn>
-                <a:cxn ang="0">
-                  <a:pos x="connsiteX5" y="connsiteY5"/>
-                </a:cxn>
-              </a:cxnLst>
-              <a:rect l="l" t="t" r="r" b="b"/>
-              <a:pathLst>
-                <a:path w="150019" h="90488">
-                  <a:moveTo>
-                    <a:pt x="150019" y="90488"/>
-                  </a:moveTo>
-                  <a:lnTo>
-                    <a:pt x="130969" y="40482"/>
-                  </a:lnTo>
-                  <a:lnTo>
-                    <a:pt x="73819" y="61913"/>
-                  </a:lnTo>
-                  <a:lnTo>
-                    <a:pt x="69057" y="16669"/>
-                  </a:lnTo>
-                  <a:lnTo>
-                    <a:pt x="4763" y="38100"/>
-                  </a:lnTo>
-                  <a:lnTo>
-                    <a:pt x="0" y="0"/>
-                  </a:lnTo>
-                </a:path>
-              </a:pathLst>
-            </a:custGeom>
-            <a:noFill/>
-            <a:ln w="38100">
-              <a:solidFill>
-                <a:srgbClr val="C00000"/>
-              </a:solidFill>
-            </a:ln>
-          </p:spPr>
-          <p:style>
-            <a:lnRef idx="2">
-              <a:schemeClr val="accent1">
-                <a:shade val="50000"/>
-              </a:schemeClr>
-            </a:lnRef>
-            <a:fillRef idx="1">
-              <a:schemeClr val="accent1"/>
-            </a:fillRef>
-            <a:effectRef idx="0">
-              <a:schemeClr val="accent1"/>
-            </a:effectRef>
-            <a:fontRef idx="minor">
-              <a:schemeClr val="lt1"/>
-            </a:fontRef>
-          </p:style>
-          <p:txBody>
-            <a:bodyPr rtlCol="0" anchor="ctr"/>
-            <a:lstStyle/>
-            <a:p>
-              <a:pPr algn="ctr"/>
-              <a:endParaRPr lang="en-US">
-                <a:solidFill>
-                  <a:schemeClr val="lt1"/>
-                </a:solidFill>
-              </a:endParaRPr>
-            </a:p>
-          </p:txBody>
-        </p:sp>
-        <p:cxnSp>
-          <p:nvCxnSpPr>
-            <p:cNvPr id="26" name="Straight Connector 25"/>
-            <p:cNvCxnSpPr/>
-            <p:nvPr/>
-          </p:nvCxnSpPr>
-          <p:spPr>
-            <a:xfrm flipV="1">
-              <a:off x="1639490" y="992137"/>
-              <a:ext cx="76200" cy="80218"/>
-            </a:xfrm>
-            <a:prstGeom prst="line">
-              <a:avLst/>
-            </a:prstGeom>
-            <a:noFill/>
-            <a:ln w="38100">
-              <a:solidFill>
-                <a:srgbClr val="C00000"/>
-              </a:solidFill>
-            </a:ln>
-          </p:spPr>
-          <p:style>
-            <a:lnRef idx="2">
-              <a:schemeClr val="accent1">
-                <a:shade val="50000"/>
-              </a:schemeClr>
-            </a:lnRef>
-            <a:fillRef idx="1">
-              <a:schemeClr val="accent1"/>
-            </a:fillRef>
-            <a:effectRef idx="0">
-              <a:schemeClr val="accent1"/>
-            </a:effectRef>
-            <a:fontRef idx="minor">
-              <a:schemeClr val="lt1"/>
-            </a:fontRef>
-          </p:style>
-        </p:cxnSp>
-        <p:cxnSp>
-          <p:nvCxnSpPr>
-            <p:cNvPr id="45" name="Straight Connector 44"/>
-            <p:cNvCxnSpPr/>
-            <p:nvPr/>
-          </p:nvCxnSpPr>
-          <p:spPr>
-            <a:xfrm>
-              <a:off x="1639490" y="992137"/>
-              <a:ext cx="76200" cy="80217"/>
-            </a:xfrm>
-            <a:prstGeom prst="line">
-              <a:avLst/>
-            </a:prstGeom>
-            <a:noFill/>
-            <a:ln w="38100">
-              <a:solidFill>
-                <a:srgbClr val="C00000"/>
-              </a:solidFill>
-            </a:ln>
-          </p:spPr>
-          <p:style>
-            <a:lnRef idx="2">
-              <a:schemeClr val="accent1">
-                <a:shade val="50000"/>
-              </a:schemeClr>
-            </a:lnRef>
-            <a:fillRef idx="1">
-              <a:schemeClr val="accent1"/>
-            </a:fillRef>
-            <a:effectRef idx="0">
-              <a:schemeClr val="accent1"/>
-            </a:effectRef>
-            <a:fontRef idx="minor">
-              <a:schemeClr val="lt1"/>
-            </a:fontRef>
-          </p:style>
-        </p:cxnSp>
-      </p:grpSp>
-      <p:grpSp>
-        <p:nvGrpSpPr>
-          <p:cNvPr id="2074" name="Group 2073"/>
-          <p:cNvGrpSpPr/>
-          <p:nvPr/>
-        </p:nvGrpSpPr>
-        <p:grpSpPr>
-          <a:xfrm>
-            <a:off x="512171" y="635137"/>
-            <a:ext cx="484766" cy="980145"/>
-            <a:chOff x="512171" y="635137"/>
-            <a:chExt cx="484766" cy="980145"/>
-          </a:xfrm>
-          <a:noFill/>
-        </p:grpSpPr>
-        <p:sp>
-          <p:nvSpPr>
-            <p:cNvPr id="13" name="Arc 12"/>
-            <p:cNvSpPr/>
-            <p:nvPr/>
-          </p:nvSpPr>
-          <p:spPr>
-            <a:xfrm>
-              <a:off x="594113" y="926506"/>
-              <a:ext cx="342109" cy="336286"/>
-            </a:xfrm>
-            <a:prstGeom prst="arc">
-              <a:avLst>
-                <a:gd name="adj1" fmla="val 18413051"/>
-                <a:gd name="adj2" fmla="val 16918372"/>
-              </a:avLst>
-            </a:prstGeom>
-            <a:grpFill/>
-            <a:ln w="38100">
-              <a:solidFill>
-                <a:schemeClr val="tx2"/>
-              </a:solidFill>
-            </a:ln>
-          </p:spPr>
-          <p:style>
-            <a:lnRef idx="2">
-              <a:schemeClr val="accent1">
-                <a:shade val="50000"/>
-              </a:schemeClr>
-            </a:lnRef>
-            <a:fillRef idx="1">
-              <a:schemeClr val="accent1"/>
-            </a:fillRef>
-            <a:effectRef idx="0">
-              <a:schemeClr val="accent1"/>
-            </a:effectRef>
-            <a:fontRef idx="minor">
-              <a:schemeClr val="lt1"/>
-            </a:fontRef>
-          </p:style>
-          <p:txBody>
-            <a:bodyPr rtlCol="0" anchor="ctr"/>
-            <a:lstStyle/>
-            <a:p>
-              <a:pPr algn="ctr"/>
-              <a:endParaRPr lang="en-SG"/>
-            </a:p>
-          </p:txBody>
-        </p:sp>
-        <p:sp>
-          <p:nvSpPr>
-            <p:cNvPr id="17" name="Flowchart: Delay 16"/>
-            <p:cNvSpPr/>
-            <p:nvPr/>
-          </p:nvSpPr>
-          <p:spPr>
-            <a:xfrm rot="16200000">
-              <a:off x="603794" y="1222140"/>
-              <a:ext cx="322748" cy="463536"/>
-            </a:xfrm>
-            <a:prstGeom prst="flowChartDelay">
-              <a:avLst/>
-            </a:prstGeom>
-            <a:grpFill/>
-            <a:ln w="38100">
-              <a:solidFill>
-                <a:schemeClr val="tx2"/>
-              </a:solidFill>
-            </a:ln>
-          </p:spPr>
-          <p:style>
-            <a:lnRef idx="2">
-              <a:schemeClr val="accent1">
-                <a:shade val="50000"/>
-              </a:schemeClr>
-            </a:lnRef>
-            <a:fillRef idx="1">
-              <a:schemeClr val="accent1"/>
-            </a:fillRef>
-            <a:effectRef idx="0">
-              <a:schemeClr val="accent1"/>
-            </a:effectRef>
-            <a:fontRef idx="minor">
-              <a:schemeClr val="lt1"/>
-            </a:fontRef>
-          </p:style>
-          <p:txBody>
-            <a:bodyPr rtlCol="0" anchor="ctr"/>
-            <a:lstStyle/>
-            <a:p>
-              <a:pPr algn="ctr"/>
-              <a:endParaRPr lang="en-SG"/>
-            </a:p>
-          </p:txBody>
-        </p:sp>
-        <p:sp>
-          <p:nvSpPr>
-            <p:cNvPr id="16" name="Flowchart: Connector 15"/>
-            <p:cNvSpPr/>
-            <p:nvPr/>
-          </p:nvSpPr>
-          <p:spPr>
-            <a:xfrm>
-              <a:off x="694286" y="1030030"/>
-              <a:ext cx="70882" cy="69675"/>
-            </a:xfrm>
-            <a:prstGeom prst="flowChartConnector">
-              <a:avLst/>
-            </a:prstGeom>
-            <a:grpFill/>
-            <a:ln w="38100">
-              <a:solidFill>
-                <a:schemeClr val="tx2"/>
-              </a:solidFill>
-            </a:ln>
-          </p:spPr>
-          <p:style>
-            <a:lnRef idx="2">
-              <a:schemeClr val="accent1">
-                <a:shade val="50000"/>
-              </a:schemeClr>
-            </a:lnRef>
-            <a:fillRef idx="1">
-              <a:schemeClr val="accent1"/>
-            </a:fillRef>
-            <a:effectRef idx="0">
-              <a:schemeClr val="accent1"/>
-            </a:effectRef>
-            <a:fontRef idx="minor">
-              <a:schemeClr val="lt1"/>
-            </a:fontRef>
-          </p:style>
-          <p:txBody>
-            <a:bodyPr rtlCol="0" anchor="ctr"/>
-            <a:lstStyle/>
-            <a:p>
-              <a:pPr algn="ctr"/>
-              <a:endParaRPr lang="en-SG"/>
-            </a:p>
-          </p:txBody>
-        </p:sp>
-        <p:sp>
-          <p:nvSpPr>
-            <p:cNvPr id="3" name="TextBox 2"/>
-            <p:cNvSpPr txBox="1"/>
-            <p:nvPr/>
-          </p:nvSpPr>
-          <p:spPr>
-            <a:xfrm rot="19605016">
-              <a:off x="512171" y="635137"/>
-              <a:ext cx="111679" cy="307567"/>
-            </a:xfrm>
-            <a:prstGeom prst="rect">
-              <a:avLst/>
-            </a:prstGeom>
-            <a:grpFill/>
-          </p:spPr>
-          <p:txBody>
-            <a:bodyPr wrap="square" lIns="0" tIns="0" rIns="0" bIns="0" rtlCol="0">
-              <a:noAutofit/>
-            </a:bodyPr>
-            <a:lstStyle/>
-            <a:p>
-              <a:r>
-                <a:rPr lang="en-US" sz="2400" b="1" dirty="0" smtClean="0">
-                  <a:solidFill>
-                    <a:schemeClr val="tx2"/>
-                  </a:solidFill>
-                </a:rPr>
-                <a:t>!</a:t>
-              </a:r>
-              <a:endParaRPr lang="en-US" sz="2400" b="1" dirty="0">
-                <a:solidFill>
-                  <a:schemeClr val="tx2"/>
-                </a:solidFill>
-              </a:endParaRPr>
-            </a:p>
-          </p:txBody>
-        </p:sp>
-        <p:sp>
-          <p:nvSpPr>
-            <p:cNvPr id="64" name="Flowchart: Connector 63"/>
-            <p:cNvSpPr/>
-            <p:nvPr/>
-          </p:nvSpPr>
-          <p:spPr>
-            <a:xfrm>
-              <a:off x="792423" y="913307"/>
-              <a:ext cx="70882" cy="69675"/>
-            </a:xfrm>
-            <a:prstGeom prst="flowChartConnector">
-              <a:avLst/>
-            </a:prstGeom>
-            <a:grpFill/>
-            <a:ln w="38100">
-              <a:solidFill>
-                <a:schemeClr val="tx2"/>
-              </a:solidFill>
-            </a:ln>
-          </p:spPr>
-          <p:style>
-            <a:lnRef idx="2">
-              <a:schemeClr val="accent1">
-                <a:shade val="50000"/>
-              </a:schemeClr>
-            </a:lnRef>
-            <a:fillRef idx="1">
-              <a:schemeClr val="accent1"/>
-            </a:fillRef>
-            <a:effectRef idx="0">
-              <a:schemeClr val="accent1"/>
-            </a:effectRef>
-            <a:fontRef idx="minor">
-              <a:schemeClr val="lt1"/>
-            </a:fontRef>
-          </p:style>
-          <p:txBody>
-            <a:bodyPr rtlCol="0" anchor="ctr"/>
-            <a:lstStyle/>
-            <a:p>
-              <a:pPr algn="ctr"/>
-              <a:endParaRPr lang="en-SG"/>
-            </a:p>
-          </p:txBody>
-        </p:sp>
-        <p:cxnSp>
-          <p:nvCxnSpPr>
-            <p:cNvPr id="2073" name="Straight Connector 2072"/>
-            <p:cNvCxnSpPr/>
-            <p:nvPr/>
-          </p:nvCxnSpPr>
-          <p:spPr>
-            <a:xfrm>
-              <a:off x="936222" y="1094649"/>
-              <a:ext cx="60715" cy="0"/>
-            </a:xfrm>
-            <a:prstGeom prst="line">
-              <a:avLst/>
-            </a:prstGeom>
-            <a:grpFill/>
-            <a:ln w="38100" cap="rnd">
-              <a:solidFill>
-                <a:schemeClr val="tx2"/>
-              </a:solidFill>
-            </a:ln>
-          </p:spPr>
-          <p:style>
-            <a:lnRef idx="2">
-              <a:schemeClr val="accent1">
-                <a:shade val="50000"/>
-              </a:schemeClr>
-            </a:lnRef>
-            <a:fillRef idx="1">
-              <a:schemeClr val="accent1"/>
-            </a:fillRef>
-            <a:effectRef idx="0">
-              <a:schemeClr val="accent1"/>
-            </a:effectRef>
-            <a:fontRef idx="minor">
-              <a:schemeClr val="lt1"/>
-            </a:fontRef>
-          </p:style>
-        </p:cxnSp>
       </p:grpSp>
     </p:spTree>
     <p:extLst>
@@ -3794,28 +4160,722 @@
       </p:grpSpPr>
       <p:grpSp>
         <p:nvGrpSpPr>
-          <p:cNvPr id="23" name="Group 22"/>
+          <p:cNvPr id="24" name="Group 23"/>
           <p:cNvGrpSpPr/>
           <p:nvPr/>
         </p:nvGrpSpPr>
         <p:grpSpPr>
           <a:xfrm>
-            <a:off x="800853" y="465652"/>
-            <a:ext cx="1069404" cy="688776"/>
-            <a:chOff x="710071" y="818142"/>
-            <a:chExt cx="1069404" cy="688776"/>
+            <a:off x="287610" y="920824"/>
+            <a:ext cx="676331" cy="741901"/>
+            <a:chOff x="287610" y="920824"/>
+            <a:chExt cx="676331" cy="741901"/>
           </a:xfrm>
         </p:grpSpPr>
         <p:sp>
           <p:nvSpPr>
-            <p:cNvPr id="34" name="Flowchart: Connector 33"/>
+            <p:cNvPr id="17" name="Flowchart: Delay 16"/>
+            <p:cNvSpPr/>
+            <p:nvPr/>
+          </p:nvSpPr>
+          <p:spPr>
+            <a:xfrm rot="16200000">
+              <a:off x="499425" y="1266787"/>
+              <a:ext cx="322748" cy="426246"/>
+            </a:xfrm>
+            <a:prstGeom prst="flowChartDelay">
+              <a:avLst/>
+            </a:prstGeom>
+            <a:noFill/>
+            <a:ln w="38100">
+              <a:solidFill>
+                <a:schemeClr val="tx2"/>
+              </a:solidFill>
+            </a:ln>
+          </p:spPr>
+          <p:style>
+            <a:lnRef idx="2">
+              <a:schemeClr val="accent1">
+                <a:shade val="50000"/>
+              </a:schemeClr>
+            </a:lnRef>
+            <a:fillRef idx="1">
+              <a:schemeClr val="accent1"/>
+            </a:fillRef>
+            <a:effectRef idx="0">
+              <a:schemeClr val="accent1"/>
+            </a:effectRef>
+            <a:fontRef idx="minor">
+              <a:schemeClr val="lt1"/>
+            </a:fontRef>
+          </p:style>
+          <p:txBody>
+            <a:bodyPr rtlCol="0" anchor="ctr"/>
+            <a:lstStyle/>
+            <a:p>
+              <a:pPr algn="ctr"/>
+              <a:endParaRPr lang="en-SG"/>
+            </a:p>
+          </p:txBody>
+        </p:sp>
+        <p:sp>
+          <p:nvSpPr>
+            <p:cNvPr id="16" name="Flowchart: Connector 15"/>
             <p:cNvSpPr/>
             <p:nvPr/>
           </p:nvSpPr>
           <p:spPr>
             <a:xfrm>
-              <a:off x="770784" y="818142"/>
+              <a:off x="608561" y="1039365"/>
+              <a:ext cx="70882" cy="69675"/>
+            </a:xfrm>
+            <a:prstGeom prst="flowChartConnector">
+              <a:avLst/>
+            </a:prstGeom>
+            <a:noFill/>
+            <a:ln w="38100">
+              <a:solidFill>
+                <a:schemeClr val="tx2"/>
+              </a:solidFill>
+            </a:ln>
+          </p:spPr>
+          <p:style>
+            <a:lnRef idx="2">
+              <a:schemeClr val="accent1">
+                <a:shade val="50000"/>
+              </a:schemeClr>
+            </a:lnRef>
+            <a:fillRef idx="1">
+              <a:schemeClr val="accent1"/>
+            </a:fillRef>
+            <a:effectRef idx="0">
+              <a:schemeClr val="accent1"/>
+            </a:effectRef>
+            <a:fontRef idx="minor">
+              <a:schemeClr val="lt1"/>
+            </a:fontRef>
+          </p:style>
+          <p:txBody>
+            <a:bodyPr rtlCol="0" anchor="ctr"/>
+            <a:lstStyle/>
+            <a:p>
+              <a:pPr algn="ctr"/>
+              <a:endParaRPr lang="en-SG"/>
+            </a:p>
+          </p:txBody>
+        </p:sp>
+        <p:sp>
+          <p:nvSpPr>
+            <p:cNvPr id="64" name="Flowchart: Connector 63"/>
+            <p:cNvSpPr/>
+            <p:nvPr/>
+          </p:nvSpPr>
+          <p:spPr>
+            <a:xfrm>
+              <a:off x="727595" y="1043360"/>
+              <a:ext cx="70882" cy="69675"/>
+            </a:xfrm>
+            <a:prstGeom prst="flowChartConnector">
+              <a:avLst/>
+            </a:prstGeom>
+            <a:noFill/>
+            <a:ln w="38100">
+              <a:solidFill>
+                <a:schemeClr val="tx2"/>
+              </a:solidFill>
+            </a:ln>
+          </p:spPr>
+          <p:style>
+            <a:lnRef idx="2">
+              <a:schemeClr val="accent1">
+                <a:shade val="50000"/>
+              </a:schemeClr>
+            </a:lnRef>
+            <a:fillRef idx="1">
+              <a:schemeClr val="accent1"/>
+            </a:fillRef>
+            <a:effectRef idx="0">
+              <a:schemeClr val="accent1"/>
+            </a:effectRef>
+            <a:fontRef idx="minor">
+              <a:schemeClr val="lt1"/>
+            </a:fontRef>
+          </p:style>
+          <p:txBody>
+            <a:bodyPr rtlCol="0" anchor="ctr"/>
+            <a:lstStyle/>
+            <a:p>
+              <a:pPr algn="ctr"/>
+              <a:endParaRPr lang="en-SG"/>
+            </a:p>
+          </p:txBody>
+        </p:sp>
+        <p:cxnSp>
+          <p:nvCxnSpPr>
+            <p:cNvPr id="2073" name="Straight Connector 2072"/>
+            <p:cNvCxnSpPr/>
+            <p:nvPr/>
+          </p:nvCxnSpPr>
+          <p:spPr>
+            <a:xfrm flipH="1" flipV="1">
+              <a:off x="692946" y="1140625"/>
+              <a:ext cx="20363" cy="41944"/>
+            </a:xfrm>
+            <a:prstGeom prst="line">
+              <a:avLst/>
+            </a:prstGeom>
+            <a:noFill/>
+            <a:ln w="38100" cap="rnd">
+              <a:solidFill>
+                <a:schemeClr val="tx2"/>
+              </a:solidFill>
+            </a:ln>
+          </p:spPr>
+          <p:style>
+            <a:lnRef idx="2">
+              <a:schemeClr val="accent1">
+                <a:shade val="50000"/>
+              </a:schemeClr>
+            </a:lnRef>
+            <a:fillRef idx="1">
+              <a:schemeClr val="accent1"/>
+            </a:fillRef>
+            <a:effectRef idx="0">
+              <a:schemeClr val="accent1"/>
+            </a:effectRef>
+            <a:fontRef idx="minor">
+              <a:schemeClr val="lt1"/>
+            </a:fontRef>
+          </p:style>
+        </p:cxnSp>
+        <p:sp>
+          <p:nvSpPr>
+            <p:cNvPr id="4" name="Rectangle 3"/>
+            <p:cNvSpPr/>
+            <p:nvPr/>
+          </p:nvSpPr>
+          <p:spPr>
+            <a:xfrm>
+              <a:off x="287610" y="920824"/>
+              <a:ext cx="676331" cy="741901"/>
+            </a:xfrm>
+            <a:prstGeom prst="rect">
+              <a:avLst/>
+            </a:prstGeom>
+            <a:noFill/>
+            <a:ln>
+              <a:noFill/>
+            </a:ln>
+          </p:spPr>
+          <p:style>
+            <a:lnRef idx="2">
+              <a:schemeClr val="accent1">
+                <a:shade val="50000"/>
+              </a:schemeClr>
+            </a:lnRef>
+            <a:fillRef idx="1">
+              <a:schemeClr val="accent1"/>
+            </a:fillRef>
+            <a:effectRef idx="0">
+              <a:schemeClr val="accent1"/>
+            </a:effectRef>
+            <a:fontRef idx="minor">
+              <a:schemeClr val="lt1"/>
+            </a:fontRef>
+          </p:style>
+          <p:txBody>
+            <a:bodyPr rtlCol="0" anchor="ctr"/>
+            <a:lstStyle/>
+            <a:p>
+              <a:pPr algn="ctr"/>
+              <a:endParaRPr lang="en-SG"/>
+            </a:p>
+          </p:txBody>
+        </p:sp>
+        <p:grpSp>
+          <p:nvGrpSpPr>
+            <p:cNvPr id="19" name="Group 18"/>
+            <p:cNvGrpSpPr/>
+            <p:nvPr/>
+          </p:nvGrpSpPr>
+          <p:grpSpPr>
+            <a:xfrm>
+              <a:off x="589106" y="1025812"/>
+              <a:ext cx="59658" cy="52382"/>
+              <a:chOff x="330740" y="666642"/>
+              <a:chExt cx="59658" cy="65536"/>
+            </a:xfrm>
+          </p:grpSpPr>
+          <p:cxnSp>
+            <p:nvCxnSpPr>
+              <p:cNvPr id="32" name="Straight Connector 31"/>
+              <p:cNvCxnSpPr/>
+              <p:nvPr/>
+            </p:nvCxnSpPr>
+            <p:spPr>
+              <a:xfrm flipV="1">
+                <a:off x="330740" y="666642"/>
+                <a:ext cx="40481" cy="52387"/>
+              </a:xfrm>
+              <a:prstGeom prst="line">
+                <a:avLst/>
+              </a:prstGeom>
+              <a:grpFill/>
+              <a:ln w="38100" cap="rnd">
+                <a:solidFill>
+                  <a:schemeClr val="bg1"/>
+                </a:solidFill>
+              </a:ln>
+            </p:spPr>
+            <p:style>
+              <a:lnRef idx="2">
+                <a:schemeClr val="accent1">
+                  <a:shade val="50000"/>
+                </a:schemeClr>
+              </a:lnRef>
+              <a:fillRef idx="1">
+                <a:schemeClr val="accent1"/>
+              </a:fillRef>
+              <a:effectRef idx="0">
+                <a:schemeClr val="accent1"/>
+              </a:effectRef>
+              <a:fontRef idx="minor">
+                <a:schemeClr val="lt1"/>
+              </a:fontRef>
+            </p:style>
+          </p:cxnSp>
+          <p:cxnSp>
+            <p:nvCxnSpPr>
+              <p:cNvPr id="12" name="Straight Connector 11"/>
+              <p:cNvCxnSpPr/>
+              <p:nvPr/>
+            </p:nvCxnSpPr>
+            <p:spPr>
+              <a:xfrm flipV="1">
+                <a:off x="349917" y="679791"/>
+                <a:ext cx="40481" cy="52387"/>
+              </a:xfrm>
+              <a:prstGeom prst="line">
+                <a:avLst/>
+              </a:prstGeom>
+              <a:grpFill/>
+              <a:ln w="38100" cap="rnd">
+                <a:solidFill>
+                  <a:schemeClr val="tx2"/>
+                </a:solidFill>
+              </a:ln>
+            </p:spPr>
+            <p:style>
+              <a:lnRef idx="2">
+                <a:schemeClr val="accent1">
+                  <a:shade val="50000"/>
+                </a:schemeClr>
+              </a:lnRef>
+              <a:fillRef idx="1">
+                <a:schemeClr val="accent1"/>
+              </a:fillRef>
+              <a:effectRef idx="0">
+                <a:schemeClr val="accent1"/>
+              </a:effectRef>
+              <a:fontRef idx="minor">
+                <a:schemeClr val="lt1"/>
+              </a:fontRef>
+            </p:style>
+          </p:cxnSp>
+        </p:grpSp>
+        <p:grpSp>
+          <p:nvGrpSpPr>
+            <p:cNvPr id="37" name="Group 36"/>
+            <p:cNvGrpSpPr/>
+            <p:nvPr/>
+          </p:nvGrpSpPr>
+          <p:grpSpPr>
+            <a:xfrm flipH="1">
+              <a:off x="758274" y="1031321"/>
+              <a:ext cx="59658" cy="52382"/>
+              <a:chOff x="330740" y="666642"/>
+              <a:chExt cx="59658" cy="65536"/>
+            </a:xfrm>
+          </p:grpSpPr>
+          <p:cxnSp>
+            <p:nvCxnSpPr>
+              <p:cNvPr id="38" name="Straight Connector 37"/>
+              <p:cNvCxnSpPr/>
+              <p:nvPr/>
+            </p:nvCxnSpPr>
+            <p:spPr>
+              <a:xfrm flipV="1">
+                <a:off x="330740" y="666642"/>
+                <a:ext cx="40481" cy="52387"/>
+              </a:xfrm>
+              <a:prstGeom prst="line">
+                <a:avLst/>
+              </a:prstGeom>
+              <a:grpFill/>
+              <a:ln w="38100" cap="rnd">
+                <a:solidFill>
+                  <a:schemeClr val="bg1"/>
+                </a:solidFill>
+              </a:ln>
+            </p:spPr>
+            <p:style>
+              <a:lnRef idx="2">
+                <a:schemeClr val="accent1">
+                  <a:shade val="50000"/>
+                </a:schemeClr>
+              </a:lnRef>
+              <a:fillRef idx="1">
+                <a:schemeClr val="accent1"/>
+              </a:fillRef>
+              <a:effectRef idx="0">
+                <a:schemeClr val="accent1"/>
+              </a:effectRef>
+              <a:fontRef idx="minor">
+                <a:schemeClr val="lt1"/>
+              </a:fontRef>
+            </p:style>
+          </p:cxnSp>
+          <p:cxnSp>
+            <p:nvCxnSpPr>
+              <p:cNvPr id="39" name="Straight Connector 38"/>
+              <p:cNvCxnSpPr/>
+              <p:nvPr/>
+            </p:nvCxnSpPr>
+            <p:spPr>
+              <a:xfrm flipV="1">
+                <a:off x="349917" y="679791"/>
+                <a:ext cx="40481" cy="52387"/>
+              </a:xfrm>
+              <a:prstGeom prst="line">
+                <a:avLst/>
+              </a:prstGeom>
+              <a:grpFill/>
+              <a:ln w="38100" cap="rnd">
+                <a:solidFill>
+                  <a:schemeClr val="tx2"/>
+                </a:solidFill>
+              </a:ln>
+            </p:spPr>
+            <p:style>
+              <a:lnRef idx="2">
+                <a:schemeClr val="accent1">
+                  <a:shade val="50000"/>
+                </a:schemeClr>
+              </a:lnRef>
+              <a:fillRef idx="1">
+                <a:schemeClr val="accent1"/>
+              </a:fillRef>
+              <a:effectRef idx="0">
+                <a:schemeClr val="accent1"/>
+              </a:effectRef>
+              <a:fontRef idx="minor">
+                <a:schemeClr val="lt1"/>
+              </a:fontRef>
+            </p:style>
+          </p:cxnSp>
+        </p:grpSp>
+        <p:sp>
+          <p:nvSpPr>
+            <p:cNvPr id="13" name="Flowchart: Connector 12"/>
+            <p:cNvSpPr/>
+            <p:nvPr/>
+          </p:nvSpPr>
+          <p:spPr>
+            <a:xfrm>
+              <a:off x="508388" y="952508"/>
               <a:ext cx="342109" cy="336286"/>
+            </a:xfrm>
+            <a:prstGeom prst="flowChartConnector">
+              <a:avLst/>
+            </a:prstGeom>
+            <a:noFill/>
+            <a:ln w="38100">
+              <a:solidFill>
+                <a:schemeClr val="tx2"/>
+              </a:solidFill>
+            </a:ln>
+          </p:spPr>
+          <p:style>
+            <a:lnRef idx="2">
+              <a:schemeClr val="accent1">
+                <a:shade val="50000"/>
+              </a:schemeClr>
+            </a:lnRef>
+            <a:fillRef idx="1">
+              <a:schemeClr val="accent1"/>
+            </a:fillRef>
+            <a:effectRef idx="0">
+              <a:schemeClr val="accent1"/>
+            </a:effectRef>
+            <a:fontRef idx="minor">
+              <a:schemeClr val="lt1"/>
+            </a:fontRef>
+          </p:style>
+          <p:txBody>
+            <a:bodyPr rtlCol="0" anchor="ctr"/>
+            <a:lstStyle/>
+            <a:p>
+              <a:pPr algn="ctr"/>
+              <a:endParaRPr lang="en-SG"/>
+            </a:p>
+          </p:txBody>
+        </p:sp>
+        <p:sp>
+          <p:nvSpPr>
+            <p:cNvPr id="20" name="Flowchart: Connector 19"/>
+            <p:cNvSpPr/>
+            <p:nvPr/>
+          </p:nvSpPr>
+          <p:spPr>
+            <a:xfrm>
+              <a:off x="534464" y="1113035"/>
+              <a:ext cx="114300" cy="114300"/>
+            </a:xfrm>
+            <a:prstGeom prst="flowChartConnector">
+              <a:avLst/>
+            </a:prstGeom>
+            <a:solidFill>
+              <a:schemeClr val="accent6">
+                <a:lumMod val="75000"/>
+              </a:schemeClr>
+            </a:solidFill>
+            <a:ln>
+              <a:noFill/>
+            </a:ln>
+            <a:effectLst>
+              <a:softEdge rad="25400"/>
+            </a:effectLst>
+          </p:spPr>
+          <p:style>
+            <a:lnRef idx="2">
+              <a:schemeClr val="accent1">
+                <a:shade val="50000"/>
+              </a:schemeClr>
+            </a:lnRef>
+            <a:fillRef idx="1">
+              <a:schemeClr val="accent1"/>
+            </a:fillRef>
+            <a:effectRef idx="0">
+              <a:schemeClr val="accent1"/>
+            </a:effectRef>
+            <a:fontRef idx="minor">
+              <a:schemeClr val="lt1"/>
+            </a:fontRef>
+          </p:style>
+          <p:txBody>
+            <a:bodyPr rtlCol="0" anchor="ctr"/>
+            <a:lstStyle/>
+            <a:p>
+              <a:pPr algn="ctr"/>
+              <a:endParaRPr lang="en-SG"/>
+            </a:p>
+          </p:txBody>
+        </p:sp>
+        <p:sp>
+          <p:nvSpPr>
+            <p:cNvPr id="40" name="Flowchart: Connector 39"/>
+            <p:cNvSpPr/>
+            <p:nvPr/>
+          </p:nvSpPr>
+          <p:spPr>
+            <a:xfrm>
+              <a:off x="719530" y="1115889"/>
+              <a:ext cx="114300" cy="114300"/>
+            </a:xfrm>
+            <a:prstGeom prst="flowChartConnector">
+              <a:avLst/>
+            </a:prstGeom>
+            <a:solidFill>
+              <a:schemeClr val="accent6">
+                <a:lumMod val="75000"/>
+              </a:schemeClr>
+            </a:solidFill>
+            <a:ln>
+              <a:noFill/>
+            </a:ln>
+            <a:effectLst>
+              <a:softEdge rad="25400"/>
+            </a:effectLst>
+          </p:spPr>
+          <p:style>
+            <a:lnRef idx="2">
+              <a:schemeClr val="accent1">
+                <a:shade val="50000"/>
+              </a:schemeClr>
+            </a:lnRef>
+            <a:fillRef idx="1">
+              <a:schemeClr val="accent1"/>
+            </a:fillRef>
+            <a:effectRef idx="0">
+              <a:schemeClr val="accent1"/>
+            </a:effectRef>
+            <a:fontRef idx="minor">
+              <a:schemeClr val="lt1"/>
+            </a:fontRef>
+          </p:style>
+          <p:txBody>
+            <a:bodyPr rtlCol="0" anchor="ctr"/>
+            <a:lstStyle/>
+            <a:p>
+              <a:pPr algn="ctr"/>
+              <a:endParaRPr lang="en-SG"/>
+            </a:p>
+          </p:txBody>
+        </p:sp>
+      </p:grpSp>
+    </p:spTree>
+    <p:extLst>
+      <p:ext uri="{BB962C8B-B14F-4D97-AF65-F5344CB8AC3E}">
+        <p14:creationId xmlns:p14="http://schemas.microsoft.com/office/powerpoint/2010/main" val="2940345564"/>
+      </p:ext>
+    </p:extLst>
+  </p:cSld>
+  <p:clrMapOvr>
+    <a:masterClrMapping/>
+  </p:clrMapOvr>
+  <p:timing>
+    <p:tnLst>
+      <p:par>
+        <p:cTn id="1" dur="indefinite" restart="never" nodeType="tmRoot"/>
+      </p:par>
+    </p:tnLst>
+  </p:timing>
+</p:sld>
+</file>
+
+<file path=ppt/slides/slide3.xml><?xml version="1.0" encoding="utf-8"?>
+<p:sld xmlns:a="http://schemas.openxmlformats.org/drawingml/2006/main" xmlns:r="http://schemas.openxmlformats.org/officeDocument/2006/relationships" xmlns:p="http://schemas.openxmlformats.org/presentationml/2006/main">
+  <p:cSld>
+    <p:spTree>
+      <p:nvGrpSpPr>
+        <p:cNvPr id="1" name=""/>
+        <p:cNvGrpSpPr/>
+        <p:nvPr/>
+      </p:nvGrpSpPr>
+      <p:grpSpPr>
+        <a:xfrm>
+          <a:off x="0" y="0"/>
+          <a:ext cx="0" cy="0"/>
+          <a:chOff x="0" y="0"/>
+          <a:chExt cx="0" cy="0"/>
+        </a:xfrm>
+      </p:grpSpPr>
+      <p:grpSp>
+        <p:nvGrpSpPr>
+          <p:cNvPr id="33" name="Group 32"/>
+          <p:cNvGrpSpPr/>
+          <p:nvPr/>
+        </p:nvGrpSpPr>
+        <p:grpSpPr>
+          <a:xfrm>
+            <a:off x="386860" y="657474"/>
+            <a:ext cx="901396" cy="957808"/>
+            <a:chOff x="386860" y="657474"/>
+            <a:chExt cx="901396" cy="957808"/>
+          </a:xfrm>
+        </p:grpSpPr>
+        <p:sp>
+          <p:nvSpPr>
+            <p:cNvPr id="7" name="Flowchart: Connector 6"/>
+            <p:cNvSpPr/>
+            <p:nvPr/>
+          </p:nvSpPr>
+          <p:spPr>
+            <a:xfrm>
+              <a:off x="594113" y="926506"/>
+              <a:ext cx="342109" cy="336286"/>
+            </a:xfrm>
+            <a:prstGeom prst="flowChartConnector">
+              <a:avLst/>
+            </a:prstGeom>
+            <a:noFill/>
+            <a:ln w="38100">
+              <a:solidFill>
+                <a:schemeClr val="tx2"/>
+              </a:solidFill>
+            </a:ln>
+          </p:spPr>
+          <p:style>
+            <a:lnRef idx="2">
+              <a:schemeClr val="accent1">
+                <a:shade val="50000"/>
+              </a:schemeClr>
+            </a:lnRef>
+            <a:fillRef idx="1">
+              <a:schemeClr val="accent1"/>
+            </a:fillRef>
+            <a:effectRef idx="0">
+              <a:schemeClr val="accent1"/>
+            </a:effectRef>
+            <a:fontRef idx="minor">
+              <a:schemeClr val="lt1"/>
+            </a:fontRef>
+          </p:style>
+          <p:txBody>
+            <a:bodyPr rtlCol="0" anchor="ctr"/>
+            <a:lstStyle/>
+            <a:p>
+              <a:pPr algn="ctr"/>
+              <a:endParaRPr lang="en-SG"/>
+            </a:p>
+          </p:txBody>
+        </p:sp>
+        <p:sp>
+          <p:nvSpPr>
+            <p:cNvPr id="8" name="Flowchart: Delay 7"/>
+            <p:cNvSpPr/>
+            <p:nvPr/>
+          </p:nvSpPr>
+          <p:spPr>
+            <a:xfrm rot="16200000">
+              <a:off x="603795" y="1282852"/>
+              <a:ext cx="322748" cy="342111"/>
+            </a:xfrm>
+            <a:prstGeom prst="flowChartDelay">
+              <a:avLst/>
+            </a:prstGeom>
+            <a:noFill/>
+            <a:ln w="38100">
+              <a:solidFill>
+                <a:schemeClr val="tx2"/>
+              </a:solidFill>
+            </a:ln>
+          </p:spPr>
+          <p:style>
+            <a:lnRef idx="2">
+              <a:schemeClr val="accent1">
+                <a:shade val="50000"/>
+              </a:schemeClr>
+            </a:lnRef>
+            <a:fillRef idx="1">
+              <a:schemeClr val="accent1"/>
+            </a:fillRef>
+            <a:effectRef idx="0">
+              <a:schemeClr val="accent1"/>
+            </a:effectRef>
+            <a:fontRef idx="minor">
+              <a:schemeClr val="lt1"/>
+            </a:fontRef>
+          </p:style>
+          <p:txBody>
+            <a:bodyPr rtlCol="0" anchor="ctr"/>
+            <a:lstStyle/>
+            <a:p>
+              <a:pPr algn="ctr"/>
+              <a:endParaRPr lang="en-SG"/>
+            </a:p>
+          </p:txBody>
+        </p:sp>
+        <p:sp>
+          <p:nvSpPr>
+            <p:cNvPr id="9" name="Flowchart: Connector 8"/>
+            <p:cNvSpPr/>
+            <p:nvPr/>
+          </p:nvSpPr>
+          <p:spPr>
+            <a:xfrm>
+              <a:off x="655856" y="1007834"/>
+              <a:ext cx="69485" cy="66956"/>
             </a:xfrm>
             <a:prstGeom prst="flowChartConnector">
               <a:avLst/>
@@ -3854,256 +4914,14 @@
         </p:sp>
         <p:sp>
           <p:nvSpPr>
-            <p:cNvPr id="35" name="Flowchart: Delay 34"/>
-            <p:cNvSpPr/>
-            <p:nvPr/>
-          </p:nvSpPr>
-          <p:spPr>
-            <a:xfrm rot="16200000">
-              <a:off x="745717" y="1148524"/>
-              <a:ext cx="322748" cy="394039"/>
-            </a:xfrm>
-            <a:prstGeom prst="flowChartDelay">
-              <a:avLst/>
-            </a:prstGeom>
-            <a:noFill/>
-            <a:ln w="28575">
-              <a:solidFill>
-                <a:schemeClr val="tx2"/>
-              </a:solidFill>
-            </a:ln>
-          </p:spPr>
-          <p:style>
-            <a:lnRef idx="2">
-              <a:schemeClr val="accent1">
-                <a:shade val="50000"/>
-              </a:schemeClr>
-            </a:lnRef>
-            <a:fillRef idx="1">
-              <a:schemeClr val="accent1"/>
-            </a:fillRef>
-            <a:effectRef idx="0">
-              <a:schemeClr val="accent1"/>
-            </a:effectRef>
-            <a:fontRef idx="minor">
-              <a:schemeClr val="lt1"/>
-            </a:fontRef>
-          </p:style>
-          <p:txBody>
-            <a:bodyPr rtlCol="0" anchor="ctr"/>
-            <a:lstStyle/>
-            <a:p>
-              <a:pPr algn="ctr"/>
-              <a:endParaRPr lang="en-SG"/>
-            </a:p>
-          </p:txBody>
-        </p:sp>
-        <p:sp>
-          <p:nvSpPr>
-            <p:cNvPr id="36" name="Freeform 35"/>
+            <p:cNvPr id="11" name="Flowchart: Connector 10"/>
             <p:cNvSpPr/>
             <p:nvPr/>
           </p:nvSpPr>
           <p:spPr>
             <a:xfrm>
-              <a:off x="1087760" y="1062268"/>
-              <a:ext cx="77528" cy="29032"/>
-            </a:xfrm>
-            <a:custGeom>
-              <a:avLst/>
-              <a:gdLst>
-                <a:gd name="connsiteX0" fmla="*/ 0 w 50006"/>
-                <a:gd name="connsiteY0" fmla="*/ 0 h 19050"/>
-                <a:gd name="connsiteX1" fmla="*/ 0 w 50006"/>
-                <a:gd name="connsiteY1" fmla="*/ 0 h 19050"/>
-                <a:gd name="connsiteX2" fmla="*/ 21431 w 50006"/>
-                <a:gd name="connsiteY2" fmla="*/ 4762 h 19050"/>
-                <a:gd name="connsiteX3" fmla="*/ 28575 w 50006"/>
-                <a:gd name="connsiteY3" fmla="*/ 9525 h 19050"/>
-                <a:gd name="connsiteX4" fmla="*/ 38100 w 50006"/>
-                <a:gd name="connsiteY4" fmla="*/ 14287 h 19050"/>
-                <a:gd name="connsiteX5" fmla="*/ 50006 w 50006"/>
-                <a:gd name="connsiteY5" fmla="*/ 19050 h 19050"/>
-              </a:gdLst>
-              <a:ahLst/>
-              <a:cxnLst>
-                <a:cxn ang="0">
-                  <a:pos x="connsiteX0" y="connsiteY0"/>
-                </a:cxn>
-                <a:cxn ang="0">
-                  <a:pos x="connsiteX1" y="connsiteY1"/>
-                </a:cxn>
-                <a:cxn ang="0">
-                  <a:pos x="connsiteX2" y="connsiteY2"/>
-                </a:cxn>
-                <a:cxn ang="0">
-                  <a:pos x="connsiteX3" y="connsiteY3"/>
-                </a:cxn>
-                <a:cxn ang="0">
-                  <a:pos x="connsiteX4" y="connsiteY4"/>
-                </a:cxn>
-                <a:cxn ang="0">
-                  <a:pos x="connsiteX5" y="connsiteY5"/>
-                </a:cxn>
-              </a:cxnLst>
-              <a:rect l="l" t="t" r="r" b="b"/>
-              <a:pathLst>
-                <a:path w="50006" h="19050">
-                  <a:moveTo>
-                    <a:pt x="0" y="0"/>
-                  </a:moveTo>
-                  <a:lnTo>
-                    <a:pt x="0" y="0"/>
-                  </a:lnTo>
-                  <a:cubicBezTo>
-                    <a:pt x="7144" y="1587"/>
-                    <a:pt x="14489" y="2448"/>
-                    <a:pt x="21431" y="4762"/>
-                  </a:cubicBezTo>
-                  <a:cubicBezTo>
-                    <a:pt x="24146" y="5667"/>
-                    <a:pt x="26090" y="8105"/>
-                    <a:pt x="28575" y="9525"/>
-                  </a:cubicBezTo>
-                  <a:cubicBezTo>
-                    <a:pt x="31657" y="11286"/>
-                    <a:pt x="34837" y="12889"/>
-                    <a:pt x="38100" y="14287"/>
-                  </a:cubicBezTo>
-                  <a:cubicBezTo>
-                    <a:pt x="58672" y="23103"/>
-                    <a:pt x="34691" y="11391"/>
-                    <a:pt x="50006" y="19050"/>
-                  </a:cubicBezTo>
-                </a:path>
-              </a:pathLst>
-            </a:custGeom>
-            <a:noFill/>
-            <a:ln w="28575">
-              <a:solidFill>
-                <a:schemeClr val="tx2"/>
-              </a:solidFill>
-            </a:ln>
-          </p:spPr>
-          <p:style>
-            <a:lnRef idx="2">
-              <a:schemeClr val="accent1">
-                <a:shade val="50000"/>
-              </a:schemeClr>
-            </a:lnRef>
-            <a:fillRef idx="1">
-              <a:schemeClr val="accent1"/>
-            </a:fillRef>
-            <a:effectRef idx="0">
-              <a:schemeClr val="accent1"/>
-            </a:effectRef>
-            <a:fontRef idx="minor">
-              <a:schemeClr val="lt1"/>
-            </a:fontRef>
-          </p:style>
-          <p:txBody>
-            <a:bodyPr rtlCol="0" anchor="ctr"/>
-            <a:lstStyle/>
-            <a:p>
-              <a:pPr algn="ctr"/>
-              <a:endParaRPr lang="en-SG"/>
-            </a:p>
-          </p:txBody>
-        </p:sp>
-        <p:sp>
-          <p:nvSpPr>
-            <p:cNvPr id="2" name="Freeform 1"/>
-            <p:cNvSpPr/>
-            <p:nvPr/>
-          </p:nvSpPr>
-          <p:spPr>
-            <a:xfrm rot="20784184">
-              <a:off x="963571" y="1018492"/>
-              <a:ext cx="80391" cy="94854"/>
-            </a:xfrm>
-            <a:custGeom>
-              <a:avLst/>
-              <a:gdLst>
-                <a:gd name="connsiteX0" fmla="*/ 80391 w 80391"/>
-                <a:gd name="connsiteY0" fmla="*/ 94854 h 94854"/>
-                <a:gd name="connsiteX1" fmla="*/ 8302 w 80391"/>
-                <a:gd name="connsiteY1" fmla="*/ 60707 h 94854"/>
-                <a:gd name="connsiteX2" fmla="*/ 4507 w 80391"/>
-                <a:gd name="connsiteY2" fmla="*/ 0 h 94854"/>
-              </a:gdLst>
-              <a:ahLst/>
-              <a:cxnLst>
-                <a:cxn ang="0">
-                  <a:pos x="connsiteX0" y="connsiteY0"/>
-                </a:cxn>
-                <a:cxn ang="0">
-                  <a:pos x="connsiteX1" y="connsiteY1"/>
-                </a:cxn>
-                <a:cxn ang="0">
-                  <a:pos x="connsiteX2" y="connsiteY2"/>
-                </a:cxn>
-              </a:cxnLst>
-              <a:rect l="l" t="t" r="r" b="b"/>
-              <a:pathLst>
-                <a:path w="80391" h="94854">
-                  <a:moveTo>
-                    <a:pt x="80391" y="94854"/>
-                  </a:moveTo>
-                  <a:cubicBezTo>
-                    <a:pt x="50670" y="85685"/>
-                    <a:pt x="20949" y="76516"/>
-                    <a:pt x="8302" y="60707"/>
-                  </a:cubicBezTo>
-                  <a:cubicBezTo>
-                    <a:pt x="-4345" y="44898"/>
-                    <a:pt x="81" y="22449"/>
-                    <a:pt x="4507" y="0"/>
-                  </a:cubicBezTo>
-                </a:path>
-              </a:pathLst>
-            </a:custGeom>
-            <a:noFill/>
-            <a:ln w="28575" cap="rnd">
-              <a:solidFill>
-                <a:schemeClr val="tx2"/>
-              </a:solidFill>
-            </a:ln>
-          </p:spPr>
-          <p:style>
-            <a:lnRef idx="2">
-              <a:schemeClr val="accent1">
-                <a:shade val="50000"/>
-              </a:schemeClr>
-            </a:lnRef>
-            <a:fillRef idx="1">
-              <a:schemeClr val="accent1"/>
-            </a:fillRef>
-            <a:effectRef idx="0">
-              <a:schemeClr val="accent1"/>
-            </a:effectRef>
-            <a:fontRef idx="minor">
-              <a:schemeClr val="lt1"/>
-            </a:fontRef>
-          </p:style>
-          <p:txBody>
-            <a:bodyPr rtlCol="0" anchor="ctr"/>
-            <a:lstStyle/>
-            <a:p>
-              <a:pPr algn="ctr"/>
-              <a:endParaRPr lang="en-US"/>
-            </a:p>
-          </p:txBody>
-        </p:sp>
-        <p:sp>
-          <p:nvSpPr>
-            <p:cNvPr id="18" name="Flowchart: Connector 17"/>
-            <p:cNvSpPr/>
-            <p:nvPr/>
-          </p:nvSpPr>
-          <p:spPr>
-            <a:xfrm>
-              <a:off x="953548" y="894930"/>
-              <a:ext cx="70882" cy="69675"/>
+              <a:off x="760650" y="973702"/>
+              <a:ext cx="69485" cy="66956"/>
             </a:xfrm>
             <a:prstGeom prst="flowChartConnector">
               <a:avLst/>
@@ -4140,20 +4958,2121 @@
             </a:p>
           </p:txBody>
         </p:sp>
+        <p:cxnSp>
+          <p:nvCxnSpPr>
+            <p:cNvPr id="13" name="Straight Connector 12"/>
+            <p:cNvCxnSpPr/>
+            <p:nvPr/>
+          </p:nvCxnSpPr>
+          <p:spPr>
+            <a:xfrm>
+              <a:off x="765167" y="1094649"/>
+              <a:ext cx="35406" cy="45990"/>
+            </a:xfrm>
+            <a:prstGeom prst="line">
+              <a:avLst/>
+            </a:prstGeom>
+            <a:noFill/>
+            <a:ln w="38100" cap="rnd">
+              <a:solidFill>
+                <a:schemeClr val="tx2"/>
+              </a:solidFill>
+            </a:ln>
+          </p:spPr>
+          <p:style>
+            <a:lnRef idx="2">
+              <a:schemeClr val="accent1">
+                <a:shade val="50000"/>
+              </a:schemeClr>
+            </a:lnRef>
+            <a:fillRef idx="1">
+              <a:schemeClr val="accent1"/>
+            </a:fillRef>
+            <a:effectRef idx="0">
+              <a:schemeClr val="accent1"/>
+            </a:effectRef>
+            <a:fontRef idx="minor">
+              <a:schemeClr val="lt1"/>
+            </a:fontRef>
+          </p:style>
+        </p:cxnSp>
+        <p:sp>
+          <p:nvSpPr>
+            <p:cNvPr id="15" name="Freeform 14"/>
+            <p:cNvSpPr/>
+            <p:nvPr/>
+          </p:nvSpPr>
+          <p:spPr>
+            <a:xfrm>
+              <a:off x="386860" y="1366392"/>
+              <a:ext cx="238069" cy="208108"/>
+            </a:xfrm>
+            <a:custGeom>
+              <a:avLst/>
+              <a:gdLst>
+                <a:gd name="connsiteX0" fmla="*/ 238069 w 238069"/>
+                <a:gd name="connsiteY0" fmla="*/ 0 h 248890"/>
+                <a:gd name="connsiteX1" fmla="*/ 0 w 238069"/>
+                <a:gd name="connsiteY1" fmla="*/ 108213 h 248890"/>
+                <a:gd name="connsiteX2" fmla="*/ 189373 w 238069"/>
+                <a:gd name="connsiteY2" fmla="*/ 229952 h 248890"/>
+                <a:gd name="connsiteX3" fmla="*/ 162320 w 238069"/>
+                <a:gd name="connsiteY3" fmla="*/ 248890 h 248890"/>
+                <a:gd name="connsiteX0" fmla="*/ 238069 w 238069"/>
+                <a:gd name="connsiteY0" fmla="*/ 0 h 290415"/>
+                <a:gd name="connsiteX1" fmla="*/ 0 w 238069"/>
+                <a:gd name="connsiteY1" fmla="*/ 108213 h 290415"/>
+                <a:gd name="connsiteX2" fmla="*/ 189373 w 238069"/>
+                <a:gd name="connsiteY2" fmla="*/ 229952 h 290415"/>
+                <a:gd name="connsiteX3" fmla="*/ 132562 w 238069"/>
+                <a:gd name="connsiteY3" fmla="*/ 290415 h 290415"/>
+                <a:gd name="connsiteX0" fmla="*/ 238069 w 238069"/>
+                <a:gd name="connsiteY0" fmla="*/ 0 h 280034"/>
+                <a:gd name="connsiteX1" fmla="*/ 0 w 238069"/>
+                <a:gd name="connsiteY1" fmla="*/ 108213 h 280034"/>
+                <a:gd name="connsiteX2" fmla="*/ 189373 w 238069"/>
+                <a:gd name="connsiteY2" fmla="*/ 229952 h 280034"/>
+                <a:gd name="connsiteX3" fmla="*/ 146088 w 238069"/>
+                <a:gd name="connsiteY3" fmla="*/ 280034 h 280034"/>
+                <a:gd name="connsiteX0" fmla="*/ 238069 w 238069"/>
+                <a:gd name="connsiteY0" fmla="*/ 0 h 266193"/>
+                <a:gd name="connsiteX1" fmla="*/ 0 w 238069"/>
+                <a:gd name="connsiteY1" fmla="*/ 108213 h 266193"/>
+                <a:gd name="connsiteX2" fmla="*/ 189373 w 238069"/>
+                <a:gd name="connsiteY2" fmla="*/ 229952 h 266193"/>
+                <a:gd name="connsiteX3" fmla="*/ 148794 w 238069"/>
+                <a:gd name="connsiteY3" fmla="*/ 266193 h 266193"/>
+              </a:gdLst>
+              <a:ahLst/>
+              <a:cxnLst>
+                <a:cxn ang="0">
+                  <a:pos x="connsiteX0" y="connsiteY0"/>
+                </a:cxn>
+                <a:cxn ang="0">
+                  <a:pos x="connsiteX1" y="connsiteY1"/>
+                </a:cxn>
+                <a:cxn ang="0">
+                  <a:pos x="connsiteX2" y="connsiteY2"/>
+                </a:cxn>
+                <a:cxn ang="0">
+                  <a:pos x="connsiteX3" y="connsiteY3"/>
+                </a:cxn>
+              </a:cxnLst>
+              <a:rect l="l" t="t" r="r" b="b"/>
+              <a:pathLst>
+                <a:path w="238069" h="266193">
+                  <a:moveTo>
+                    <a:pt x="238069" y="0"/>
+                  </a:moveTo>
+                  <a:lnTo>
+                    <a:pt x="0" y="108213"/>
+                  </a:lnTo>
+                  <a:lnTo>
+                    <a:pt x="189373" y="229952"/>
+                  </a:lnTo>
+                  <a:lnTo>
+                    <a:pt x="148794" y="266193"/>
+                  </a:lnTo>
+                </a:path>
+              </a:pathLst>
+            </a:custGeom>
+            <a:noFill/>
+            <a:ln w="28575" cap="rnd">
+              <a:solidFill>
+                <a:schemeClr val="tx2"/>
+              </a:solidFill>
+              <a:tailEnd type="oval"/>
+            </a:ln>
+          </p:spPr>
+          <p:style>
+            <a:lnRef idx="2">
+              <a:schemeClr val="accent1">
+                <a:shade val="50000"/>
+              </a:schemeClr>
+            </a:lnRef>
+            <a:fillRef idx="1">
+              <a:schemeClr val="accent1"/>
+            </a:fillRef>
+            <a:effectRef idx="0">
+              <a:schemeClr val="accent1"/>
+            </a:effectRef>
+            <a:fontRef idx="minor">
+              <a:schemeClr val="lt1"/>
+            </a:fontRef>
+          </p:style>
+          <p:txBody>
+            <a:bodyPr rtlCol="0" anchor="ctr"/>
+            <a:lstStyle/>
+            <a:p>
+              <a:pPr algn="ctr"/>
+              <a:endParaRPr lang="en-SG"/>
+            </a:p>
+          </p:txBody>
+        </p:sp>
+        <p:sp>
+          <p:nvSpPr>
+            <p:cNvPr id="24" name="Freeform 23"/>
+            <p:cNvSpPr/>
+            <p:nvPr/>
+          </p:nvSpPr>
+          <p:spPr>
+            <a:xfrm rot="20254772">
+              <a:off x="408603" y="679306"/>
+              <a:ext cx="168189" cy="285750"/>
+            </a:xfrm>
+            <a:custGeom>
+              <a:avLst/>
+              <a:gdLst>
+                <a:gd name="connsiteX0" fmla="*/ 299885 w 336378"/>
+                <a:gd name="connsiteY0" fmla="*/ 571500 h 571500"/>
+                <a:gd name="connsiteX1" fmla="*/ 328460 w 336378"/>
+                <a:gd name="connsiteY1" fmla="*/ 457200 h 571500"/>
+                <a:gd name="connsiteX2" fmla="*/ 173679 w 336378"/>
+                <a:gd name="connsiteY2" fmla="*/ 440531 h 571500"/>
+                <a:gd name="connsiteX3" fmla="*/ 302266 w 336378"/>
+                <a:gd name="connsiteY3" fmla="*/ 266700 h 571500"/>
+                <a:gd name="connsiteX4" fmla="*/ 2229 w 336378"/>
+                <a:gd name="connsiteY4" fmla="*/ 242887 h 571500"/>
+                <a:gd name="connsiteX5" fmla="*/ 164154 w 336378"/>
+                <a:gd name="connsiteY5" fmla="*/ 83344 h 571500"/>
+                <a:gd name="connsiteX6" fmla="*/ 137960 w 336378"/>
+                <a:gd name="connsiteY6" fmla="*/ 0 h 571500"/>
+                <a:gd name="connsiteX7" fmla="*/ 137960 w 336378"/>
+                <a:gd name="connsiteY7" fmla="*/ 0 h 571500"/>
+              </a:gdLst>
+              <a:ahLst/>
+              <a:cxnLst>
+                <a:cxn ang="0">
+                  <a:pos x="connsiteX0" y="connsiteY0"/>
+                </a:cxn>
+                <a:cxn ang="0">
+                  <a:pos x="connsiteX1" y="connsiteY1"/>
+                </a:cxn>
+                <a:cxn ang="0">
+                  <a:pos x="connsiteX2" y="connsiteY2"/>
+                </a:cxn>
+                <a:cxn ang="0">
+                  <a:pos x="connsiteX3" y="connsiteY3"/>
+                </a:cxn>
+                <a:cxn ang="0">
+                  <a:pos x="connsiteX4" y="connsiteY4"/>
+                </a:cxn>
+                <a:cxn ang="0">
+                  <a:pos x="connsiteX5" y="connsiteY5"/>
+                </a:cxn>
+                <a:cxn ang="0">
+                  <a:pos x="connsiteX6" y="connsiteY6"/>
+                </a:cxn>
+                <a:cxn ang="0">
+                  <a:pos x="connsiteX7" y="connsiteY7"/>
+                </a:cxn>
+              </a:cxnLst>
+              <a:rect l="l" t="t" r="r" b="b"/>
+              <a:pathLst>
+                <a:path w="336378" h="571500">
+                  <a:moveTo>
+                    <a:pt x="299885" y="571500"/>
+                  </a:moveTo>
+                  <a:cubicBezTo>
+                    <a:pt x="324689" y="525264"/>
+                    <a:pt x="349494" y="479028"/>
+                    <a:pt x="328460" y="457200"/>
+                  </a:cubicBezTo>
+                  <a:cubicBezTo>
+                    <a:pt x="307426" y="435372"/>
+                    <a:pt x="178045" y="472281"/>
+                    <a:pt x="173679" y="440531"/>
+                  </a:cubicBezTo>
+                  <a:cubicBezTo>
+                    <a:pt x="169313" y="408781"/>
+                    <a:pt x="330841" y="299641"/>
+                    <a:pt x="302266" y="266700"/>
+                  </a:cubicBezTo>
+                  <a:cubicBezTo>
+                    <a:pt x="273691" y="233759"/>
+                    <a:pt x="25248" y="273446"/>
+                    <a:pt x="2229" y="242887"/>
+                  </a:cubicBezTo>
+                  <a:cubicBezTo>
+                    <a:pt x="-20790" y="212328"/>
+                    <a:pt x="141532" y="123825"/>
+                    <a:pt x="164154" y="83344"/>
+                  </a:cubicBezTo>
+                  <a:cubicBezTo>
+                    <a:pt x="186776" y="42863"/>
+                    <a:pt x="137960" y="0"/>
+                    <a:pt x="137960" y="0"/>
+                  </a:cubicBezTo>
+                  <a:lnTo>
+                    <a:pt x="137960" y="0"/>
+                  </a:lnTo>
+                </a:path>
+              </a:pathLst>
+            </a:custGeom>
+            <a:noFill/>
+            <a:ln w="28575" cap="rnd">
+              <a:solidFill>
+                <a:schemeClr val="accent6">
+                  <a:lumMod val="60000"/>
+                  <a:lumOff val="40000"/>
+                </a:schemeClr>
+              </a:solidFill>
+            </a:ln>
+          </p:spPr>
+          <p:style>
+            <a:lnRef idx="2">
+              <a:schemeClr val="accent1">
+                <a:shade val="50000"/>
+              </a:schemeClr>
+            </a:lnRef>
+            <a:fillRef idx="1">
+              <a:schemeClr val="accent1"/>
+            </a:fillRef>
+            <a:effectRef idx="0">
+              <a:schemeClr val="accent1"/>
+            </a:effectRef>
+            <a:fontRef idx="minor">
+              <a:schemeClr val="lt1"/>
+            </a:fontRef>
+          </p:style>
+          <p:txBody>
+            <a:bodyPr rtlCol="0" anchor="ctr"/>
+            <a:lstStyle/>
+            <a:p>
+              <a:pPr algn="ctr"/>
+              <a:endParaRPr lang="en-SG"/>
+            </a:p>
+          </p:txBody>
+        </p:sp>
+        <p:sp>
+          <p:nvSpPr>
+            <p:cNvPr id="25" name="Freeform 24"/>
+            <p:cNvSpPr/>
+            <p:nvPr/>
+          </p:nvSpPr>
+          <p:spPr>
+            <a:xfrm rot="1388592" flipH="1">
+              <a:off x="793849" y="657474"/>
+              <a:ext cx="148813" cy="215583"/>
+            </a:xfrm>
+            <a:custGeom>
+              <a:avLst/>
+              <a:gdLst>
+                <a:gd name="connsiteX0" fmla="*/ 299885 w 336378"/>
+                <a:gd name="connsiteY0" fmla="*/ 571500 h 571500"/>
+                <a:gd name="connsiteX1" fmla="*/ 328460 w 336378"/>
+                <a:gd name="connsiteY1" fmla="*/ 457200 h 571500"/>
+                <a:gd name="connsiteX2" fmla="*/ 173679 w 336378"/>
+                <a:gd name="connsiteY2" fmla="*/ 440531 h 571500"/>
+                <a:gd name="connsiteX3" fmla="*/ 302266 w 336378"/>
+                <a:gd name="connsiteY3" fmla="*/ 266700 h 571500"/>
+                <a:gd name="connsiteX4" fmla="*/ 2229 w 336378"/>
+                <a:gd name="connsiteY4" fmla="*/ 242887 h 571500"/>
+                <a:gd name="connsiteX5" fmla="*/ 164154 w 336378"/>
+                <a:gd name="connsiteY5" fmla="*/ 83344 h 571500"/>
+                <a:gd name="connsiteX6" fmla="*/ 137960 w 336378"/>
+                <a:gd name="connsiteY6" fmla="*/ 0 h 571500"/>
+                <a:gd name="connsiteX7" fmla="*/ 137960 w 336378"/>
+                <a:gd name="connsiteY7" fmla="*/ 0 h 571500"/>
+              </a:gdLst>
+              <a:ahLst/>
+              <a:cxnLst>
+                <a:cxn ang="0">
+                  <a:pos x="connsiteX0" y="connsiteY0"/>
+                </a:cxn>
+                <a:cxn ang="0">
+                  <a:pos x="connsiteX1" y="connsiteY1"/>
+                </a:cxn>
+                <a:cxn ang="0">
+                  <a:pos x="connsiteX2" y="connsiteY2"/>
+                </a:cxn>
+                <a:cxn ang="0">
+                  <a:pos x="connsiteX3" y="connsiteY3"/>
+                </a:cxn>
+                <a:cxn ang="0">
+                  <a:pos x="connsiteX4" y="connsiteY4"/>
+                </a:cxn>
+                <a:cxn ang="0">
+                  <a:pos x="connsiteX5" y="connsiteY5"/>
+                </a:cxn>
+                <a:cxn ang="0">
+                  <a:pos x="connsiteX6" y="connsiteY6"/>
+                </a:cxn>
+                <a:cxn ang="0">
+                  <a:pos x="connsiteX7" y="connsiteY7"/>
+                </a:cxn>
+              </a:cxnLst>
+              <a:rect l="l" t="t" r="r" b="b"/>
+              <a:pathLst>
+                <a:path w="336378" h="571500">
+                  <a:moveTo>
+                    <a:pt x="299885" y="571500"/>
+                  </a:moveTo>
+                  <a:cubicBezTo>
+                    <a:pt x="324689" y="525264"/>
+                    <a:pt x="349494" y="479028"/>
+                    <a:pt x="328460" y="457200"/>
+                  </a:cubicBezTo>
+                  <a:cubicBezTo>
+                    <a:pt x="307426" y="435372"/>
+                    <a:pt x="178045" y="472281"/>
+                    <a:pt x="173679" y="440531"/>
+                  </a:cubicBezTo>
+                  <a:cubicBezTo>
+                    <a:pt x="169313" y="408781"/>
+                    <a:pt x="330841" y="299641"/>
+                    <a:pt x="302266" y="266700"/>
+                  </a:cubicBezTo>
+                  <a:cubicBezTo>
+                    <a:pt x="273691" y="233759"/>
+                    <a:pt x="25248" y="273446"/>
+                    <a:pt x="2229" y="242887"/>
+                  </a:cubicBezTo>
+                  <a:cubicBezTo>
+                    <a:pt x="-20790" y="212328"/>
+                    <a:pt x="141532" y="123825"/>
+                    <a:pt x="164154" y="83344"/>
+                  </a:cubicBezTo>
+                  <a:cubicBezTo>
+                    <a:pt x="186776" y="42863"/>
+                    <a:pt x="137960" y="0"/>
+                    <a:pt x="137960" y="0"/>
+                  </a:cubicBezTo>
+                  <a:lnTo>
+                    <a:pt x="137960" y="0"/>
+                  </a:lnTo>
+                </a:path>
+              </a:pathLst>
+            </a:custGeom>
+            <a:noFill/>
+            <a:ln w="28575" cap="rnd">
+              <a:solidFill>
+                <a:schemeClr val="accent6">
+                  <a:lumMod val="60000"/>
+                  <a:lumOff val="40000"/>
+                </a:schemeClr>
+              </a:solidFill>
+            </a:ln>
+          </p:spPr>
+          <p:style>
+            <a:lnRef idx="2">
+              <a:schemeClr val="accent1">
+                <a:shade val="50000"/>
+              </a:schemeClr>
+            </a:lnRef>
+            <a:fillRef idx="1">
+              <a:schemeClr val="accent1"/>
+            </a:fillRef>
+            <a:effectRef idx="0">
+              <a:schemeClr val="accent1"/>
+            </a:effectRef>
+            <a:fontRef idx="minor">
+              <a:schemeClr val="lt1"/>
+            </a:fontRef>
+          </p:style>
+          <p:txBody>
+            <a:bodyPr rtlCol="0" anchor="ctr"/>
+            <a:lstStyle/>
+            <a:p>
+              <a:pPr algn="ctr"/>
+              <a:endParaRPr lang="en-SG"/>
+            </a:p>
+          </p:txBody>
+        </p:sp>
+        <p:cxnSp>
+          <p:nvCxnSpPr>
+            <p:cNvPr id="28" name="Straight Connector 27"/>
+            <p:cNvCxnSpPr/>
+            <p:nvPr/>
+          </p:nvCxnSpPr>
+          <p:spPr>
+            <a:xfrm>
+              <a:off x="897731" y="1330534"/>
+              <a:ext cx="319088" cy="0"/>
+            </a:xfrm>
+            <a:prstGeom prst="line">
+              <a:avLst/>
+            </a:prstGeom>
+            <a:noFill/>
+            <a:ln w="28575" cap="rnd">
+              <a:solidFill>
+                <a:schemeClr val="tx2"/>
+              </a:solidFill>
+              <a:tailEnd type="oval"/>
+            </a:ln>
+          </p:spPr>
+          <p:style>
+            <a:lnRef idx="2">
+              <a:schemeClr val="accent1">
+                <a:shade val="50000"/>
+              </a:schemeClr>
+            </a:lnRef>
+            <a:fillRef idx="1">
+              <a:schemeClr val="accent1"/>
+            </a:fillRef>
+            <a:effectRef idx="0">
+              <a:schemeClr val="accent1"/>
+            </a:effectRef>
+            <a:fontRef idx="minor">
+              <a:schemeClr val="lt1"/>
+            </a:fontRef>
+          </p:style>
+        </p:cxnSp>
+        <p:cxnSp>
+          <p:nvCxnSpPr>
+            <p:cNvPr id="31" name="Straight Connector 30"/>
+            <p:cNvCxnSpPr/>
+            <p:nvPr/>
+          </p:nvCxnSpPr>
+          <p:spPr>
+            <a:xfrm>
+              <a:off x="1216819" y="1302057"/>
+              <a:ext cx="71437" cy="0"/>
+            </a:xfrm>
+            <a:prstGeom prst="line">
+              <a:avLst/>
+            </a:prstGeom>
+            <a:noFill/>
+            <a:ln w="28575" cap="rnd">
+              <a:solidFill>
+                <a:schemeClr val="tx2"/>
+              </a:solidFill>
+            </a:ln>
+          </p:spPr>
+          <p:style>
+            <a:lnRef idx="2">
+              <a:schemeClr val="accent1">
+                <a:shade val="50000"/>
+              </a:schemeClr>
+            </a:lnRef>
+            <a:fillRef idx="1">
+              <a:schemeClr val="accent1"/>
+            </a:fillRef>
+            <a:effectRef idx="0">
+              <a:schemeClr val="accent1"/>
+            </a:effectRef>
+            <a:fontRef idx="minor">
+              <a:schemeClr val="lt1"/>
+            </a:fontRef>
+          </p:style>
+        </p:cxnSp>
+      </p:grpSp>
+      <p:grpSp>
+        <p:nvGrpSpPr>
+          <p:cNvPr id="45" name="Group 44"/>
+          <p:cNvGrpSpPr/>
+          <p:nvPr/>
+        </p:nvGrpSpPr>
+        <p:grpSpPr>
+          <a:xfrm>
+            <a:off x="1654805" y="894822"/>
+            <a:ext cx="797883" cy="741901"/>
+            <a:chOff x="1654805" y="894822"/>
+            <a:chExt cx="797883" cy="741901"/>
+          </a:xfrm>
+        </p:grpSpPr>
+        <p:sp>
+          <p:nvSpPr>
+            <p:cNvPr id="37" name="Arc 36"/>
+            <p:cNvSpPr/>
+            <p:nvPr/>
+          </p:nvSpPr>
+          <p:spPr>
+            <a:xfrm>
+              <a:off x="1934756" y="926506"/>
+              <a:ext cx="342109" cy="336286"/>
+            </a:xfrm>
+            <a:prstGeom prst="arc">
+              <a:avLst>
+                <a:gd name="adj1" fmla="val 18413051"/>
+                <a:gd name="adj2" fmla="val 16918372"/>
+              </a:avLst>
+            </a:prstGeom>
+            <a:noFill/>
+            <a:ln w="38100">
+              <a:solidFill>
+                <a:schemeClr val="tx2"/>
+              </a:solidFill>
+            </a:ln>
+          </p:spPr>
+          <p:style>
+            <a:lnRef idx="2">
+              <a:schemeClr val="accent1">
+                <a:shade val="50000"/>
+              </a:schemeClr>
+            </a:lnRef>
+            <a:fillRef idx="1">
+              <a:schemeClr val="accent1"/>
+            </a:fillRef>
+            <a:effectRef idx="0">
+              <a:schemeClr val="accent1"/>
+            </a:effectRef>
+            <a:fontRef idx="minor">
+              <a:schemeClr val="lt1"/>
+            </a:fontRef>
+          </p:style>
+          <p:txBody>
+            <a:bodyPr rtlCol="0" anchor="ctr"/>
+            <a:lstStyle/>
+            <a:p>
+              <a:pPr algn="ctr"/>
+              <a:endParaRPr lang="en-SG"/>
+            </a:p>
+          </p:txBody>
+        </p:sp>
+        <p:sp>
+          <p:nvSpPr>
+            <p:cNvPr id="38" name="Flowchart: Delay 37"/>
+            <p:cNvSpPr/>
+            <p:nvPr/>
+          </p:nvSpPr>
+          <p:spPr>
+            <a:xfrm rot="16200000">
+              <a:off x="1944437" y="1222140"/>
+              <a:ext cx="322748" cy="463536"/>
+            </a:xfrm>
+            <a:prstGeom prst="flowChartDelay">
+              <a:avLst/>
+            </a:prstGeom>
+            <a:noFill/>
+            <a:ln w="38100">
+              <a:solidFill>
+                <a:schemeClr val="tx2"/>
+              </a:solidFill>
+            </a:ln>
+          </p:spPr>
+          <p:style>
+            <a:lnRef idx="2">
+              <a:schemeClr val="accent1">
+                <a:shade val="50000"/>
+              </a:schemeClr>
+            </a:lnRef>
+            <a:fillRef idx="1">
+              <a:schemeClr val="accent1"/>
+            </a:fillRef>
+            <a:effectRef idx="0">
+              <a:schemeClr val="accent1"/>
+            </a:effectRef>
+            <a:fontRef idx="minor">
+              <a:schemeClr val="lt1"/>
+            </a:fontRef>
+          </p:style>
+          <p:txBody>
+            <a:bodyPr rtlCol="0" anchor="ctr"/>
+            <a:lstStyle/>
+            <a:p>
+              <a:pPr algn="ctr"/>
+              <a:endParaRPr lang="en-SG"/>
+            </a:p>
+          </p:txBody>
+        </p:sp>
+        <p:sp>
+          <p:nvSpPr>
+            <p:cNvPr id="39" name="Flowchart: Connector 38"/>
+            <p:cNvSpPr/>
+            <p:nvPr/>
+          </p:nvSpPr>
+          <p:spPr>
+            <a:xfrm>
+              <a:off x="2034929" y="1030030"/>
+              <a:ext cx="70882" cy="69675"/>
+            </a:xfrm>
+            <a:prstGeom prst="flowChartConnector">
+              <a:avLst/>
+            </a:prstGeom>
+            <a:noFill/>
+            <a:ln w="38100">
+              <a:solidFill>
+                <a:schemeClr val="tx2"/>
+              </a:solidFill>
+            </a:ln>
+          </p:spPr>
+          <p:style>
+            <a:lnRef idx="2">
+              <a:schemeClr val="accent1">
+                <a:shade val="50000"/>
+              </a:schemeClr>
+            </a:lnRef>
+            <a:fillRef idx="1">
+              <a:schemeClr val="accent1"/>
+            </a:fillRef>
+            <a:effectRef idx="0">
+              <a:schemeClr val="accent1"/>
+            </a:effectRef>
+            <a:fontRef idx="minor">
+              <a:schemeClr val="lt1"/>
+            </a:fontRef>
+          </p:style>
+          <p:txBody>
+            <a:bodyPr rtlCol="0" anchor="ctr"/>
+            <a:lstStyle/>
+            <a:p>
+              <a:pPr algn="ctr"/>
+              <a:endParaRPr lang="en-SG"/>
+            </a:p>
+          </p:txBody>
+        </p:sp>
+        <p:sp>
+          <p:nvSpPr>
+            <p:cNvPr id="40" name="TextBox 39"/>
+            <p:cNvSpPr txBox="1"/>
+            <p:nvPr/>
+          </p:nvSpPr>
+          <p:spPr>
+            <a:xfrm rot="19605016">
+              <a:off x="1736971" y="911083"/>
+              <a:ext cx="111679" cy="307567"/>
+            </a:xfrm>
+            <a:prstGeom prst="rect">
+              <a:avLst/>
+            </a:prstGeom>
+            <a:noFill/>
+          </p:spPr>
+          <p:txBody>
+            <a:bodyPr wrap="square" lIns="0" tIns="0" rIns="0" bIns="0" rtlCol="0">
+              <a:noAutofit/>
+            </a:bodyPr>
+            <a:lstStyle/>
+            <a:p>
+              <a:r>
+                <a:rPr lang="en-US" sz="2400" b="1" dirty="0" smtClean="0">
+                  <a:solidFill>
+                    <a:schemeClr val="accent6">
+                      <a:lumMod val="75000"/>
+                    </a:schemeClr>
+                  </a:solidFill>
+                </a:rPr>
+                <a:t>?</a:t>
+              </a:r>
+              <a:endParaRPr lang="en-US" sz="2400" b="1" dirty="0">
+                <a:solidFill>
+                  <a:schemeClr val="accent6">
+                    <a:lumMod val="75000"/>
+                  </a:schemeClr>
+                </a:solidFill>
+              </a:endParaRPr>
+            </a:p>
+          </p:txBody>
+        </p:sp>
+        <p:sp>
+          <p:nvSpPr>
+            <p:cNvPr id="41" name="Flowchart: Connector 40"/>
+            <p:cNvSpPr/>
+            <p:nvPr/>
+          </p:nvSpPr>
+          <p:spPr>
+            <a:xfrm>
+              <a:off x="2133066" y="913307"/>
+              <a:ext cx="70882" cy="69675"/>
+            </a:xfrm>
+            <a:prstGeom prst="flowChartConnector">
+              <a:avLst/>
+            </a:prstGeom>
+            <a:noFill/>
+            <a:ln w="38100">
+              <a:solidFill>
+                <a:schemeClr val="tx2"/>
+              </a:solidFill>
+            </a:ln>
+          </p:spPr>
+          <p:style>
+            <a:lnRef idx="2">
+              <a:schemeClr val="accent1">
+                <a:shade val="50000"/>
+              </a:schemeClr>
+            </a:lnRef>
+            <a:fillRef idx="1">
+              <a:schemeClr val="accent1"/>
+            </a:fillRef>
+            <a:effectRef idx="0">
+              <a:schemeClr val="accent1"/>
+            </a:effectRef>
+            <a:fontRef idx="minor">
+              <a:schemeClr val="lt1"/>
+            </a:fontRef>
+          </p:style>
+          <p:txBody>
+            <a:bodyPr rtlCol="0" anchor="ctr"/>
+            <a:lstStyle/>
+            <a:p>
+              <a:pPr algn="ctr"/>
+              <a:endParaRPr lang="en-SG"/>
+            </a:p>
+          </p:txBody>
+        </p:sp>
+        <p:cxnSp>
+          <p:nvCxnSpPr>
+            <p:cNvPr id="42" name="Straight Connector 41"/>
+            <p:cNvCxnSpPr/>
+            <p:nvPr/>
+          </p:nvCxnSpPr>
+          <p:spPr>
+            <a:xfrm>
+              <a:off x="2276865" y="1094649"/>
+              <a:ext cx="60715" cy="0"/>
+            </a:xfrm>
+            <a:prstGeom prst="line">
+              <a:avLst/>
+            </a:prstGeom>
+            <a:noFill/>
+            <a:ln w="38100" cap="rnd">
+              <a:solidFill>
+                <a:schemeClr val="tx2"/>
+              </a:solidFill>
+            </a:ln>
+          </p:spPr>
+          <p:style>
+            <a:lnRef idx="2">
+              <a:schemeClr val="accent1">
+                <a:shade val="50000"/>
+              </a:schemeClr>
+            </a:lnRef>
+            <a:fillRef idx="1">
+              <a:schemeClr val="accent1"/>
+            </a:fillRef>
+            <a:effectRef idx="0">
+              <a:schemeClr val="accent1"/>
+            </a:effectRef>
+            <a:fontRef idx="minor">
+              <a:schemeClr val="lt1"/>
+            </a:fontRef>
+          </p:style>
+        </p:cxnSp>
+        <p:sp>
+          <p:nvSpPr>
+            <p:cNvPr id="36" name="Rectangle 35"/>
+            <p:cNvSpPr/>
+            <p:nvPr/>
+          </p:nvSpPr>
+          <p:spPr>
+            <a:xfrm>
+              <a:off x="1713978" y="894822"/>
+              <a:ext cx="676331" cy="741901"/>
+            </a:xfrm>
+            <a:prstGeom prst="rect">
+              <a:avLst/>
+            </a:prstGeom>
+            <a:noFill/>
+            <a:ln>
+              <a:noFill/>
+            </a:ln>
+          </p:spPr>
+          <p:style>
+            <a:lnRef idx="2">
+              <a:schemeClr val="accent1">
+                <a:shade val="50000"/>
+              </a:schemeClr>
+            </a:lnRef>
+            <a:fillRef idx="1">
+              <a:schemeClr val="accent1"/>
+            </a:fillRef>
+            <a:effectRef idx="0">
+              <a:schemeClr val="accent1"/>
+            </a:effectRef>
+            <a:fontRef idx="minor">
+              <a:schemeClr val="lt1"/>
+            </a:fontRef>
+          </p:style>
+          <p:txBody>
+            <a:bodyPr rtlCol="0" anchor="ctr"/>
+            <a:lstStyle/>
+            <a:p>
+              <a:pPr algn="ctr"/>
+              <a:endParaRPr lang="en-SG"/>
+            </a:p>
+          </p:txBody>
+        </p:sp>
+        <p:sp>
+          <p:nvSpPr>
+            <p:cNvPr id="43" name="Freeform 42"/>
+            <p:cNvSpPr/>
+            <p:nvPr/>
+          </p:nvSpPr>
+          <p:spPr>
+            <a:xfrm>
+              <a:off x="2278856" y="1209675"/>
+              <a:ext cx="173832" cy="219075"/>
+            </a:xfrm>
+            <a:custGeom>
+              <a:avLst/>
+              <a:gdLst>
+                <a:gd name="connsiteX0" fmla="*/ 66675 w 173832"/>
+                <a:gd name="connsiteY0" fmla="*/ 219075 h 219075"/>
+                <a:gd name="connsiteX1" fmla="*/ 173832 w 173832"/>
+                <a:gd name="connsiteY1" fmla="*/ 97631 h 219075"/>
+                <a:gd name="connsiteX2" fmla="*/ 0 w 173832"/>
+                <a:gd name="connsiteY2" fmla="*/ 0 h 219075"/>
+              </a:gdLst>
+              <a:ahLst/>
+              <a:cxnLst>
+                <a:cxn ang="0">
+                  <a:pos x="connsiteX0" y="connsiteY0"/>
+                </a:cxn>
+                <a:cxn ang="0">
+                  <a:pos x="connsiteX1" y="connsiteY1"/>
+                </a:cxn>
+                <a:cxn ang="0">
+                  <a:pos x="connsiteX2" y="connsiteY2"/>
+                </a:cxn>
+              </a:cxnLst>
+              <a:rect l="l" t="t" r="r" b="b"/>
+              <a:pathLst>
+                <a:path w="173832" h="219075">
+                  <a:moveTo>
+                    <a:pt x="66675" y="219075"/>
+                  </a:moveTo>
+                  <a:lnTo>
+                    <a:pt x="173832" y="97631"/>
+                  </a:lnTo>
+                  <a:lnTo>
+                    <a:pt x="0" y="0"/>
+                  </a:lnTo>
+                </a:path>
+              </a:pathLst>
+            </a:custGeom>
+            <a:noFill/>
+            <a:ln w="28575" cap="rnd">
+              <a:solidFill>
+                <a:schemeClr val="tx2"/>
+              </a:solidFill>
+              <a:tailEnd type="oval"/>
+            </a:ln>
+          </p:spPr>
+          <p:style>
+            <a:lnRef idx="2">
+              <a:schemeClr val="accent1">
+                <a:shade val="50000"/>
+              </a:schemeClr>
+            </a:lnRef>
+            <a:fillRef idx="1">
+              <a:schemeClr val="accent1"/>
+            </a:fillRef>
+            <a:effectRef idx="0">
+              <a:schemeClr val="accent1"/>
+            </a:effectRef>
+            <a:fontRef idx="minor">
+              <a:schemeClr val="lt1"/>
+            </a:fontRef>
+          </p:style>
+          <p:txBody>
+            <a:bodyPr rtlCol="0" anchor="ctr"/>
+            <a:lstStyle/>
+            <a:p>
+              <a:pPr algn="ctr"/>
+              <a:endParaRPr lang="en-SG"/>
+            </a:p>
+          </p:txBody>
+        </p:sp>
+        <p:sp>
+          <p:nvSpPr>
+            <p:cNvPr id="44" name="Freeform 43"/>
+            <p:cNvSpPr/>
+            <p:nvPr/>
+          </p:nvSpPr>
+          <p:spPr>
+            <a:xfrm>
+              <a:off x="1654805" y="1364140"/>
+              <a:ext cx="254737" cy="210360"/>
+            </a:xfrm>
+            <a:custGeom>
+              <a:avLst/>
+              <a:gdLst>
+                <a:gd name="connsiteX0" fmla="*/ 238069 w 238069"/>
+                <a:gd name="connsiteY0" fmla="*/ 0 h 248890"/>
+                <a:gd name="connsiteX1" fmla="*/ 0 w 238069"/>
+                <a:gd name="connsiteY1" fmla="*/ 108213 h 248890"/>
+                <a:gd name="connsiteX2" fmla="*/ 189373 w 238069"/>
+                <a:gd name="connsiteY2" fmla="*/ 229952 h 248890"/>
+                <a:gd name="connsiteX3" fmla="*/ 162320 w 238069"/>
+                <a:gd name="connsiteY3" fmla="*/ 248890 h 248890"/>
+                <a:gd name="connsiteX0" fmla="*/ 238069 w 238069"/>
+                <a:gd name="connsiteY0" fmla="*/ 0 h 290415"/>
+                <a:gd name="connsiteX1" fmla="*/ 0 w 238069"/>
+                <a:gd name="connsiteY1" fmla="*/ 108213 h 290415"/>
+                <a:gd name="connsiteX2" fmla="*/ 189373 w 238069"/>
+                <a:gd name="connsiteY2" fmla="*/ 229952 h 290415"/>
+                <a:gd name="connsiteX3" fmla="*/ 132562 w 238069"/>
+                <a:gd name="connsiteY3" fmla="*/ 290415 h 290415"/>
+                <a:gd name="connsiteX0" fmla="*/ 238069 w 238069"/>
+                <a:gd name="connsiteY0" fmla="*/ 0 h 280034"/>
+                <a:gd name="connsiteX1" fmla="*/ 0 w 238069"/>
+                <a:gd name="connsiteY1" fmla="*/ 108213 h 280034"/>
+                <a:gd name="connsiteX2" fmla="*/ 189373 w 238069"/>
+                <a:gd name="connsiteY2" fmla="*/ 229952 h 280034"/>
+                <a:gd name="connsiteX3" fmla="*/ 146088 w 238069"/>
+                <a:gd name="connsiteY3" fmla="*/ 280034 h 280034"/>
+                <a:gd name="connsiteX0" fmla="*/ 238069 w 238069"/>
+                <a:gd name="connsiteY0" fmla="*/ 0 h 266193"/>
+                <a:gd name="connsiteX1" fmla="*/ 0 w 238069"/>
+                <a:gd name="connsiteY1" fmla="*/ 108213 h 266193"/>
+                <a:gd name="connsiteX2" fmla="*/ 189373 w 238069"/>
+                <a:gd name="connsiteY2" fmla="*/ 229952 h 266193"/>
+                <a:gd name="connsiteX3" fmla="*/ 148794 w 238069"/>
+                <a:gd name="connsiteY3" fmla="*/ 266193 h 266193"/>
+                <a:gd name="connsiteX0" fmla="*/ 238069 w 238069"/>
+                <a:gd name="connsiteY0" fmla="*/ 0 h 229952"/>
+                <a:gd name="connsiteX1" fmla="*/ 0 w 238069"/>
+                <a:gd name="connsiteY1" fmla="*/ 108213 h 229952"/>
+                <a:gd name="connsiteX2" fmla="*/ 189373 w 238069"/>
+                <a:gd name="connsiteY2" fmla="*/ 229952 h 229952"/>
+                <a:gd name="connsiteX3" fmla="*/ 160701 w 238069"/>
+                <a:gd name="connsiteY3" fmla="*/ 205275 h 229952"/>
+                <a:gd name="connsiteX0" fmla="*/ 254737 w 254737"/>
+                <a:gd name="connsiteY0" fmla="*/ 0 h 215327"/>
+                <a:gd name="connsiteX1" fmla="*/ 0 w 254737"/>
+                <a:gd name="connsiteY1" fmla="*/ 93588 h 215327"/>
+                <a:gd name="connsiteX2" fmla="*/ 189373 w 254737"/>
+                <a:gd name="connsiteY2" fmla="*/ 215327 h 215327"/>
+                <a:gd name="connsiteX3" fmla="*/ 160701 w 254737"/>
+                <a:gd name="connsiteY3" fmla="*/ 190650 h 215327"/>
+              </a:gdLst>
+              <a:ahLst/>
+              <a:cxnLst>
+                <a:cxn ang="0">
+                  <a:pos x="connsiteX0" y="connsiteY0"/>
+                </a:cxn>
+                <a:cxn ang="0">
+                  <a:pos x="connsiteX1" y="connsiteY1"/>
+                </a:cxn>
+                <a:cxn ang="0">
+                  <a:pos x="connsiteX2" y="connsiteY2"/>
+                </a:cxn>
+                <a:cxn ang="0">
+                  <a:pos x="connsiteX3" y="connsiteY3"/>
+                </a:cxn>
+              </a:cxnLst>
+              <a:rect l="l" t="t" r="r" b="b"/>
+              <a:pathLst>
+                <a:path w="254737" h="215327">
+                  <a:moveTo>
+                    <a:pt x="254737" y="0"/>
+                  </a:moveTo>
+                  <a:lnTo>
+                    <a:pt x="0" y="93588"/>
+                  </a:lnTo>
+                  <a:lnTo>
+                    <a:pt x="189373" y="215327"/>
+                  </a:lnTo>
+                  <a:lnTo>
+                    <a:pt x="160701" y="190650"/>
+                  </a:lnTo>
+                </a:path>
+              </a:pathLst>
+            </a:custGeom>
+            <a:noFill/>
+            <a:ln w="28575" cap="rnd">
+              <a:solidFill>
+                <a:schemeClr val="tx2"/>
+              </a:solidFill>
+              <a:tailEnd type="oval"/>
+            </a:ln>
+          </p:spPr>
+          <p:style>
+            <a:lnRef idx="2">
+              <a:schemeClr val="accent1">
+                <a:shade val="50000"/>
+              </a:schemeClr>
+            </a:lnRef>
+            <a:fillRef idx="1">
+              <a:schemeClr val="accent1"/>
+            </a:fillRef>
+            <a:effectRef idx="0">
+              <a:schemeClr val="accent1"/>
+            </a:effectRef>
+            <a:fontRef idx="minor">
+              <a:schemeClr val="lt1"/>
+            </a:fontRef>
+          </p:style>
+          <p:txBody>
+            <a:bodyPr rtlCol="0" anchor="ctr"/>
+            <a:lstStyle/>
+            <a:p>
+              <a:pPr algn="ctr"/>
+              <a:endParaRPr lang="en-SG"/>
+            </a:p>
+          </p:txBody>
+        </p:sp>
+      </p:grpSp>
+    </p:spTree>
+    <p:extLst>
+      <p:ext uri="{BB962C8B-B14F-4D97-AF65-F5344CB8AC3E}">
+        <p14:creationId xmlns:p14="http://schemas.microsoft.com/office/powerpoint/2010/main" val="288084414"/>
+      </p:ext>
+    </p:extLst>
+  </p:cSld>
+  <p:clrMapOvr>
+    <a:masterClrMapping/>
+  </p:clrMapOvr>
+  <p:timing>
+    <p:tnLst>
+      <p:par>
+        <p:cTn id="1" dur="indefinite" restart="never" nodeType="tmRoot"/>
+      </p:par>
+    </p:tnLst>
+  </p:timing>
+</p:sld>
+</file>
+
+<file path=ppt/slides/slide4.xml><?xml version="1.0" encoding="utf-8"?>
+<p:sld xmlns:a="http://schemas.openxmlformats.org/drawingml/2006/main" xmlns:r="http://schemas.openxmlformats.org/officeDocument/2006/relationships" xmlns:p="http://schemas.openxmlformats.org/presentationml/2006/main">
+  <p:cSld>
+    <p:spTree>
+      <p:nvGrpSpPr>
+        <p:cNvPr id="1" name=""/>
+        <p:cNvGrpSpPr/>
+        <p:nvPr/>
+      </p:nvGrpSpPr>
+      <p:grpSpPr>
+        <a:xfrm>
+          <a:off x="0" y="0"/>
+          <a:ext cx="0" cy="0"/>
+          <a:chOff x="0" y="0"/>
+          <a:chExt cx="0" cy="0"/>
+        </a:xfrm>
+      </p:grpSpPr>
+      <p:grpSp>
+        <p:nvGrpSpPr>
+          <p:cNvPr id="5" name="Group 4"/>
+          <p:cNvGrpSpPr/>
+          <p:nvPr/>
+        </p:nvGrpSpPr>
+        <p:grpSpPr>
+          <a:xfrm>
+            <a:off x="798066" y="465652"/>
+            <a:ext cx="1114600" cy="716575"/>
+            <a:chOff x="798066" y="465652"/>
+            <a:chExt cx="1114600" cy="716575"/>
+          </a:xfrm>
+        </p:grpSpPr>
         <p:grpSp>
           <p:nvGrpSpPr>
-            <p:cNvPr id="22" name="Group 21"/>
+            <p:cNvPr id="23" name="Group 22"/>
             <p:cNvGrpSpPr/>
             <p:nvPr/>
           </p:nvGrpSpPr>
           <p:grpSpPr>
-            <a:xfrm rot="21055926">
-              <a:off x="1339348" y="1077701"/>
-              <a:ext cx="440127" cy="282384"/>
-              <a:chOff x="1339349" y="1121467"/>
-              <a:chExt cx="440127" cy="282384"/>
+            <a:xfrm>
+              <a:off x="800853" y="465652"/>
+              <a:ext cx="1069404" cy="688776"/>
+              <a:chOff x="710071" y="818142"/>
+              <a:chExt cx="1069404" cy="688776"/>
             </a:xfrm>
           </p:grpSpPr>
+          <p:sp>
+            <p:nvSpPr>
+              <p:cNvPr id="34" name="Flowchart: Connector 33"/>
+              <p:cNvSpPr/>
+              <p:nvPr/>
+            </p:nvSpPr>
+            <p:spPr>
+              <a:xfrm>
+                <a:off x="770784" y="818142"/>
+                <a:ext cx="342109" cy="336286"/>
+              </a:xfrm>
+              <a:prstGeom prst="flowChartConnector">
+                <a:avLst/>
+              </a:prstGeom>
+              <a:noFill/>
+              <a:ln w="28575">
+                <a:solidFill>
+                  <a:schemeClr val="tx2"/>
+                </a:solidFill>
+              </a:ln>
+            </p:spPr>
+            <p:style>
+              <a:lnRef idx="2">
+                <a:schemeClr val="accent1">
+                  <a:shade val="50000"/>
+                </a:schemeClr>
+              </a:lnRef>
+              <a:fillRef idx="1">
+                <a:schemeClr val="accent1"/>
+              </a:fillRef>
+              <a:effectRef idx="0">
+                <a:schemeClr val="accent1"/>
+              </a:effectRef>
+              <a:fontRef idx="minor">
+                <a:schemeClr val="lt1"/>
+              </a:fontRef>
+            </p:style>
+            <p:txBody>
+              <a:bodyPr rtlCol="0" anchor="ctr"/>
+              <a:lstStyle/>
+              <a:p>
+                <a:pPr algn="ctr"/>
+                <a:endParaRPr lang="en-SG"/>
+              </a:p>
+            </p:txBody>
+          </p:sp>
+          <p:sp>
+            <p:nvSpPr>
+              <p:cNvPr id="35" name="Flowchart: Delay 34"/>
+              <p:cNvSpPr/>
+              <p:nvPr/>
+            </p:nvSpPr>
+            <p:spPr>
+              <a:xfrm rot="16200000">
+                <a:off x="745717" y="1148524"/>
+                <a:ext cx="322748" cy="394039"/>
+              </a:xfrm>
+              <a:prstGeom prst="flowChartDelay">
+                <a:avLst/>
+              </a:prstGeom>
+              <a:noFill/>
+              <a:ln w="28575">
+                <a:solidFill>
+                  <a:schemeClr val="tx2"/>
+                </a:solidFill>
+              </a:ln>
+            </p:spPr>
+            <p:style>
+              <a:lnRef idx="2">
+                <a:schemeClr val="accent1">
+                  <a:shade val="50000"/>
+                </a:schemeClr>
+              </a:lnRef>
+              <a:fillRef idx="1">
+                <a:schemeClr val="accent1"/>
+              </a:fillRef>
+              <a:effectRef idx="0">
+                <a:schemeClr val="accent1"/>
+              </a:effectRef>
+              <a:fontRef idx="minor">
+                <a:schemeClr val="lt1"/>
+              </a:fontRef>
+            </p:style>
+            <p:txBody>
+              <a:bodyPr rtlCol="0" anchor="ctr"/>
+              <a:lstStyle/>
+              <a:p>
+                <a:pPr algn="ctr"/>
+                <a:endParaRPr lang="en-SG"/>
+              </a:p>
+            </p:txBody>
+          </p:sp>
+          <p:sp>
+            <p:nvSpPr>
+              <p:cNvPr id="36" name="Freeform 35"/>
+              <p:cNvSpPr/>
+              <p:nvPr/>
+            </p:nvSpPr>
+            <p:spPr>
+              <a:xfrm>
+                <a:off x="1087760" y="1062268"/>
+                <a:ext cx="77528" cy="29032"/>
+              </a:xfrm>
+              <a:custGeom>
+                <a:avLst/>
+                <a:gdLst>
+                  <a:gd name="connsiteX0" fmla="*/ 0 w 50006"/>
+                  <a:gd name="connsiteY0" fmla="*/ 0 h 19050"/>
+                  <a:gd name="connsiteX1" fmla="*/ 0 w 50006"/>
+                  <a:gd name="connsiteY1" fmla="*/ 0 h 19050"/>
+                  <a:gd name="connsiteX2" fmla="*/ 21431 w 50006"/>
+                  <a:gd name="connsiteY2" fmla="*/ 4762 h 19050"/>
+                  <a:gd name="connsiteX3" fmla="*/ 28575 w 50006"/>
+                  <a:gd name="connsiteY3" fmla="*/ 9525 h 19050"/>
+                  <a:gd name="connsiteX4" fmla="*/ 38100 w 50006"/>
+                  <a:gd name="connsiteY4" fmla="*/ 14287 h 19050"/>
+                  <a:gd name="connsiteX5" fmla="*/ 50006 w 50006"/>
+                  <a:gd name="connsiteY5" fmla="*/ 19050 h 19050"/>
+                </a:gdLst>
+                <a:ahLst/>
+                <a:cxnLst>
+                  <a:cxn ang="0">
+                    <a:pos x="connsiteX0" y="connsiteY0"/>
+                  </a:cxn>
+                  <a:cxn ang="0">
+                    <a:pos x="connsiteX1" y="connsiteY1"/>
+                  </a:cxn>
+                  <a:cxn ang="0">
+                    <a:pos x="connsiteX2" y="connsiteY2"/>
+                  </a:cxn>
+                  <a:cxn ang="0">
+                    <a:pos x="connsiteX3" y="connsiteY3"/>
+                  </a:cxn>
+                  <a:cxn ang="0">
+                    <a:pos x="connsiteX4" y="connsiteY4"/>
+                  </a:cxn>
+                  <a:cxn ang="0">
+                    <a:pos x="connsiteX5" y="connsiteY5"/>
+                  </a:cxn>
+                </a:cxnLst>
+                <a:rect l="l" t="t" r="r" b="b"/>
+                <a:pathLst>
+                  <a:path w="50006" h="19050">
+                    <a:moveTo>
+                      <a:pt x="0" y="0"/>
+                    </a:moveTo>
+                    <a:lnTo>
+                      <a:pt x="0" y="0"/>
+                    </a:lnTo>
+                    <a:cubicBezTo>
+                      <a:pt x="7144" y="1587"/>
+                      <a:pt x="14489" y="2448"/>
+                      <a:pt x="21431" y="4762"/>
+                    </a:cubicBezTo>
+                    <a:cubicBezTo>
+                      <a:pt x="24146" y="5667"/>
+                      <a:pt x="26090" y="8105"/>
+                      <a:pt x="28575" y="9525"/>
+                    </a:cubicBezTo>
+                    <a:cubicBezTo>
+                      <a:pt x="31657" y="11286"/>
+                      <a:pt x="34837" y="12889"/>
+                      <a:pt x="38100" y="14287"/>
+                    </a:cubicBezTo>
+                    <a:cubicBezTo>
+                      <a:pt x="58672" y="23103"/>
+                      <a:pt x="34691" y="11391"/>
+                      <a:pt x="50006" y="19050"/>
+                    </a:cubicBezTo>
+                  </a:path>
+                </a:pathLst>
+              </a:custGeom>
+              <a:noFill/>
+              <a:ln w="28575">
+                <a:solidFill>
+                  <a:schemeClr val="tx2"/>
+                </a:solidFill>
+              </a:ln>
+            </p:spPr>
+            <p:style>
+              <a:lnRef idx="2">
+                <a:schemeClr val="accent1">
+                  <a:shade val="50000"/>
+                </a:schemeClr>
+              </a:lnRef>
+              <a:fillRef idx="1">
+                <a:schemeClr val="accent1"/>
+              </a:fillRef>
+              <a:effectRef idx="0">
+                <a:schemeClr val="accent1"/>
+              </a:effectRef>
+              <a:fontRef idx="minor">
+                <a:schemeClr val="lt1"/>
+              </a:fontRef>
+            </p:style>
+            <p:txBody>
+              <a:bodyPr rtlCol="0" anchor="ctr"/>
+              <a:lstStyle/>
+              <a:p>
+                <a:pPr algn="ctr"/>
+                <a:endParaRPr lang="en-SG"/>
+              </a:p>
+            </p:txBody>
+          </p:sp>
+          <p:sp>
+            <p:nvSpPr>
+              <p:cNvPr id="2" name="Freeform 1"/>
+              <p:cNvSpPr/>
+              <p:nvPr/>
+            </p:nvSpPr>
+            <p:spPr>
+              <a:xfrm rot="20784184">
+                <a:off x="963571" y="1018492"/>
+                <a:ext cx="80391" cy="94854"/>
+              </a:xfrm>
+              <a:custGeom>
+                <a:avLst/>
+                <a:gdLst>
+                  <a:gd name="connsiteX0" fmla="*/ 80391 w 80391"/>
+                  <a:gd name="connsiteY0" fmla="*/ 94854 h 94854"/>
+                  <a:gd name="connsiteX1" fmla="*/ 8302 w 80391"/>
+                  <a:gd name="connsiteY1" fmla="*/ 60707 h 94854"/>
+                  <a:gd name="connsiteX2" fmla="*/ 4507 w 80391"/>
+                  <a:gd name="connsiteY2" fmla="*/ 0 h 94854"/>
+                </a:gdLst>
+                <a:ahLst/>
+                <a:cxnLst>
+                  <a:cxn ang="0">
+                    <a:pos x="connsiteX0" y="connsiteY0"/>
+                  </a:cxn>
+                  <a:cxn ang="0">
+                    <a:pos x="connsiteX1" y="connsiteY1"/>
+                  </a:cxn>
+                  <a:cxn ang="0">
+                    <a:pos x="connsiteX2" y="connsiteY2"/>
+                  </a:cxn>
+                </a:cxnLst>
+                <a:rect l="l" t="t" r="r" b="b"/>
+                <a:pathLst>
+                  <a:path w="80391" h="94854">
+                    <a:moveTo>
+                      <a:pt x="80391" y="94854"/>
+                    </a:moveTo>
+                    <a:cubicBezTo>
+                      <a:pt x="50670" y="85685"/>
+                      <a:pt x="20949" y="76516"/>
+                      <a:pt x="8302" y="60707"/>
+                    </a:cubicBezTo>
+                    <a:cubicBezTo>
+                      <a:pt x="-4345" y="44898"/>
+                      <a:pt x="81" y="22449"/>
+                      <a:pt x="4507" y="0"/>
+                    </a:cubicBezTo>
+                  </a:path>
+                </a:pathLst>
+              </a:custGeom>
+              <a:noFill/>
+              <a:ln w="28575" cap="rnd">
+                <a:solidFill>
+                  <a:schemeClr val="tx2"/>
+                </a:solidFill>
+              </a:ln>
+            </p:spPr>
+            <p:style>
+              <a:lnRef idx="2">
+                <a:schemeClr val="accent1">
+                  <a:shade val="50000"/>
+                </a:schemeClr>
+              </a:lnRef>
+              <a:fillRef idx="1">
+                <a:schemeClr val="accent1"/>
+              </a:fillRef>
+              <a:effectRef idx="0">
+                <a:schemeClr val="accent1"/>
+              </a:effectRef>
+              <a:fontRef idx="minor">
+                <a:schemeClr val="lt1"/>
+              </a:fontRef>
+            </p:style>
+            <p:txBody>
+              <a:bodyPr rtlCol="0" anchor="ctr"/>
+              <a:lstStyle/>
+              <a:p>
+                <a:pPr algn="ctr"/>
+                <a:endParaRPr lang="en-US"/>
+              </a:p>
+            </p:txBody>
+          </p:sp>
+          <p:sp>
+            <p:nvSpPr>
+              <p:cNvPr id="18" name="Flowchart: Connector 17"/>
+              <p:cNvSpPr/>
+              <p:nvPr/>
+            </p:nvSpPr>
+            <p:spPr>
+              <a:xfrm>
+                <a:off x="953548" y="894930"/>
+                <a:ext cx="70882" cy="69675"/>
+              </a:xfrm>
+              <a:prstGeom prst="flowChartConnector">
+                <a:avLst/>
+              </a:prstGeom>
+              <a:noFill/>
+              <a:ln w="28575">
+                <a:solidFill>
+                  <a:schemeClr val="tx2"/>
+                </a:solidFill>
+              </a:ln>
+            </p:spPr>
+            <p:style>
+              <a:lnRef idx="2">
+                <a:schemeClr val="accent1">
+                  <a:shade val="50000"/>
+                </a:schemeClr>
+              </a:lnRef>
+              <a:fillRef idx="1">
+                <a:schemeClr val="accent1"/>
+              </a:fillRef>
+              <a:effectRef idx="0">
+                <a:schemeClr val="accent1"/>
+              </a:effectRef>
+              <a:fontRef idx="minor">
+                <a:schemeClr val="lt1"/>
+              </a:fontRef>
+            </p:style>
+            <p:txBody>
+              <a:bodyPr rtlCol="0" anchor="ctr"/>
+              <a:lstStyle/>
+              <a:p>
+                <a:pPr algn="ctr"/>
+                <a:endParaRPr lang="en-SG"/>
+              </a:p>
+            </p:txBody>
+          </p:sp>
+          <p:grpSp>
+            <p:nvGrpSpPr>
+              <p:cNvPr id="22" name="Group 21"/>
+              <p:cNvGrpSpPr/>
+              <p:nvPr/>
+            </p:nvGrpSpPr>
+            <p:grpSpPr>
+              <a:xfrm rot="21055926">
+                <a:off x="1339348" y="1077701"/>
+                <a:ext cx="440127" cy="282384"/>
+                <a:chOff x="1339349" y="1121467"/>
+                <a:chExt cx="440127" cy="282384"/>
+              </a:xfrm>
+            </p:grpSpPr>
+            <p:sp>
+              <p:nvSpPr>
+                <p:cNvPr id="4" name="Rounded Rectangle 3"/>
+                <p:cNvSpPr/>
+                <p:nvPr/>
+              </p:nvSpPr>
+              <p:spPr>
+                <a:xfrm>
+                  <a:off x="1339349" y="1121467"/>
+                  <a:ext cx="440127" cy="282384"/>
+                </a:xfrm>
+                <a:prstGeom prst="roundRect">
+                  <a:avLst>
+                    <a:gd name="adj" fmla="val 0"/>
+                  </a:avLst>
+                </a:prstGeom>
+                <a:noFill/>
+                <a:ln w="28575" cap="rnd">
+                  <a:solidFill>
+                    <a:schemeClr val="accent6">
+                      <a:lumMod val="75000"/>
+                    </a:schemeClr>
+                  </a:solidFill>
+                </a:ln>
+              </p:spPr>
+              <p:style>
+                <a:lnRef idx="2">
+                  <a:schemeClr val="accent1">
+                    <a:shade val="50000"/>
+                  </a:schemeClr>
+                </a:lnRef>
+                <a:fillRef idx="1">
+                  <a:schemeClr val="accent1"/>
+                </a:fillRef>
+                <a:effectRef idx="0">
+                  <a:schemeClr val="accent1"/>
+                </a:effectRef>
+                <a:fontRef idx="minor">
+                  <a:schemeClr val="lt1"/>
+                </a:fontRef>
+              </p:style>
+              <p:txBody>
+                <a:bodyPr rtlCol="0" anchor="ctr"/>
+                <a:lstStyle/>
+                <a:p>
+                  <a:pPr algn="ctr"/>
+                  <a:endParaRPr lang="en-US"/>
+                </a:p>
+              </p:txBody>
+            </p:sp>
+            <p:sp>
+              <p:nvSpPr>
+                <p:cNvPr id="7" name="Freeform 6"/>
+                <p:cNvSpPr/>
+                <p:nvPr/>
+              </p:nvSpPr>
+              <p:spPr>
+                <a:xfrm>
+                  <a:off x="1345406" y="1126331"/>
+                  <a:ext cx="423863" cy="183357"/>
+                </a:xfrm>
+                <a:custGeom>
+                  <a:avLst/>
+                  <a:gdLst>
+                    <a:gd name="connsiteX0" fmla="*/ 0 w 423863"/>
+                    <a:gd name="connsiteY0" fmla="*/ 7144 h 183357"/>
+                    <a:gd name="connsiteX1" fmla="*/ 204788 w 423863"/>
+                    <a:gd name="connsiteY1" fmla="*/ 183357 h 183357"/>
+                    <a:gd name="connsiteX2" fmla="*/ 423863 w 423863"/>
+                    <a:gd name="connsiteY2" fmla="*/ 0 h 183357"/>
+                  </a:gdLst>
+                  <a:ahLst/>
+                  <a:cxnLst>
+                    <a:cxn ang="0">
+                      <a:pos x="connsiteX0" y="connsiteY0"/>
+                    </a:cxn>
+                    <a:cxn ang="0">
+                      <a:pos x="connsiteX1" y="connsiteY1"/>
+                    </a:cxn>
+                    <a:cxn ang="0">
+                      <a:pos x="connsiteX2" y="connsiteY2"/>
+                    </a:cxn>
+                  </a:cxnLst>
+                  <a:rect l="l" t="t" r="r" b="b"/>
+                  <a:pathLst>
+                    <a:path w="423863" h="183357">
+                      <a:moveTo>
+                        <a:pt x="0" y="7144"/>
+                      </a:moveTo>
+                      <a:lnTo>
+                        <a:pt x="204788" y="183357"/>
+                      </a:lnTo>
+                      <a:lnTo>
+                        <a:pt x="423863" y="0"/>
+                      </a:lnTo>
+                    </a:path>
+                  </a:pathLst>
+                </a:custGeom>
+                <a:noFill/>
+                <a:ln w="28575" cap="rnd">
+                  <a:solidFill>
+                    <a:schemeClr val="accent6">
+                      <a:lumMod val="75000"/>
+                    </a:schemeClr>
+                  </a:solidFill>
+                </a:ln>
+              </p:spPr>
+              <p:style>
+                <a:lnRef idx="2">
+                  <a:schemeClr val="accent1">
+                    <a:shade val="50000"/>
+                  </a:schemeClr>
+                </a:lnRef>
+                <a:fillRef idx="1">
+                  <a:schemeClr val="accent1"/>
+                </a:fillRef>
+                <a:effectRef idx="0">
+                  <a:schemeClr val="accent1"/>
+                </a:effectRef>
+                <a:fontRef idx="minor">
+                  <a:schemeClr val="lt1"/>
+                </a:fontRef>
+              </p:style>
+              <p:txBody>
+                <a:bodyPr rtlCol="0" anchor="ctr"/>
+                <a:lstStyle/>
+                <a:p>
+                  <a:pPr algn="ctr"/>
+                  <a:endParaRPr lang="en-US">
+                    <a:solidFill>
+                      <a:schemeClr val="lt1"/>
+                    </a:solidFill>
+                  </a:endParaRPr>
+                </a:p>
+              </p:txBody>
+            </p:sp>
+          </p:grpSp>
+          <p:sp>
+            <p:nvSpPr>
+              <p:cNvPr id="20" name="Freeform 19"/>
+              <p:cNvSpPr/>
+              <p:nvPr/>
+            </p:nvSpPr>
+            <p:spPr>
+              <a:xfrm>
+                <a:off x="1087760" y="1244495"/>
+                <a:ext cx="247795" cy="193503"/>
+              </a:xfrm>
+              <a:custGeom>
+                <a:avLst/>
+                <a:gdLst>
+                  <a:gd name="connsiteX0" fmla="*/ 0 w 231445"/>
+                  <a:gd name="connsiteY0" fmla="*/ 41736 h 193503"/>
+                  <a:gd name="connsiteX1" fmla="*/ 125208 w 231445"/>
+                  <a:gd name="connsiteY1" fmla="*/ 193503 h 193503"/>
+                  <a:gd name="connsiteX2" fmla="*/ 231445 w 231445"/>
+                  <a:gd name="connsiteY2" fmla="*/ 0 h 193503"/>
+                </a:gdLst>
+                <a:ahLst/>
+                <a:cxnLst>
+                  <a:cxn ang="0">
+                    <a:pos x="connsiteX0" y="connsiteY0"/>
+                  </a:cxn>
+                  <a:cxn ang="0">
+                    <a:pos x="connsiteX1" y="connsiteY1"/>
+                  </a:cxn>
+                  <a:cxn ang="0">
+                    <a:pos x="connsiteX2" y="connsiteY2"/>
+                  </a:cxn>
+                </a:cxnLst>
+                <a:rect l="l" t="t" r="r" b="b"/>
+                <a:pathLst>
+                  <a:path w="231445" h="193503">
+                    <a:moveTo>
+                      <a:pt x="0" y="41736"/>
+                    </a:moveTo>
+                    <a:lnTo>
+                      <a:pt x="125208" y="193503"/>
+                    </a:lnTo>
+                    <a:lnTo>
+                      <a:pt x="231445" y="0"/>
+                    </a:lnTo>
+                  </a:path>
+                </a:pathLst>
+              </a:custGeom>
+              <a:noFill/>
+              <a:ln w="28575" cap="rnd">
+                <a:solidFill>
+                  <a:schemeClr val="tx2"/>
+                </a:solidFill>
+                <a:tailEnd type="oval"/>
+              </a:ln>
+            </p:spPr>
+            <p:style>
+              <a:lnRef idx="2">
+                <a:schemeClr val="accent1">
+                  <a:shade val="50000"/>
+                </a:schemeClr>
+              </a:lnRef>
+              <a:fillRef idx="1">
+                <a:schemeClr val="accent1"/>
+              </a:fillRef>
+              <a:effectRef idx="0">
+                <a:schemeClr val="accent1"/>
+              </a:effectRef>
+              <a:fontRef idx="minor">
+                <a:schemeClr val="lt1"/>
+              </a:fontRef>
+            </p:style>
+            <p:txBody>
+              <a:bodyPr rtlCol="0" anchor="ctr"/>
+              <a:lstStyle/>
+              <a:p>
+                <a:pPr algn="ctr"/>
+                <a:endParaRPr lang="en-US">
+                  <a:solidFill>
+                    <a:schemeClr val="lt1"/>
+                  </a:solidFill>
+                </a:endParaRPr>
+              </a:p>
+            </p:txBody>
+          </p:sp>
+        </p:grpSp>
+        <p:sp>
+          <p:nvSpPr>
+            <p:cNvPr id="3" name="Rectangle 2"/>
+            <p:cNvSpPr/>
+            <p:nvPr/>
+          </p:nvSpPr>
+          <p:spPr>
+            <a:xfrm>
+              <a:off x="798066" y="1114594"/>
+              <a:ext cx="1114600" cy="67633"/>
+            </a:xfrm>
+            <a:prstGeom prst="rect">
+              <a:avLst/>
+            </a:prstGeom>
+            <a:noFill/>
+            <a:ln>
+              <a:noFill/>
+            </a:ln>
+          </p:spPr>
+          <p:style>
+            <a:lnRef idx="2">
+              <a:schemeClr val="accent1">
+                <a:shade val="50000"/>
+              </a:schemeClr>
+            </a:lnRef>
+            <a:fillRef idx="1">
+              <a:schemeClr val="accent1"/>
+            </a:fillRef>
+            <a:effectRef idx="0">
+              <a:schemeClr val="accent1"/>
+            </a:effectRef>
+            <a:fontRef idx="minor">
+              <a:schemeClr val="lt1"/>
+            </a:fontRef>
+          </p:style>
+          <p:txBody>
+            <a:bodyPr rtlCol="0" anchor="ctr"/>
+            <a:lstStyle/>
+            <a:p>
+              <a:pPr algn="ctr"/>
+              <a:endParaRPr lang="en-SG"/>
+            </a:p>
+          </p:txBody>
+        </p:sp>
+      </p:grpSp>
+    </p:spTree>
+    <p:extLst>
+      <p:ext uri="{BB962C8B-B14F-4D97-AF65-F5344CB8AC3E}">
+        <p14:creationId xmlns:p14="http://schemas.microsoft.com/office/powerpoint/2010/main" val="3716401697"/>
+      </p:ext>
+    </p:extLst>
+  </p:cSld>
+  <p:clrMapOvr>
+    <a:masterClrMapping/>
+  </p:clrMapOvr>
+  <p:timing>
+    <p:tnLst>
+      <p:par>
+        <p:cTn id="1" dur="indefinite" restart="never" nodeType="tmRoot"/>
+      </p:par>
+    </p:tnLst>
+  </p:timing>
+</p:sld>
+</file>
+
+<file path=ppt/slides/slide5.xml><?xml version="1.0" encoding="utf-8"?>
+<p:sld xmlns:a="http://schemas.openxmlformats.org/drawingml/2006/main" xmlns:r="http://schemas.openxmlformats.org/officeDocument/2006/relationships" xmlns:p="http://schemas.openxmlformats.org/presentationml/2006/main">
+  <p:cSld>
+    <p:spTree>
+      <p:nvGrpSpPr>
+        <p:cNvPr id="1" name=""/>
+        <p:cNvGrpSpPr/>
+        <p:nvPr/>
+      </p:nvGrpSpPr>
+      <p:grpSpPr>
+        <a:xfrm>
+          <a:off x="0" y="0"/>
+          <a:ext cx="0" cy="0"/>
+          <a:chOff x="0" y="0"/>
+          <a:chExt cx="0" cy="0"/>
+        </a:xfrm>
+      </p:grpSpPr>
+      <p:grpSp>
+        <p:nvGrpSpPr>
+          <p:cNvPr id="3" name="Group 2"/>
+          <p:cNvGrpSpPr/>
+          <p:nvPr/>
+        </p:nvGrpSpPr>
+        <p:grpSpPr>
+          <a:xfrm>
+            <a:off x="798066" y="465652"/>
+            <a:ext cx="1114600" cy="703050"/>
+            <a:chOff x="798066" y="465652"/>
+            <a:chExt cx="1114600" cy="703050"/>
+          </a:xfrm>
+        </p:grpSpPr>
+        <p:grpSp>
+          <p:nvGrpSpPr>
+            <p:cNvPr id="10" name="Group 9"/>
+            <p:cNvGrpSpPr/>
+            <p:nvPr/>
+          </p:nvGrpSpPr>
+          <p:grpSpPr>
+            <a:xfrm>
+              <a:off x="800853" y="465652"/>
+              <a:ext cx="1039331" cy="688776"/>
+              <a:chOff x="800853" y="465652"/>
+              <a:chExt cx="1039331" cy="688776"/>
+            </a:xfrm>
+          </p:grpSpPr>
+          <p:sp>
+            <p:nvSpPr>
+              <p:cNvPr id="34" name="Flowchart: Connector 33"/>
+              <p:cNvSpPr/>
+              <p:nvPr/>
+            </p:nvSpPr>
+            <p:spPr>
+              <a:xfrm>
+                <a:off x="861566" y="465652"/>
+                <a:ext cx="342109" cy="336286"/>
+              </a:xfrm>
+              <a:prstGeom prst="flowChartConnector">
+                <a:avLst/>
+              </a:prstGeom>
+              <a:noFill/>
+              <a:ln w="28575">
+                <a:solidFill>
+                  <a:schemeClr val="tx2"/>
+                </a:solidFill>
+              </a:ln>
+            </p:spPr>
+            <p:style>
+              <a:lnRef idx="2">
+                <a:schemeClr val="accent1">
+                  <a:shade val="50000"/>
+                </a:schemeClr>
+              </a:lnRef>
+              <a:fillRef idx="1">
+                <a:schemeClr val="accent1"/>
+              </a:fillRef>
+              <a:effectRef idx="0">
+                <a:schemeClr val="accent1"/>
+              </a:effectRef>
+              <a:fontRef idx="minor">
+                <a:schemeClr val="lt1"/>
+              </a:fontRef>
+            </p:style>
+            <p:txBody>
+              <a:bodyPr rtlCol="0" anchor="ctr"/>
+              <a:lstStyle/>
+              <a:p>
+                <a:pPr algn="ctr"/>
+                <a:endParaRPr lang="en-SG"/>
+              </a:p>
+            </p:txBody>
+          </p:sp>
+          <p:sp>
+            <p:nvSpPr>
+              <p:cNvPr id="35" name="Flowchart: Delay 34"/>
+              <p:cNvSpPr/>
+              <p:nvPr/>
+            </p:nvSpPr>
+            <p:spPr>
+              <a:xfrm rot="16200000">
+                <a:off x="836499" y="796034"/>
+                <a:ext cx="322748" cy="394039"/>
+              </a:xfrm>
+              <a:prstGeom prst="flowChartDelay">
+                <a:avLst/>
+              </a:prstGeom>
+              <a:noFill/>
+              <a:ln w="28575">
+                <a:solidFill>
+                  <a:schemeClr val="tx2"/>
+                </a:solidFill>
+              </a:ln>
+            </p:spPr>
+            <p:style>
+              <a:lnRef idx="2">
+                <a:schemeClr val="accent1">
+                  <a:shade val="50000"/>
+                </a:schemeClr>
+              </a:lnRef>
+              <a:fillRef idx="1">
+                <a:schemeClr val="accent1"/>
+              </a:fillRef>
+              <a:effectRef idx="0">
+                <a:schemeClr val="accent1"/>
+              </a:effectRef>
+              <a:fontRef idx="minor">
+                <a:schemeClr val="lt1"/>
+              </a:fontRef>
+            </p:style>
+            <p:txBody>
+              <a:bodyPr rtlCol="0" anchor="ctr"/>
+              <a:lstStyle/>
+              <a:p>
+                <a:pPr algn="ctr"/>
+                <a:endParaRPr lang="en-SG"/>
+              </a:p>
+            </p:txBody>
+          </p:sp>
+          <p:sp>
+            <p:nvSpPr>
+              <p:cNvPr id="36" name="Freeform 35"/>
+              <p:cNvSpPr/>
+              <p:nvPr/>
+            </p:nvSpPr>
+            <p:spPr>
+              <a:xfrm>
+                <a:off x="1178542" y="709778"/>
+                <a:ext cx="77528" cy="29032"/>
+              </a:xfrm>
+              <a:custGeom>
+                <a:avLst/>
+                <a:gdLst>
+                  <a:gd name="connsiteX0" fmla="*/ 0 w 50006"/>
+                  <a:gd name="connsiteY0" fmla="*/ 0 h 19050"/>
+                  <a:gd name="connsiteX1" fmla="*/ 0 w 50006"/>
+                  <a:gd name="connsiteY1" fmla="*/ 0 h 19050"/>
+                  <a:gd name="connsiteX2" fmla="*/ 21431 w 50006"/>
+                  <a:gd name="connsiteY2" fmla="*/ 4762 h 19050"/>
+                  <a:gd name="connsiteX3" fmla="*/ 28575 w 50006"/>
+                  <a:gd name="connsiteY3" fmla="*/ 9525 h 19050"/>
+                  <a:gd name="connsiteX4" fmla="*/ 38100 w 50006"/>
+                  <a:gd name="connsiteY4" fmla="*/ 14287 h 19050"/>
+                  <a:gd name="connsiteX5" fmla="*/ 50006 w 50006"/>
+                  <a:gd name="connsiteY5" fmla="*/ 19050 h 19050"/>
+                </a:gdLst>
+                <a:ahLst/>
+                <a:cxnLst>
+                  <a:cxn ang="0">
+                    <a:pos x="connsiteX0" y="connsiteY0"/>
+                  </a:cxn>
+                  <a:cxn ang="0">
+                    <a:pos x="connsiteX1" y="connsiteY1"/>
+                  </a:cxn>
+                  <a:cxn ang="0">
+                    <a:pos x="connsiteX2" y="connsiteY2"/>
+                  </a:cxn>
+                  <a:cxn ang="0">
+                    <a:pos x="connsiteX3" y="connsiteY3"/>
+                  </a:cxn>
+                  <a:cxn ang="0">
+                    <a:pos x="connsiteX4" y="connsiteY4"/>
+                  </a:cxn>
+                  <a:cxn ang="0">
+                    <a:pos x="connsiteX5" y="connsiteY5"/>
+                  </a:cxn>
+                </a:cxnLst>
+                <a:rect l="l" t="t" r="r" b="b"/>
+                <a:pathLst>
+                  <a:path w="50006" h="19050">
+                    <a:moveTo>
+                      <a:pt x="0" y="0"/>
+                    </a:moveTo>
+                    <a:lnTo>
+                      <a:pt x="0" y="0"/>
+                    </a:lnTo>
+                    <a:cubicBezTo>
+                      <a:pt x="7144" y="1587"/>
+                      <a:pt x="14489" y="2448"/>
+                      <a:pt x="21431" y="4762"/>
+                    </a:cubicBezTo>
+                    <a:cubicBezTo>
+                      <a:pt x="24146" y="5667"/>
+                      <a:pt x="26090" y="8105"/>
+                      <a:pt x="28575" y="9525"/>
+                    </a:cubicBezTo>
+                    <a:cubicBezTo>
+                      <a:pt x="31657" y="11286"/>
+                      <a:pt x="34837" y="12889"/>
+                      <a:pt x="38100" y="14287"/>
+                    </a:cubicBezTo>
+                    <a:cubicBezTo>
+                      <a:pt x="58672" y="23103"/>
+                      <a:pt x="34691" y="11391"/>
+                      <a:pt x="50006" y="19050"/>
+                    </a:cubicBezTo>
+                  </a:path>
+                </a:pathLst>
+              </a:custGeom>
+              <a:noFill/>
+              <a:ln w="28575">
+                <a:solidFill>
+                  <a:schemeClr val="tx2"/>
+                </a:solidFill>
+              </a:ln>
+            </p:spPr>
+            <p:style>
+              <a:lnRef idx="2">
+                <a:schemeClr val="accent1">
+                  <a:shade val="50000"/>
+                </a:schemeClr>
+              </a:lnRef>
+              <a:fillRef idx="1">
+                <a:schemeClr val="accent1"/>
+              </a:fillRef>
+              <a:effectRef idx="0">
+                <a:schemeClr val="accent1"/>
+              </a:effectRef>
+              <a:fontRef idx="minor">
+                <a:schemeClr val="lt1"/>
+              </a:fontRef>
+            </p:style>
+            <p:txBody>
+              <a:bodyPr rtlCol="0" anchor="ctr"/>
+              <a:lstStyle/>
+              <a:p>
+                <a:pPr algn="ctr"/>
+                <a:endParaRPr lang="en-SG"/>
+              </a:p>
+            </p:txBody>
+          </p:sp>
+          <p:sp>
+            <p:nvSpPr>
+              <p:cNvPr id="2" name="Freeform 1"/>
+              <p:cNvSpPr/>
+              <p:nvPr/>
+            </p:nvSpPr>
+            <p:spPr>
+              <a:xfrm rot="20784184">
+                <a:off x="1054353" y="666002"/>
+                <a:ext cx="80391" cy="94854"/>
+              </a:xfrm>
+              <a:custGeom>
+                <a:avLst/>
+                <a:gdLst>
+                  <a:gd name="connsiteX0" fmla="*/ 80391 w 80391"/>
+                  <a:gd name="connsiteY0" fmla="*/ 94854 h 94854"/>
+                  <a:gd name="connsiteX1" fmla="*/ 8302 w 80391"/>
+                  <a:gd name="connsiteY1" fmla="*/ 60707 h 94854"/>
+                  <a:gd name="connsiteX2" fmla="*/ 4507 w 80391"/>
+                  <a:gd name="connsiteY2" fmla="*/ 0 h 94854"/>
+                </a:gdLst>
+                <a:ahLst/>
+                <a:cxnLst>
+                  <a:cxn ang="0">
+                    <a:pos x="connsiteX0" y="connsiteY0"/>
+                  </a:cxn>
+                  <a:cxn ang="0">
+                    <a:pos x="connsiteX1" y="connsiteY1"/>
+                  </a:cxn>
+                  <a:cxn ang="0">
+                    <a:pos x="connsiteX2" y="connsiteY2"/>
+                  </a:cxn>
+                </a:cxnLst>
+                <a:rect l="l" t="t" r="r" b="b"/>
+                <a:pathLst>
+                  <a:path w="80391" h="94854">
+                    <a:moveTo>
+                      <a:pt x="80391" y="94854"/>
+                    </a:moveTo>
+                    <a:cubicBezTo>
+                      <a:pt x="50670" y="85685"/>
+                      <a:pt x="20949" y="76516"/>
+                      <a:pt x="8302" y="60707"/>
+                    </a:cubicBezTo>
+                    <a:cubicBezTo>
+                      <a:pt x="-4345" y="44898"/>
+                      <a:pt x="81" y="22449"/>
+                      <a:pt x="4507" y="0"/>
+                    </a:cubicBezTo>
+                  </a:path>
+                </a:pathLst>
+              </a:custGeom>
+              <a:noFill/>
+              <a:ln w="28575" cap="rnd">
+                <a:solidFill>
+                  <a:schemeClr val="tx2"/>
+                </a:solidFill>
+              </a:ln>
+            </p:spPr>
+            <p:style>
+              <a:lnRef idx="2">
+                <a:schemeClr val="accent1">
+                  <a:shade val="50000"/>
+                </a:schemeClr>
+              </a:lnRef>
+              <a:fillRef idx="1">
+                <a:schemeClr val="accent1"/>
+              </a:fillRef>
+              <a:effectRef idx="0">
+                <a:schemeClr val="accent1"/>
+              </a:effectRef>
+              <a:fontRef idx="minor">
+                <a:schemeClr val="lt1"/>
+              </a:fontRef>
+            </p:style>
+            <p:txBody>
+              <a:bodyPr rtlCol="0" anchor="ctr"/>
+              <a:lstStyle/>
+              <a:p>
+                <a:pPr algn="ctr"/>
+                <a:endParaRPr lang="en-US"/>
+              </a:p>
+            </p:txBody>
+          </p:sp>
+          <p:sp>
+            <p:nvSpPr>
+              <p:cNvPr id="18" name="Flowchart: Connector 17"/>
+              <p:cNvSpPr/>
+              <p:nvPr/>
+            </p:nvSpPr>
+            <p:spPr>
+              <a:xfrm>
+                <a:off x="1044330" y="542440"/>
+                <a:ext cx="70882" cy="69675"/>
+              </a:xfrm>
+              <a:prstGeom prst="flowChartConnector">
+                <a:avLst/>
+              </a:prstGeom>
+              <a:noFill/>
+              <a:ln w="28575">
+                <a:solidFill>
+                  <a:schemeClr val="tx2"/>
+                </a:solidFill>
+              </a:ln>
+            </p:spPr>
+            <p:style>
+              <a:lnRef idx="2">
+                <a:schemeClr val="accent1">
+                  <a:shade val="50000"/>
+                </a:schemeClr>
+              </a:lnRef>
+              <a:fillRef idx="1">
+                <a:schemeClr val="accent1"/>
+              </a:fillRef>
+              <a:effectRef idx="0">
+                <a:schemeClr val="accent1"/>
+              </a:effectRef>
+              <a:fontRef idx="minor">
+                <a:schemeClr val="lt1"/>
+              </a:fontRef>
+            </p:style>
+            <p:txBody>
+              <a:bodyPr rtlCol="0" anchor="ctr"/>
+              <a:lstStyle/>
+              <a:p>
+                <a:pPr algn="ctr"/>
+                <a:endParaRPr lang="en-SG"/>
+              </a:p>
+            </p:txBody>
+          </p:sp>
           <p:sp>
             <p:nvSpPr>
               <p:cNvPr id="4" name="Rounded Rectangle 3"/>
@@ -4162,8 +7081,8 @@
             </p:nvSpPr>
             <p:spPr>
               <a:xfrm>
-                <a:off x="1339349" y="1121467"/>
-                <a:ext cx="440127" cy="282384"/>
+                <a:off x="1487043" y="660353"/>
+                <a:ext cx="353141" cy="394039"/>
               </a:xfrm>
               <a:prstGeom prst="roundRect">
                 <a:avLst>
@@ -4206,24 +7125,24 @@
           </p:sp>
           <p:sp>
             <p:nvSpPr>
-              <p:cNvPr id="7" name="Freeform 6"/>
+              <p:cNvPr id="20" name="Freeform 19"/>
               <p:cNvSpPr/>
               <p:nvPr/>
             </p:nvSpPr>
             <p:spPr>
               <a:xfrm>
-                <a:off x="1345406" y="1126331"/>
-                <a:ext cx="423863" cy="183357"/>
+                <a:off x="1178542" y="892005"/>
+                <a:ext cx="247795" cy="193503"/>
               </a:xfrm>
               <a:custGeom>
                 <a:avLst/>
                 <a:gdLst>
-                  <a:gd name="connsiteX0" fmla="*/ 0 w 423863"/>
-                  <a:gd name="connsiteY0" fmla="*/ 7144 h 183357"/>
-                  <a:gd name="connsiteX1" fmla="*/ 204788 w 423863"/>
-                  <a:gd name="connsiteY1" fmla="*/ 183357 h 183357"/>
-                  <a:gd name="connsiteX2" fmla="*/ 423863 w 423863"/>
-                  <a:gd name="connsiteY2" fmla="*/ 0 h 183357"/>
+                  <a:gd name="connsiteX0" fmla="*/ 0 w 231445"/>
+                  <a:gd name="connsiteY0" fmla="*/ 41736 h 193503"/>
+                  <a:gd name="connsiteX1" fmla="*/ 125208 w 231445"/>
+                  <a:gd name="connsiteY1" fmla="*/ 193503 h 193503"/>
+                  <a:gd name="connsiteX2" fmla="*/ 231445 w 231445"/>
+                  <a:gd name="connsiteY2" fmla="*/ 0 h 193503"/>
                 </a:gdLst>
                 <a:ahLst/>
                 <a:cxnLst>
@@ -4239,15 +7158,15 @@
                 </a:cxnLst>
                 <a:rect l="l" t="t" r="r" b="b"/>
                 <a:pathLst>
-                  <a:path w="423863" h="183357">
+                  <a:path w="231445" h="193503">
                     <a:moveTo>
-                      <a:pt x="0" y="7144"/>
+                      <a:pt x="0" y="41736"/>
                     </a:moveTo>
                     <a:lnTo>
-                      <a:pt x="204788" y="183357"/>
+                      <a:pt x="125208" y="193503"/>
                     </a:lnTo>
                     <a:lnTo>
-                      <a:pt x="423863" y="0"/>
+                      <a:pt x="231445" y="0"/>
                     </a:lnTo>
                   </a:path>
                 </a:pathLst>
@@ -4255,9 +7174,286 @@
               <a:noFill/>
               <a:ln w="28575" cap="rnd">
                 <a:solidFill>
+                  <a:schemeClr val="tx2"/>
+                </a:solidFill>
+                <a:tailEnd type="oval"/>
+              </a:ln>
+            </p:spPr>
+            <p:style>
+              <a:lnRef idx="2">
+                <a:schemeClr val="accent1">
+                  <a:shade val="50000"/>
+                </a:schemeClr>
+              </a:lnRef>
+              <a:fillRef idx="1">
+                <a:schemeClr val="accent1"/>
+              </a:fillRef>
+              <a:effectRef idx="0">
+                <a:schemeClr val="accent1"/>
+              </a:effectRef>
+              <a:fontRef idx="minor">
+                <a:schemeClr val="lt1"/>
+              </a:fontRef>
+            </p:style>
+            <p:txBody>
+              <a:bodyPr rtlCol="0" anchor="ctr"/>
+              <a:lstStyle/>
+              <a:p>
+                <a:pPr algn="ctr"/>
+                <a:endParaRPr lang="en-US">
+                  <a:solidFill>
+                    <a:schemeClr val="lt1"/>
+                  </a:solidFill>
+                </a:endParaRPr>
+              </a:p>
+            </p:txBody>
+          </p:sp>
+          <p:cxnSp>
+            <p:nvCxnSpPr>
+              <p:cNvPr id="5" name="Straight Connector 4"/>
+              <p:cNvCxnSpPr/>
+              <p:nvPr/>
+            </p:nvCxnSpPr>
+            <p:spPr>
+              <a:xfrm>
+                <a:off x="1536648" y="709778"/>
+                <a:ext cx="246622" cy="0"/>
+              </a:xfrm>
+              <a:prstGeom prst="line">
+                <a:avLst/>
+              </a:prstGeom>
+              <a:ln>
+                <a:solidFill>
                   <a:schemeClr val="accent6">
                     <a:lumMod val="75000"/>
                   </a:schemeClr>
+                </a:solidFill>
+              </a:ln>
+            </p:spPr>
+            <p:style>
+              <a:lnRef idx="1">
+                <a:schemeClr val="accent1"/>
+              </a:lnRef>
+              <a:fillRef idx="0">
+                <a:schemeClr val="accent1"/>
+              </a:fillRef>
+              <a:effectRef idx="0">
+                <a:schemeClr val="accent1"/>
+              </a:effectRef>
+              <a:fontRef idx="minor">
+                <a:schemeClr val="tx1"/>
+              </a:fontRef>
+            </p:style>
+          </p:cxnSp>
+          <p:cxnSp>
+            <p:nvCxnSpPr>
+              <p:cNvPr id="14" name="Straight Connector 13"/>
+              <p:cNvCxnSpPr/>
+              <p:nvPr/>
+            </p:nvCxnSpPr>
+            <p:spPr>
+              <a:xfrm>
+                <a:off x="1536648" y="768891"/>
+                <a:ext cx="246622" cy="0"/>
+              </a:xfrm>
+              <a:prstGeom prst="line">
+                <a:avLst/>
+              </a:prstGeom>
+              <a:ln>
+                <a:solidFill>
+                  <a:schemeClr val="accent6">
+                    <a:lumMod val="75000"/>
+                  </a:schemeClr>
+                </a:solidFill>
+              </a:ln>
+            </p:spPr>
+            <p:style>
+              <a:lnRef idx="1">
+                <a:schemeClr val="accent1"/>
+              </a:lnRef>
+              <a:fillRef idx="0">
+                <a:schemeClr val="accent1"/>
+              </a:fillRef>
+              <a:effectRef idx="0">
+                <a:schemeClr val="accent1"/>
+              </a:effectRef>
+              <a:fontRef idx="minor">
+                <a:schemeClr val="tx1"/>
+              </a:fontRef>
+            </p:style>
+          </p:cxnSp>
+          <p:cxnSp>
+            <p:nvCxnSpPr>
+              <p:cNvPr id="15" name="Straight Connector 14"/>
+              <p:cNvCxnSpPr/>
+              <p:nvPr/>
+            </p:nvCxnSpPr>
+            <p:spPr>
+              <a:xfrm>
+                <a:off x="1536648" y="828004"/>
+                <a:ext cx="246622" cy="0"/>
+              </a:xfrm>
+              <a:prstGeom prst="line">
+                <a:avLst/>
+              </a:prstGeom>
+              <a:ln>
+                <a:solidFill>
+                  <a:schemeClr val="accent6">
+                    <a:lumMod val="75000"/>
+                  </a:schemeClr>
+                </a:solidFill>
+              </a:ln>
+            </p:spPr>
+            <p:style>
+              <a:lnRef idx="1">
+                <a:schemeClr val="accent1"/>
+              </a:lnRef>
+              <a:fillRef idx="0">
+                <a:schemeClr val="accent1"/>
+              </a:fillRef>
+              <a:effectRef idx="0">
+                <a:schemeClr val="accent1"/>
+              </a:effectRef>
+              <a:fontRef idx="minor">
+                <a:schemeClr val="tx1"/>
+              </a:fontRef>
+            </p:style>
+          </p:cxnSp>
+          <p:cxnSp>
+            <p:nvCxnSpPr>
+              <p:cNvPr id="16" name="Straight Connector 15"/>
+              <p:cNvCxnSpPr/>
+              <p:nvPr/>
+            </p:nvCxnSpPr>
+            <p:spPr>
+              <a:xfrm>
+                <a:off x="1536648" y="887117"/>
+                <a:ext cx="246622" cy="0"/>
+              </a:xfrm>
+              <a:prstGeom prst="line">
+                <a:avLst/>
+              </a:prstGeom>
+              <a:ln>
+                <a:solidFill>
+                  <a:schemeClr val="accent6">
+                    <a:lumMod val="75000"/>
+                  </a:schemeClr>
+                </a:solidFill>
+              </a:ln>
+            </p:spPr>
+            <p:style>
+              <a:lnRef idx="1">
+                <a:schemeClr val="accent1"/>
+              </a:lnRef>
+              <a:fillRef idx="0">
+                <a:schemeClr val="accent1"/>
+              </a:fillRef>
+              <a:effectRef idx="0">
+                <a:schemeClr val="accent1"/>
+              </a:effectRef>
+              <a:fontRef idx="minor">
+                <a:schemeClr val="tx1"/>
+              </a:fontRef>
+            </p:style>
+          </p:cxnSp>
+          <p:sp>
+            <p:nvSpPr>
+              <p:cNvPr id="6" name="Pentagon 5"/>
+              <p:cNvSpPr/>
+              <p:nvPr/>
+            </p:nvSpPr>
+            <p:spPr>
+              <a:xfrm rot="2240143">
+                <a:off x="1282872" y="869145"/>
+                <a:ext cx="326300" cy="45719"/>
+              </a:xfrm>
+              <a:prstGeom prst="homePlate">
+                <a:avLst/>
+              </a:prstGeom>
+              <a:solidFill>
+                <a:schemeClr val="tx2"/>
+              </a:solidFill>
+              <a:ln>
+                <a:noFill/>
+              </a:ln>
+            </p:spPr>
+            <p:style>
+              <a:lnRef idx="2">
+                <a:schemeClr val="accent1">
+                  <a:shade val="50000"/>
+                </a:schemeClr>
+              </a:lnRef>
+              <a:fillRef idx="1">
+                <a:schemeClr val="accent1"/>
+              </a:fillRef>
+              <a:effectRef idx="0">
+                <a:schemeClr val="accent1"/>
+              </a:effectRef>
+              <a:fontRef idx="minor">
+                <a:schemeClr val="lt1"/>
+              </a:fontRef>
+            </p:style>
+            <p:txBody>
+              <a:bodyPr rtlCol="0" anchor="ctr"/>
+              <a:lstStyle/>
+              <a:p>
+                <a:pPr algn="ctr"/>
+                <a:endParaRPr lang="en-US"/>
+              </a:p>
+            </p:txBody>
+          </p:sp>
+          <p:sp>
+            <p:nvSpPr>
+              <p:cNvPr id="8" name="Freeform 7"/>
+              <p:cNvSpPr/>
+              <p:nvPr/>
+            </p:nvSpPr>
+            <p:spPr>
+              <a:xfrm>
+                <a:off x="1608737" y="937165"/>
+                <a:ext cx="106237" cy="75884"/>
+              </a:xfrm>
+              <a:custGeom>
+                <a:avLst/>
+                <a:gdLst>
+                  <a:gd name="connsiteX0" fmla="*/ 0 w 106237"/>
+                  <a:gd name="connsiteY0" fmla="*/ 26559 h 75884"/>
+                  <a:gd name="connsiteX1" fmla="*/ 30353 w 106237"/>
+                  <a:gd name="connsiteY1" fmla="*/ 75884 h 75884"/>
+                  <a:gd name="connsiteX2" fmla="*/ 106237 w 106237"/>
+                  <a:gd name="connsiteY2" fmla="*/ 0 h 75884"/>
+                </a:gdLst>
+                <a:ahLst/>
+                <a:cxnLst>
+                  <a:cxn ang="0">
+                    <a:pos x="connsiteX0" y="connsiteY0"/>
+                  </a:cxn>
+                  <a:cxn ang="0">
+                    <a:pos x="connsiteX1" y="connsiteY1"/>
+                  </a:cxn>
+                  <a:cxn ang="0">
+                    <a:pos x="connsiteX2" y="connsiteY2"/>
+                  </a:cxn>
+                </a:cxnLst>
+                <a:rect l="l" t="t" r="r" b="b"/>
+                <a:pathLst>
+                  <a:path w="106237" h="75884">
+                    <a:moveTo>
+                      <a:pt x="0" y="26559"/>
+                    </a:moveTo>
+                    <a:lnTo>
+                      <a:pt x="30353" y="75884"/>
+                    </a:lnTo>
+                    <a:lnTo>
+                      <a:pt x="106237" y="0"/>
+                    </a:lnTo>
+                  </a:path>
+                </a:pathLst>
+              </a:custGeom>
+              <a:noFill/>
+              <a:ln w="28575" cap="rnd">
+                <a:solidFill>
+                  <a:srgbClr val="00B050"/>
                 </a:solidFill>
               </a:ln>
             </p:spPr>
@@ -4293,58 +7489,21 @@
         </p:grpSp>
         <p:sp>
           <p:nvSpPr>
-            <p:cNvPr id="20" name="Freeform 19"/>
+            <p:cNvPr id="17" name="Rectangle 16"/>
             <p:cNvSpPr/>
             <p:nvPr/>
           </p:nvSpPr>
           <p:spPr>
             <a:xfrm>
-              <a:off x="1087760" y="1244495"/>
-              <a:ext cx="247795" cy="193503"/>
+              <a:off x="798066" y="1101069"/>
+              <a:ext cx="1114600" cy="67633"/>
             </a:xfrm>
-            <a:custGeom>
+            <a:prstGeom prst="rect">
               <a:avLst/>
-              <a:gdLst>
-                <a:gd name="connsiteX0" fmla="*/ 0 w 231445"/>
-                <a:gd name="connsiteY0" fmla="*/ 41736 h 193503"/>
-                <a:gd name="connsiteX1" fmla="*/ 125208 w 231445"/>
-                <a:gd name="connsiteY1" fmla="*/ 193503 h 193503"/>
-                <a:gd name="connsiteX2" fmla="*/ 231445 w 231445"/>
-                <a:gd name="connsiteY2" fmla="*/ 0 h 193503"/>
-              </a:gdLst>
-              <a:ahLst/>
-              <a:cxnLst>
-                <a:cxn ang="0">
-                  <a:pos x="connsiteX0" y="connsiteY0"/>
-                </a:cxn>
-                <a:cxn ang="0">
-                  <a:pos x="connsiteX1" y="connsiteY1"/>
-                </a:cxn>
-                <a:cxn ang="0">
-                  <a:pos x="connsiteX2" y="connsiteY2"/>
-                </a:cxn>
-              </a:cxnLst>
-              <a:rect l="l" t="t" r="r" b="b"/>
-              <a:pathLst>
-                <a:path w="231445" h="193503">
-                  <a:moveTo>
-                    <a:pt x="0" y="41736"/>
-                  </a:moveTo>
-                  <a:lnTo>
-                    <a:pt x="125208" y="193503"/>
-                  </a:lnTo>
-                  <a:lnTo>
-                    <a:pt x="231445" y="0"/>
-                  </a:lnTo>
-                </a:path>
-              </a:pathLst>
-            </a:custGeom>
+            </a:prstGeom>
             <a:noFill/>
-            <a:ln w="28575" cap="rnd">
-              <a:solidFill>
-                <a:schemeClr val="tx2"/>
-              </a:solidFill>
-              <a:tailEnd type="oval"/>
+            <a:ln>
+              <a:noFill/>
             </a:ln>
           </p:spPr>
           <p:style>
@@ -4368,11 +7527,7 @@
             <a:lstStyle/>
             <a:p>
               <a:pPr algn="ctr"/>
-              <a:endParaRPr lang="en-US">
-                <a:solidFill>
-                  <a:schemeClr val="lt1"/>
-                </a:solidFill>
-              </a:endParaRPr>
+              <a:endParaRPr lang="en-SG"/>
             </a:p>
           </p:txBody>
         </p:sp>
@@ -4380,7 +7535,7 @@
     </p:spTree>
     <p:extLst>
       <p:ext uri="{BB962C8B-B14F-4D97-AF65-F5344CB8AC3E}">
-        <p14:creationId xmlns:p14="http://schemas.microsoft.com/office/powerpoint/2010/main" val="3716401697"/>
+        <p14:creationId xmlns:p14="http://schemas.microsoft.com/office/powerpoint/2010/main" val="1177397186"/>
       </p:ext>
     </p:extLst>
   </p:cSld>
@@ -4397,7 +7552,7 @@
 </p:sld>
 </file>
 
-<file path=ppt/slides/slide3.xml><?xml version="1.0" encoding="utf-8"?>
+<file path=ppt/slides/slide6.xml><?xml version="1.0" encoding="utf-8"?>
 <p:sld xmlns:a="http://schemas.openxmlformats.org/drawingml/2006/main" xmlns:r="http://schemas.openxmlformats.org/officeDocument/2006/relationships" xmlns:p="http://schemas.openxmlformats.org/presentationml/2006/main">
   <p:cSld>
     <p:spTree>
@@ -4414,39 +7569,83 @@
           <a:chExt cx="0" cy="0"/>
         </a:xfrm>
       </p:grpSpPr>
+      <p:sp>
+        <p:nvSpPr>
+          <p:cNvPr id="7" name="Rectangle 6"/>
+          <p:cNvSpPr/>
+          <p:nvPr/>
+        </p:nvSpPr>
+        <p:spPr>
+          <a:xfrm>
+            <a:off x="1092951" y="551886"/>
+            <a:ext cx="468022" cy="895463"/>
+          </a:xfrm>
+          <a:prstGeom prst="rect">
+            <a:avLst/>
+          </a:prstGeom>
+          <a:solidFill>
+            <a:schemeClr val="tx1"/>
+          </a:solidFill>
+          <a:ln>
+            <a:noFill/>
+          </a:ln>
+        </p:spPr>
+        <p:style>
+          <a:lnRef idx="2">
+            <a:schemeClr val="accent1">
+              <a:shade val="50000"/>
+            </a:schemeClr>
+          </a:lnRef>
+          <a:fillRef idx="1">
+            <a:schemeClr val="accent1"/>
+          </a:fillRef>
+          <a:effectRef idx="0">
+            <a:schemeClr val="accent1"/>
+          </a:effectRef>
+          <a:fontRef idx="minor">
+            <a:schemeClr val="lt1"/>
+          </a:fontRef>
+        </p:style>
+        <p:txBody>
+          <a:bodyPr rtlCol="0" anchor="ctr"/>
+          <a:lstStyle/>
+          <a:p>
+            <a:pPr algn="ctr"/>
+            <a:endParaRPr lang="en-SG"/>
+          </a:p>
+        </p:txBody>
+      </p:sp>
       <p:grpSp>
         <p:nvGrpSpPr>
-          <p:cNvPr id="10" name="Group 9"/>
+          <p:cNvPr id="6" name="Group 5"/>
           <p:cNvGrpSpPr/>
           <p:nvPr/>
         </p:nvGrpSpPr>
         <p:grpSpPr>
           <a:xfrm>
-            <a:off x="800853" y="465652"/>
-            <a:ext cx="1039331" cy="688776"/>
-            <a:chOff x="800853" y="465652"/>
-            <a:chExt cx="1039331" cy="688776"/>
+            <a:off x="1262063" y="681268"/>
+            <a:ext cx="219075" cy="571500"/>
+            <a:chOff x="1262063" y="681268"/>
+            <a:chExt cx="219075" cy="571500"/>
           </a:xfrm>
         </p:grpSpPr>
         <p:sp>
           <p:nvSpPr>
-            <p:cNvPr id="34" name="Flowchart: Connector 33"/>
+            <p:cNvPr id="5" name="Rectangle 4"/>
             <p:cNvSpPr/>
             <p:nvPr/>
           </p:nvSpPr>
           <p:spPr>
             <a:xfrm>
-              <a:off x="861566" y="465652"/>
-              <a:ext cx="342109" cy="336286"/>
+              <a:off x="1262063" y="681268"/>
+              <a:ext cx="219075" cy="571500"/>
             </a:xfrm>
-            <a:prstGeom prst="flowChartConnector">
+            <a:prstGeom prst="rect">
               <a:avLst/>
             </a:prstGeom>
             <a:noFill/>
-            <a:ln w="28575">
-              <a:solidFill>
-                <a:schemeClr val="tx2"/>
-              </a:solidFill>
+            <a:ln>
+              <a:noFill/>
             </a:ln>
           </p:spPr>
           <p:style>
@@ -4476,23 +7675,26 @@
         </p:sp>
         <p:sp>
           <p:nvSpPr>
-            <p:cNvPr id="35" name="Flowchart: Delay 34"/>
+            <p:cNvPr id="4" name="Isosceles Triangle 3"/>
             <p:cNvSpPr/>
             <p:nvPr/>
           </p:nvSpPr>
           <p:spPr>
-            <a:xfrm rot="16200000">
-              <a:off x="836499" y="796034"/>
-              <a:ext cx="322748" cy="394039"/>
+            <a:xfrm>
+              <a:off x="1262063" y="1071313"/>
+              <a:ext cx="219075" cy="181455"/>
             </a:xfrm>
-            <a:prstGeom prst="flowChartDelay">
+            <a:prstGeom prst="triangle">
               <a:avLst/>
             </a:prstGeom>
-            <a:noFill/>
-            <a:ln w="28575">
+            <a:solidFill>
+              <a:schemeClr val="bg1"/>
+            </a:solidFill>
+            <a:ln>
               <a:solidFill>
-                <a:schemeClr val="tx2"/>
+                <a:schemeClr val="bg1"/>
               </a:solidFill>
+              <a:miter lim="800000"/>
             </a:ln>
           </p:spPr>
           <p:style>
@@ -4520,666 +7722,11 @@
             </a:p>
           </p:txBody>
         </p:sp>
-        <p:sp>
-          <p:nvSpPr>
-            <p:cNvPr id="36" name="Freeform 35"/>
-            <p:cNvSpPr/>
-            <p:nvPr/>
-          </p:nvSpPr>
-          <p:spPr>
-            <a:xfrm>
-              <a:off x="1178542" y="709778"/>
-              <a:ext cx="77528" cy="29032"/>
-            </a:xfrm>
-            <a:custGeom>
-              <a:avLst/>
-              <a:gdLst>
-                <a:gd name="connsiteX0" fmla="*/ 0 w 50006"/>
-                <a:gd name="connsiteY0" fmla="*/ 0 h 19050"/>
-                <a:gd name="connsiteX1" fmla="*/ 0 w 50006"/>
-                <a:gd name="connsiteY1" fmla="*/ 0 h 19050"/>
-                <a:gd name="connsiteX2" fmla="*/ 21431 w 50006"/>
-                <a:gd name="connsiteY2" fmla="*/ 4762 h 19050"/>
-                <a:gd name="connsiteX3" fmla="*/ 28575 w 50006"/>
-                <a:gd name="connsiteY3" fmla="*/ 9525 h 19050"/>
-                <a:gd name="connsiteX4" fmla="*/ 38100 w 50006"/>
-                <a:gd name="connsiteY4" fmla="*/ 14287 h 19050"/>
-                <a:gd name="connsiteX5" fmla="*/ 50006 w 50006"/>
-                <a:gd name="connsiteY5" fmla="*/ 19050 h 19050"/>
-              </a:gdLst>
-              <a:ahLst/>
-              <a:cxnLst>
-                <a:cxn ang="0">
-                  <a:pos x="connsiteX0" y="connsiteY0"/>
-                </a:cxn>
-                <a:cxn ang="0">
-                  <a:pos x="connsiteX1" y="connsiteY1"/>
-                </a:cxn>
-                <a:cxn ang="0">
-                  <a:pos x="connsiteX2" y="connsiteY2"/>
-                </a:cxn>
-                <a:cxn ang="0">
-                  <a:pos x="connsiteX3" y="connsiteY3"/>
-                </a:cxn>
-                <a:cxn ang="0">
-                  <a:pos x="connsiteX4" y="connsiteY4"/>
-                </a:cxn>
-                <a:cxn ang="0">
-                  <a:pos x="connsiteX5" y="connsiteY5"/>
-                </a:cxn>
-              </a:cxnLst>
-              <a:rect l="l" t="t" r="r" b="b"/>
-              <a:pathLst>
-                <a:path w="50006" h="19050">
-                  <a:moveTo>
-                    <a:pt x="0" y="0"/>
-                  </a:moveTo>
-                  <a:lnTo>
-                    <a:pt x="0" y="0"/>
-                  </a:lnTo>
-                  <a:cubicBezTo>
-                    <a:pt x="7144" y="1587"/>
-                    <a:pt x="14489" y="2448"/>
-                    <a:pt x="21431" y="4762"/>
-                  </a:cubicBezTo>
-                  <a:cubicBezTo>
-                    <a:pt x="24146" y="5667"/>
-                    <a:pt x="26090" y="8105"/>
-                    <a:pt x="28575" y="9525"/>
-                  </a:cubicBezTo>
-                  <a:cubicBezTo>
-                    <a:pt x="31657" y="11286"/>
-                    <a:pt x="34837" y="12889"/>
-                    <a:pt x="38100" y="14287"/>
-                  </a:cubicBezTo>
-                  <a:cubicBezTo>
-                    <a:pt x="58672" y="23103"/>
-                    <a:pt x="34691" y="11391"/>
-                    <a:pt x="50006" y="19050"/>
-                  </a:cubicBezTo>
-                </a:path>
-              </a:pathLst>
-            </a:custGeom>
-            <a:noFill/>
-            <a:ln w="28575">
-              <a:solidFill>
-                <a:schemeClr val="tx2"/>
-              </a:solidFill>
-            </a:ln>
-          </p:spPr>
-          <p:style>
-            <a:lnRef idx="2">
-              <a:schemeClr val="accent1">
-                <a:shade val="50000"/>
-              </a:schemeClr>
-            </a:lnRef>
-            <a:fillRef idx="1">
-              <a:schemeClr val="accent1"/>
-            </a:fillRef>
-            <a:effectRef idx="0">
-              <a:schemeClr val="accent1"/>
-            </a:effectRef>
-            <a:fontRef idx="minor">
-              <a:schemeClr val="lt1"/>
-            </a:fontRef>
-          </p:style>
-          <p:txBody>
-            <a:bodyPr rtlCol="0" anchor="ctr"/>
-            <a:lstStyle/>
-            <a:p>
-              <a:pPr algn="ctr"/>
-              <a:endParaRPr lang="en-SG"/>
-            </a:p>
-          </p:txBody>
-        </p:sp>
-        <p:sp>
-          <p:nvSpPr>
-            <p:cNvPr id="2" name="Freeform 1"/>
-            <p:cNvSpPr/>
-            <p:nvPr/>
-          </p:nvSpPr>
-          <p:spPr>
-            <a:xfrm rot="20784184">
-              <a:off x="1054353" y="666002"/>
-              <a:ext cx="80391" cy="94854"/>
-            </a:xfrm>
-            <a:custGeom>
-              <a:avLst/>
-              <a:gdLst>
-                <a:gd name="connsiteX0" fmla="*/ 80391 w 80391"/>
-                <a:gd name="connsiteY0" fmla="*/ 94854 h 94854"/>
-                <a:gd name="connsiteX1" fmla="*/ 8302 w 80391"/>
-                <a:gd name="connsiteY1" fmla="*/ 60707 h 94854"/>
-                <a:gd name="connsiteX2" fmla="*/ 4507 w 80391"/>
-                <a:gd name="connsiteY2" fmla="*/ 0 h 94854"/>
-              </a:gdLst>
-              <a:ahLst/>
-              <a:cxnLst>
-                <a:cxn ang="0">
-                  <a:pos x="connsiteX0" y="connsiteY0"/>
-                </a:cxn>
-                <a:cxn ang="0">
-                  <a:pos x="connsiteX1" y="connsiteY1"/>
-                </a:cxn>
-                <a:cxn ang="0">
-                  <a:pos x="connsiteX2" y="connsiteY2"/>
-                </a:cxn>
-              </a:cxnLst>
-              <a:rect l="l" t="t" r="r" b="b"/>
-              <a:pathLst>
-                <a:path w="80391" h="94854">
-                  <a:moveTo>
-                    <a:pt x="80391" y="94854"/>
-                  </a:moveTo>
-                  <a:cubicBezTo>
-                    <a:pt x="50670" y="85685"/>
-                    <a:pt x="20949" y="76516"/>
-                    <a:pt x="8302" y="60707"/>
-                  </a:cubicBezTo>
-                  <a:cubicBezTo>
-                    <a:pt x="-4345" y="44898"/>
-                    <a:pt x="81" y="22449"/>
-                    <a:pt x="4507" y="0"/>
-                  </a:cubicBezTo>
-                </a:path>
-              </a:pathLst>
-            </a:custGeom>
-            <a:noFill/>
-            <a:ln w="28575" cap="rnd">
-              <a:solidFill>
-                <a:schemeClr val="tx2"/>
-              </a:solidFill>
-            </a:ln>
-          </p:spPr>
-          <p:style>
-            <a:lnRef idx="2">
-              <a:schemeClr val="accent1">
-                <a:shade val="50000"/>
-              </a:schemeClr>
-            </a:lnRef>
-            <a:fillRef idx="1">
-              <a:schemeClr val="accent1"/>
-            </a:fillRef>
-            <a:effectRef idx="0">
-              <a:schemeClr val="accent1"/>
-            </a:effectRef>
-            <a:fontRef idx="minor">
-              <a:schemeClr val="lt1"/>
-            </a:fontRef>
-          </p:style>
-          <p:txBody>
-            <a:bodyPr rtlCol="0" anchor="ctr"/>
-            <a:lstStyle/>
-            <a:p>
-              <a:pPr algn="ctr"/>
-              <a:endParaRPr lang="en-US"/>
-            </a:p>
-          </p:txBody>
-        </p:sp>
-        <p:sp>
-          <p:nvSpPr>
-            <p:cNvPr id="18" name="Flowchart: Connector 17"/>
-            <p:cNvSpPr/>
-            <p:nvPr/>
-          </p:nvSpPr>
-          <p:spPr>
-            <a:xfrm>
-              <a:off x="1044330" y="542440"/>
-              <a:ext cx="70882" cy="69675"/>
-            </a:xfrm>
-            <a:prstGeom prst="flowChartConnector">
-              <a:avLst/>
-            </a:prstGeom>
-            <a:noFill/>
-            <a:ln w="28575">
-              <a:solidFill>
-                <a:schemeClr val="tx2"/>
-              </a:solidFill>
-            </a:ln>
-          </p:spPr>
-          <p:style>
-            <a:lnRef idx="2">
-              <a:schemeClr val="accent1">
-                <a:shade val="50000"/>
-              </a:schemeClr>
-            </a:lnRef>
-            <a:fillRef idx="1">
-              <a:schemeClr val="accent1"/>
-            </a:fillRef>
-            <a:effectRef idx="0">
-              <a:schemeClr val="accent1"/>
-            </a:effectRef>
-            <a:fontRef idx="minor">
-              <a:schemeClr val="lt1"/>
-            </a:fontRef>
-          </p:style>
-          <p:txBody>
-            <a:bodyPr rtlCol="0" anchor="ctr"/>
-            <a:lstStyle/>
-            <a:p>
-              <a:pPr algn="ctr"/>
-              <a:endParaRPr lang="en-SG"/>
-            </a:p>
-          </p:txBody>
-        </p:sp>
-        <p:sp>
-          <p:nvSpPr>
-            <p:cNvPr id="4" name="Rounded Rectangle 3"/>
-            <p:cNvSpPr/>
-            <p:nvPr/>
-          </p:nvSpPr>
-          <p:spPr>
-            <a:xfrm>
-              <a:off x="1487043" y="660353"/>
-              <a:ext cx="353141" cy="394039"/>
-            </a:xfrm>
-            <a:prstGeom prst="roundRect">
-              <a:avLst>
-                <a:gd name="adj" fmla="val 0"/>
-              </a:avLst>
-            </a:prstGeom>
-            <a:noFill/>
-            <a:ln w="28575" cap="rnd">
-              <a:solidFill>
-                <a:schemeClr val="accent6">
-                  <a:lumMod val="75000"/>
-                </a:schemeClr>
-              </a:solidFill>
-            </a:ln>
-          </p:spPr>
-          <p:style>
-            <a:lnRef idx="2">
-              <a:schemeClr val="accent1">
-                <a:shade val="50000"/>
-              </a:schemeClr>
-            </a:lnRef>
-            <a:fillRef idx="1">
-              <a:schemeClr val="accent1"/>
-            </a:fillRef>
-            <a:effectRef idx="0">
-              <a:schemeClr val="accent1"/>
-            </a:effectRef>
-            <a:fontRef idx="minor">
-              <a:schemeClr val="lt1"/>
-            </a:fontRef>
-          </p:style>
-          <p:txBody>
-            <a:bodyPr rtlCol="0" anchor="ctr"/>
-            <a:lstStyle/>
-            <a:p>
-              <a:pPr algn="ctr"/>
-              <a:endParaRPr lang="en-US"/>
-            </a:p>
-          </p:txBody>
-        </p:sp>
-        <p:sp>
-          <p:nvSpPr>
-            <p:cNvPr id="20" name="Freeform 19"/>
-            <p:cNvSpPr/>
-            <p:nvPr/>
-          </p:nvSpPr>
-          <p:spPr>
-            <a:xfrm>
-              <a:off x="1178542" y="892005"/>
-              <a:ext cx="247795" cy="193503"/>
-            </a:xfrm>
-            <a:custGeom>
-              <a:avLst/>
-              <a:gdLst>
-                <a:gd name="connsiteX0" fmla="*/ 0 w 231445"/>
-                <a:gd name="connsiteY0" fmla="*/ 41736 h 193503"/>
-                <a:gd name="connsiteX1" fmla="*/ 125208 w 231445"/>
-                <a:gd name="connsiteY1" fmla="*/ 193503 h 193503"/>
-                <a:gd name="connsiteX2" fmla="*/ 231445 w 231445"/>
-                <a:gd name="connsiteY2" fmla="*/ 0 h 193503"/>
-              </a:gdLst>
-              <a:ahLst/>
-              <a:cxnLst>
-                <a:cxn ang="0">
-                  <a:pos x="connsiteX0" y="connsiteY0"/>
-                </a:cxn>
-                <a:cxn ang="0">
-                  <a:pos x="connsiteX1" y="connsiteY1"/>
-                </a:cxn>
-                <a:cxn ang="0">
-                  <a:pos x="connsiteX2" y="connsiteY2"/>
-                </a:cxn>
-              </a:cxnLst>
-              <a:rect l="l" t="t" r="r" b="b"/>
-              <a:pathLst>
-                <a:path w="231445" h="193503">
-                  <a:moveTo>
-                    <a:pt x="0" y="41736"/>
-                  </a:moveTo>
-                  <a:lnTo>
-                    <a:pt x="125208" y="193503"/>
-                  </a:lnTo>
-                  <a:lnTo>
-                    <a:pt x="231445" y="0"/>
-                  </a:lnTo>
-                </a:path>
-              </a:pathLst>
-            </a:custGeom>
-            <a:noFill/>
-            <a:ln w="28575" cap="rnd">
-              <a:solidFill>
-                <a:schemeClr val="tx2"/>
-              </a:solidFill>
-              <a:tailEnd type="oval"/>
-            </a:ln>
-          </p:spPr>
-          <p:style>
-            <a:lnRef idx="2">
-              <a:schemeClr val="accent1">
-                <a:shade val="50000"/>
-              </a:schemeClr>
-            </a:lnRef>
-            <a:fillRef idx="1">
-              <a:schemeClr val="accent1"/>
-            </a:fillRef>
-            <a:effectRef idx="0">
-              <a:schemeClr val="accent1"/>
-            </a:effectRef>
-            <a:fontRef idx="minor">
-              <a:schemeClr val="lt1"/>
-            </a:fontRef>
-          </p:style>
-          <p:txBody>
-            <a:bodyPr rtlCol="0" anchor="ctr"/>
-            <a:lstStyle/>
-            <a:p>
-              <a:pPr algn="ctr"/>
-              <a:endParaRPr lang="en-US">
-                <a:solidFill>
-                  <a:schemeClr val="lt1"/>
-                </a:solidFill>
-              </a:endParaRPr>
-            </a:p>
-          </p:txBody>
-        </p:sp>
-        <p:cxnSp>
-          <p:nvCxnSpPr>
-            <p:cNvPr id="5" name="Straight Connector 4"/>
-            <p:cNvCxnSpPr/>
-            <p:nvPr/>
-          </p:nvCxnSpPr>
-          <p:spPr>
-            <a:xfrm>
-              <a:off x="1536648" y="709778"/>
-              <a:ext cx="246622" cy="0"/>
-            </a:xfrm>
-            <a:prstGeom prst="line">
-              <a:avLst/>
-            </a:prstGeom>
-            <a:ln>
-              <a:solidFill>
-                <a:schemeClr val="accent6">
-                  <a:lumMod val="75000"/>
-                </a:schemeClr>
-              </a:solidFill>
-            </a:ln>
-          </p:spPr>
-          <p:style>
-            <a:lnRef idx="1">
-              <a:schemeClr val="accent1"/>
-            </a:lnRef>
-            <a:fillRef idx="0">
-              <a:schemeClr val="accent1"/>
-            </a:fillRef>
-            <a:effectRef idx="0">
-              <a:schemeClr val="accent1"/>
-            </a:effectRef>
-            <a:fontRef idx="minor">
-              <a:schemeClr val="tx1"/>
-            </a:fontRef>
-          </p:style>
-        </p:cxnSp>
-        <p:cxnSp>
-          <p:nvCxnSpPr>
-            <p:cNvPr id="14" name="Straight Connector 13"/>
-            <p:cNvCxnSpPr/>
-            <p:nvPr/>
-          </p:nvCxnSpPr>
-          <p:spPr>
-            <a:xfrm>
-              <a:off x="1536648" y="768891"/>
-              <a:ext cx="246622" cy="0"/>
-            </a:xfrm>
-            <a:prstGeom prst="line">
-              <a:avLst/>
-            </a:prstGeom>
-            <a:ln>
-              <a:solidFill>
-                <a:schemeClr val="accent6">
-                  <a:lumMod val="75000"/>
-                </a:schemeClr>
-              </a:solidFill>
-            </a:ln>
-          </p:spPr>
-          <p:style>
-            <a:lnRef idx="1">
-              <a:schemeClr val="accent1"/>
-            </a:lnRef>
-            <a:fillRef idx="0">
-              <a:schemeClr val="accent1"/>
-            </a:fillRef>
-            <a:effectRef idx="0">
-              <a:schemeClr val="accent1"/>
-            </a:effectRef>
-            <a:fontRef idx="minor">
-              <a:schemeClr val="tx1"/>
-            </a:fontRef>
-          </p:style>
-        </p:cxnSp>
-        <p:cxnSp>
-          <p:nvCxnSpPr>
-            <p:cNvPr id="15" name="Straight Connector 14"/>
-            <p:cNvCxnSpPr/>
-            <p:nvPr/>
-          </p:nvCxnSpPr>
-          <p:spPr>
-            <a:xfrm>
-              <a:off x="1536648" y="828004"/>
-              <a:ext cx="246622" cy="0"/>
-            </a:xfrm>
-            <a:prstGeom prst="line">
-              <a:avLst/>
-            </a:prstGeom>
-            <a:ln>
-              <a:solidFill>
-                <a:schemeClr val="accent6">
-                  <a:lumMod val="75000"/>
-                </a:schemeClr>
-              </a:solidFill>
-            </a:ln>
-          </p:spPr>
-          <p:style>
-            <a:lnRef idx="1">
-              <a:schemeClr val="accent1"/>
-            </a:lnRef>
-            <a:fillRef idx="0">
-              <a:schemeClr val="accent1"/>
-            </a:fillRef>
-            <a:effectRef idx="0">
-              <a:schemeClr val="accent1"/>
-            </a:effectRef>
-            <a:fontRef idx="minor">
-              <a:schemeClr val="tx1"/>
-            </a:fontRef>
-          </p:style>
-        </p:cxnSp>
-        <p:cxnSp>
-          <p:nvCxnSpPr>
-            <p:cNvPr id="16" name="Straight Connector 15"/>
-            <p:cNvCxnSpPr/>
-            <p:nvPr/>
-          </p:nvCxnSpPr>
-          <p:spPr>
-            <a:xfrm>
-              <a:off x="1536648" y="887117"/>
-              <a:ext cx="246622" cy="0"/>
-            </a:xfrm>
-            <a:prstGeom prst="line">
-              <a:avLst/>
-            </a:prstGeom>
-            <a:ln>
-              <a:solidFill>
-                <a:schemeClr val="accent6">
-                  <a:lumMod val="75000"/>
-                </a:schemeClr>
-              </a:solidFill>
-            </a:ln>
-          </p:spPr>
-          <p:style>
-            <a:lnRef idx="1">
-              <a:schemeClr val="accent1"/>
-            </a:lnRef>
-            <a:fillRef idx="0">
-              <a:schemeClr val="accent1"/>
-            </a:fillRef>
-            <a:effectRef idx="0">
-              <a:schemeClr val="accent1"/>
-            </a:effectRef>
-            <a:fontRef idx="minor">
-              <a:schemeClr val="tx1"/>
-            </a:fontRef>
-          </p:style>
-        </p:cxnSp>
-        <p:sp>
-          <p:nvSpPr>
-            <p:cNvPr id="6" name="Pentagon 5"/>
-            <p:cNvSpPr/>
-            <p:nvPr/>
-          </p:nvSpPr>
-          <p:spPr>
-            <a:xfrm rot="2240143">
-              <a:off x="1282872" y="869145"/>
-              <a:ext cx="326300" cy="45719"/>
-            </a:xfrm>
-            <a:prstGeom prst="homePlate">
-              <a:avLst/>
-            </a:prstGeom>
-            <a:solidFill>
-              <a:schemeClr val="tx2"/>
-            </a:solidFill>
-            <a:ln>
-              <a:noFill/>
-            </a:ln>
-          </p:spPr>
-          <p:style>
-            <a:lnRef idx="2">
-              <a:schemeClr val="accent1">
-                <a:shade val="50000"/>
-              </a:schemeClr>
-            </a:lnRef>
-            <a:fillRef idx="1">
-              <a:schemeClr val="accent1"/>
-            </a:fillRef>
-            <a:effectRef idx="0">
-              <a:schemeClr val="accent1"/>
-            </a:effectRef>
-            <a:fontRef idx="minor">
-              <a:schemeClr val="lt1"/>
-            </a:fontRef>
-          </p:style>
-          <p:txBody>
-            <a:bodyPr rtlCol="0" anchor="ctr"/>
-            <a:lstStyle/>
-            <a:p>
-              <a:pPr algn="ctr"/>
-              <a:endParaRPr lang="en-US"/>
-            </a:p>
-          </p:txBody>
-        </p:sp>
-        <p:sp>
-          <p:nvSpPr>
-            <p:cNvPr id="8" name="Freeform 7"/>
-            <p:cNvSpPr/>
-            <p:nvPr/>
-          </p:nvSpPr>
-          <p:spPr>
-            <a:xfrm>
-              <a:off x="1608737" y="937165"/>
-              <a:ext cx="106237" cy="75884"/>
-            </a:xfrm>
-            <a:custGeom>
-              <a:avLst/>
-              <a:gdLst>
-                <a:gd name="connsiteX0" fmla="*/ 0 w 106237"/>
-                <a:gd name="connsiteY0" fmla="*/ 26559 h 75884"/>
-                <a:gd name="connsiteX1" fmla="*/ 30353 w 106237"/>
-                <a:gd name="connsiteY1" fmla="*/ 75884 h 75884"/>
-                <a:gd name="connsiteX2" fmla="*/ 106237 w 106237"/>
-                <a:gd name="connsiteY2" fmla="*/ 0 h 75884"/>
-              </a:gdLst>
-              <a:ahLst/>
-              <a:cxnLst>
-                <a:cxn ang="0">
-                  <a:pos x="connsiteX0" y="connsiteY0"/>
-                </a:cxn>
-                <a:cxn ang="0">
-                  <a:pos x="connsiteX1" y="connsiteY1"/>
-                </a:cxn>
-                <a:cxn ang="0">
-                  <a:pos x="connsiteX2" y="connsiteY2"/>
-                </a:cxn>
-              </a:cxnLst>
-              <a:rect l="l" t="t" r="r" b="b"/>
-              <a:pathLst>
-                <a:path w="106237" h="75884">
-                  <a:moveTo>
-                    <a:pt x="0" y="26559"/>
-                  </a:moveTo>
-                  <a:lnTo>
-                    <a:pt x="30353" y="75884"/>
-                  </a:lnTo>
-                  <a:lnTo>
-                    <a:pt x="106237" y="0"/>
-                  </a:lnTo>
-                </a:path>
-              </a:pathLst>
-            </a:custGeom>
-            <a:noFill/>
-            <a:ln w="28575" cap="rnd">
-              <a:solidFill>
-                <a:srgbClr val="00B050"/>
-              </a:solidFill>
-            </a:ln>
-          </p:spPr>
-          <p:style>
-            <a:lnRef idx="2">
-              <a:schemeClr val="accent1">
-                <a:shade val="50000"/>
-              </a:schemeClr>
-            </a:lnRef>
-            <a:fillRef idx="1">
-              <a:schemeClr val="accent1"/>
-            </a:fillRef>
-            <a:effectRef idx="0">
-              <a:schemeClr val="accent1"/>
-            </a:effectRef>
-            <a:fontRef idx="minor">
-              <a:schemeClr val="lt1"/>
-            </a:fontRef>
-          </p:style>
-          <p:txBody>
-            <a:bodyPr rtlCol="0" anchor="ctr"/>
-            <a:lstStyle/>
-            <a:p>
-              <a:pPr algn="ctr"/>
-              <a:endParaRPr lang="en-US">
-                <a:solidFill>
-                  <a:schemeClr val="lt1"/>
-                </a:solidFill>
-              </a:endParaRPr>
-            </a:p>
-          </p:txBody>
-        </p:sp>
       </p:grpSp>
     </p:spTree>
     <p:extLst>
       <p:ext uri="{BB962C8B-B14F-4D97-AF65-F5344CB8AC3E}">
-        <p14:creationId xmlns:p14="http://schemas.microsoft.com/office/powerpoint/2010/main" val="1177397186"/>
+        <p14:creationId xmlns:p14="http://schemas.microsoft.com/office/powerpoint/2010/main" val="2777776051"/>
       </p:ext>
     </p:extLst>
   </p:cSld>

--- a/doc/diagrams/Icons.pptx
+++ b/doc/diagrams/Icons.pptx
@@ -6,9 +6,17 @@
   </p:sldMasterIdLst>
   <p:sldIdLst>
     <p:sldId id="257" r:id="rId2"/>
+    <p:sldId id="262" r:id="rId3"/>
+    <p:sldId id="261" r:id="rId4"/>
+    <p:sldId id="258" r:id="rId5"/>
+    <p:sldId id="259" r:id="rId6"/>
+    <p:sldId id="260" r:id="rId7"/>
   </p:sldIdLst>
   <p:sldSz cx="2743200" cy="2011363"/>
   <p:notesSz cx="6858000" cy="9144000"/>
+  <p:custDataLst>
+    <p:tags r:id="rId8"/>
+  </p:custDataLst>
   <p:defaultTextStyle>
     <a:defPPr>
       <a:defRPr lang="en-US"/>
@@ -289,7 +297,7 @@
             <a:fld id="{1D8BD707-D9CF-40AE-B4C6-C98DA3205C09}" type="datetimeFigureOut">
               <a:rPr lang="en-US" smtClean="0"/>
               <a:pPr/>
-              <a:t>3/15/2013</a:t>
+              <a:t>3/22/2013</a:t>
             </a:fld>
             <a:endParaRPr lang="en-US"/>
           </a:p>
@@ -463,7 +471,7 @@
             <a:fld id="{1D8BD707-D9CF-40AE-B4C6-C98DA3205C09}" type="datetimeFigureOut">
               <a:rPr lang="en-US" smtClean="0"/>
               <a:pPr/>
-              <a:t>3/15/2013</a:t>
+              <a:t>3/22/2013</a:t>
             </a:fld>
             <a:endParaRPr lang="en-US"/>
           </a:p>
@@ -640,7 +648,7 @@
             <a:fld id="{1D8BD707-D9CF-40AE-B4C6-C98DA3205C09}" type="datetimeFigureOut">
               <a:rPr lang="en-US" smtClean="0"/>
               <a:pPr/>
-              <a:t>3/15/2013</a:t>
+              <a:t>3/22/2013</a:t>
             </a:fld>
             <a:endParaRPr lang="en-US"/>
           </a:p>
@@ -807,7 +815,7 @@
             <a:fld id="{1D8BD707-D9CF-40AE-B4C6-C98DA3205C09}" type="datetimeFigureOut">
               <a:rPr lang="en-US" smtClean="0"/>
               <a:pPr/>
-              <a:t>3/15/2013</a:t>
+              <a:t>3/22/2013</a:t>
             </a:fld>
             <a:endParaRPr lang="en-US"/>
           </a:p>
@@ -1050,7 +1058,7 @@
             <a:fld id="{1D8BD707-D9CF-40AE-B4C6-C98DA3205C09}" type="datetimeFigureOut">
               <a:rPr lang="en-US" smtClean="0"/>
               <a:pPr/>
-              <a:t>3/15/2013</a:t>
+              <a:t>3/22/2013</a:t>
             </a:fld>
             <a:endParaRPr lang="en-US"/>
           </a:p>
@@ -1335,7 +1343,7 @@
             <a:fld id="{1D8BD707-D9CF-40AE-B4C6-C98DA3205C09}" type="datetimeFigureOut">
               <a:rPr lang="en-US" smtClean="0"/>
               <a:pPr/>
-              <a:t>3/15/2013</a:t>
+              <a:t>3/22/2013</a:t>
             </a:fld>
             <a:endParaRPr lang="en-US"/>
           </a:p>
@@ -1754,7 +1762,7 @@
             <a:fld id="{1D8BD707-D9CF-40AE-B4C6-C98DA3205C09}" type="datetimeFigureOut">
               <a:rPr lang="en-US" smtClean="0"/>
               <a:pPr/>
-              <a:t>3/15/2013</a:t>
+              <a:t>3/22/2013</a:t>
             </a:fld>
             <a:endParaRPr lang="en-US"/>
           </a:p>
@@ -1869,7 +1877,7 @@
             <a:fld id="{1D8BD707-D9CF-40AE-B4C6-C98DA3205C09}" type="datetimeFigureOut">
               <a:rPr lang="en-US" smtClean="0"/>
               <a:pPr/>
-              <a:t>3/15/2013</a:t>
+              <a:t>3/22/2013</a:t>
             </a:fld>
             <a:endParaRPr lang="en-US"/>
           </a:p>
@@ -1961,7 +1969,7 @@
             <a:fld id="{1D8BD707-D9CF-40AE-B4C6-C98DA3205C09}" type="datetimeFigureOut">
               <a:rPr lang="en-US" smtClean="0"/>
               <a:pPr/>
-              <a:t>3/15/2013</a:t>
+              <a:t>3/22/2013</a:t>
             </a:fld>
             <a:endParaRPr lang="en-US"/>
           </a:p>
@@ -2235,7 +2243,7 @@
             <a:fld id="{1D8BD707-D9CF-40AE-B4C6-C98DA3205C09}" type="datetimeFigureOut">
               <a:rPr lang="en-US" smtClean="0"/>
               <a:pPr/>
-              <a:t>3/15/2013</a:t>
+              <a:t>3/22/2013</a:t>
             </a:fld>
             <a:endParaRPr lang="en-US"/>
           </a:p>
@@ -2485,7 +2493,7 @@
             <a:fld id="{1D8BD707-D9CF-40AE-B4C6-C98DA3205C09}" type="datetimeFigureOut">
               <a:rPr lang="en-US" smtClean="0"/>
               <a:pPr/>
-              <a:t>3/15/2013</a:t>
+              <a:t>3/22/2013</a:t>
             </a:fld>
             <a:endParaRPr lang="en-US"/>
           </a:p>
@@ -2695,7 +2703,7 @@
             <a:fld id="{1D8BD707-D9CF-40AE-B4C6-C98DA3205C09}" type="datetimeFigureOut">
               <a:rPr lang="en-US" smtClean="0"/>
               <a:pPr/>
-              <a:t>3/15/2013</a:t>
+              <a:t>3/22/2013</a:t>
             </a:fld>
             <a:endParaRPr lang="en-US"/>
           </a:p>
@@ -3068,37 +3076,910 @@
       </p:grpSpPr>
       <p:grpSp>
         <p:nvGrpSpPr>
-          <p:cNvPr id="2068" name="Group 2067"/>
+          <p:cNvPr id="5" name="Group 4"/>
           <p:cNvGrpSpPr/>
           <p:nvPr/>
         </p:nvGrpSpPr>
         <p:grpSpPr>
           <a:xfrm>
-            <a:off x="1677590" y="918404"/>
-            <a:ext cx="463536" cy="688776"/>
-            <a:chOff x="1387087" y="920741"/>
-            <a:chExt cx="463536" cy="688776"/>
+            <a:off x="1571191" y="894822"/>
+            <a:ext cx="676331" cy="741901"/>
+            <a:chOff x="1571191" y="894822"/>
+            <a:chExt cx="676331" cy="741901"/>
           </a:xfrm>
         </p:grpSpPr>
+        <p:grpSp>
+          <p:nvGrpSpPr>
+            <p:cNvPr id="2068" name="Group 2067"/>
+            <p:cNvGrpSpPr/>
+            <p:nvPr/>
+          </p:nvGrpSpPr>
+          <p:grpSpPr>
+            <a:xfrm>
+              <a:off x="1677590" y="918404"/>
+              <a:ext cx="463536" cy="688776"/>
+              <a:chOff x="1387087" y="920741"/>
+              <a:chExt cx="463536" cy="688776"/>
+            </a:xfrm>
+          </p:grpSpPr>
+          <p:sp>
+            <p:nvSpPr>
+              <p:cNvPr id="34" name="Flowchart: Connector 33"/>
+              <p:cNvSpPr/>
+              <p:nvPr/>
+            </p:nvSpPr>
+            <p:spPr>
+              <a:xfrm>
+                <a:off x="1447800" y="920741"/>
+                <a:ext cx="342109" cy="336286"/>
+              </a:xfrm>
+              <a:prstGeom prst="flowChartConnector">
+                <a:avLst/>
+              </a:prstGeom>
+              <a:noFill/>
+              <a:ln w="38100">
+                <a:solidFill>
+                  <a:srgbClr val="C00000"/>
+                </a:solidFill>
+              </a:ln>
+            </p:spPr>
+            <p:style>
+              <a:lnRef idx="2">
+                <a:schemeClr val="accent1">
+                  <a:shade val="50000"/>
+                </a:schemeClr>
+              </a:lnRef>
+              <a:fillRef idx="1">
+                <a:schemeClr val="accent1"/>
+              </a:fillRef>
+              <a:effectRef idx="0">
+                <a:schemeClr val="accent1"/>
+              </a:effectRef>
+              <a:fontRef idx="minor">
+                <a:schemeClr val="lt1"/>
+              </a:fontRef>
+            </p:style>
+            <p:txBody>
+              <a:bodyPr rtlCol="0" anchor="ctr"/>
+              <a:lstStyle/>
+              <a:p>
+                <a:pPr algn="ctr"/>
+                <a:endParaRPr lang="en-SG"/>
+              </a:p>
+            </p:txBody>
+          </p:sp>
+          <p:sp>
+            <p:nvSpPr>
+              <p:cNvPr id="35" name="Flowchart: Delay 34"/>
+              <p:cNvSpPr/>
+              <p:nvPr/>
+            </p:nvSpPr>
+            <p:spPr>
+              <a:xfrm rot="16200000">
+                <a:off x="1457481" y="1216375"/>
+                <a:ext cx="322748" cy="463536"/>
+              </a:xfrm>
+              <a:prstGeom prst="flowChartDelay">
+                <a:avLst/>
+              </a:prstGeom>
+              <a:noFill/>
+              <a:ln w="38100">
+                <a:solidFill>
+                  <a:srgbClr val="C00000"/>
+                </a:solidFill>
+              </a:ln>
+            </p:spPr>
+            <p:style>
+              <a:lnRef idx="2">
+                <a:schemeClr val="accent1">
+                  <a:shade val="50000"/>
+                </a:schemeClr>
+              </a:lnRef>
+              <a:fillRef idx="1">
+                <a:schemeClr val="accent1"/>
+              </a:fillRef>
+              <a:effectRef idx="0">
+                <a:schemeClr val="accent1"/>
+              </a:effectRef>
+              <a:fontRef idx="minor">
+                <a:schemeClr val="lt1"/>
+              </a:fontRef>
+            </p:style>
+            <p:txBody>
+              <a:bodyPr rtlCol="0" anchor="ctr"/>
+              <a:lstStyle/>
+              <a:p>
+                <a:pPr algn="ctr"/>
+                <a:endParaRPr lang="en-SG"/>
+              </a:p>
+            </p:txBody>
+          </p:sp>
+          <p:sp>
+            <p:nvSpPr>
+              <p:cNvPr id="36" name="Freeform 35"/>
+              <p:cNvSpPr/>
+              <p:nvPr/>
+            </p:nvSpPr>
+            <p:spPr>
+              <a:xfrm>
+                <a:off x="1764776" y="1164867"/>
+                <a:ext cx="77528" cy="29032"/>
+              </a:xfrm>
+              <a:custGeom>
+                <a:avLst/>
+                <a:gdLst>
+                  <a:gd name="connsiteX0" fmla="*/ 0 w 50006"/>
+                  <a:gd name="connsiteY0" fmla="*/ 0 h 19050"/>
+                  <a:gd name="connsiteX1" fmla="*/ 0 w 50006"/>
+                  <a:gd name="connsiteY1" fmla="*/ 0 h 19050"/>
+                  <a:gd name="connsiteX2" fmla="*/ 21431 w 50006"/>
+                  <a:gd name="connsiteY2" fmla="*/ 4762 h 19050"/>
+                  <a:gd name="connsiteX3" fmla="*/ 28575 w 50006"/>
+                  <a:gd name="connsiteY3" fmla="*/ 9525 h 19050"/>
+                  <a:gd name="connsiteX4" fmla="*/ 38100 w 50006"/>
+                  <a:gd name="connsiteY4" fmla="*/ 14287 h 19050"/>
+                  <a:gd name="connsiteX5" fmla="*/ 50006 w 50006"/>
+                  <a:gd name="connsiteY5" fmla="*/ 19050 h 19050"/>
+                </a:gdLst>
+                <a:ahLst/>
+                <a:cxnLst>
+                  <a:cxn ang="0">
+                    <a:pos x="connsiteX0" y="connsiteY0"/>
+                  </a:cxn>
+                  <a:cxn ang="0">
+                    <a:pos x="connsiteX1" y="connsiteY1"/>
+                  </a:cxn>
+                  <a:cxn ang="0">
+                    <a:pos x="connsiteX2" y="connsiteY2"/>
+                  </a:cxn>
+                  <a:cxn ang="0">
+                    <a:pos x="connsiteX3" y="connsiteY3"/>
+                  </a:cxn>
+                  <a:cxn ang="0">
+                    <a:pos x="connsiteX4" y="connsiteY4"/>
+                  </a:cxn>
+                  <a:cxn ang="0">
+                    <a:pos x="connsiteX5" y="connsiteY5"/>
+                  </a:cxn>
+                </a:cxnLst>
+                <a:rect l="l" t="t" r="r" b="b"/>
+                <a:pathLst>
+                  <a:path w="50006" h="19050">
+                    <a:moveTo>
+                      <a:pt x="0" y="0"/>
+                    </a:moveTo>
+                    <a:lnTo>
+                      <a:pt x="0" y="0"/>
+                    </a:lnTo>
+                    <a:cubicBezTo>
+                      <a:pt x="7144" y="1587"/>
+                      <a:pt x="14489" y="2448"/>
+                      <a:pt x="21431" y="4762"/>
+                    </a:cubicBezTo>
+                    <a:cubicBezTo>
+                      <a:pt x="24146" y="5667"/>
+                      <a:pt x="26090" y="8105"/>
+                      <a:pt x="28575" y="9525"/>
+                    </a:cubicBezTo>
+                    <a:cubicBezTo>
+                      <a:pt x="31657" y="11286"/>
+                      <a:pt x="34837" y="12889"/>
+                      <a:pt x="38100" y="14287"/>
+                    </a:cubicBezTo>
+                    <a:cubicBezTo>
+                      <a:pt x="58672" y="23103"/>
+                      <a:pt x="34691" y="11391"/>
+                      <a:pt x="50006" y="19050"/>
+                    </a:cubicBezTo>
+                  </a:path>
+                </a:pathLst>
+              </a:custGeom>
+              <a:solidFill>
+                <a:schemeClr val="bg1"/>
+              </a:solidFill>
+              <a:ln w="38100">
+                <a:solidFill>
+                  <a:srgbClr val="C00000"/>
+                </a:solidFill>
+              </a:ln>
+            </p:spPr>
+            <p:style>
+              <a:lnRef idx="2">
+                <a:schemeClr val="accent1">
+                  <a:shade val="50000"/>
+                </a:schemeClr>
+              </a:lnRef>
+              <a:fillRef idx="1">
+                <a:schemeClr val="accent1"/>
+              </a:fillRef>
+              <a:effectRef idx="0">
+                <a:schemeClr val="accent1"/>
+              </a:effectRef>
+              <a:fontRef idx="minor">
+                <a:schemeClr val="lt1"/>
+              </a:fontRef>
+            </p:style>
+            <p:txBody>
+              <a:bodyPr rtlCol="0" anchor="ctr"/>
+              <a:lstStyle/>
+              <a:p>
+                <a:pPr algn="ctr"/>
+                <a:endParaRPr lang="en-SG"/>
+              </a:p>
+            </p:txBody>
+          </p:sp>
+          <p:sp>
+            <p:nvSpPr>
+              <p:cNvPr id="8" name="Freeform 7"/>
+              <p:cNvSpPr/>
+              <p:nvPr/>
+            </p:nvSpPr>
+            <p:spPr>
+              <a:xfrm>
+                <a:off x="1564481" y="1126331"/>
+                <a:ext cx="150019" cy="90488"/>
+              </a:xfrm>
+              <a:custGeom>
+                <a:avLst/>
+                <a:gdLst>
+                  <a:gd name="connsiteX0" fmla="*/ 150019 w 150019"/>
+                  <a:gd name="connsiteY0" fmla="*/ 90488 h 90488"/>
+                  <a:gd name="connsiteX1" fmla="*/ 130969 w 150019"/>
+                  <a:gd name="connsiteY1" fmla="*/ 40482 h 90488"/>
+                  <a:gd name="connsiteX2" fmla="*/ 73819 w 150019"/>
+                  <a:gd name="connsiteY2" fmla="*/ 61913 h 90488"/>
+                  <a:gd name="connsiteX3" fmla="*/ 69057 w 150019"/>
+                  <a:gd name="connsiteY3" fmla="*/ 16669 h 90488"/>
+                  <a:gd name="connsiteX4" fmla="*/ 4763 w 150019"/>
+                  <a:gd name="connsiteY4" fmla="*/ 38100 h 90488"/>
+                  <a:gd name="connsiteX5" fmla="*/ 0 w 150019"/>
+                  <a:gd name="connsiteY5" fmla="*/ 0 h 90488"/>
+                </a:gdLst>
+                <a:ahLst/>
+                <a:cxnLst>
+                  <a:cxn ang="0">
+                    <a:pos x="connsiteX0" y="connsiteY0"/>
+                  </a:cxn>
+                  <a:cxn ang="0">
+                    <a:pos x="connsiteX1" y="connsiteY1"/>
+                  </a:cxn>
+                  <a:cxn ang="0">
+                    <a:pos x="connsiteX2" y="connsiteY2"/>
+                  </a:cxn>
+                  <a:cxn ang="0">
+                    <a:pos x="connsiteX3" y="connsiteY3"/>
+                  </a:cxn>
+                  <a:cxn ang="0">
+                    <a:pos x="connsiteX4" y="connsiteY4"/>
+                  </a:cxn>
+                  <a:cxn ang="0">
+                    <a:pos x="connsiteX5" y="connsiteY5"/>
+                  </a:cxn>
+                </a:cxnLst>
+                <a:rect l="l" t="t" r="r" b="b"/>
+                <a:pathLst>
+                  <a:path w="150019" h="90488">
+                    <a:moveTo>
+                      <a:pt x="150019" y="90488"/>
+                    </a:moveTo>
+                    <a:lnTo>
+                      <a:pt x="130969" y="40482"/>
+                    </a:lnTo>
+                    <a:lnTo>
+                      <a:pt x="73819" y="61913"/>
+                    </a:lnTo>
+                    <a:lnTo>
+                      <a:pt x="69057" y="16669"/>
+                    </a:lnTo>
+                    <a:lnTo>
+                      <a:pt x="4763" y="38100"/>
+                    </a:lnTo>
+                    <a:lnTo>
+                      <a:pt x="0" y="0"/>
+                    </a:lnTo>
+                  </a:path>
+                </a:pathLst>
+              </a:custGeom>
+              <a:noFill/>
+              <a:ln w="38100">
+                <a:solidFill>
+                  <a:srgbClr val="C00000"/>
+                </a:solidFill>
+              </a:ln>
+            </p:spPr>
+            <p:style>
+              <a:lnRef idx="2">
+                <a:schemeClr val="accent1">
+                  <a:shade val="50000"/>
+                </a:schemeClr>
+              </a:lnRef>
+              <a:fillRef idx="1">
+                <a:schemeClr val="accent1"/>
+              </a:fillRef>
+              <a:effectRef idx="0">
+                <a:schemeClr val="accent1"/>
+              </a:effectRef>
+              <a:fontRef idx="minor">
+                <a:schemeClr val="lt1"/>
+              </a:fontRef>
+            </p:style>
+            <p:txBody>
+              <a:bodyPr rtlCol="0" anchor="ctr"/>
+              <a:lstStyle/>
+              <a:p>
+                <a:pPr algn="ctr"/>
+                <a:endParaRPr lang="en-US">
+                  <a:solidFill>
+                    <a:schemeClr val="lt1"/>
+                  </a:solidFill>
+                </a:endParaRPr>
+              </a:p>
+            </p:txBody>
+          </p:sp>
+          <p:cxnSp>
+            <p:nvCxnSpPr>
+              <p:cNvPr id="26" name="Straight Connector 25"/>
+              <p:cNvCxnSpPr/>
+              <p:nvPr/>
+            </p:nvCxnSpPr>
+            <p:spPr>
+              <a:xfrm flipV="1">
+                <a:off x="1639490" y="992137"/>
+                <a:ext cx="76200" cy="80218"/>
+              </a:xfrm>
+              <a:prstGeom prst="line">
+                <a:avLst/>
+              </a:prstGeom>
+              <a:noFill/>
+              <a:ln w="38100">
+                <a:solidFill>
+                  <a:srgbClr val="C00000"/>
+                </a:solidFill>
+              </a:ln>
+            </p:spPr>
+            <p:style>
+              <a:lnRef idx="2">
+                <a:schemeClr val="accent1">
+                  <a:shade val="50000"/>
+                </a:schemeClr>
+              </a:lnRef>
+              <a:fillRef idx="1">
+                <a:schemeClr val="accent1"/>
+              </a:fillRef>
+              <a:effectRef idx="0">
+                <a:schemeClr val="accent1"/>
+              </a:effectRef>
+              <a:fontRef idx="minor">
+                <a:schemeClr val="lt1"/>
+              </a:fontRef>
+            </p:style>
+          </p:cxnSp>
+          <p:cxnSp>
+            <p:nvCxnSpPr>
+              <p:cNvPr id="45" name="Straight Connector 44"/>
+              <p:cNvCxnSpPr/>
+              <p:nvPr/>
+            </p:nvCxnSpPr>
+            <p:spPr>
+              <a:xfrm>
+                <a:off x="1639490" y="992137"/>
+                <a:ext cx="76200" cy="80217"/>
+              </a:xfrm>
+              <a:prstGeom prst="line">
+                <a:avLst/>
+              </a:prstGeom>
+              <a:noFill/>
+              <a:ln w="38100">
+                <a:solidFill>
+                  <a:srgbClr val="C00000"/>
+                </a:solidFill>
+              </a:ln>
+            </p:spPr>
+            <p:style>
+              <a:lnRef idx="2">
+                <a:schemeClr val="accent1">
+                  <a:shade val="50000"/>
+                </a:schemeClr>
+              </a:lnRef>
+              <a:fillRef idx="1">
+                <a:schemeClr val="accent1"/>
+              </a:fillRef>
+              <a:effectRef idx="0">
+                <a:schemeClr val="accent1"/>
+              </a:effectRef>
+              <a:fontRef idx="minor">
+                <a:schemeClr val="lt1"/>
+              </a:fontRef>
+            </p:style>
+          </p:cxnSp>
+        </p:grpSp>
         <p:sp>
           <p:nvSpPr>
-            <p:cNvPr id="34" name="Flowchart: Connector 33"/>
+            <p:cNvPr id="18" name="Rectangle 17"/>
             <p:cNvSpPr/>
             <p:nvPr/>
           </p:nvSpPr>
           <p:spPr>
             <a:xfrm>
-              <a:off x="1447800" y="920741"/>
-              <a:ext cx="342109" cy="336286"/>
+              <a:off x="1571191" y="894822"/>
+              <a:ext cx="676331" cy="741901"/>
             </a:xfrm>
-            <a:prstGeom prst="flowChartConnector">
+            <a:prstGeom prst="rect">
               <a:avLst/>
             </a:prstGeom>
             <a:noFill/>
-            <a:ln w="38100">
+            <a:ln>
+              <a:noFill/>
+            </a:ln>
+          </p:spPr>
+          <p:style>
+            <a:lnRef idx="2">
+              <a:schemeClr val="accent1">
+                <a:shade val="50000"/>
+              </a:schemeClr>
+            </a:lnRef>
+            <a:fillRef idx="1">
+              <a:schemeClr val="accent1"/>
+            </a:fillRef>
+            <a:effectRef idx="0">
+              <a:schemeClr val="accent1"/>
+            </a:effectRef>
+            <a:fontRef idx="minor">
+              <a:schemeClr val="lt1"/>
+            </a:fontRef>
+          </p:style>
+          <p:txBody>
+            <a:bodyPr rtlCol="0" anchor="ctr"/>
+            <a:lstStyle/>
+            <a:p>
+              <a:pPr algn="ctr"/>
+              <a:endParaRPr lang="en-SG"/>
+            </a:p>
+          </p:txBody>
+        </p:sp>
+      </p:grpSp>
+      <p:grpSp>
+        <p:nvGrpSpPr>
+          <p:cNvPr id="15" name="Group 14"/>
+          <p:cNvGrpSpPr/>
+          <p:nvPr/>
+        </p:nvGrpSpPr>
+        <p:grpSpPr>
+          <a:xfrm>
+            <a:off x="333132" y="894416"/>
+            <a:ext cx="789139" cy="742307"/>
+            <a:chOff x="333132" y="894416"/>
+            <a:chExt cx="789139" cy="742307"/>
+          </a:xfrm>
+        </p:grpSpPr>
+        <p:grpSp>
+          <p:nvGrpSpPr>
+            <p:cNvPr id="14" name="Group 13"/>
+            <p:cNvGrpSpPr/>
+            <p:nvPr/>
+          </p:nvGrpSpPr>
+          <p:grpSpPr>
+            <a:xfrm>
+              <a:off x="355851" y="894416"/>
+              <a:ext cx="693815" cy="742307"/>
+              <a:chOff x="355851" y="894416"/>
+              <a:chExt cx="693815" cy="742307"/>
+            </a:xfrm>
+          </p:grpSpPr>
+          <p:grpSp>
+            <p:nvGrpSpPr>
+              <p:cNvPr id="2074" name="Group 2073"/>
+              <p:cNvGrpSpPr/>
+              <p:nvPr/>
+            </p:nvGrpSpPr>
+            <p:grpSpPr>
+              <a:xfrm>
+                <a:off x="355851" y="894416"/>
+                <a:ext cx="641086" cy="720866"/>
+                <a:chOff x="355851" y="894416"/>
+                <a:chExt cx="641086" cy="720866"/>
+              </a:xfrm>
+              <a:noFill/>
+            </p:grpSpPr>
+            <p:sp>
+              <p:nvSpPr>
+                <p:cNvPr id="13" name="Arc 12"/>
+                <p:cNvSpPr/>
+                <p:nvPr/>
+              </p:nvSpPr>
+              <p:spPr>
+                <a:xfrm>
+                  <a:off x="594113" y="926506"/>
+                  <a:ext cx="342109" cy="336286"/>
+                </a:xfrm>
+                <a:prstGeom prst="arc">
+                  <a:avLst>
+                    <a:gd name="adj1" fmla="val 18413051"/>
+                    <a:gd name="adj2" fmla="val 16918372"/>
+                  </a:avLst>
+                </a:prstGeom>
+                <a:grpFill/>
+                <a:ln w="38100">
+                  <a:solidFill>
+                    <a:schemeClr val="tx2"/>
+                  </a:solidFill>
+                </a:ln>
+              </p:spPr>
+              <p:style>
+                <a:lnRef idx="2">
+                  <a:schemeClr val="accent1">
+                    <a:shade val="50000"/>
+                  </a:schemeClr>
+                </a:lnRef>
+                <a:fillRef idx="1">
+                  <a:schemeClr val="accent1"/>
+                </a:fillRef>
+                <a:effectRef idx="0">
+                  <a:schemeClr val="accent1"/>
+                </a:effectRef>
+                <a:fontRef idx="minor">
+                  <a:schemeClr val="lt1"/>
+                </a:fontRef>
+              </p:style>
+              <p:txBody>
+                <a:bodyPr rtlCol="0" anchor="ctr"/>
+                <a:lstStyle/>
+                <a:p>
+                  <a:pPr algn="ctr"/>
+                  <a:endParaRPr lang="en-SG"/>
+                </a:p>
+              </p:txBody>
+            </p:sp>
+            <p:sp>
+              <p:nvSpPr>
+                <p:cNvPr id="17" name="Flowchart: Delay 16"/>
+                <p:cNvSpPr/>
+                <p:nvPr/>
+              </p:nvSpPr>
+              <p:spPr>
+                <a:xfrm rot="16200000">
+                  <a:off x="564908" y="1261026"/>
+                  <a:ext cx="322748" cy="385763"/>
+                </a:xfrm>
+                <a:prstGeom prst="flowChartDelay">
+                  <a:avLst/>
+                </a:prstGeom>
+                <a:grpFill/>
+                <a:ln w="38100">
+                  <a:solidFill>
+                    <a:schemeClr val="tx2"/>
+                  </a:solidFill>
+                </a:ln>
+              </p:spPr>
+              <p:style>
+                <a:lnRef idx="2">
+                  <a:schemeClr val="accent1">
+                    <a:shade val="50000"/>
+                  </a:schemeClr>
+                </a:lnRef>
+                <a:fillRef idx="1">
+                  <a:schemeClr val="accent1"/>
+                </a:fillRef>
+                <a:effectRef idx="0">
+                  <a:schemeClr val="accent1"/>
+                </a:effectRef>
+                <a:fontRef idx="minor">
+                  <a:schemeClr val="lt1"/>
+                </a:fontRef>
+              </p:style>
+              <p:txBody>
+                <a:bodyPr rtlCol="0" anchor="ctr"/>
+                <a:lstStyle/>
+                <a:p>
+                  <a:pPr algn="ctr"/>
+                  <a:endParaRPr lang="en-SG"/>
+                </a:p>
+              </p:txBody>
+            </p:sp>
+            <p:sp>
+              <p:nvSpPr>
+                <p:cNvPr id="16" name="Flowchart: Connector 15"/>
+                <p:cNvSpPr/>
+                <p:nvPr/>
+              </p:nvSpPr>
+              <p:spPr>
+                <a:xfrm>
+                  <a:off x="694286" y="1030030"/>
+                  <a:ext cx="70882" cy="69675"/>
+                </a:xfrm>
+                <a:prstGeom prst="flowChartConnector">
+                  <a:avLst/>
+                </a:prstGeom>
+                <a:grpFill/>
+                <a:ln w="38100">
+                  <a:solidFill>
+                    <a:schemeClr val="tx2"/>
+                  </a:solidFill>
+                </a:ln>
+              </p:spPr>
+              <p:style>
+                <a:lnRef idx="2">
+                  <a:schemeClr val="accent1">
+                    <a:shade val="50000"/>
+                  </a:schemeClr>
+                </a:lnRef>
+                <a:fillRef idx="1">
+                  <a:schemeClr val="accent1"/>
+                </a:fillRef>
+                <a:effectRef idx="0">
+                  <a:schemeClr val="accent1"/>
+                </a:effectRef>
+                <a:fontRef idx="minor">
+                  <a:schemeClr val="lt1"/>
+                </a:fontRef>
+              </p:style>
+              <p:txBody>
+                <a:bodyPr rtlCol="0" anchor="ctr"/>
+                <a:lstStyle/>
+                <a:p>
+                  <a:pPr algn="ctr"/>
+                  <a:endParaRPr lang="en-SG"/>
+                </a:p>
+              </p:txBody>
+            </p:sp>
+            <p:sp>
+              <p:nvSpPr>
+                <p:cNvPr id="3" name="TextBox 2"/>
+                <p:cNvSpPr txBox="1"/>
+                <p:nvPr/>
+              </p:nvSpPr>
+              <p:spPr>
+                <a:xfrm rot="19605016">
+                  <a:off x="355851" y="894416"/>
+                  <a:ext cx="111679" cy="307567"/>
+                </a:xfrm>
+                <a:prstGeom prst="rect">
+                  <a:avLst/>
+                </a:prstGeom>
+                <a:grpFill/>
+              </p:spPr>
+              <p:txBody>
+                <a:bodyPr wrap="square" lIns="0" tIns="0" rIns="0" bIns="0" rtlCol="0">
+                  <a:noAutofit/>
+                </a:bodyPr>
+                <a:lstStyle/>
+                <a:p>
+                  <a:r>
+                    <a:rPr lang="en-US" sz="3200" b="1" dirty="0" smtClean="0">
+                      <a:solidFill>
+                        <a:schemeClr val="accent6">
+                          <a:lumMod val="75000"/>
+                        </a:schemeClr>
+                      </a:solidFill>
+                    </a:rPr>
+                    <a:t>!</a:t>
+                  </a:r>
+                  <a:endParaRPr lang="en-US" sz="3200" b="1" dirty="0">
+                    <a:solidFill>
+                      <a:schemeClr val="accent6">
+                        <a:lumMod val="75000"/>
+                      </a:schemeClr>
+                    </a:solidFill>
+                  </a:endParaRPr>
+                </a:p>
+              </p:txBody>
+            </p:sp>
+            <p:sp>
+              <p:nvSpPr>
+                <p:cNvPr id="64" name="Flowchart: Connector 63"/>
+                <p:cNvSpPr/>
+                <p:nvPr/>
+              </p:nvSpPr>
+              <p:spPr>
+                <a:xfrm>
+                  <a:off x="792423" y="913307"/>
+                  <a:ext cx="70882" cy="69675"/>
+                </a:xfrm>
+                <a:prstGeom prst="flowChartConnector">
+                  <a:avLst/>
+                </a:prstGeom>
+                <a:grpFill/>
+                <a:ln w="38100">
+                  <a:solidFill>
+                    <a:schemeClr val="tx2"/>
+                  </a:solidFill>
+                </a:ln>
+              </p:spPr>
+              <p:style>
+                <a:lnRef idx="2">
+                  <a:schemeClr val="accent1">
+                    <a:shade val="50000"/>
+                  </a:schemeClr>
+                </a:lnRef>
+                <a:fillRef idx="1">
+                  <a:schemeClr val="accent1"/>
+                </a:fillRef>
+                <a:effectRef idx="0">
+                  <a:schemeClr val="accent1"/>
+                </a:effectRef>
+                <a:fontRef idx="minor">
+                  <a:schemeClr val="lt1"/>
+                </a:fontRef>
+              </p:style>
+              <p:txBody>
+                <a:bodyPr rtlCol="0" anchor="ctr"/>
+                <a:lstStyle/>
+                <a:p>
+                  <a:pPr algn="ctr"/>
+                  <a:endParaRPr lang="en-SG"/>
+                </a:p>
+              </p:txBody>
+            </p:sp>
+            <p:cxnSp>
+              <p:nvCxnSpPr>
+                <p:cNvPr id="2073" name="Straight Connector 2072"/>
+                <p:cNvCxnSpPr/>
+                <p:nvPr/>
+              </p:nvCxnSpPr>
+              <p:spPr>
+                <a:xfrm>
+                  <a:off x="936222" y="1094649"/>
+                  <a:ext cx="60715" cy="0"/>
+                </a:xfrm>
+                <a:prstGeom prst="line">
+                  <a:avLst/>
+                </a:prstGeom>
+                <a:grpFill/>
+                <a:ln w="38100" cap="rnd">
+                  <a:solidFill>
+                    <a:schemeClr val="tx2"/>
+                  </a:solidFill>
+                </a:ln>
+              </p:spPr>
+              <p:style>
+                <a:lnRef idx="2">
+                  <a:schemeClr val="accent1">
+                    <a:shade val="50000"/>
+                  </a:schemeClr>
+                </a:lnRef>
+                <a:fillRef idx="1">
+                  <a:schemeClr val="accent1"/>
+                </a:fillRef>
+                <a:effectRef idx="0">
+                  <a:schemeClr val="accent1"/>
+                </a:effectRef>
+                <a:fontRef idx="minor">
+                  <a:schemeClr val="lt1"/>
+                </a:fontRef>
+              </p:style>
+            </p:cxnSp>
+          </p:grpSp>
+          <p:sp>
+            <p:nvSpPr>
+              <p:cNvPr id="4" name="Rectangle 3"/>
+              <p:cNvSpPr/>
+              <p:nvPr/>
+            </p:nvSpPr>
+            <p:spPr>
+              <a:xfrm>
+                <a:off x="373335" y="894822"/>
+                <a:ext cx="676331" cy="741901"/>
+              </a:xfrm>
+              <a:prstGeom prst="rect">
+                <a:avLst/>
+              </a:prstGeom>
+              <a:noFill/>
+              <a:ln>
+                <a:noFill/>
+              </a:ln>
+            </p:spPr>
+            <p:style>
+              <a:lnRef idx="2">
+                <a:schemeClr val="accent1">
+                  <a:shade val="50000"/>
+                </a:schemeClr>
+              </a:lnRef>
+              <a:fillRef idx="1">
+                <a:schemeClr val="accent1"/>
+              </a:fillRef>
+              <a:effectRef idx="0">
+                <a:schemeClr val="accent1"/>
+              </a:effectRef>
+              <a:fontRef idx="minor">
+                <a:schemeClr val="lt1"/>
+              </a:fontRef>
+            </p:style>
+            <p:txBody>
+              <a:bodyPr rtlCol="0" anchor="ctr"/>
+              <a:lstStyle/>
+              <a:p>
+                <a:pPr algn="ctr"/>
+                <a:endParaRPr lang="en-SG"/>
+              </a:p>
+            </p:txBody>
+          </p:sp>
+        </p:grpSp>
+        <p:sp>
+          <p:nvSpPr>
+            <p:cNvPr id="21" name="Freeform 20"/>
+            <p:cNvSpPr/>
+            <p:nvPr/>
+          </p:nvSpPr>
+          <p:spPr>
+            <a:xfrm>
+              <a:off x="333132" y="1366392"/>
+              <a:ext cx="238069" cy="208108"/>
+            </a:xfrm>
+            <a:custGeom>
+              <a:avLst/>
+              <a:gdLst>
+                <a:gd name="connsiteX0" fmla="*/ 238069 w 238069"/>
+                <a:gd name="connsiteY0" fmla="*/ 0 h 248890"/>
+                <a:gd name="connsiteX1" fmla="*/ 0 w 238069"/>
+                <a:gd name="connsiteY1" fmla="*/ 108213 h 248890"/>
+                <a:gd name="connsiteX2" fmla="*/ 189373 w 238069"/>
+                <a:gd name="connsiteY2" fmla="*/ 229952 h 248890"/>
+                <a:gd name="connsiteX3" fmla="*/ 162320 w 238069"/>
+                <a:gd name="connsiteY3" fmla="*/ 248890 h 248890"/>
+                <a:gd name="connsiteX0" fmla="*/ 238069 w 238069"/>
+                <a:gd name="connsiteY0" fmla="*/ 0 h 290415"/>
+                <a:gd name="connsiteX1" fmla="*/ 0 w 238069"/>
+                <a:gd name="connsiteY1" fmla="*/ 108213 h 290415"/>
+                <a:gd name="connsiteX2" fmla="*/ 189373 w 238069"/>
+                <a:gd name="connsiteY2" fmla="*/ 229952 h 290415"/>
+                <a:gd name="connsiteX3" fmla="*/ 132562 w 238069"/>
+                <a:gd name="connsiteY3" fmla="*/ 290415 h 290415"/>
+                <a:gd name="connsiteX0" fmla="*/ 238069 w 238069"/>
+                <a:gd name="connsiteY0" fmla="*/ 0 h 280034"/>
+                <a:gd name="connsiteX1" fmla="*/ 0 w 238069"/>
+                <a:gd name="connsiteY1" fmla="*/ 108213 h 280034"/>
+                <a:gd name="connsiteX2" fmla="*/ 189373 w 238069"/>
+                <a:gd name="connsiteY2" fmla="*/ 229952 h 280034"/>
+                <a:gd name="connsiteX3" fmla="*/ 146088 w 238069"/>
+                <a:gd name="connsiteY3" fmla="*/ 280034 h 280034"/>
+                <a:gd name="connsiteX0" fmla="*/ 238069 w 238069"/>
+                <a:gd name="connsiteY0" fmla="*/ 0 h 266193"/>
+                <a:gd name="connsiteX1" fmla="*/ 0 w 238069"/>
+                <a:gd name="connsiteY1" fmla="*/ 108213 h 266193"/>
+                <a:gd name="connsiteX2" fmla="*/ 189373 w 238069"/>
+                <a:gd name="connsiteY2" fmla="*/ 229952 h 266193"/>
+                <a:gd name="connsiteX3" fmla="*/ 148794 w 238069"/>
+                <a:gd name="connsiteY3" fmla="*/ 266193 h 266193"/>
+              </a:gdLst>
+              <a:ahLst/>
+              <a:cxnLst>
+                <a:cxn ang="0">
+                  <a:pos x="connsiteX0" y="connsiteY0"/>
+                </a:cxn>
+                <a:cxn ang="0">
+                  <a:pos x="connsiteX1" y="connsiteY1"/>
+                </a:cxn>
+                <a:cxn ang="0">
+                  <a:pos x="connsiteX2" y="connsiteY2"/>
+                </a:cxn>
+                <a:cxn ang="0">
+                  <a:pos x="connsiteX3" y="connsiteY3"/>
+                </a:cxn>
+              </a:cxnLst>
+              <a:rect l="l" t="t" r="r" b="b"/>
+              <a:pathLst>
+                <a:path w="238069" h="266193">
+                  <a:moveTo>
+                    <a:pt x="238069" y="0"/>
+                  </a:moveTo>
+                  <a:lnTo>
+                    <a:pt x="0" y="108213"/>
+                  </a:lnTo>
+                  <a:lnTo>
+                    <a:pt x="189373" y="229952"/>
+                  </a:lnTo>
+                  <a:lnTo>
+                    <a:pt x="148794" y="266193"/>
+                  </a:lnTo>
+                </a:path>
+              </a:pathLst>
+            </a:custGeom>
+            <a:noFill/>
+            <a:ln w="28575" cap="rnd">
               <a:solidFill>
-                <a:srgbClr val="C00000"/>
+                <a:schemeClr val="tx2"/>
               </a:solidFill>
+              <a:tailEnd type="oval"/>
             </a:ln>
           </p:spPr>
           <p:style>
@@ -3128,23 +4009,90 @@
         </p:sp>
         <p:sp>
           <p:nvSpPr>
-            <p:cNvPr id="35" name="Flowchart: Delay 34"/>
+            <p:cNvPr id="22" name="Freeform 21"/>
             <p:cNvSpPr/>
             <p:nvPr/>
           </p:nvSpPr>
           <p:spPr>
-            <a:xfrm rot="16200000">
-              <a:off x="1457481" y="1216375"/>
-              <a:ext cx="322748" cy="463536"/>
+            <a:xfrm flipH="1">
+              <a:off x="884202" y="1349853"/>
+              <a:ext cx="238069" cy="208108"/>
             </a:xfrm>
-            <a:prstGeom prst="flowChartDelay">
+            <a:custGeom>
               <a:avLst/>
-            </a:prstGeom>
+              <a:gdLst>
+                <a:gd name="connsiteX0" fmla="*/ 238069 w 238069"/>
+                <a:gd name="connsiteY0" fmla="*/ 0 h 248890"/>
+                <a:gd name="connsiteX1" fmla="*/ 0 w 238069"/>
+                <a:gd name="connsiteY1" fmla="*/ 108213 h 248890"/>
+                <a:gd name="connsiteX2" fmla="*/ 189373 w 238069"/>
+                <a:gd name="connsiteY2" fmla="*/ 229952 h 248890"/>
+                <a:gd name="connsiteX3" fmla="*/ 162320 w 238069"/>
+                <a:gd name="connsiteY3" fmla="*/ 248890 h 248890"/>
+                <a:gd name="connsiteX0" fmla="*/ 238069 w 238069"/>
+                <a:gd name="connsiteY0" fmla="*/ 0 h 290415"/>
+                <a:gd name="connsiteX1" fmla="*/ 0 w 238069"/>
+                <a:gd name="connsiteY1" fmla="*/ 108213 h 290415"/>
+                <a:gd name="connsiteX2" fmla="*/ 189373 w 238069"/>
+                <a:gd name="connsiteY2" fmla="*/ 229952 h 290415"/>
+                <a:gd name="connsiteX3" fmla="*/ 132562 w 238069"/>
+                <a:gd name="connsiteY3" fmla="*/ 290415 h 290415"/>
+                <a:gd name="connsiteX0" fmla="*/ 238069 w 238069"/>
+                <a:gd name="connsiteY0" fmla="*/ 0 h 280034"/>
+                <a:gd name="connsiteX1" fmla="*/ 0 w 238069"/>
+                <a:gd name="connsiteY1" fmla="*/ 108213 h 280034"/>
+                <a:gd name="connsiteX2" fmla="*/ 189373 w 238069"/>
+                <a:gd name="connsiteY2" fmla="*/ 229952 h 280034"/>
+                <a:gd name="connsiteX3" fmla="*/ 146088 w 238069"/>
+                <a:gd name="connsiteY3" fmla="*/ 280034 h 280034"/>
+                <a:gd name="connsiteX0" fmla="*/ 238069 w 238069"/>
+                <a:gd name="connsiteY0" fmla="*/ 0 h 266193"/>
+                <a:gd name="connsiteX1" fmla="*/ 0 w 238069"/>
+                <a:gd name="connsiteY1" fmla="*/ 108213 h 266193"/>
+                <a:gd name="connsiteX2" fmla="*/ 189373 w 238069"/>
+                <a:gd name="connsiteY2" fmla="*/ 229952 h 266193"/>
+                <a:gd name="connsiteX3" fmla="*/ 148794 w 238069"/>
+                <a:gd name="connsiteY3" fmla="*/ 266193 h 266193"/>
+              </a:gdLst>
+              <a:ahLst/>
+              <a:cxnLst>
+                <a:cxn ang="0">
+                  <a:pos x="connsiteX0" y="connsiteY0"/>
+                </a:cxn>
+                <a:cxn ang="0">
+                  <a:pos x="connsiteX1" y="connsiteY1"/>
+                </a:cxn>
+                <a:cxn ang="0">
+                  <a:pos x="connsiteX2" y="connsiteY2"/>
+                </a:cxn>
+                <a:cxn ang="0">
+                  <a:pos x="connsiteX3" y="connsiteY3"/>
+                </a:cxn>
+              </a:cxnLst>
+              <a:rect l="l" t="t" r="r" b="b"/>
+              <a:pathLst>
+                <a:path w="238069" h="266193">
+                  <a:moveTo>
+                    <a:pt x="238069" y="0"/>
+                  </a:moveTo>
+                  <a:lnTo>
+                    <a:pt x="0" y="108213"/>
+                  </a:lnTo>
+                  <a:lnTo>
+                    <a:pt x="189373" y="229952"/>
+                  </a:lnTo>
+                  <a:lnTo>
+                    <a:pt x="148794" y="266193"/>
+                  </a:lnTo>
+                </a:path>
+              </a:pathLst>
+            </a:custGeom>
             <a:noFill/>
-            <a:ln w="38100">
+            <a:ln w="28575" cap="rnd">
               <a:solidFill>
-                <a:srgbClr val="C00000"/>
+                <a:schemeClr val="tx2"/>
               </a:solidFill>
+              <a:tailEnd type="oval"/>
             </a:ln>
           </p:spPr>
           <p:style>
@@ -3172,369 +4120,58 @@
             </a:p>
           </p:txBody>
         </p:sp>
-        <p:sp>
-          <p:nvSpPr>
-            <p:cNvPr id="36" name="Freeform 35"/>
-            <p:cNvSpPr/>
-            <p:nvPr/>
-          </p:nvSpPr>
-          <p:spPr>
-            <a:xfrm>
-              <a:off x="1764776" y="1164867"/>
-              <a:ext cx="77528" cy="29032"/>
-            </a:xfrm>
-            <a:custGeom>
-              <a:avLst/>
-              <a:gdLst>
-                <a:gd name="connsiteX0" fmla="*/ 0 w 50006"/>
-                <a:gd name="connsiteY0" fmla="*/ 0 h 19050"/>
-                <a:gd name="connsiteX1" fmla="*/ 0 w 50006"/>
-                <a:gd name="connsiteY1" fmla="*/ 0 h 19050"/>
-                <a:gd name="connsiteX2" fmla="*/ 21431 w 50006"/>
-                <a:gd name="connsiteY2" fmla="*/ 4762 h 19050"/>
-                <a:gd name="connsiteX3" fmla="*/ 28575 w 50006"/>
-                <a:gd name="connsiteY3" fmla="*/ 9525 h 19050"/>
-                <a:gd name="connsiteX4" fmla="*/ 38100 w 50006"/>
-                <a:gd name="connsiteY4" fmla="*/ 14287 h 19050"/>
-                <a:gd name="connsiteX5" fmla="*/ 50006 w 50006"/>
-                <a:gd name="connsiteY5" fmla="*/ 19050 h 19050"/>
-              </a:gdLst>
-              <a:ahLst/>
-              <a:cxnLst>
-                <a:cxn ang="0">
-                  <a:pos x="connsiteX0" y="connsiteY0"/>
-                </a:cxn>
-                <a:cxn ang="0">
-                  <a:pos x="connsiteX1" y="connsiteY1"/>
-                </a:cxn>
-                <a:cxn ang="0">
-                  <a:pos x="connsiteX2" y="connsiteY2"/>
-                </a:cxn>
-                <a:cxn ang="0">
-                  <a:pos x="connsiteX3" y="connsiteY3"/>
-                </a:cxn>
-                <a:cxn ang="0">
-                  <a:pos x="connsiteX4" y="connsiteY4"/>
-                </a:cxn>
-                <a:cxn ang="0">
-                  <a:pos x="connsiteX5" y="connsiteY5"/>
-                </a:cxn>
-              </a:cxnLst>
-              <a:rect l="l" t="t" r="r" b="b"/>
-              <a:pathLst>
-                <a:path w="50006" h="19050">
-                  <a:moveTo>
-                    <a:pt x="0" y="0"/>
-                  </a:moveTo>
-                  <a:lnTo>
-                    <a:pt x="0" y="0"/>
-                  </a:lnTo>
-                  <a:cubicBezTo>
-                    <a:pt x="7144" y="1587"/>
-                    <a:pt x="14489" y="2448"/>
-                    <a:pt x="21431" y="4762"/>
-                  </a:cubicBezTo>
-                  <a:cubicBezTo>
-                    <a:pt x="24146" y="5667"/>
-                    <a:pt x="26090" y="8105"/>
-                    <a:pt x="28575" y="9525"/>
-                  </a:cubicBezTo>
-                  <a:cubicBezTo>
-                    <a:pt x="31657" y="11286"/>
-                    <a:pt x="34837" y="12889"/>
-                    <a:pt x="38100" y="14287"/>
-                  </a:cubicBezTo>
-                  <a:cubicBezTo>
-                    <a:pt x="58672" y="23103"/>
-                    <a:pt x="34691" y="11391"/>
-                    <a:pt x="50006" y="19050"/>
-                  </a:cubicBezTo>
-                </a:path>
-              </a:pathLst>
-            </a:custGeom>
-            <a:solidFill>
-              <a:schemeClr val="bg1"/>
-            </a:solidFill>
-            <a:ln w="38100">
-              <a:solidFill>
-                <a:srgbClr val="C00000"/>
-              </a:solidFill>
-            </a:ln>
-          </p:spPr>
-          <p:style>
-            <a:lnRef idx="2">
-              <a:schemeClr val="accent1">
-                <a:shade val="50000"/>
-              </a:schemeClr>
-            </a:lnRef>
-            <a:fillRef idx="1">
-              <a:schemeClr val="accent1"/>
-            </a:fillRef>
-            <a:effectRef idx="0">
-              <a:schemeClr val="accent1"/>
-            </a:effectRef>
-            <a:fontRef idx="minor">
-              <a:schemeClr val="lt1"/>
-            </a:fontRef>
-          </p:style>
-          <p:txBody>
-            <a:bodyPr rtlCol="0" anchor="ctr"/>
-            <a:lstStyle/>
-            <a:p>
-              <a:pPr algn="ctr"/>
-              <a:endParaRPr lang="en-SG"/>
-            </a:p>
-          </p:txBody>
-        </p:sp>
-        <p:sp>
-          <p:nvSpPr>
-            <p:cNvPr id="8" name="Freeform 7"/>
-            <p:cNvSpPr/>
-            <p:nvPr/>
-          </p:nvSpPr>
-          <p:spPr>
-            <a:xfrm>
-              <a:off x="1564481" y="1126331"/>
-              <a:ext cx="150019" cy="90488"/>
-            </a:xfrm>
-            <a:custGeom>
-              <a:avLst/>
-              <a:gdLst>
-                <a:gd name="connsiteX0" fmla="*/ 150019 w 150019"/>
-                <a:gd name="connsiteY0" fmla="*/ 90488 h 90488"/>
-                <a:gd name="connsiteX1" fmla="*/ 130969 w 150019"/>
-                <a:gd name="connsiteY1" fmla="*/ 40482 h 90488"/>
-                <a:gd name="connsiteX2" fmla="*/ 73819 w 150019"/>
-                <a:gd name="connsiteY2" fmla="*/ 61913 h 90488"/>
-                <a:gd name="connsiteX3" fmla="*/ 69057 w 150019"/>
-                <a:gd name="connsiteY3" fmla="*/ 16669 h 90488"/>
-                <a:gd name="connsiteX4" fmla="*/ 4763 w 150019"/>
-                <a:gd name="connsiteY4" fmla="*/ 38100 h 90488"/>
-                <a:gd name="connsiteX5" fmla="*/ 0 w 150019"/>
-                <a:gd name="connsiteY5" fmla="*/ 0 h 90488"/>
-              </a:gdLst>
-              <a:ahLst/>
-              <a:cxnLst>
-                <a:cxn ang="0">
-                  <a:pos x="connsiteX0" y="connsiteY0"/>
-                </a:cxn>
-                <a:cxn ang="0">
-                  <a:pos x="connsiteX1" y="connsiteY1"/>
-                </a:cxn>
-                <a:cxn ang="0">
-                  <a:pos x="connsiteX2" y="connsiteY2"/>
-                </a:cxn>
-                <a:cxn ang="0">
-                  <a:pos x="connsiteX3" y="connsiteY3"/>
-                </a:cxn>
-                <a:cxn ang="0">
-                  <a:pos x="connsiteX4" y="connsiteY4"/>
-                </a:cxn>
-                <a:cxn ang="0">
-                  <a:pos x="connsiteX5" y="connsiteY5"/>
-                </a:cxn>
-              </a:cxnLst>
-              <a:rect l="l" t="t" r="r" b="b"/>
-              <a:pathLst>
-                <a:path w="150019" h="90488">
-                  <a:moveTo>
-                    <a:pt x="150019" y="90488"/>
-                  </a:moveTo>
-                  <a:lnTo>
-                    <a:pt x="130969" y="40482"/>
-                  </a:lnTo>
-                  <a:lnTo>
-                    <a:pt x="73819" y="61913"/>
-                  </a:lnTo>
-                  <a:lnTo>
-                    <a:pt x="69057" y="16669"/>
-                  </a:lnTo>
-                  <a:lnTo>
-                    <a:pt x="4763" y="38100"/>
-                  </a:lnTo>
-                  <a:lnTo>
-                    <a:pt x="0" y="0"/>
-                  </a:lnTo>
-                </a:path>
-              </a:pathLst>
-            </a:custGeom>
-            <a:noFill/>
-            <a:ln w="38100">
-              <a:solidFill>
-                <a:srgbClr val="C00000"/>
-              </a:solidFill>
-            </a:ln>
-          </p:spPr>
-          <p:style>
-            <a:lnRef idx="2">
-              <a:schemeClr val="accent1">
-                <a:shade val="50000"/>
-              </a:schemeClr>
-            </a:lnRef>
-            <a:fillRef idx="1">
-              <a:schemeClr val="accent1"/>
-            </a:fillRef>
-            <a:effectRef idx="0">
-              <a:schemeClr val="accent1"/>
-            </a:effectRef>
-            <a:fontRef idx="minor">
-              <a:schemeClr val="lt1"/>
-            </a:fontRef>
-          </p:style>
-          <p:txBody>
-            <a:bodyPr rtlCol="0" anchor="ctr"/>
-            <a:lstStyle/>
-            <a:p>
-              <a:pPr algn="ctr"/>
-              <a:endParaRPr lang="en-US">
-                <a:solidFill>
-                  <a:schemeClr val="lt1"/>
-                </a:solidFill>
-              </a:endParaRPr>
-            </a:p>
-          </p:txBody>
-        </p:sp>
-        <p:cxnSp>
-          <p:nvCxnSpPr>
-            <p:cNvPr id="26" name="Straight Connector 25"/>
-            <p:cNvCxnSpPr/>
-            <p:nvPr/>
-          </p:nvCxnSpPr>
-          <p:spPr>
-            <a:xfrm flipV="1">
-              <a:off x="1639490" y="992137"/>
-              <a:ext cx="76200" cy="80218"/>
-            </a:xfrm>
-            <a:prstGeom prst="line">
-              <a:avLst/>
-            </a:prstGeom>
-            <a:noFill/>
-            <a:ln w="38100">
-              <a:solidFill>
-                <a:srgbClr val="C00000"/>
-              </a:solidFill>
-            </a:ln>
-          </p:spPr>
-          <p:style>
-            <a:lnRef idx="2">
-              <a:schemeClr val="accent1">
-                <a:shade val="50000"/>
-              </a:schemeClr>
-            </a:lnRef>
-            <a:fillRef idx="1">
-              <a:schemeClr val="accent1"/>
-            </a:fillRef>
-            <a:effectRef idx="0">
-              <a:schemeClr val="accent1"/>
-            </a:effectRef>
-            <a:fontRef idx="minor">
-              <a:schemeClr val="lt1"/>
-            </a:fontRef>
-          </p:style>
-        </p:cxnSp>
-        <p:cxnSp>
-          <p:nvCxnSpPr>
-            <p:cNvPr id="45" name="Straight Connector 44"/>
-            <p:cNvCxnSpPr/>
-            <p:nvPr/>
-          </p:nvCxnSpPr>
-          <p:spPr>
-            <a:xfrm>
-              <a:off x="1639490" y="992137"/>
-              <a:ext cx="76200" cy="80217"/>
-            </a:xfrm>
-            <a:prstGeom prst="line">
-              <a:avLst/>
-            </a:prstGeom>
-            <a:noFill/>
-            <a:ln w="38100">
-              <a:solidFill>
-                <a:srgbClr val="C00000"/>
-              </a:solidFill>
-            </a:ln>
-          </p:spPr>
-          <p:style>
-            <a:lnRef idx="2">
-              <a:schemeClr val="accent1">
-                <a:shade val="50000"/>
-              </a:schemeClr>
-            </a:lnRef>
-            <a:fillRef idx="1">
-              <a:schemeClr val="accent1"/>
-            </a:fillRef>
-            <a:effectRef idx="0">
-              <a:schemeClr val="accent1"/>
-            </a:effectRef>
-            <a:fontRef idx="minor">
-              <a:schemeClr val="lt1"/>
-            </a:fontRef>
-          </p:style>
-        </p:cxnSp>
       </p:grpSp>
+    </p:spTree>
+    <p:extLst>
+      <p:ext uri="{BB962C8B-B14F-4D97-AF65-F5344CB8AC3E}">
+        <p14:creationId xmlns:p14="http://schemas.microsoft.com/office/powerpoint/2010/main" val="1589420437"/>
+      </p:ext>
+    </p:extLst>
+  </p:cSld>
+  <p:clrMapOvr>
+    <a:masterClrMapping/>
+  </p:clrMapOvr>
+  <p:timing>
+    <p:tnLst>
+      <p:par>
+        <p:cTn id="1" dur="indefinite" restart="never" nodeType="tmRoot"/>
+      </p:par>
+    </p:tnLst>
+  </p:timing>
+</p:sld>
+</file>
+
+<file path=ppt/slides/slide2.xml><?xml version="1.0" encoding="utf-8"?>
+<p:sld xmlns:a="http://schemas.openxmlformats.org/drawingml/2006/main" xmlns:r="http://schemas.openxmlformats.org/officeDocument/2006/relationships" xmlns:p="http://schemas.openxmlformats.org/presentationml/2006/main">
+  <p:cSld>
+    <p:spTree>
+      <p:nvGrpSpPr>
+        <p:cNvPr id="1" name=""/>
+        <p:cNvGrpSpPr/>
+        <p:nvPr/>
+      </p:nvGrpSpPr>
+      <p:grpSpPr>
+        <a:xfrm>
+          <a:off x="0" y="0"/>
+          <a:ext cx="0" cy="0"/>
+          <a:chOff x="0" y="0"/>
+          <a:chExt cx="0" cy="0"/>
+        </a:xfrm>
+      </p:grpSpPr>
       <p:grpSp>
         <p:nvGrpSpPr>
-          <p:cNvPr id="2074" name="Group 2073"/>
+          <p:cNvPr id="24" name="Group 23"/>
           <p:cNvGrpSpPr/>
           <p:nvPr/>
         </p:nvGrpSpPr>
         <p:grpSpPr>
           <a:xfrm>
-            <a:off x="512171" y="635137"/>
-            <a:ext cx="484766" cy="980145"/>
-            <a:chOff x="512171" y="635137"/>
-            <a:chExt cx="484766" cy="980145"/>
+            <a:off x="287610" y="920824"/>
+            <a:ext cx="676331" cy="741901"/>
+            <a:chOff x="287610" y="920824"/>
+            <a:chExt cx="676331" cy="741901"/>
           </a:xfrm>
-          <a:noFill/>
         </p:grpSpPr>
-        <p:sp>
-          <p:nvSpPr>
-            <p:cNvPr id="13" name="Arc 12"/>
-            <p:cNvSpPr/>
-            <p:nvPr/>
-          </p:nvSpPr>
-          <p:spPr>
-            <a:xfrm>
-              <a:off x="594113" y="926506"/>
-              <a:ext cx="342109" cy="336286"/>
-            </a:xfrm>
-            <a:prstGeom prst="arc">
-              <a:avLst>
-                <a:gd name="adj1" fmla="val 18413051"/>
-                <a:gd name="adj2" fmla="val 16918372"/>
-              </a:avLst>
-            </a:prstGeom>
-            <a:grpFill/>
-            <a:ln w="38100">
-              <a:solidFill>
-                <a:schemeClr val="tx2"/>
-              </a:solidFill>
-            </a:ln>
-          </p:spPr>
-          <p:style>
-            <a:lnRef idx="2">
-              <a:schemeClr val="accent1">
-                <a:shade val="50000"/>
-              </a:schemeClr>
-            </a:lnRef>
-            <a:fillRef idx="1">
-              <a:schemeClr val="accent1"/>
-            </a:fillRef>
-            <a:effectRef idx="0">
-              <a:schemeClr val="accent1"/>
-            </a:effectRef>
-            <a:fontRef idx="minor">
-              <a:schemeClr val="lt1"/>
-            </a:fontRef>
-          </p:style>
-          <p:txBody>
-            <a:bodyPr rtlCol="0" anchor="ctr"/>
-            <a:lstStyle/>
-            <a:p>
-              <a:pPr algn="ctr"/>
-              <a:endParaRPr lang="en-SG"/>
-            </a:p>
-          </p:txBody>
-        </p:sp>
         <p:sp>
           <p:nvSpPr>
             <p:cNvPr id="17" name="Flowchart: Delay 16"/>
@@ -3543,13 +4180,13 @@
           </p:nvSpPr>
           <p:spPr>
             <a:xfrm rot="16200000">
-              <a:off x="603794" y="1222140"/>
-              <a:ext cx="322748" cy="463536"/>
+              <a:off x="499425" y="1266787"/>
+              <a:ext cx="322748" cy="426246"/>
             </a:xfrm>
             <a:prstGeom prst="flowChartDelay">
               <a:avLst/>
             </a:prstGeom>
-            <a:grpFill/>
+            <a:noFill/>
             <a:ln w="38100">
               <a:solidFill>
                 <a:schemeClr val="tx2"/>
@@ -3589,13 +4226,13 @@
           </p:nvSpPr>
           <p:spPr>
             <a:xfrm>
-              <a:off x="694286" y="1030030"/>
+              <a:off x="608561" y="1039365"/>
               <a:ext cx="70882" cy="69675"/>
             </a:xfrm>
             <a:prstGeom prst="flowChartConnector">
               <a:avLst/>
             </a:prstGeom>
-            <a:grpFill/>
+            <a:noFill/>
             <a:ln w="38100">
               <a:solidFill>
                 <a:schemeClr val="tx2"/>
@@ -3629,57 +4266,19 @@
         </p:sp>
         <p:sp>
           <p:nvSpPr>
-            <p:cNvPr id="3" name="TextBox 2"/>
-            <p:cNvSpPr txBox="1"/>
-            <p:nvPr/>
-          </p:nvSpPr>
-          <p:spPr>
-            <a:xfrm rot="19605016">
-              <a:off x="512171" y="635137"/>
-              <a:ext cx="111679" cy="307567"/>
-            </a:xfrm>
-            <a:prstGeom prst="rect">
-              <a:avLst/>
-            </a:prstGeom>
-            <a:grpFill/>
-          </p:spPr>
-          <p:txBody>
-            <a:bodyPr wrap="square" lIns="0" tIns="0" rIns="0" bIns="0" rtlCol="0">
-              <a:noAutofit/>
-            </a:bodyPr>
-            <a:lstStyle/>
-            <a:p>
-              <a:r>
-                <a:rPr lang="en-US" sz="2400" b="1" dirty="0" smtClean="0">
-                  <a:solidFill>
-                    <a:schemeClr val="tx2"/>
-                  </a:solidFill>
-                </a:rPr>
-                <a:t>!</a:t>
-              </a:r>
-              <a:endParaRPr lang="en-US" sz="2400" b="1" dirty="0">
-                <a:solidFill>
-                  <a:schemeClr val="tx2"/>
-                </a:solidFill>
-              </a:endParaRPr>
-            </a:p>
-          </p:txBody>
-        </p:sp>
-        <p:sp>
-          <p:nvSpPr>
             <p:cNvPr id="64" name="Flowchart: Connector 63"/>
             <p:cNvSpPr/>
             <p:nvPr/>
           </p:nvSpPr>
           <p:spPr>
             <a:xfrm>
-              <a:off x="792423" y="913307"/>
+              <a:off x="727595" y="1043360"/>
               <a:ext cx="70882" cy="69675"/>
             </a:xfrm>
             <a:prstGeom prst="flowChartConnector">
               <a:avLst/>
             </a:prstGeom>
-            <a:grpFill/>
+            <a:noFill/>
             <a:ln w="38100">
               <a:solidFill>
                 <a:schemeClr val="tx2"/>
@@ -3718,14 +4317,14 @@
             <p:nvPr/>
           </p:nvCxnSpPr>
           <p:spPr>
-            <a:xfrm>
-              <a:off x="936222" y="1094649"/>
-              <a:ext cx="60715" cy="0"/>
+            <a:xfrm flipH="1" flipV="1">
+              <a:off x="692946" y="1140625"/>
+              <a:ext cx="20363" cy="41944"/>
             </a:xfrm>
             <a:prstGeom prst="line">
               <a:avLst/>
             </a:prstGeom>
-            <a:grpFill/>
+            <a:noFill/>
             <a:ln w="38100" cap="rnd">
               <a:solidFill>
                 <a:schemeClr val="tx2"/>
@@ -3749,11 +4348,385 @@
             </a:fontRef>
           </p:style>
         </p:cxnSp>
+        <p:sp>
+          <p:nvSpPr>
+            <p:cNvPr id="4" name="Rectangle 3"/>
+            <p:cNvSpPr/>
+            <p:nvPr/>
+          </p:nvSpPr>
+          <p:spPr>
+            <a:xfrm>
+              <a:off x="287610" y="920824"/>
+              <a:ext cx="676331" cy="741901"/>
+            </a:xfrm>
+            <a:prstGeom prst="rect">
+              <a:avLst/>
+            </a:prstGeom>
+            <a:noFill/>
+            <a:ln>
+              <a:noFill/>
+            </a:ln>
+          </p:spPr>
+          <p:style>
+            <a:lnRef idx="2">
+              <a:schemeClr val="accent1">
+                <a:shade val="50000"/>
+              </a:schemeClr>
+            </a:lnRef>
+            <a:fillRef idx="1">
+              <a:schemeClr val="accent1"/>
+            </a:fillRef>
+            <a:effectRef idx="0">
+              <a:schemeClr val="accent1"/>
+            </a:effectRef>
+            <a:fontRef idx="minor">
+              <a:schemeClr val="lt1"/>
+            </a:fontRef>
+          </p:style>
+          <p:txBody>
+            <a:bodyPr rtlCol="0" anchor="ctr"/>
+            <a:lstStyle/>
+            <a:p>
+              <a:pPr algn="ctr"/>
+              <a:endParaRPr lang="en-SG"/>
+            </a:p>
+          </p:txBody>
+        </p:sp>
+        <p:grpSp>
+          <p:nvGrpSpPr>
+            <p:cNvPr id="19" name="Group 18"/>
+            <p:cNvGrpSpPr/>
+            <p:nvPr/>
+          </p:nvGrpSpPr>
+          <p:grpSpPr>
+            <a:xfrm>
+              <a:off x="589106" y="1025812"/>
+              <a:ext cx="59658" cy="52382"/>
+              <a:chOff x="330740" y="666642"/>
+              <a:chExt cx="59658" cy="65536"/>
+            </a:xfrm>
+          </p:grpSpPr>
+          <p:cxnSp>
+            <p:nvCxnSpPr>
+              <p:cNvPr id="32" name="Straight Connector 31"/>
+              <p:cNvCxnSpPr/>
+              <p:nvPr/>
+            </p:nvCxnSpPr>
+            <p:spPr>
+              <a:xfrm flipV="1">
+                <a:off x="330740" y="666642"/>
+                <a:ext cx="40481" cy="52387"/>
+              </a:xfrm>
+              <a:prstGeom prst="line">
+                <a:avLst/>
+              </a:prstGeom>
+              <a:grpFill/>
+              <a:ln w="38100" cap="rnd">
+                <a:solidFill>
+                  <a:schemeClr val="bg1"/>
+                </a:solidFill>
+              </a:ln>
+            </p:spPr>
+            <p:style>
+              <a:lnRef idx="2">
+                <a:schemeClr val="accent1">
+                  <a:shade val="50000"/>
+                </a:schemeClr>
+              </a:lnRef>
+              <a:fillRef idx="1">
+                <a:schemeClr val="accent1"/>
+              </a:fillRef>
+              <a:effectRef idx="0">
+                <a:schemeClr val="accent1"/>
+              </a:effectRef>
+              <a:fontRef idx="minor">
+                <a:schemeClr val="lt1"/>
+              </a:fontRef>
+            </p:style>
+          </p:cxnSp>
+          <p:cxnSp>
+            <p:nvCxnSpPr>
+              <p:cNvPr id="12" name="Straight Connector 11"/>
+              <p:cNvCxnSpPr/>
+              <p:nvPr/>
+            </p:nvCxnSpPr>
+            <p:spPr>
+              <a:xfrm flipV="1">
+                <a:off x="349917" y="679791"/>
+                <a:ext cx="40481" cy="52387"/>
+              </a:xfrm>
+              <a:prstGeom prst="line">
+                <a:avLst/>
+              </a:prstGeom>
+              <a:grpFill/>
+              <a:ln w="38100" cap="rnd">
+                <a:solidFill>
+                  <a:schemeClr val="tx2"/>
+                </a:solidFill>
+              </a:ln>
+            </p:spPr>
+            <p:style>
+              <a:lnRef idx="2">
+                <a:schemeClr val="accent1">
+                  <a:shade val="50000"/>
+                </a:schemeClr>
+              </a:lnRef>
+              <a:fillRef idx="1">
+                <a:schemeClr val="accent1"/>
+              </a:fillRef>
+              <a:effectRef idx="0">
+                <a:schemeClr val="accent1"/>
+              </a:effectRef>
+              <a:fontRef idx="minor">
+                <a:schemeClr val="lt1"/>
+              </a:fontRef>
+            </p:style>
+          </p:cxnSp>
+        </p:grpSp>
+        <p:grpSp>
+          <p:nvGrpSpPr>
+            <p:cNvPr id="37" name="Group 36"/>
+            <p:cNvGrpSpPr/>
+            <p:nvPr/>
+          </p:nvGrpSpPr>
+          <p:grpSpPr>
+            <a:xfrm flipH="1">
+              <a:off x="758274" y="1031321"/>
+              <a:ext cx="59658" cy="52382"/>
+              <a:chOff x="330740" y="666642"/>
+              <a:chExt cx="59658" cy="65536"/>
+            </a:xfrm>
+          </p:grpSpPr>
+          <p:cxnSp>
+            <p:nvCxnSpPr>
+              <p:cNvPr id="38" name="Straight Connector 37"/>
+              <p:cNvCxnSpPr/>
+              <p:nvPr/>
+            </p:nvCxnSpPr>
+            <p:spPr>
+              <a:xfrm flipV="1">
+                <a:off x="330740" y="666642"/>
+                <a:ext cx="40481" cy="52387"/>
+              </a:xfrm>
+              <a:prstGeom prst="line">
+                <a:avLst/>
+              </a:prstGeom>
+              <a:grpFill/>
+              <a:ln w="38100" cap="rnd">
+                <a:solidFill>
+                  <a:schemeClr val="bg1"/>
+                </a:solidFill>
+              </a:ln>
+            </p:spPr>
+            <p:style>
+              <a:lnRef idx="2">
+                <a:schemeClr val="accent1">
+                  <a:shade val="50000"/>
+                </a:schemeClr>
+              </a:lnRef>
+              <a:fillRef idx="1">
+                <a:schemeClr val="accent1"/>
+              </a:fillRef>
+              <a:effectRef idx="0">
+                <a:schemeClr val="accent1"/>
+              </a:effectRef>
+              <a:fontRef idx="minor">
+                <a:schemeClr val="lt1"/>
+              </a:fontRef>
+            </p:style>
+          </p:cxnSp>
+          <p:cxnSp>
+            <p:nvCxnSpPr>
+              <p:cNvPr id="39" name="Straight Connector 38"/>
+              <p:cNvCxnSpPr/>
+              <p:nvPr/>
+            </p:nvCxnSpPr>
+            <p:spPr>
+              <a:xfrm flipV="1">
+                <a:off x="349917" y="679791"/>
+                <a:ext cx="40481" cy="52387"/>
+              </a:xfrm>
+              <a:prstGeom prst="line">
+                <a:avLst/>
+              </a:prstGeom>
+              <a:grpFill/>
+              <a:ln w="38100" cap="rnd">
+                <a:solidFill>
+                  <a:schemeClr val="tx2"/>
+                </a:solidFill>
+              </a:ln>
+            </p:spPr>
+            <p:style>
+              <a:lnRef idx="2">
+                <a:schemeClr val="accent1">
+                  <a:shade val="50000"/>
+                </a:schemeClr>
+              </a:lnRef>
+              <a:fillRef idx="1">
+                <a:schemeClr val="accent1"/>
+              </a:fillRef>
+              <a:effectRef idx="0">
+                <a:schemeClr val="accent1"/>
+              </a:effectRef>
+              <a:fontRef idx="minor">
+                <a:schemeClr val="lt1"/>
+              </a:fontRef>
+            </p:style>
+          </p:cxnSp>
+        </p:grpSp>
+        <p:sp>
+          <p:nvSpPr>
+            <p:cNvPr id="13" name="Flowchart: Connector 12"/>
+            <p:cNvSpPr/>
+            <p:nvPr/>
+          </p:nvSpPr>
+          <p:spPr>
+            <a:xfrm>
+              <a:off x="508388" y="952508"/>
+              <a:ext cx="342109" cy="336286"/>
+            </a:xfrm>
+            <a:prstGeom prst="flowChartConnector">
+              <a:avLst/>
+            </a:prstGeom>
+            <a:noFill/>
+            <a:ln w="38100">
+              <a:solidFill>
+                <a:schemeClr val="tx2"/>
+              </a:solidFill>
+            </a:ln>
+          </p:spPr>
+          <p:style>
+            <a:lnRef idx="2">
+              <a:schemeClr val="accent1">
+                <a:shade val="50000"/>
+              </a:schemeClr>
+            </a:lnRef>
+            <a:fillRef idx="1">
+              <a:schemeClr val="accent1"/>
+            </a:fillRef>
+            <a:effectRef idx="0">
+              <a:schemeClr val="accent1"/>
+            </a:effectRef>
+            <a:fontRef idx="minor">
+              <a:schemeClr val="lt1"/>
+            </a:fontRef>
+          </p:style>
+          <p:txBody>
+            <a:bodyPr rtlCol="0" anchor="ctr"/>
+            <a:lstStyle/>
+            <a:p>
+              <a:pPr algn="ctr"/>
+              <a:endParaRPr lang="en-SG"/>
+            </a:p>
+          </p:txBody>
+        </p:sp>
+        <p:sp>
+          <p:nvSpPr>
+            <p:cNvPr id="20" name="Flowchart: Connector 19"/>
+            <p:cNvSpPr/>
+            <p:nvPr/>
+          </p:nvSpPr>
+          <p:spPr>
+            <a:xfrm>
+              <a:off x="534464" y="1113035"/>
+              <a:ext cx="114300" cy="114300"/>
+            </a:xfrm>
+            <a:prstGeom prst="flowChartConnector">
+              <a:avLst/>
+            </a:prstGeom>
+            <a:solidFill>
+              <a:schemeClr val="accent6">
+                <a:lumMod val="75000"/>
+              </a:schemeClr>
+            </a:solidFill>
+            <a:ln>
+              <a:noFill/>
+            </a:ln>
+            <a:effectLst>
+              <a:softEdge rad="25400"/>
+            </a:effectLst>
+          </p:spPr>
+          <p:style>
+            <a:lnRef idx="2">
+              <a:schemeClr val="accent1">
+                <a:shade val="50000"/>
+              </a:schemeClr>
+            </a:lnRef>
+            <a:fillRef idx="1">
+              <a:schemeClr val="accent1"/>
+            </a:fillRef>
+            <a:effectRef idx="0">
+              <a:schemeClr val="accent1"/>
+            </a:effectRef>
+            <a:fontRef idx="minor">
+              <a:schemeClr val="lt1"/>
+            </a:fontRef>
+          </p:style>
+          <p:txBody>
+            <a:bodyPr rtlCol="0" anchor="ctr"/>
+            <a:lstStyle/>
+            <a:p>
+              <a:pPr algn="ctr"/>
+              <a:endParaRPr lang="en-SG"/>
+            </a:p>
+          </p:txBody>
+        </p:sp>
+        <p:sp>
+          <p:nvSpPr>
+            <p:cNvPr id="40" name="Flowchart: Connector 39"/>
+            <p:cNvSpPr/>
+            <p:nvPr/>
+          </p:nvSpPr>
+          <p:spPr>
+            <a:xfrm>
+              <a:off x="719530" y="1115889"/>
+              <a:ext cx="114300" cy="114300"/>
+            </a:xfrm>
+            <a:prstGeom prst="flowChartConnector">
+              <a:avLst/>
+            </a:prstGeom>
+            <a:solidFill>
+              <a:schemeClr val="accent6">
+                <a:lumMod val="75000"/>
+              </a:schemeClr>
+            </a:solidFill>
+            <a:ln>
+              <a:noFill/>
+            </a:ln>
+            <a:effectLst>
+              <a:softEdge rad="25400"/>
+            </a:effectLst>
+          </p:spPr>
+          <p:style>
+            <a:lnRef idx="2">
+              <a:schemeClr val="accent1">
+                <a:shade val="50000"/>
+              </a:schemeClr>
+            </a:lnRef>
+            <a:fillRef idx="1">
+              <a:schemeClr val="accent1"/>
+            </a:fillRef>
+            <a:effectRef idx="0">
+              <a:schemeClr val="accent1"/>
+            </a:effectRef>
+            <a:fontRef idx="minor">
+              <a:schemeClr val="lt1"/>
+            </a:fontRef>
+          </p:style>
+          <p:txBody>
+            <a:bodyPr rtlCol="0" anchor="ctr"/>
+            <a:lstStyle/>
+            <a:p>
+              <a:pPr algn="ctr"/>
+              <a:endParaRPr lang="en-SG"/>
+            </a:p>
+          </p:txBody>
+        </p:sp>
       </p:grpSp>
     </p:spTree>
     <p:extLst>
       <p:ext uri="{BB962C8B-B14F-4D97-AF65-F5344CB8AC3E}">
-        <p14:creationId xmlns:p14="http://schemas.microsoft.com/office/powerpoint/2010/main" val="1589420437"/>
+        <p14:creationId xmlns:p14="http://schemas.microsoft.com/office/powerpoint/2010/main" val="2940345564"/>
       </p:ext>
     </p:extLst>
   </p:cSld>
@@ -3768,6 +4741,3012 @@
     </p:tnLst>
   </p:timing>
 </p:sld>
+</file>
+
+<file path=ppt/slides/slide3.xml><?xml version="1.0" encoding="utf-8"?>
+<p:sld xmlns:a="http://schemas.openxmlformats.org/drawingml/2006/main" xmlns:r="http://schemas.openxmlformats.org/officeDocument/2006/relationships" xmlns:p="http://schemas.openxmlformats.org/presentationml/2006/main">
+  <p:cSld>
+    <p:spTree>
+      <p:nvGrpSpPr>
+        <p:cNvPr id="1" name=""/>
+        <p:cNvGrpSpPr/>
+        <p:nvPr/>
+      </p:nvGrpSpPr>
+      <p:grpSpPr>
+        <a:xfrm>
+          <a:off x="0" y="0"/>
+          <a:ext cx="0" cy="0"/>
+          <a:chOff x="0" y="0"/>
+          <a:chExt cx="0" cy="0"/>
+        </a:xfrm>
+      </p:grpSpPr>
+      <p:grpSp>
+        <p:nvGrpSpPr>
+          <p:cNvPr id="33" name="Group 32"/>
+          <p:cNvGrpSpPr/>
+          <p:nvPr/>
+        </p:nvGrpSpPr>
+        <p:grpSpPr>
+          <a:xfrm>
+            <a:off x="386860" y="657474"/>
+            <a:ext cx="901396" cy="957808"/>
+            <a:chOff x="386860" y="657474"/>
+            <a:chExt cx="901396" cy="957808"/>
+          </a:xfrm>
+        </p:grpSpPr>
+        <p:sp>
+          <p:nvSpPr>
+            <p:cNvPr id="7" name="Flowchart: Connector 6"/>
+            <p:cNvSpPr/>
+            <p:nvPr/>
+          </p:nvSpPr>
+          <p:spPr>
+            <a:xfrm>
+              <a:off x="594113" y="926506"/>
+              <a:ext cx="342109" cy="336286"/>
+            </a:xfrm>
+            <a:prstGeom prst="flowChartConnector">
+              <a:avLst/>
+            </a:prstGeom>
+            <a:noFill/>
+            <a:ln w="38100">
+              <a:solidFill>
+                <a:schemeClr val="tx2"/>
+              </a:solidFill>
+            </a:ln>
+          </p:spPr>
+          <p:style>
+            <a:lnRef idx="2">
+              <a:schemeClr val="accent1">
+                <a:shade val="50000"/>
+              </a:schemeClr>
+            </a:lnRef>
+            <a:fillRef idx="1">
+              <a:schemeClr val="accent1"/>
+            </a:fillRef>
+            <a:effectRef idx="0">
+              <a:schemeClr val="accent1"/>
+            </a:effectRef>
+            <a:fontRef idx="minor">
+              <a:schemeClr val="lt1"/>
+            </a:fontRef>
+          </p:style>
+          <p:txBody>
+            <a:bodyPr rtlCol="0" anchor="ctr"/>
+            <a:lstStyle/>
+            <a:p>
+              <a:pPr algn="ctr"/>
+              <a:endParaRPr lang="en-SG"/>
+            </a:p>
+          </p:txBody>
+        </p:sp>
+        <p:sp>
+          <p:nvSpPr>
+            <p:cNvPr id="8" name="Flowchart: Delay 7"/>
+            <p:cNvSpPr/>
+            <p:nvPr/>
+          </p:nvSpPr>
+          <p:spPr>
+            <a:xfrm rot="16200000">
+              <a:off x="603795" y="1282852"/>
+              <a:ext cx="322748" cy="342111"/>
+            </a:xfrm>
+            <a:prstGeom prst="flowChartDelay">
+              <a:avLst/>
+            </a:prstGeom>
+            <a:noFill/>
+            <a:ln w="38100">
+              <a:solidFill>
+                <a:schemeClr val="tx2"/>
+              </a:solidFill>
+            </a:ln>
+          </p:spPr>
+          <p:style>
+            <a:lnRef idx="2">
+              <a:schemeClr val="accent1">
+                <a:shade val="50000"/>
+              </a:schemeClr>
+            </a:lnRef>
+            <a:fillRef idx="1">
+              <a:schemeClr val="accent1"/>
+            </a:fillRef>
+            <a:effectRef idx="0">
+              <a:schemeClr val="accent1"/>
+            </a:effectRef>
+            <a:fontRef idx="minor">
+              <a:schemeClr val="lt1"/>
+            </a:fontRef>
+          </p:style>
+          <p:txBody>
+            <a:bodyPr rtlCol="0" anchor="ctr"/>
+            <a:lstStyle/>
+            <a:p>
+              <a:pPr algn="ctr"/>
+              <a:endParaRPr lang="en-SG"/>
+            </a:p>
+          </p:txBody>
+        </p:sp>
+        <p:sp>
+          <p:nvSpPr>
+            <p:cNvPr id="9" name="Flowchart: Connector 8"/>
+            <p:cNvSpPr/>
+            <p:nvPr/>
+          </p:nvSpPr>
+          <p:spPr>
+            <a:xfrm>
+              <a:off x="655856" y="1007834"/>
+              <a:ext cx="69485" cy="66956"/>
+            </a:xfrm>
+            <a:prstGeom prst="flowChartConnector">
+              <a:avLst/>
+            </a:prstGeom>
+            <a:noFill/>
+            <a:ln w="28575">
+              <a:solidFill>
+                <a:schemeClr val="tx2"/>
+              </a:solidFill>
+            </a:ln>
+          </p:spPr>
+          <p:style>
+            <a:lnRef idx="2">
+              <a:schemeClr val="accent1">
+                <a:shade val="50000"/>
+              </a:schemeClr>
+            </a:lnRef>
+            <a:fillRef idx="1">
+              <a:schemeClr val="accent1"/>
+            </a:fillRef>
+            <a:effectRef idx="0">
+              <a:schemeClr val="accent1"/>
+            </a:effectRef>
+            <a:fontRef idx="minor">
+              <a:schemeClr val="lt1"/>
+            </a:fontRef>
+          </p:style>
+          <p:txBody>
+            <a:bodyPr rtlCol="0" anchor="ctr"/>
+            <a:lstStyle/>
+            <a:p>
+              <a:pPr algn="ctr"/>
+              <a:endParaRPr lang="en-SG"/>
+            </a:p>
+          </p:txBody>
+        </p:sp>
+        <p:sp>
+          <p:nvSpPr>
+            <p:cNvPr id="11" name="Flowchart: Connector 10"/>
+            <p:cNvSpPr/>
+            <p:nvPr/>
+          </p:nvSpPr>
+          <p:spPr>
+            <a:xfrm>
+              <a:off x="760650" y="973702"/>
+              <a:ext cx="69485" cy="66956"/>
+            </a:xfrm>
+            <a:prstGeom prst="flowChartConnector">
+              <a:avLst/>
+            </a:prstGeom>
+            <a:noFill/>
+            <a:ln w="28575">
+              <a:solidFill>
+                <a:schemeClr val="tx2"/>
+              </a:solidFill>
+            </a:ln>
+          </p:spPr>
+          <p:style>
+            <a:lnRef idx="2">
+              <a:schemeClr val="accent1">
+                <a:shade val="50000"/>
+              </a:schemeClr>
+            </a:lnRef>
+            <a:fillRef idx="1">
+              <a:schemeClr val="accent1"/>
+            </a:fillRef>
+            <a:effectRef idx="0">
+              <a:schemeClr val="accent1"/>
+            </a:effectRef>
+            <a:fontRef idx="minor">
+              <a:schemeClr val="lt1"/>
+            </a:fontRef>
+          </p:style>
+          <p:txBody>
+            <a:bodyPr rtlCol="0" anchor="ctr"/>
+            <a:lstStyle/>
+            <a:p>
+              <a:pPr algn="ctr"/>
+              <a:endParaRPr lang="en-SG"/>
+            </a:p>
+          </p:txBody>
+        </p:sp>
+        <p:cxnSp>
+          <p:nvCxnSpPr>
+            <p:cNvPr id="13" name="Straight Connector 12"/>
+            <p:cNvCxnSpPr/>
+            <p:nvPr/>
+          </p:nvCxnSpPr>
+          <p:spPr>
+            <a:xfrm>
+              <a:off x="765167" y="1094649"/>
+              <a:ext cx="35406" cy="45990"/>
+            </a:xfrm>
+            <a:prstGeom prst="line">
+              <a:avLst/>
+            </a:prstGeom>
+            <a:noFill/>
+            <a:ln w="38100" cap="rnd">
+              <a:solidFill>
+                <a:schemeClr val="tx2"/>
+              </a:solidFill>
+            </a:ln>
+          </p:spPr>
+          <p:style>
+            <a:lnRef idx="2">
+              <a:schemeClr val="accent1">
+                <a:shade val="50000"/>
+              </a:schemeClr>
+            </a:lnRef>
+            <a:fillRef idx="1">
+              <a:schemeClr val="accent1"/>
+            </a:fillRef>
+            <a:effectRef idx="0">
+              <a:schemeClr val="accent1"/>
+            </a:effectRef>
+            <a:fontRef idx="minor">
+              <a:schemeClr val="lt1"/>
+            </a:fontRef>
+          </p:style>
+        </p:cxnSp>
+        <p:sp>
+          <p:nvSpPr>
+            <p:cNvPr id="15" name="Freeform 14"/>
+            <p:cNvSpPr/>
+            <p:nvPr/>
+          </p:nvSpPr>
+          <p:spPr>
+            <a:xfrm>
+              <a:off x="386860" y="1366392"/>
+              <a:ext cx="238069" cy="208108"/>
+            </a:xfrm>
+            <a:custGeom>
+              <a:avLst/>
+              <a:gdLst>
+                <a:gd name="connsiteX0" fmla="*/ 238069 w 238069"/>
+                <a:gd name="connsiteY0" fmla="*/ 0 h 248890"/>
+                <a:gd name="connsiteX1" fmla="*/ 0 w 238069"/>
+                <a:gd name="connsiteY1" fmla="*/ 108213 h 248890"/>
+                <a:gd name="connsiteX2" fmla="*/ 189373 w 238069"/>
+                <a:gd name="connsiteY2" fmla="*/ 229952 h 248890"/>
+                <a:gd name="connsiteX3" fmla="*/ 162320 w 238069"/>
+                <a:gd name="connsiteY3" fmla="*/ 248890 h 248890"/>
+                <a:gd name="connsiteX0" fmla="*/ 238069 w 238069"/>
+                <a:gd name="connsiteY0" fmla="*/ 0 h 290415"/>
+                <a:gd name="connsiteX1" fmla="*/ 0 w 238069"/>
+                <a:gd name="connsiteY1" fmla="*/ 108213 h 290415"/>
+                <a:gd name="connsiteX2" fmla="*/ 189373 w 238069"/>
+                <a:gd name="connsiteY2" fmla="*/ 229952 h 290415"/>
+                <a:gd name="connsiteX3" fmla="*/ 132562 w 238069"/>
+                <a:gd name="connsiteY3" fmla="*/ 290415 h 290415"/>
+                <a:gd name="connsiteX0" fmla="*/ 238069 w 238069"/>
+                <a:gd name="connsiteY0" fmla="*/ 0 h 280034"/>
+                <a:gd name="connsiteX1" fmla="*/ 0 w 238069"/>
+                <a:gd name="connsiteY1" fmla="*/ 108213 h 280034"/>
+                <a:gd name="connsiteX2" fmla="*/ 189373 w 238069"/>
+                <a:gd name="connsiteY2" fmla="*/ 229952 h 280034"/>
+                <a:gd name="connsiteX3" fmla="*/ 146088 w 238069"/>
+                <a:gd name="connsiteY3" fmla="*/ 280034 h 280034"/>
+                <a:gd name="connsiteX0" fmla="*/ 238069 w 238069"/>
+                <a:gd name="connsiteY0" fmla="*/ 0 h 266193"/>
+                <a:gd name="connsiteX1" fmla="*/ 0 w 238069"/>
+                <a:gd name="connsiteY1" fmla="*/ 108213 h 266193"/>
+                <a:gd name="connsiteX2" fmla="*/ 189373 w 238069"/>
+                <a:gd name="connsiteY2" fmla="*/ 229952 h 266193"/>
+                <a:gd name="connsiteX3" fmla="*/ 148794 w 238069"/>
+                <a:gd name="connsiteY3" fmla="*/ 266193 h 266193"/>
+              </a:gdLst>
+              <a:ahLst/>
+              <a:cxnLst>
+                <a:cxn ang="0">
+                  <a:pos x="connsiteX0" y="connsiteY0"/>
+                </a:cxn>
+                <a:cxn ang="0">
+                  <a:pos x="connsiteX1" y="connsiteY1"/>
+                </a:cxn>
+                <a:cxn ang="0">
+                  <a:pos x="connsiteX2" y="connsiteY2"/>
+                </a:cxn>
+                <a:cxn ang="0">
+                  <a:pos x="connsiteX3" y="connsiteY3"/>
+                </a:cxn>
+              </a:cxnLst>
+              <a:rect l="l" t="t" r="r" b="b"/>
+              <a:pathLst>
+                <a:path w="238069" h="266193">
+                  <a:moveTo>
+                    <a:pt x="238069" y="0"/>
+                  </a:moveTo>
+                  <a:lnTo>
+                    <a:pt x="0" y="108213"/>
+                  </a:lnTo>
+                  <a:lnTo>
+                    <a:pt x="189373" y="229952"/>
+                  </a:lnTo>
+                  <a:lnTo>
+                    <a:pt x="148794" y="266193"/>
+                  </a:lnTo>
+                </a:path>
+              </a:pathLst>
+            </a:custGeom>
+            <a:noFill/>
+            <a:ln w="28575" cap="rnd">
+              <a:solidFill>
+                <a:schemeClr val="tx2"/>
+              </a:solidFill>
+              <a:tailEnd type="oval"/>
+            </a:ln>
+          </p:spPr>
+          <p:style>
+            <a:lnRef idx="2">
+              <a:schemeClr val="accent1">
+                <a:shade val="50000"/>
+              </a:schemeClr>
+            </a:lnRef>
+            <a:fillRef idx="1">
+              <a:schemeClr val="accent1"/>
+            </a:fillRef>
+            <a:effectRef idx="0">
+              <a:schemeClr val="accent1"/>
+            </a:effectRef>
+            <a:fontRef idx="minor">
+              <a:schemeClr val="lt1"/>
+            </a:fontRef>
+          </p:style>
+          <p:txBody>
+            <a:bodyPr rtlCol="0" anchor="ctr"/>
+            <a:lstStyle/>
+            <a:p>
+              <a:pPr algn="ctr"/>
+              <a:endParaRPr lang="en-SG"/>
+            </a:p>
+          </p:txBody>
+        </p:sp>
+        <p:sp>
+          <p:nvSpPr>
+            <p:cNvPr id="24" name="Freeform 23"/>
+            <p:cNvSpPr/>
+            <p:nvPr/>
+          </p:nvSpPr>
+          <p:spPr>
+            <a:xfrm rot="20254772">
+              <a:off x="408603" y="679306"/>
+              <a:ext cx="168189" cy="285750"/>
+            </a:xfrm>
+            <a:custGeom>
+              <a:avLst/>
+              <a:gdLst>
+                <a:gd name="connsiteX0" fmla="*/ 299885 w 336378"/>
+                <a:gd name="connsiteY0" fmla="*/ 571500 h 571500"/>
+                <a:gd name="connsiteX1" fmla="*/ 328460 w 336378"/>
+                <a:gd name="connsiteY1" fmla="*/ 457200 h 571500"/>
+                <a:gd name="connsiteX2" fmla="*/ 173679 w 336378"/>
+                <a:gd name="connsiteY2" fmla="*/ 440531 h 571500"/>
+                <a:gd name="connsiteX3" fmla="*/ 302266 w 336378"/>
+                <a:gd name="connsiteY3" fmla="*/ 266700 h 571500"/>
+                <a:gd name="connsiteX4" fmla="*/ 2229 w 336378"/>
+                <a:gd name="connsiteY4" fmla="*/ 242887 h 571500"/>
+                <a:gd name="connsiteX5" fmla="*/ 164154 w 336378"/>
+                <a:gd name="connsiteY5" fmla="*/ 83344 h 571500"/>
+                <a:gd name="connsiteX6" fmla="*/ 137960 w 336378"/>
+                <a:gd name="connsiteY6" fmla="*/ 0 h 571500"/>
+                <a:gd name="connsiteX7" fmla="*/ 137960 w 336378"/>
+                <a:gd name="connsiteY7" fmla="*/ 0 h 571500"/>
+              </a:gdLst>
+              <a:ahLst/>
+              <a:cxnLst>
+                <a:cxn ang="0">
+                  <a:pos x="connsiteX0" y="connsiteY0"/>
+                </a:cxn>
+                <a:cxn ang="0">
+                  <a:pos x="connsiteX1" y="connsiteY1"/>
+                </a:cxn>
+                <a:cxn ang="0">
+                  <a:pos x="connsiteX2" y="connsiteY2"/>
+                </a:cxn>
+                <a:cxn ang="0">
+                  <a:pos x="connsiteX3" y="connsiteY3"/>
+                </a:cxn>
+                <a:cxn ang="0">
+                  <a:pos x="connsiteX4" y="connsiteY4"/>
+                </a:cxn>
+                <a:cxn ang="0">
+                  <a:pos x="connsiteX5" y="connsiteY5"/>
+                </a:cxn>
+                <a:cxn ang="0">
+                  <a:pos x="connsiteX6" y="connsiteY6"/>
+                </a:cxn>
+                <a:cxn ang="0">
+                  <a:pos x="connsiteX7" y="connsiteY7"/>
+                </a:cxn>
+              </a:cxnLst>
+              <a:rect l="l" t="t" r="r" b="b"/>
+              <a:pathLst>
+                <a:path w="336378" h="571500">
+                  <a:moveTo>
+                    <a:pt x="299885" y="571500"/>
+                  </a:moveTo>
+                  <a:cubicBezTo>
+                    <a:pt x="324689" y="525264"/>
+                    <a:pt x="349494" y="479028"/>
+                    <a:pt x="328460" y="457200"/>
+                  </a:cubicBezTo>
+                  <a:cubicBezTo>
+                    <a:pt x="307426" y="435372"/>
+                    <a:pt x="178045" y="472281"/>
+                    <a:pt x="173679" y="440531"/>
+                  </a:cubicBezTo>
+                  <a:cubicBezTo>
+                    <a:pt x="169313" y="408781"/>
+                    <a:pt x="330841" y="299641"/>
+                    <a:pt x="302266" y="266700"/>
+                  </a:cubicBezTo>
+                  <a:cubicBezTo>
+                    <a:pt x="273691" y="233759"/>
+                    <a:pt x="25248" y="273446"/>
+                    <a:pt x="2229" y="242887"/>
+                  </a:cubicBezTo>
+                  <a:cubicBezTo>
+                    <a:pt x="-20790" y="212328"/>
+                    <a:pt x="141532" y="123825"/>
+                    <a:pt x="164154" y="83344"/>
+                  </a:cubicBezTo>
+                  <a:cubicBezTo>
+                    <a:pt x="186776" y="42863"/>
+                    <a:pt x="137960" y="0"/>
+                    <a:pt x="137960" y="0"/>
+                  </a:cubicBezTo>
+                  <a:lnTo>
+                    <a:pt x="137960" y="0"/>
+                  </a:lnTo>
+                </a:path>
+              </a:pathLst>
+            </a:custGeom>
+            <a:noFill/>
+            <a:ln w="28575" cap="rnd">
+              <a:solidFill>
+                <a:schemeClr val="accent6">
+                  <a:lumMod val="60000"/>
+                  <a:lumOff val="40000"/>
+                </a:schemeClr>
+              </a:solidFill>
+            </a:ln>
+          </p:spPr>
+          <p:style>
+            <a:lnRef idx="2">
+              <a:schemeClr val="accent1">
+                <a:shade val="50000"/>
+              </a:schemeClr>
+            </a:lnRef>
+            <a:fillRef idx="1">
+              <a:schemeClr val="accent1"/>
+            </a:fillRef>
+            <a:effectRef idx="0">
+              <a:schemeClr val="accent1"/>
+            </a:effectRef>
+            <a:fontRef idx="minor">
+              <a:schemeClr val="lt1"/>
+            </a:fontRef>
+          </p:style>
+          <p:txBody>
+            <a:bodyPr rtlCol="0" anchor="ctr"/>
+            <a:lstStyle/>
+            <a:p>
+              <a:pPr algn="ctr"/>
+              <a:endParaRPr lang="en-SG"/>
+            </a:p>
+          </p:txBody>
+        </p:sp>
+        <p:sp>
+          <p:nvSpPr>
+            <p:cNvPr id="25" name="Freeform 24"/>
+            <p:cNvSpPr/>
+            <p:nvPr/>
+          </p:nvSpPr>
+          <p:spPr>
+            <a:xfrm rot="1388592" flipH="1">
+              <a:off x="793849" y="657474"/>
+              <a:ext cx="148813" cy="215583"/>
+            </a:xfrm>
+            <a:custGeom>
+              <a:avLst/>
+              <a:gdLst>
+                <a:gd name="connsiteX0" fmla="*/ 299885 w 336378"/>
+                <a:gd name="connsiteY0" fmla="*/ 571500 h 571500"/>
+                <a:gd name="connsiteX1" fmla="*/ 328460 w 336378"/>
+                <a:gd name="connsiteY1" fmla="*/ 457200 h 571500"/>
+                <a:gd name="connsiteX2" fmla="*/ 173679 w 336378"/>
+                <a:gd name="connsiteY2" fmla="*/ 440531 h 571500"/>
+                <a:gd name="connsiteX3" fmla="*/ 302266 w 336378"/>
+                <a:gd name="connsiteY3" fmla="*/ 266700 h 571500"/>
+                <a:gd name="connsiteX4" fmla="*/ 2229 w 336378"/>
+                <a:gd name="connsiteY4" fmla="*/ 242887 h 571500"/>
+                <a:gd name="connsiteX5" fmla="*/ 164154 w 336378"/>
+                <a:gd name="connsiteY5" fmla="*/ 83344 h 571500"/>
+                <a:gd name="connsiteX6" fmla="*/ 137960 w 336378"/>
+                <a:gd name="connsiteY6" fmla="*/ 0 h 571500"/>
+                <a:gd name="connsiteX7" fmla="*/ 137960 w 336378"/>
+                <a:gd name="connsiteY7" fmla="*/ 0 h 571500"/>
+              </a:gdLst>
+              <a:ahLst/>
+              <a:cxnLst>
+                <a:cxn ang="0">
+                  <a:pos x="connsiteX0" y="connsiteY0"/>
+                </a:cxn>
+                <a:cxn ang="0">
+                  <a:pos x="connsiteX1" y="connsiteY1"/>
+                </a:cxn>
+                <a:cxn ang="0">
+                  <a:pos x="connsiteX2" y="connsiteY2"/>
+                </a:cxn>
+                <a:cxn ang="0">
+                  <a:pos x="connsiteX3" y="connsiteY3"/>
+                </a:cxn>
+                <a:cxn ang="0">
+                  <a:pos x="connsiteX4" y="connsiteY4"/>
+                </a:cxn>
+                <a:cxn ang="0">
+                  <a:pos x="connsiteX5" y="connsiteY5"/>
+                </a:cxn>
+                <a:cxn ang="0">
+                  <a:pos x="connsiteX6" y="connsiteY6"/>
+                </a:cxn>
+                <a:cxn ang="0">
+                  <a:pos x="connsiteX7" y="connsiteY7"/>
+                </a:cxn>
+              </a:cxnLst>
+              <a:rect l="l" t="t" r="r" b="b"/>
+              <a:pathLst>
+                <a:path w="336378" h="571500">
+                  <a:moveTo>
+                    <a:pt x="299885" y="571500"/>
+                  </a:moveTo>
+                  <a:cubicBezTo>
+                    <a:pt x="324689" y="525264"/>
+                    <a:pt x="349494" y="479028"/>
+                    <a:pt x="328460" y="457200"/>
+                  </a:cubicBezTo>
+                  <a:cubicBezTo>
+                    <a:pt x="307426" y="435372"/>
+                    <a:pt x="178045" y="472281"/>
+                    <a:pt x="173679" y="440531"/>
+                  </a:cubicBezTo>
+                  <a:cubicBezTo>
+                    <a:pt x="169313" y="408781"/>
+                    <a:pt x="330841" y="299641"/>
+                    <a:pt x="302266" y="266700"/>
+                  </a:cubicBezTo>
+                  <a:cubicBezTo>
+                    <a:pt x="273691" y="233759"/>
+                    <a:pt x="25248" y="273446"/>
+                    <a:pt x="2229" y="242887"/>
+                  </a:cubicBezTo>
+                  <a:cubicBezTo>
+                    <a:pt x="-20790" y="212328"/>
+                    <a:pt x="141532" y="123825"/>
+                    <a:pt x="164154" y="83344"/>
+                  </a:cubicBezTo>
+                  <a:cubicBezTo>
+                    <a:pt x="186776" y="42863"/>
+                    <a:pt x="137960" y="0"/>
+                    <a:pt x="137960" y="0"/>
+                  </a:cubicBezTo>
+                  <a:lnTo>
+                    <a:pt x="137960" y="0"/>
+                  </a:lnTo>
+                </a:path>
+              </a:pathLst>
+            </a:custGeom>
+            <a:noFill/>
+            <a:ln w="28575" cap="rnd">
+              <a:solidFill>
+                <a:schemeClr val="accent6">
+                  <a:lumMod val="60000"/>
+                  <a:lumOff val="40000"/>
+                </a:schemeClr>
+              </a:solidFill>
+            </a:ln>
+          </p:spPr>
+          <p:style>
+            <a:lnRef idx="2">
+              <a:schemeClr val="accent1">
+                <a:shade val="50000"/>
+              </a:schemeClr>
+            </a:lnRef>
+            <a:fillRef idx="1">
+              <a:schemeClr val="accent1"/>
+            </a:fillRef>
+            <a:effectRef idx="0">
+              <a:schemeClr val="accent1"/>
+            </a:effectRef>
+            <a:fontRef idx="minor">
+              <a:schemeClr val="lt1"/>
+            </a:fontRef>
+          </p:style>
+          <p:txBody>
+            <a:bodyPr rtlCol="0" anchor="ctr"/>
+            <a:lstStyle/>
+            <a:p>
+              <a:pPr algn="ctr"/>
+              <a:endParaRPr lang="en-SG"/>
+            </a:p>
+          </p:txBody>
+        </p:sp>
+        <p:cxnSp>
+          <p:nvCxnSpPr>
+            <p:cNvPr id="28" name="Straight Connector 27"/>
+            <p:cNvCxnSpPr/>
+            <p:nvPr/>
+          </p:nvCxnSpPr>
+          <p:spPr>
+            <a:xfrm>
+              <a:off x="897731" y="1330534"/>
+              <a:ext cx="319088" cy="0"/>
+            </a:xfrm>
+            <a:prstGeom prst="line">
+              <a:avLst/>
+            </a:prstGeom>
+            <a:noFill/>
+            <a:ln w="28575" cap="rnd">
+              <a:solidFill>
+                <a:schemeClr val="tx2"/>
+              </a:solidFill>
+              <a:tailEnd type="oval"/>
+            </a:ln>
+          </p:spPr>
+          <p:style>
+            <a:lnRef idx="2">
+              <a:schemeClr val="accent1">
+                <a:shade val="50000"/>
+              </a:schemeClr>
+            </a:lnRef>
+            <a:fillRef idx="1">
+              <a:schemeClr val="accent1"/>
+            </a:fillRef>
+            <a:effectRef idx="0">
+              <a:schemeClr val="accent1"/>
+            </a:effectRef>
+            <a:fontRef idx="minor">
+              <a:schemeClr val="lt1"/>
+            </a:fontRef>
+          </p:style>
+        </p:cxnSp>
+        <p:cxnSp>
+          <p:nvCxnSpPr>
+            <p:cNvPr id="31" name="Straight Connector 30"/>
+            <p:cNvCxnSpPr/>
+            <p:nvPr/>
+          </p:nvCxnSpPr>
+          <p:spPr>
+            <a:xfrm>
+              <a:off x="1216819" y="1302057"/>
+              <a:ext cx="71437" cy="0"/>
+            </a:xfrm>
+            <a:prstGeom prst="line">
+              <a:avLst/>
+            </a:prstGeom>
+            <a:noFill/>
+            <a:ln w="28575" cap="rnd">
+              <a:solidFill>
+                <a:schemeClr val="tx2"/>
+              </a:solidFill>
+            </a:ln>
+          </p:spPr>
+          <p:style>
+            <a:lnRef idx="2">
+              <a:schemeClr val="accent1">
+                <a:shade val="50000"/>
+              </a:schemeClr>
+            </a:lnRef>
+            <a:fillRef idx="1">
+              <a:schemeClr val="accent1"/>
+            </a:fillRef>
+            <a:effectRef idx="0">
+              <a:schemeClr val="accent1"/>
+            </a:effectRef>
+            <a:fontRef idx="minor">
+              <a:schemeClr val="lt1"/>
+            </a:fontRef>
+          </p:style>
+        </p:cxnSp>
+      </p:grpSp>
+      <p:grpSp>
+        <p:nvGrpSpPr>
+          <p:cNvPr id="45" name="Group 44"/>
+          <p:cNvGrpSpPr/>
+          <p:nvPr/>
+        </p:nvGrpSpPr>
+        <p:grpSpPr>
+          <a:xfrm>
+            <a:off x="1654805" y="894822"/>
+            <a:ext cx="797883" cy="741901"/>
+            <a:chOff x="1654805" y="894822"/>
+            <a:chExt cx="797883" cy="741901"/>
+          </a:xfrm>
+        </p:grpSpPr>
+        <p:sp>
+          <p:nvSpPr>
+            <p:cNvPr id="37" name="Arc 36"/>
+            <p:cNvSpPr/>
+            <p:nvPr/>
+          </p:nvSpPr>
+          <p:spPr>
+            <a:xfrm>
+              <a:off x="1934756" y="926506"/>
+              <a:ext cx="342109" cy="336286"/>
+            </a:xfrm>
+            <a:prstGeom prst="arc">
+              <a:avLst>
+                <a:gd name="adj1" fmla="val 18413051"/>
+                <a:gd name="adj2" fmla="val 16918372"/>
+              </a:avLst>
+            </a:prstGeom>
+            <a:noFill/>
+            <a:ln w="38100">
+              <a:solidFill>
+                <a:schemeClr val="tx2"/>
+              </a:solidFill>
+            </a:ln>
+          </p:spPr>
+          <p:style>
+            <a:lnRef idx="2">
+              <a:schemeClr val="accent1">
+                <a:shade val="50000"/>
+              </a:schemeClr>
+            </a:lnRef>
+            <a:fillRef idx="1">
+              <a:schemeClr val="accent1"/>
+            </a:fillRef>
+            <a:effectRef idx="0">
+              <a:schemeClr val="accent1"/>
+            </a:effectRef>
+            <a:fontRef idx="minor">
+              <a:schemeClr val="lt1"/>
+            </a:fontRef>
+          </p:style>
+          <p:txBody>
+            <a:bodyPr rtlCol="0" anchor="ctr"/>
+            <a:lstStyle/>
+            <a:p>
+              <a:pPr algn="ctr"/>
+              <a:endParaRPr lang="en-SG"/>
+            </a:p>
+          </p:txBody>
+        </p:sp>
+        <p:sp>
+          <p:nvSpPr>
+            <p:cNvPr id="38" name="Flowchart: Delay 37"/>
+            <p:cNvSpPr/>
+            <p:nvPr/>
+          </p:nvSpPr>
+          <p:spPr>
+            <a:xfrm rot="16200000">
+              <a:off x="1944437" y="1222140"/>
+              <a:ext cx="322748" cy="463536"/>
+            </a:xfrm>
+            <a:prstGeom prst="flowChartDelay">
+              <a:avLst/>
+            </a:prstGeom>
+            <a:noFill/>
+            <a:ln w="38100">
+              <a:solidFill>
+                <a:schemeClr val="tx2"/>
+              </a:solidFill>
+            </a:ln>
+          </p:spPr>
+          <p:style>
+            <a:lnRef idx="2">
+              <a:schemeClr val="accent1">
+                <a:shade val="50000"/>
+              </a:schemeClr>
+            </a:lnRef>
+            <a:fillRef idx="1">
+              <a:schemeClr val="accent1"/>
+            </a:fillRef>
+            <a:effectRef idx="0">
+              <a:schemeClr val="accent1"/>
+            </a:effectRef>
+            <a:fontRef idx="minor">
+              <a:schemeClr val="lt1"/>
+            </a:fontRef>
+          </p:style>
+          <p:txBody>
+            <a:bodyPr rtlCol="0" anchor="ctr"/>
+            <a:lstStyle/>
+            <a:p>
+              <a:pPr algn="ctr"/>
+              <a:endParaRPr lang="en-SG"/>
+            </a:p>
+          </p:txBody>
+        </p:sp>
+        <p:sp>
+          <p:nvSpPr>
+            <p:cNvPr id="39" name="Flowchart: Connector 38"/>
+            <p:cNvSpPr/>
+            <p:nvPr/>
+          </p:nvSpPr>
+          <p:spPr>
+            <a:xfrm>
+              <a:off x="2034929" y="1030030"/>
+              <a:ext cx="70882" cy="69675"/>
+            </a:xfrm>
+            <a:prstGeom prst="flowChartConnector">
+              <a:avLst/>
+            </a:prstGeom>
+            <a:noFill/>
+            <a:ln w="38100">
+              <a:solidFill>
+                <a:schemeClr val="tx2"/>
+              </a:solidFill>
+            </a:ln>
+          </p:spPr>
+          <p:style>
+            <a:lnRef idx="2">
+              <a:schemeClr val="accent1">
+                <a:shade val="50000"/>
+              </a:schemeClr>
+            </a:lnRef>
+            <a:fillRef idx="1">
+              <a:schemeClr val="accent1"/>
+            </a:fillRef>
+            <a:effectRef idx="0">
+              <a:schemeClr val="accent1"/>
+            </a:effectRef>
+            <a:fontRef idx="minor">
+              <a:schemeClr val="lt1"/>
+            </a:fontRef>
+          </p:style>
+          <p:txBody>
+            <a:bodyPr rtlCol="0" anchor="ctr"/>
+            <a:lstStyle/>
+            <a:p>
+              <a:pPr algn="ctr"/>
+              <a:endParaRPr lang="en-SG"/>
+            </a:p>
+          </p:txBody>
+        </p:sp>
+        <p:sp>
+          <p:nvSpPr>
+            <p:cNvPr id="40" name="TextBox 39"/>
+            <p:cNvSpPr txBox="1"/>
+            <p:nvPr/>
+          </p:nvSpPr>
+          <p:spPr>
+            <a:xfrm rot="19605016">
+              <a:off x="1736971" y="911083"/>
+              <a:ext cx="111679" cy="307567"/>
+            </a:xfrm>
+            <a:prstGeom prst="rect">
+              <a:avLst/>
+            </a:prstGeom>
+            <a:noFill/>
+          </p:spPr>
+          <p:txBody>
+            <a:bodyPr wrap="square" lIns="0" tIns="0" rIns="0" bIns="0" rtlCol="0">
+              <a:noAutofit/>
+            </a:bodyPr>
+            <a:lstStyle/>
+            <a:p>
+              <a:r>
+                <a:rPr lang="en-US" sz="2400" b="1" dirty="0" smtClean="0">
+                  <a:solidFill>
+                    <a:schemeClr val="accent6">
+                      <a:lumMod val="75000"/>
+                    </a:schemeClr>
+                  </a:solidFill>
+                </a:rPr>
+                <a:t>?</a:t>
+              </a:r>
+              <a:endParaRPr lang="en-US" sz="2400" b="1" dirty="0">
+                <a:solidFill>
+                  <a:schemeClr val="accent6">
+                    <a:lumMod val="75000"/>
+                  </a:schemeClr>
+                </a:solidFill>
+              </a:endParaRPr>
+            </a:p>
+          </p:txBody>
+        </p:sp>
+        <p:sp>
+          <p:nvSpPr>
+            <p:cNvPr id="41" name="Flowchart: Connector 40"/>
+            <p:cNvSpPr/>
+            <p:nvPr/>
+          </p:nvSpPr>
+          <p:spPr>
+            <a:xfrm>
+              <a:off x="2133066" y="913307"/>
+              <a:ext cx="70882" cy="69675"/>
+            </a:xfrm>
+            <a:prstGeom prst="flowChartConnector">
+              <a:avLst/>
+            </a:prstGeom>
+            <a:noFill/>
+            <a:ln w="38100">
+              <a:solidFill>
+                <a:schemeClr val="tx2"/>
+              </a:solidFill>
+            </a:ln>
+          </p:spPr>
+          <p:style>
+            <a:lnRef idx="2">
+              <a:schemeClr val="accent1">
+                <a:shade val="50000"/>
+              </a:schemeClr>
+            </a:lnRef>
+            <a:fillRef idx="1">
+              <a:schemeClr val="accent1"/>
+            </a:fillRef>
+            <a:effectRef idx="0">
+              <a:schemeClr val="accent1"/>
+            </a:effectRef>
+            <a:fontRef idx="minor">
+              <a:schemeClr val="lt1"/>
+            </a:fontRef>
+          </p:style>
+          <p:txBody>
+            <a:bodyPr rtlCol="0" anchor="ctr"/>
+            <a:lstStyle/>
+            <a:p>
+              <a:pPr algn="ctr"/>
+              <a:endParaRPr lang="en-SG"/>
+            </a:p>
+          </p:txBody>
+        </p:sp>
+        <p:cxnSp>
+          <p:nvCxnSpPr>
+            <p:cNvPr id="42" name="Straight Connector 41"/>
+            <p:cNvCxnSpPr/>
+            <p:nvPr/>
+          </p:nvCxnSpPr>
+          <p:spPr>
+            <a:xfrm>
+              <a:off x="2276865" y="1094649"/>
+              <a:ext cx="60715" cy="0"/>
+            </a:xfrm>
+            <a:prstGeom prst="line">
+              <a:avLst/>
+            </a:prstGeom>
+            <a:noFill/>
+            <a:ln w="38100" cap="rnd">
+              <a:solidFill>
+                <a:schemeClr val="tx2"/>
+              </a:solidFill>
+            </a:ln>
+          </p:spPr>
+          <p:style>
+            <a:lnRef idx="2">
+              <a:schemeClr val="accent1">
+                <a:shade val="50000"/>
+              </a:schemeClr>
+            </a:lnRef>
+            <a:fillRef idx="1">
+              <a:schemeClr val="accent1"/>
+            </a:fillRef>
+            <a:effectRef idx="0">
+              <a:schemeClr val="accent1"/>
+            </a:effectRef>
+            <a:fontRef idx="minor">
+              <a:schemeClr val="lt1"/>
+            </a:fontRef>
+          </p:style>
+        </p:cxnSp>
+        <p:sp>
+          <p:nvSpPr>
+            <p:cNvPr id="36" name="Rectangle 35"/>
+            <p:cNvSpPr/>
+            <p:nvPr/>
+          </p:nvSpPr>
+          <p:spPr>
+            <a:xfrm>
+              <a:off x="1713978" y="894822"/>
+              <a:ext cx="676331" cy="741901"/>
+            </a:xfrm>
+            <a:prstGeom prst="rect">
+              <a:avLst/>
+            </a:prstGeom>
+            <a:noFill/>
+            <a:ln>
+              <a:noFill/>
+            </a:ln>
+          </p:spPr>
+          <p:style>
+            <a:lnRef idx="2">
+              <a:schemeClr val="accent1">
+                <a:shade val="50000"/>
+              </a:schemeClr>
+            </a:lnRef>
+            <a:fillRef idx="1">
+              <a:schemeClr val="accent1"/>
+            </a:fillRef>
+            <a:effectRef idx="0">
+              <a:schemeClr val="accent1"/>
+            </a:effectRef>
+            <a:fontRef idx="minor">
+              <a:schemeClr val="lt1"/>
+            </a:fontRef>
+          </p:style>
+          <p:txBody>
+            <a:bodyPr rtlCol="0" anchor="ctr"/>
+            <a:lstStyle/>
+            <a:p>
+              <a:pPr algn="ctr"/>
+              <a:endParaRPr lang="en-SG"/>
+            </a:p>
+          </p:txBody>
+        </p:sp>
+        <p:sp>
+          <p:nvSpPr>
+            <p:cNvPr id="43" name="Freeform 42"/>
+            <p:cNvSpPr/>
+            <p:nvPr/>
+          </p:nvSpPr>
+          <p:spPr>
+            <a:xfrm>
+              <a:off x="2278856" y="1209675"/>
+              <a:ext cx="173832" cy="219075"/>
+            </a:xfrm>
+            <a:custGeom>
+              <a:avLst/>
+              <a:gdLst>
+                <a:gd name="connsiteX0" fmla="*/ 66675 w 173832"/>
+                <a:gd name="connsiteY0" fmla="*/ 219075 h 219075"/>
+                <a:gd name="connsiteX1" fmla="*/ 173832 w 173832"/>
+                <a:gd name="connsiteY1" fmla="*/ 97631 h 219075"/>
+                <a:gd name="connsiteX2" fmla="*/ 0 w 173832"/>
+                <a:gd name="connsiteY2" fmla="*/ 0 h 219075"/>
+              </a:gdLst>
+              <a:ahLst/>
+              <a:cxnLst>
+                <a:cxn ang="0">
+                  <a:pos x="connsiteX0" y="connsiteY0"/>
+                </a:cxn>
+                <a:cxn ang="0">
+                  <a:pos x="connsiteX1" y="connsiteY1"/>
+                </a:cxn>
+                <a:cxn ang="0">
+                  <a:pos x="connsiteX2" y="connsiteY2"/>
+                </a:cxn>
+              </a:cxnLst>
+              <a:rect l="l" t="t" r="r" b="b"/>
+              <a:pathLst>
+                <a:path w="173832" h="219075">
+                  <a:moveTo>
+                    <a:pt x="66675" y="219075"/>
+                  </a:moveTo>
+                  <a:lnTo>
+                    <a:pt x="173832" y="97631"/>
+                  </a:lnTo>
+                  <a:lnTo>
+                    <a:pt x="0" y="0"/>
+                  </a:lnTo>
+                </a:path>
+              </a:pathLst>
+            </a:custGeom>
+            <a:noFill/>
+            <a:ln w="28575" cap="rnd">
+              <a:solidFill>
+                <a:schemeClr val="tx2"/>
+              </a:solidFill>
+              <a:tailEnd type="oval"/>
+            </a:ln>
+          </p:spPr>
+          <p:style>
+            <a:lnRef idx="2">
+              <a:schemeClr val="accent1">
+                <a:shade val="50000"/>
+              </a:schemeClr>
+            </a:lnRef>
+            <a:fillRef idx="1">
+              <a:schemeClr val="accent1"/>
+            </a:fillRef>
+            <a:effectRef idx="0">
+              <a:schemeClr val="accent1"/>
+            </a:effectRef>
+            <a:fontRef idx="minor">
+              <a:schemeClr val="lt1"/>
+            </a:fontRef>
+          </p:style>
+          <p:txBody>
+            <a:bodyPr rtlCol="0" anchor="ctr"/>
+            <a:lstStyle/>
+            <a:p>
+              <a:pPr algn="ctr"/>
+              <a:endParaRPr lang="en-SG"/>
+            </a:p>
+          </p:txBody>
+        </p:sp>
+        <p:sp>
+          <p:nvSpPr>
+            <p:cNvPr id="44" name="Freeform 43"/>
+            <p:cNvSpPr/>
+            <p:nvPr/>
+          </p:nvSpPr>
+          <p:spPr>
+            <a:xfrm>
+              <a:off x="1654805" y="1364140"/>
+              <a:ext cx="254737" cy="210360"/>
+            </a:xfrm>
+            <a:custGeom>
+              <a:avLst/>
+              <a:gdLst>
+                <a:gd name="connsiteX0" fmla="*/ 238069 w 238069"/>
+                <a:gd name="connsiteY0" fmla="*/ 0 h 248890"/>
+                <a:gd name="connsiteX1" fmla="*/ 0 w 238069"/>
+                <a:gd name="connsiteY1" fmla="*/ 108213 h 248890"/>
+                <a:gd name="connsiteX2" fmla="*/ 189373 w 238069"/>
+                <a:gd name="connsiteY2" fmla="*/ 229952 h 248890"/>
+                <a:gd name="connsiteX3" fmla="*/ 162320 w 238069"/>
+                <a:gd name="connsiteY3" fmla="*/ 248890 h 248890"/>
+                <a:gd name="connsiteX0" fmla="*/ 238069 w 238069"/>
+                <a:gd name="connsiteY0" fmla="*/ 0 h 290415"/>
+                <a:gd name="connsiteX1" fmla="*/ 0 w 238069"/>
+                <a:gd name="connsiteY1" fmla="*/ 108213 h 290415"/>
+                <a:gd name="connsiteX2" fmla="*/ 189373 w 238069"/>
+                <a:gd name="connsiteY2" fmla="*/ 229952 h 290415"/>
+                <a:gd name="connsiteX3" fmla="*/ 132562 w 238069"/>
+                <a:gd name="connsiteY3" fmla="*/ 290415 h 290415"/>
+                <a:gd name="connsiteX0" fmla="*/ 238069 w 238069"/>
+                <a:gd name="connsiteY0" fmla="*/ 0 h 280034"/>
+                <a:gd name="connsiteX1" fmla="*/ 0 w 238069"/>
+                <a:gd name="connsiteY1" fmla="*/ 108213 h 280034"/>
+                <a:gd name="connsiteX2" fmla="*/ 189373 w 238069"/>
+                <a:gd name="connsiteY2" fmla="*/ 229952 h 280034"/>
+                <a:gd name="connsiteX3" fmla="*/ 146088 w 238069"/>
+                <a:gd name="connsiteY3" fmla="*/ 280034 h 280034"/>
+                <a:gd name="connsiteX0" fmla="*/ 238069 w 238069"/>
+                <a:gd name="connsiteY0" fmla="*/ 0 h 266193"/>
+                <a:gd name="connsiteX1" fmla="*/ 0 w 238069"/>
+                <a:gd name="connsiteY1" fmla="*/ 108213 h 266193"/>
+                <a:gd name="connsiteX2" fmla="*/ 189373 w 238069"/>
+                <a:gd name="connsiteY2" fmla="*/ 229952 h 266193"/>
+                <a:gd name="connsiteX3" fmla="*/ 148794 w 238069"/>
+                <a:gd name="connsiteY3" fmla="*/ 266193 h 266193"/>
+                <a:gd name="connsiteX0" fmla="*/ 238069 w 238069"/>
+                <a:gd name="connsiteY0" fmla="*/ 0 h 229952"/>
+                <a:gd name="connsiteX1" fmla="*/ 0 w 238069"/>
+                <a:gd name="connsiteY1" fmla="*/ 108213 h 229952"/>
+                <a:gd name="connsiteX2" fmla="*/ 189373 w 238069"/>
+                <a:gd name="connsiteY2" fmla="*/ 229952 h 229952"/>
+                <a:gd name="connsiteX3" fmla="*/ 160701 w 238069"/>
+                <a:gd name="connsiteY3" fmla="*/ 205275 h 229952"/>
+                <a:gd name="connsiteX0" fmla="*/ 254737 w 254737"/>
+                <a:gd name="connsiteY0" fmla="*/ 0 h 215327"/>
+                <a:gd name="connsiteX1" fmla="*/ 0 w 254737"/>
+                <a:gd name="connsiteY1" fmla="*/ 93588 h 215327"/>
+                <a:gd name="connsiteX2" fmla="*/ 189373 w 254737"/>
+                <a:gd name="connsiteY2" fmla="*/ 215327 h 215327"/>
+                <a:gd name="connsiteX3" fmla="*/ 160701 w 254737"/>
+                <a:gd name="connsiteY3" fmla="*/ 190650 h 215327"/>
+              </a:gdLst>
+              <a:ahLst/>
+              <a:cxnLst>
+                <a:cxn ang="0">
+                  <a:pos x="connsiteX0" y="connsiteY0"/>
+                </a:cxn>
+                <a:cxn ang="0">
+                  <a:pos x="connsiteX1" y="connsiteY1"/>
+                </a:cxn>
+                <a:cxn ang="0">
+                  <a:pos x="connsiteX2" y="connsiteY2"/>
+                </a:cxn>
+                <a:cxn ang="0">
+                  <a:pos x="connsiteX3" y="connsiteY3"/>
+                </a:cxn>
+              </a:cxnLst>
+              <a:rect l="l" t="t" r="r" b="b"/>
+              <a:pathLst>
+                <a:path w="254737" h="215327">
+                  <a:moveTo>
+                    <a:pt x="254737" y="0"/>
+                  </a:moveTo>
+                  <a:lnTo>
+                    <a:pt x="0" y="93588"/>
+                  </a:lnTo>
+                  <a:lnTo>
+                    <a:pt x="189373" y="215327"/>
+                  </a:lnTo>
+                  <a:lnTo>
+                    <a:pt x="160701" y="190650"/>
+                  </a:lnTo>
+                </a:path>
+              </a:pathLst>
+            </a:custGeom>
+            <a:noFill/>
+            <a:ln w="28575" cap="rnd">
+              <a:solidFill>
+                <a:schemeClr val="tx2"/>
+              </a:solidFill>
+              <a:tailEnd type="oval"/>
+            </a:ln>
+          </p:spPr>
+          <p:style>
+            <a:lnRef idx="2">
+              <a:schemeClr val="accent1">
+                <a:shade val="50000"/>
+              </a:schemeClr>
+            </a:lnRef>
+            <a:fillRef idx="1">
+              <a:schemeClr val="accent1"/>
+            </a:fillRef>
+            <a:effectRef idx="0">
+              <a:schemeClr val="accent1"/>
+            </a:effectRef>
+            <a:fontRef idx="minor">
+              <a:schemeClr val="lt1"/>
+            </a:fontRef>
+          </p:style>
+          <p:txBody>
+            <a:bodyPr rtlCol="0" anchor="ctr"/>
+            <a:lstStyle/>
+            <a:p>
+              <a:pPr algn="ctr"/>
+              <a:endParaRPr lang="en-SG"/>
+            </a:p>
+          </p:txBody>
+        </p:sp>
+      </p:grpSp>
+    </p:spTree>
+    <p:extLst>
+      <p:ext uri="{BB962C8B-B14F-4D97-AF65-F5344CB8AC3E}">
+        <p14:creationId xmlns:p14="http://schemas.microsoft.com/office/powerpoint/2010/main" val="288084414"/>
+      </p:ext>
+    </p:extLst>
+  </p:cSld>
+  <p:clrMapOvr>
+    <a:masterClrMapping/>
+  </p:clrMapOvr>
+  <p:timing>
+    <p:tnLst>
+      <p:par>
+        <p:cTn id="1" dur="indefinite" restart="never" nodeType="tmRoot"/>
+      </p:par>
+    </p:tnLst>
+  </p:timing>
+</p:sld>
+</file>
+
+<file path=ppt/slides/slide4.xml><?xml version="1.0" encoding="utf-8"?>
+<p:sld xmlns:a="http://schemas.openxmlformats.org/drawingml/2006/main" xmlns:r="http://schemas.openxmlformats.org/officeDocument/2006/relationships" xmlns:p="http://schemas.openxmlformats.org/presentationml/2006/main">
+  <p:cSld>
+    <p:spTree>
+      <p:nvGrpSpPr>
+        <p:cNvPr id="1" name=""/>
+        <p:cNvGrpSpPr/>
+        <p:nvPr/>
+      </p:nvGrpSpPr>
+      <p:grpSpPr>
+        <a:xfrm>
+          <a:off x="0" y="0"/>
+          <a:ext cx="0" cy="0"/>
+          <a:chOff x="0" y="0"/>
+          <a:chExt cx="0" cy="0"/>
+        </a:xfrm>
+      </p:grpSpPr>
+      <p:grpSp>
+        <p:nvGrpSpPr>
+          <p:cNvPr id="5" name="Group 4"/>
+          <p:cNvGrpSpPr/>
+          <p:nvPr/>
+        </p:nvGrpSpPr>
+        <p:grpSpPr>
+          <a:xfrm>
+            <a:off x="798066" y="465652"/>
+            <a:ext cx="1114600" cy="716575"/>
+            <a:chOff x="798066" y="465652"/>
+            <a:chExt cx="1114600" cy="716575"/>
+          </a:xfrm>
+        </p:grpSpPr>
+        <p:grpSp>
+          <p:nvGrpSpPr>
+            <p:cNvPr id="23" name="Group 22"/>
+            <p:cNvGrpSpPr/>
+            <p:nvPr/>
+          </p:nvGrpSpPr>
+          <p:grpSpPr>
+            <a:xfrm>
+              <a:off x="800853" y="465652"/>
+              <a:ext cx="1069404" cy="688776"/>
+              <a:chOff x="710071" y="818142"/>
+              <a:chExt cx="1069404" cy="688776"/>
+            </a:xfrm>
+          </p:grpSpPr>
+          <p:sp>
+            <p:nvSpPr>
+              <p:cNvPr id="34" name="Flowchart: Connector 33"/>
+              <p:cNvSpPr/>
+              <p:nvPr/>
+            </p:nvSpPr>
+            <p:spPr>
+              <a:xfrm>
+                <a:off x="770784" y="818142"/>
+                <a:ext cx="342109" cy="336286"/>
+              </a:xfrm>
+              <a:prstGeom prst="flowChartConnector">
+                <a:avLst/>
+              </a:prstGeom>
+              <a:noFill/>
+              <a:ln w="28575">
+                <a:solidFill>
+                  <a:schemeClr val="tx2"/>
+                </a:solidFill>
+              </a:ln>
+            </p:spPr>
+            <p:style>
+              <a:lnRef idx="2">
+                <a:schemeClr val="accent1">
+                  <a:shade val="50000"/>
+                </a:schemeClr>
+              </a:lnRef>
+              <a:fillRef idx="1">
+                <a:schemeClr val="accent1"/>
+              </a:fillRef>
+              <a:effectRef idx="0">
+                <a:schemeClr val="accent1"/>
+              </a:effectRef>
+              <a:fontRef idx="minor">
+                <a:schemeClr val="lt1"/>
+              </a:fontRef>
+            </p:style>
+            <p:txBody>
+              <a:bodyPr rtlCol="0" anchor="ctr"/>
+              <a:lstStyle/>
+              <a:p>
+                <a:pPr algn="ctr"/>
+                <a:endParaRPr lang="en-SG"/>
+              </a:p>
+            </p:txBody>
+          </p:sp>
+          <p:sp>
+            <p:nvSpPr>
+              <p:cNvPr id="35" name="Flowchart: Delay 34"/>
+              <p:cNvSpPr/>
+              <p:nvPr/>
+            </p:nvSpPr>
+            <p:spPr>
+              <a:xfrm rot="16200000">
+                <a:off x="745717" y="1148524"/>
+                <a:ext cx="322748" cy="394039"/>
+              </a:xfrm>
+              <a:prstGeom prst="flowChartDelay">
+                <a:avLst/>
+              </a:prstGeom>
+              <a:noFill/>
+              <a:ln w="28575">
+                <a:solidFill>
+                  <a:schemeClr val="tx2"/>
+                </a:solidFill>
+              </a:ln>
+            </p:spPr>
+            <p:style>
+              <a:lnRef idx="2">
+                <a:schemeClr val="accent1">
+                  <a:shade val="50000"/>
+                </a:schemeClr>
+              </a:lnRef>
+              <a:fillRef idx="1">
+                <a:schemeClr val="accent1"/>
+              </a:fillRef>
+              <a:effectRef idx="0">
+                <a:schemeClr val="accent1"/>
+              </a:effectRef>
+              <a:fontRef idx="minor">
+                <a:schemeClr val="lt1"/>
+              </a:fontRef>
+            </p:style>
+            <p:txBody>
+              <a:bodyPr rtlCol="0" anchor="ctr"/>
+              <a:lstStyle/>
+              <a:p>
+                <a:pPr algn="ctr"/>
+                <a:endParaRPr lang="en-SG"/>
+              </a:p>
+            </p:txBody>
+          </p:sp>
+          <p:sp>
+            <p:nvSpPr>
+              <p:cNvPr id="36" name="Freeform 35"/>
+              <p:cNvSpPr/>
+              <p:nvPr/>
+            </p:nvSpPr>
+            <p:spPr>
+              <a:xfrm>
+                <a:off x="1087760" y="1062268"/>
+                <a:ext cx="77528" cy="29032"/>
+              </a:xfrm>
+              <a:custGeom>
+                <a:avLst/>
+                <a:gdLst>
+                  <a:gd name="connsiteX0" fmla="*/ 0 w 50006"/>
+                  <a:gd name="connsiteY0" fmla="*/ 0 h 19050"/>
+                  <a:gd name="connsiteX1" fmla="*/ 0 w 50006"/>
+                  <a:gd name="connsiteY1" fmla="*/ 0 h 19050"/>
+                  <a:gd name="connsiteX2" fmla="*/ 21431 w 50006"/>
+                  <a:gd name="connsiteY2" fmla="*/ 4762 h 19050"/>
+                  <a:gd name="connsiteX3" fmla="*/ 28575 w 50006"/>
+                  <a:gd name="connsiteY3" fmla="*/ 9525 h 19050"/>
+                  <a:gd name="connsiteX4" fmla="*/ 38100 w 50006"/>
+                  <a:gd name="connsiteY4" fmla="*/ 14287 h 19050"/>
+                  <a:gd name="connsiteX5" fmla="*/ 50006 w 50006"/>
+                  <a:gd name="connsiteY5" fmla="*/ 19050 h 19050"/>
+                </a:gdLst>
+                <a:ahLst/>
+                <a:cxnLst>
+                  <a:cxn ang="0">
+                    <a:pos x="connsiteX0" y="connsiteY0"/>
+                  </a:cxn>
+                  <a:cxn ang="0">
+                    <a:pos x="connsiteX1" y="connsiteY1"/>
+                  </a:cxn>
+                  <a:cxn ang="0">
+                    <a:pos x="connsiteX2" y="connsiteY2"/>
+                  </a:cxn>
+                  <a:cxn ang="0">
+                    <a:pos x="connsiteX3" y="connsiteY3"/>
+                  </a:cxn>
+                  <a:cxn ang="0">
+                    <a:pos x="connsiteX4" y="connsiteY4"/>
+                  </a:cxn>
+                  <a:cxn ang="0">
+                    <a:pos x="connsiteX5" y="connsiteY5"/>
+                  </a:cxn>
+                </a:cxnLst>
+                <a:rect l="l" t="t" r="r" b="b"/>
+                <a:pathLst>
+                  <a:path w="50006" h="19050">
+                    <a:moveTo>
+                      <a:pt x="0" y="0"/>
+                    </a:moveTo>
+                    <a:lnTo>
+                      <a:pt x="0" y="0"/>
+                    </a:lnTo>
+                    <a:cubicBezTo>
+                      <a:pt x="7144" y="1587"/>
+                      <a:pt x="14489" y="2448"/>
+                      <a:pt x="21431" y="4762"/>
+                    </a:cubicBezTo>
+                    <a:cubicBezTo>
+                      <a:pt x="24146" y="5667"/>
+                      <a:pt x="26090" y="8105"/>
+                      <a:pt x="28575" y="9525"/>
+                    </a:cubicBezTo>
+                    <a:cubicBezTo>
+                      <a:pt x="31657" y="11286"/>
+                      <a:pt x="34837" y="12889"/>
+                      <a:pt x="38100" y="14287"/>
+                    </a:cubicBezTo>
+                    <a:cubicBezTo>
+                      <a:pt x="58672" y="23103"/>
+                      <a:pt x="34691" y="11391"/>
+                      <a:pt x="50006" y="19050"/>
+                    </a:cubicBezTo>
+                  </a:path>
+                </a:pathLst>
+              </a:custGeom>
+              <a:noFill/>
+              <a:ln w="28575">
+                <a:solidFill>
+                  <a:schemeClr val="tx2"/>
+                </a:solidFill>
+              </a:ln>
+            </p:spPr>
+            <p:style>
+              <a:lnRef idx="2">
+                <a:schemeClr val="accent1">
+                  <a:shade val="50000"/>
+                </a:schemeClr>
+              </a:lnRef>
+              <a:fillRef idx="1">
+                <a:schemeClr val="accent1"/>
+              </a:fillRef>
+              <a:effectRef idx="0">
+                <a:schemeClr val="accent1"/>
+              </a:effectRef>
+              <a:fontRef idx="minor">
+                <a:schemeClr val="lt1"/>
+              </a:fontRef>
+            </p:style>
+            <p:txBody>
+              <a:bodyPr rtlCol="0" anchor="ctr"/>
+              <a:lstStyle/>
+              <a:p>
+                <a:pPr algn="ctr"/>
+                <a:endParaRPr lang="en-SG"/>
+              </a:p>
+            </p:txBody>
+          </p:sp>
+          <p:sp>
+            <p:nvSpPr>
+              <p:cNvPr id="2" name="Freeform 1"/>
+              <p:cNvSpPr/>
+              <p:nvPr/>
+            </p:nvSpPr>
+            <p:spPr>
+              <a:xfrm rot="20784184">
+                <a:off x="963571" y="1018492"/>
+                <a:ext cx="80391" cy="94854"/>
+              </a:xfrm>
+              <a:custGeom>
+                <a:avLst/>
+                <a:gdLst>
+                  <a:gd name="connsiteX0" fmla="*/ 80391 w 80391"/>
+                  <a:gd name="connsiteY0" fmla="*/ 94854 h 94854"/>
+                  <a:gd name="connsiteX1" fmla="*/ 8302 w 80391"/>
+                  <a:gd name="connsiteY1" fmla="*/ 60707 h 94854"/>
+                  <a:gd name="connsiteX2" fmla="*/ 4507 w 80391"/>
+                  <a:gd name="connsiteY2" fmla="*/ 0 h 94854"/>
+                </a:gdLst>
+                <a:ahLst/>
+                <a:cxnLst>
+                  <a:cxn ang="0">
+                    <a:pos x="connsiteX0" y="connsiteY0"/>
+                  </a:cxn>
+                  <a:cxn ang="0">
+                    <a:pos x="connsiteX1" y="connsiteY1"/>
+                  </a:cxn>
+                  <a:cxn ang="0">
+                    <a:pos x="connsiteX2" y="connsiteY2"/>
+                  </a:cxn>
+                </a:cxnLst>
+                <a:rect l="l" t="t" r="r" b="b"/>
+                <a:pathLst>
+                  <a:path w="80391" h="94854">
+                    <a:moveTo>
+                      <a:pt x="80391" y="94854"/>
+                    </a:moveTo>
+                    <a:cubicBezTo>
+                      <a:pt x="50670" y="85685"/>
+                      <a:pt x="20949" y="76516"/>
+                      <a:pt x="8302" y="60707"/>
+                    </a:cubicBezTo>
+                    <a:cubicBezTo>
+                      <a:pt x="-4345" y="44898"/>
+                      <a:pt x="81" y="22449"/>
+                      <a:pt x="4507" y="0"/>
+                    </a:cubicBezTo>
+                  </a:path>
+                </a:pathLst>
+              </a:custGeom>
+              <a:noFill/>
+              <a:ln w="28575" cap="rnd">
+                <a:solidFill>
+                  <a:schemeClr val="tx2"/>
+                </a:solidFill>
+              </a:ln>
+            </p:spPr>
+            <p:style>
+              <a:lnRef idx="2">
+                <a:schemeClr val="accent1">
+                  <a:shade val="50000"/>
+                </a:schemeClr>
+              </a:lnRef>
+              <a:fillRef idx="1">
+                <a:schemeClr val="accent1"/>
+              </a:fillRef>
+              <a:effectRef idx="0">
+                <a:schemeClr val="accent1"/>
+              </a:effectRef>
+              <a:fontRef idx="minor">
+                <a:schemeClr val="lt1"/>
+              </a:fontRef>
+            </p:style>
+            <p:txBody>
+              <a:bodyPr rtlCol="0" anchor="ctr"/>
+              <a:lstStyle/>
+              <a:p>
+                <a:pPr algn="ctr"/>
+                <a:endParaRPr lang="en-US"/>
+              </a:p>
+            </p:txBody>
+          </p:sp>
+          <p:sp>
+            <p:nvSpPr>
+              <p:cNvPr id="18" name="Flowchart: Connector 17"/>
+              <p:cNvSpPr/>
+              <p:nvPr/>
+            </p:nvSpPr>
+            <p:spPr>
+              <a:xfrm>
+                <a:off x="953548" y="894930"/>
+                <a:ext cx="70882" cy="69675"/>
+              </a:xfrm>
+              <a:prstGeom prst="flowChartConnector">
+                <a:avLst/>
+              </a:prstGeom>
+              <a:noFill/>
+              <a:ln w="28575">
+                <a:solidFill>
+                  <a:schemeClr val="tx2"/>
+                </a:solidFill>
+              </a:ln>
+            </p:spPr>
+            <p:style>
+              <a:lnRef idx="2">
+                <a:schemeClr val="accent1">
+                  <a:shade val="50000"/>
+                </a:schemeClr>
+              </a:lnRef>
+              <a:fillRef idx="1">
+                <a:schemeClr val="accent1"/>
+              </a:fillRef>
+              <a:effectRef idx="0">
+                <a:schemeClr val="accent1"/>
+              </a:effectRef>
+              <a:fontRef idx="minor">
+                <a:schemeClr val="lt1"/>
+              </a:fontRef>
+            </p:style>
+            <p:txBody>
+              <a:bodyPr rtlCol="0" anchor="ctr"/>
+              <a:lstStyle/>
+              <a:p>
+                <a:pPr algn="ctr"/>
+                <a:endParaRPr lang="en-SG"/>
+              </a:p>
+            </p:txBody>
+          </p:sp>
+          <p:grpSp>
+            <p:nvGrpSpPr>
+              <p:cNvPr id="22" name="Group 21"/>
+              <p:cNvGrpSpPr/>
+              <p:nvPr/>
+            </p:nvGrpSpPr>
+            <p:grpSpPr>
+              <a:xfrm rot="21055926">
+                <a:off x="1339348" y="1077701"/>
+                <a:ext cx="440127" cy="282384"/>
+                <a:chOff x="1339349" y="1121467"/>
+                <a:chExt cx="440127" cy="282384"/>
+              </a:xfrm>
+            </p:grpSpPr>
+            <p:sp>
+              <p:nvSpPr>
+                <p:cNvPr id="4" name="Rounded Rectangle 3"/>
+                <p:cNvSpPr/>
+                <p:nvPr/>
+              </p:nvSpPr>
+              <p:spPr>
+                <a:xfrm>
+                  <a:off x="1339349" y="1121467"/>
+                  <a:ext cx="440127" cy="282384"/>
+                </a:xfrm>
+                <a:prstGeom prst="roundRect">
+                  <a:avLst>
+                    <a:gd name="adj" fmla="val 0"/>
+                  </a:avLst>
+                </a:prstGeom>
+                <a:noFill/>
+                <a:ln w="28575" cap="rnd">
+                  <a:solidFill>
+                    <a:schemeClr val="accent6">
+                      <a:lumMod val="75000"/>
+                    </a:schemeClr>
+                  </a:solidFill>
+                </a:ln>
+              </p:spPr>
+              <p:style>
+                <a:lnRef idx="2">
+                  <a:schemeClr val="accent1">
+                    <a:shade val="50000"/>
+                  </a:schemeClr>
+                </a:lnRef>
+                <a:fillRef idx="1">
+                  <a:schemeClr val="accent1"/>
+                </a:fillRef>
+                <a:effectRef idx="0">
+                  <a:schemeClr val="accent1"/>
+                </a:effectRef>
+                <a:fontRef idx="minor">
+                  <a:schemeClr val="lt1"/>
+                </a:fontRef>
+              </p:style>
+              <p:txBody>
+                <a:bodyPr rtlCol="0" anchor="ctr"/>
+                <a:lstStyle/>
+                <a:p>
+                  <a:pPr algn="ctr"/>
+                  <a:endParaRPr lang="en-US"/>
+                </a:p>
+              </p:txBody>
+            </p:sp>
+            <p:sp>
+              <p:nvSpPr>
+                <p:cNvPr id="7" name="Freeform 6"/>
+                <p:cNvSpPr/>
+                <p:nvPr/>
+              </p:nvSpPr>
+              <p:spPr>
+                <a:xfrm>
+                  <a:off x="1345406" y="1126331"/>
+                  <a:ext cx="423863" cy="183357"/>
+                </a:xfrm>
+                <a:custGeom>
+                  <a:avLst/>
+                  <a:gdLst>
+                    <a:gd name="connsiteX0" fmla="*/ 0 w 423863"/>
+                    <a:gd name="connsiteY0" fmla="*/ 7144 h 183357"/>
+                    <a:gd name="connsiteX1" fmla="*/ 204788 w 423863"/>
+                    <a:gd name="connsiteY1" fmla="*/ 183357 h 183357"/>
+                    <a:gd name="connsiteX2" fmla="*/ 423863 w 423863"/>
+                    <a:gd name="connsiteY2" fmla="*/ 0 h 183357"/>
+                  </a:gdLst>
+                  <a:ahLst/>
+                  <a:cxnLst>
+                    <a:cxn ang="0">
+                      <a:pos x="connsiteX0" y="connsiteY0"/>
+                    </a:cxn>
+                    <a:cxn ang="0">
+                      <a:pos x="connsiteX1" y="connsiteY1"/>
+                    </a:cxn>
+                    <a:cxn ang="0">
+                      <a:pos x="connsiteX2" y="connsiteY2"/>
+                    </a:cxn>
+                  </a:cxnLst>
+                  <a:rect l="l" t="t" r="r" b="b"/>
+                  <a:pathLst>
+                    <a:path w="423863" h="183357">
+                      <a:moveTo>
+                        <a:pt x="0" y="7144"/>
+                      </a:moveTo>
+                      <a:lnTo>
+                        <a:pt x="204788" y="183357"/>
+                      </a:lnTo>
+                      <a:lnTo>
+                        <a:pt x="423863" y="0"/>
+                      </a:lnTo>
+                    </a:path>
+                  </a:pathLst>
+                </a:custGeom>
+                <a:noFill/>
+                <a:ln w="28575" cap="rnd">
+                  <a:solidFill>
+                    <a:schemeClr val="accent6">
+                      <a:lumMod val="75000"/>
+                    </a:schemeClr>
+                  </a:solidFill>
+                </a:ln>
+              </p:spPr>
+              <p:style>
+                <a:lnRef idx="2">
+                  <a:schemeClr val="accent1">
+                    <a:shade val="50000"/>
+                  </a:schemeClr>
+                </a:lnRef>
+                <a:fillRef idx="1">
+                  <a:schemeClr val="accent1"/>
+                </a:fillRef>
+                <a:effectRef idx="0">
+                  <a:schemeClr val="accent1"/>
+                </a:effectRef>
+                <a:fontRef idx="minor">
+                  <a:schemeClr val="lt1"/>
+                </a:fontRef>
+              </p:style>
+              <p:txBody>
+                <a:bodyPr rtlCol="0" anchor="ctr"/>
+                <a:lstStyle/>
+                <a:p>
+                  <a:pPr algn="ctr"/>
+                  <a:endParaRPr lang="en-US">
+                    <a:solidFill>
+                      <a:schemeClr val="lt1"/>
+                    </a:solidFill>
+                  </a:endParaRPr>
+                </a:p>
+              </p:txBody>
+            </p:sp>
+          </p:grpSp>
+          <p:sp>
+            <p:nvSpPr>
+              <p:cNvPr id="20" name="Freeform 19"/>
+              <p:cNvSpPr/>
+              <p:nvPr/>
+            </p:nvSpPr>
+            <p:spPr>
+              <a:xfrm>
+                <a:off x="1087760" y="1244495"/>
+                <a:ext cx="247795" cy="193503"/>
+              </a:xfrm>
+              <a:custGeom>
+                <a:avLst/>
+                <a:gdLst>
+                  <a:gd name="connsiteX0" fmla="*/ 0 w 231445"/>
+                  <a:gd name="connsiteY0" fmla="*/ 41736 h 193503"/>
+                  <a:gd name="connsiteX1" fmla="*/ 125208 w 231445"/>
+                  <a:gd name="connsiteY1" fmla="*/ 193503 h 193503"/>
+                  <a:gd name="connsiteX2" fmla="*/ 231445 w 231445"/>
+                  <a:gd name="connsiteY2" fmla="*/ 0 h 193503"/>
+                </a:gdLst>
+                <a:ahLst/>
+                <a:cxnLst>
+                  <a:cxn ang="0">
+                    <a:pos x="connsiteX0" y="connsiteY0"/>
+                  </a:cxn>
+                  <a:cxn ang="0">
+                    <a:pos x="connsiteX1" y="connsiteY1"/>
+                  </a:cxn>
+                  <a:cxn ang="0">
+                    <a:pos x="connsiteX2" y="connsiteY2"/>
+                  </a:cxn>
+                </a:cxnLst>
+                <a:rect l="l" t="t" r="r" b="b"/>
+                <a:pathLst>
+                  <a:path w="231445" h="193503">
+                    <a:moveTo>
+                      <a:pt x="0" y="41736"/>
+                    </a:moveTo>
+                    <a:lnTo>
+                      <a:pt x="125208" y="193503"/>
+                    </a:lnTo>
+                    <a:lnTo>
+                      <a:pt x="231445" y="0"/>
+                    </a:lnTo>
+                  </a:path>
+                </a:pathLst>
+              </a:custGeom>
+              <a:noFill/>
+              <a:ln w="28575" cap="rnd">
+                <a:solidFill>
+                  <a:schemeClr val="tx2"/>
+                </a:solidFill>
+                <a:tailEnd type="oval"/>
+              </a:ln>
+            </p:spPr>
+            <p:style>
+              <a:lnRef idx="2">
+                <a:schemeClr val="accent1">
+                  <a:shade val="50000"/>
+                </a:schemeClr>
+              </a:lnRef>
+              <a:fillRef idx="1">
+                <a:schemeClr val="accent1"/>
+              </a:fillRef>
+              <a:effectRef idx="0">
+                <a:schemeClr val="accent1"/>
+              </a:effectRef>
+              <a:fontRef idx="minor">
+                <a:schemeClr val="lt1"/>
+              </a:fontRef>
+            </p:style>
+            <p:txBody>
+              <a:bodyPr rtlCol="0" anchor="ctr"/>
+              <a:lstStyle/>
+              <a:p>
+                <a:pPr algn="ctr"/>
+                <a:endParaRPr lang="en-US">
+                  <a:solidFill>
+                    <a:schemeClr val="lt1"/>
+                  </a:solidFill>
+                </a:endParaRPr>
+              </a:p>
+            </p:txBody>
+          </p:sp>
+        </p:grpSp>
+        <p:sp>
+          <p:nvSpPr>
+            <p:cNvPr id="3" name="Rectangle 2"/>
+            <p:cNvSpPr/>
+            <p:nvPr/>
+          </p:nvSpPr>
+          <p:spPr>
+            <a:xfrm>
+              <a:off x="798066" y="1114594"/>
+              <a:ext cx="1114600" cy="67633"/>
+            </a:xfrm>
+            <a:prstGeom prst="rect">
+              <a:avLst/>
+            </a:prstGeom>
+            <a:noFill/>
+            <a:ln>
+              <a:noFill/>
+            </a:ln>
+          </p:spPr>
+          <p:style>
+            <a:lnRef idx="2">
+              <a:schemeClr val="accent1">
+                <a:shade val="50000"/>
+              </a:schemeClr>
+            </a:lnRef>
+            <a:fillRef idx="1">
+              <a:schemeClr val="accent1"/>
+            </a:fillRef>
+            <a:effectRef idx="0">
+              <a:schemeClr val="accent1"/>
+            </a:effectRef>
+            <a:fontRef idx="minor">
+              <a:schemeClr val="lt1"/>
+            </a:fontRef>
+          </p:style>
+          <p:txBody>
+            <a:bodyPr rtlCol="0" anchor="ctr"/>
+            <a:lstStyle/>
+            <a:p>
+              <a:pPr algn="ctr"/>
+              <a:endParaRPr lang="en-SG"/>
+            </a:p>
+          </p:txBody>
+        </p:sp>
+      </p:grpSp>
+    </p:spTree>
+    <p:extLst>
+      <p:ext uri="{BB962C8B-B14F-4D97-AF65-F5344CB8AC3E}">
+        <p14:creationId xmlns:p14="http://schemas.microsoft.com/office/powerpoint/2010/main" val="3716401697"/>
+      </p:ext>
+    </p:extLst>
+  </p:cSld>
+  <p:clrMapOvr>
+    <a:masterClrMapping/>
+  </p:clrMapOvr>
+  <p:timing>
+    <p:tnLst>
+      <p:par>
+        <p:cTn id="1" dur="indefinite" restart="never" nodeType="tmRoot"/>
+      </p:par>
+    </p:tnLst>
+  </p:timing>
+</p:sld>
+</file>
+
+<file path=ppt/slides/slide5.xml><?xml version="1.0" encoding="utf-8"?>
+<p:sld xmlns:a="http://schemas.openxmlformats.org/drawingml/2006/main" xmlns:r="http://schemas.openxmlformats.org/officeDocument/2006/relationships" xmlns:p="http://schemas.openxmlformats.org/presentationml/2006/main">
+  <p:cSld>
+    <p:spTree>
+      <p:nvGrpSpPr>
+        <p:cNvPr id="1" name=""/>
+        <p:cNvGrpSpPr/>
+        <p:nvPr/>
+      </p:nvGrpSpPr>
+      <p:grpSpPr>
+        <a:xfrm>
+          <a:off x="0" y="0"/>
+          <a:ext cx="0" cy="0"/>
+          <a:chOff x="0" y="0"/>
+          <a:chExt cx="0" cy="0"/>
+        </a:xfrm>
+      </p:grpSpPr>
+      <p:grpSp>
+        <p:nvGrpSpPr>
+          <p:cNvPr id="3" name="Group 2"/>
+          <p:cNvGrpSpPr/>
+          <p:nvPr/>
+        </p:nvGrpSpPr>
+        <p:grpSpPr>
+          <a:xfrm>
+            <a:off x="798066" y="465652"/>
+            <a:ext cx="1114600" cy="703050"/>
+            <a:chOff x="798066" y="465652"/>
+            <a:chExt cx="1114600" cy="703050"/>
+          </a:xfrm>
+        </p:grpSpPr>
+        <p:grpSp>
+          <p:nvGrpSpPr>
+            <p:cNvPr id="10" name="Group 9"/>
+            <p:cNvGrpSpPr/>
+            <p:nvPr/>
+          </p:nvGrpSpPr>
+          <p:grpSpPr>
+            <a:xfrm>
+              <a:off x="800853" y="465652"/>
+              <a:ext cx="1039331" cy="688776"/>
+              <a:chOff x="800853" y="465652"/>
+              <a:chExt cx="1039331" cy="688776"/>
+            </a:xfrm>
+          </p:grpSpPr>
+          <p:sp>
+            <p:nvSpPr>
+              <p:cNvPr id="34" name="Flowchart: Connector 33"/>
+              <p:cNvSpPr/>
+              <p:nvPr/>
+            </p:nvSpPr>
+            <p:spPr>
+              <a:xfrm>
+                <a:off x="861566" y="465652"/>
+                <a:ext cx="342109" cy="336286"/>
+              </a:xfrm>
+              <a:prstGeom prst="flowChartConnector">
+                <a:avLst/>
+              </a:prstGeom>
+              <a:noFill/>
+              <a:ln w="28575">
+                <a:solidFill>
+                  <a:schemeClr val="tx2"/>
+                </a:solidFill>
+              </a:ln>
+            </p:spPr>
+            <p:style>
+              <a:lnRef idx="2">
+                <a:schemeClr val="accent1">
+                  <a:shade val="50000"/>
+                </a:schemeClr>
+              </a:lnRef>
+              <a:fillRef idx="1">
+                <a:schemeClr val="accent1"/>
+              </a:fillRef>
+              <a:effectRef idx="0">
+                <a:schemeClr val="accent1"/>
+              </a:effectRef>
+              <a:fontRef idx="minor">
+                <a:schemeClr val="lt1"/>
+              </a:fontRef>
+            </p:style>
+            <p:txBody>
+              <a:bodyPr rtlCol="0" anchor="ctr"/>
+              <a:lstStyle/>
+              <a:p>
+                <a:pPr algn="ctr"/>
+                <a:endParaRPr lang="en-SG"/>
+              </a:p>
+            </p:txBody>
+          </p:sp>
+          <p:sp>
+            <p:nvSpPr>
+              <p:cNvPr id="35" name="Flowchart: Delay 34"/>
+              <p:cNvSpPr/>
+              <p:nvPr/>
+            </p:nvSpPr>
+            <p:spPr>
+              <a:xfrm rot="16200000">
+                <a:off x="836499" y="796034"/>
+                <a:ext cx="322748" cy="394039"/>
+              </a:xfrm>
+              <a:prstGeom prst="flowChartDelay">
+                <a:avLst/>
+              </a:prstGeom>
+              <a:noFill/>
+              <a:ln w="28575">
+                <a:solidFill>
+                  <a:schemeClr val="tx2"/>
+                </a:solidFill>
+              </a:ln>
+            </p:spPr>
+            <p:style>
+              <a:lnRef idx="2">
+                <a:schemeClr val="accent1">
+                  <a:shade val="50000"/>
+                </a:schemeClr>
+              </a:lnRef>
+              <a:fillRef idx="1">
+                <a:schemeClr val="accent1"/>
+              </a:fillRef>
+              <a:effectRef idx="0">
+                <a:schemeClr val="accent1"/>
+              </a:effectRef>
+              <a:fontRef idx="minor">
+                <a:schemeClr val="lt1"/>
+              </a:fontRef>
+            </p:style>
+            <p:txBody>
+              <a:bodyPr rtlCol="0" anchor="ctr"/>
+              <a:lstStyle/>
+              <a:p>
+                <a:pPr algn="ctr"/>
+                <a:endParaRPr lang="en-SG"/>
+              </a:p>
+            </p:txBody>
+          </p:sp>
+          <p:sp>
+            <p:nvSpPr>
+              <p:cNvPr id="36" name="Freeform 35"/>
+              <p:cNvSpPr/>
+              <p:nvPr/>
+            </p:nvSpPr>
+            <p:spPr>
+              <a:xfrm>
+                <a:off x="1178542" y="709778"/>
+                <a:ext cx="77528" cy="29032"/>
+              </a:xfrm>
+              <a:custGeom>
+                <a:avLst/>
+                <a:gdLst>
+                  <a:gd name="connsiteX0" fmla="*/ 0 w 50006"/>
+                  <a:gd name="connsiteY0" fmla="*/ 0 h 19050"/>
+                  <a:gd name="connsiteX1" fmla="*/ 0 w 50006"/>
+                  <a:gd name="connsiteY1" fmla="*/ 0 h 19050"/>
+                  <a:gd name="connsiteX2" fmla="*/ 21431 w 50006"/>
+                  <a:gd name="connsiteY2" fmla="*/ 4762 h 19050"/>
+                  <a:gd name="connsiteX3" fmla="*/ 28575 w 50006"/>
+                  <a:gd name="connsiteY3" fmla="*/ 9525 h 19050"/>
+                  <a:gd name="connsiteX4" fmla="*/ 38100 w 50006"/>
+                  <a:gd name="connsiteY4" fmla="*/ 14287 h 19050"/>
+                  <a:gd name="connsiteX5" fmla="*/ 50006 w 50006"/>
+                  <a:gd name="connsiteY5" fmla="*/ 19050 h 19050"/>
+                </a:gdLst>
+                <a:ahLst/>
+                <a:cxnLst>
+                  <a:cxn ang="0">
+                    <a:pos x="connsiteX0" y="connsiteY0"/>
+                  </a:cxn>
+                  <a:cxn ang="0">
+                    <a:pos x="connsiteX1" y="connsiteY1"/>
+                  </a:cxn>
+                  <a:cxn ang="0">
+                    <a:pos x="connsiteX2" y="connsiteY2"/>
+                  </a:cxn>
+                  <a:cxn ang="0">
+                    <a:pos x="connsiteX3" y="connsiteY3"/>
+                  </a:cxn>
+                  <a:cxn ang="0">
+                    <a:pos x="connsiteX4" y="connsiteY4"/>
+                  </a:cxn>
+                  <a:cxn ang="0">
+                    <a:pos x="connsiteX5" y="connsiteY5"/>
+                  </a:cxn>
+                </a:cxnLst>
+                <a:rect l="l" t="t" r="r" b="b"/>
+                <a:pathLst>
+                  <a:path w="50006" h="19050">
+                    <a:moveTo>
+                      <a:pt x="0" y="0"/>
+                    </a:moveTo>
+                    <a:lnTo>
+                      <a:pt x="0" y="0"/>
+                    </a:lnTo>
+                    <a:cubicBezTo>
+                      <a:pt x="7144" y="1587"/>
+                      <a:pt x="14489" y="2448"/>
+                      <a:pt x="21431" y="4762"/>
+                    </a:cubicBezTo>
+                    <a:cubicBezTo>
+                      <a:pt x="24146" y="5667"/>
+                      <a:pt x="26090" y="8105"/>
+                      <a:pt x="28575" y="9525"/>
+                    </a:cubicBezTo>
+                    <a:cubicBezTo>
+                      <a:pt x="31657" y="11286"/>
+                      <a:pt x="34837" y="12889"/>
+                      <a:pt x="38100" y="14287"/>
+                    </a:cubicBezTo>
+                    <a:cubicBezTo>
+                      <a:pt x="58672" y="23103"/>
+                      <a:pt x="34691" y="11391"/>
+                      <a:pt x="50006" y="19050"/>
+                    </a:cubicBezTo>
+                  </a:path>
+                </a:pathLst>
+              </a:custGeom>
+              <a:noFill/>
+              <a:ln w="28575">
+                <a:solidFill>
+                  <a:schemeClr val="tx2"/>
+                </a:solidFill>
+              </a:ln>
+            </p:spPr>
+            <p:style>
+              <a:lnRef idx="2">
+                <a:schemeClr val="accent1">
+                  <a:shade val="50000"/>
+                </a:schemeClr>
+              </a:lnRef>
+              <a:fillRef idx="1">
+                <a:schemeClr val="accent1"/>
+              </a:fillRef>
+              <a:effectRef idx="0">
+                <a:schemeClr val="accent1"/>
+              </a:effectRef>
+              <a:fontRef idx="minor">
+                <a:schemeClr val="lt1"/>
+              </a:fontRef>
+            </p:style>
+            <p:txBody>
+              <a:bodyPr rtlCol="0" anchor="ctr"/>
+              <a:lstStyle/>
+              <a:p>
+                <a:pPr algn="ctr"/>
+                <a:endParaRPr lang="en-SG"/>
+              </a:p>
+            </p:txBody>
+          </p:sp>
+          <p:sp>
+            <p:nvSpPr>
+              <p:cNvPr id="2" name="Freeform 1"/>
+              <p:cNvSpPr/>
+              <p:nvPr/>
+            </p:nvSpPr>
+            <p:spPr>
+              <a:xfrm rot="20784184">
+                <a:off x="1054353" y="666002"/>
+                <a:ext cx="80391" cy="94854"/>
+              </a:xfrm>
+              <a:custGeom>
+                <a:avLst/>
+                <a:gdLst>
+                  <a:gd name="connsiteX0" fmla="*/ 80391 w 80391"/>
+                  <a:gd name="connsiteY0" fmla="*/ 94854 h 94854"/>
+                  <a:gd name="connsiteX1" fmla="*/ 8302 w 80391"/>
+                  <a:gd name="connsiteY1" fmla="*/ 60707 h 94854"/>
+                  <a:gd name="connsiteX2" fmla="*/ 4507 w 80391"/>
+                  <a:gd name="connsiteY2" fmla="*/ 0 h 94854"/>
+                </a:gdLst>
+                <a:ahLst/>
+                <a:cxnLst>
+                  <a:cxn ang="0">
+                    <a:pos x="connsiteX0" y="connsiteY0"/>
+                  </a:cxn>
+                  <a:cxn ang="0">
+                    <a:pos x="connsiteX1" y="connsiteY1"/>
+                  </a:cxn>
+                  <a:cxn ang="0">
+                    <a:pos x="connsiteX2" y="connsiteY2"/>
+                  </a:cxn>
+                </a:cxnLst>
+                <a:rect l="l" t="t" r="r" b="b"/>
+                <a:pathLst>
+                  <a:path w="80391" h="94854">
+                    <a:moveTo>
+                      <a:pt x="80391" y="94854"/>
+                    </a:moveTo>
+                    <a:cubicBezTo>
+                      <a:pt x="50670" y="85685"/>
+                      <a:pt x="20949" y="76516"/>
+                      <a:pt x="8302" y="60707"/>
+                    </a:cubicBezTo>
+                    <a:cubicBezTo>
+                      <a:pt x="-4345" y="44898"/>
+                      <a:pt x="81" y="22449"/>
+                      <a:pt x="4507" y="0"/>
+                    </a:cubicBezTo>
+                  </a:path>
+                </a:pathLst>
+              </a:custGeom>
+              <a:noFill/>
+              <a:ln w="28575" cap="rnd">
+                <a:solidFill>
+                  <a:schemeClr val="tx2"/>
+                </a:solidFill>
+              </a:ln>
+            </p:spPr>
+            <p:style>
+              <a:lnRef idx="2">
+                <a:schemeClr val="accent1">
+                  <a:shade val="50000"/>
+                </a:schemeClr>
+              </a:lnRef>
+              <a:fillRef idx="1">
+                <a:schemeClr val="accent1"/>
+              </a:fillRef>
+              <a:effectRef idx="0">
+                <a:schemeClr val="accent1"/>
+              </a:effectRef>
+              <a:fontRef idx="minor">
+                <a:schemeClr val="lt1"/>
+              </a:fontRef>
+            </p:style>
+            <p:txBody>
+              <a:bodyPr rtlCol="0" anchor="ctr"/>
+              <a:lstStyle/>
+              <a:p>
+                <a:pPr algn="ctr"/>
+                <a:endParaRPr lang="en-US"/>
+              </a:p>
+            </p:txBody>
+          </p:sp>
+          <p:sp>
+            <p:nvSpPr>
+              <p:cNvPr id="18" name="Flowchart: Connector 17"/>
+              <p:cNvSpPr/>
+              <p:nvPr/>
+            </p:nvSpPr>
+            <p:spPr>
+              <a:xfrm>
+                <a:off x="1044330" y="542440"/>
+                <a:ext cx="70882" cy="69675"/>
+              </a:xfrm>
+              <a:prstGeom prst="flowChartConnector">
+                <a:avLst/>
+              </a:prstGeom>
+              <a:noFill/>
+              <a:ln w="28575">
+                <a:solidFill>
+                  <a:schemeClr val="tx2"/>
+                </a:solidFill>
+              </a:ln>
+            </p:spPr>
+            <p:style>
+              <a:lnRef idx="2">
+                <a:schemeClr val="accent1">
+                  <a:shade val="50000"/>
+                </a:schemeClr>
+              </a:lnRef>
+              <a:fillRef idx="1">
+                <a:schemeClr val="accent1"/>
+              </a:fillRef>
+              <a:effectRef idx="0">
+                <a:schemeClr val="accent1"/>
+              </a:effectRef>
+              <a:fontRef idx="minor">
+                <a:schemeClr val="lt1"/>
+              </a:fontRef>
+            </p:style>
+            <p:txBody>
+              <a:bodyPr rtlCol="0" anchor="ctr"/>
+              <a:lstStyle/>
+              <a:p>
+                <a:pPr algn="ctr"/>
+                <a:endParaRPr lang="en-SG"/>
+              </a:p>
+            </p:txBody>
+          </p:sp>
+          <p:sp>
+            <p:nvSpPr>
+              <p:cNvPr id="4" name="Rounded Rectangle 3"/>
+              <p:cNvSpPr/>
+              <p:nvPr/>
+            </p:nvSpPr>
+            <p:spPr>
+              <a:xfrm>
+                <a:off x="1487043" y="660353"/>
+                <a:ext cx="353141" cy="394039"/>
+              </a:xfrm>
+              <a:prstGeom prst="roundRect">
+                <a:avLst>
+                  <a:gd name="adj" fmla="val 0"/>
+                </a:avLst>
+              </a:prstGeom>
+              <a:noFill/>
+              <a:ln w="28575" cap="rnd">
+                <a:solidFill>
+                  <a:schemeClr val="accent6">
+                    <a:lumMod val="75000"/>
+                  </a:schemeClr>
+                </a:solidFill>
+              </a:ln>
+            </p:spPr>
+            <p:style>
+              <a:lnRef idx="2">
+                <a:schemeClr val="accent1">
+                  <a:shade val="50000"/>
+                </a:schemeClr>
+              </a:lnRef>
+              <a:fillRef idx="1">
+                <a:schemeClr val="accent1"/>
+              </a:fillRef>
+              <a:effectRef idx="0">
+                <a:schemeClr val="accent1"/>
+              </a:effectRef>
+              <a:fontRef idx="minor">
+                <a:schemeClr val="lt1"/>
+              </a:fontRef>
+            </p:style>
+            <p:txBody>
+              <a:bodyPr rtlCol="0" anchor="ctr"/>
+              <a:lstStyle/>
+              <a:p>
+                <a:pPr algn="ctr"/>
+                <a:endParaRPr lang="en-US"/>
+              </a:p>
+            </p:txBody>
+          </p:sp>
+          <p:sp>
+            <p:nvSpPr>
+              <p:cNvPr id="20" name="Freeform 19"/>
+              <p:cNvSpPr/>
+              <p:nvPr/>
+            </p:nvSpPr>
+            <p:spPr>
+              <a:xfrm>
+                <a:off x="1178542" y="892005"/>
+                <a:ext cx="247795" cy="193503"/>
+              </a:xfrm>
+              <a:custGeom>
+                <a:avLst/>
+                <a:gdLst>
+                  <a:gd name="connsiteX0" fmla="*/ 0 w 231445"/>
+                  <a:gd name="connsiteY0" fmla="*/ 41736 h 193503"/>
+                  <a:gd name="connsiteX1" fmla="*/ 125208 w 231445"/>
+                  <a:gd name="connsiteY1" fmla="*/ 193503 h 193503"/>
+                  <a:gd name="connsiteX2" fmla="*/ 231445 w 231445"/>
+                  <a:gd name="connsiteY2" fmla="*/ 0 h 193503"/>
+                </a:gdLst>
+                <a:ahLst/>
+                <a:cxnLst>
+                  <a:cxn ang="0">
+                    <a:pos x="connsiteX0" y="connsiteY0"/>
+                  </a:cxn>
+                  <a:cxn ang="0">
+                    <a:pos x="connsiteX1" y="connsiteY1"/>
+                  </a:cxn>
+                  <a:cxn ang="0">
+                    <a:pos x="connsiteX2" y="connsiteY2"/>
+                  </a:cxn>
+                </a:cxnLst>
+                <a:rect l="l" t="t" r="r" b="b"/>
+                <a:pathLst>
+                  <a:path w="231445" h="193503">
+                    <a:moveTo>
+                      <a:pt x="0" y="41736"/>
+                    </a:moveTo>
+                    <a:lnTo>
+                      <a:pt x="125208" y="193503"/>
+                    </a:lnTo>
+                    <a:lnTo>
+                      <a:pt x="231445" y="0"/>
+                    </a:lnTo>
+                  </a:path>
+                </a:pathLst>
+              </a:custGeom>
+              <a:noFill/>
+              <a:ln w="28575" cap="rnd">
+                <a:solidFill>
+                  <a:schemeClr val="tx2"/>
+                </a:solidFill>
+                <a:tailEnd type="oval"/>
+              </a:ln>
+            </p:spPr>
+            <p:style>
+              <a:lnRef idx="2">
+                <a:schemeClr val="accent1">
+                  <a:shade val="50000"/>
+                </a:schemeClr>
+              </a:lnRef>
+              <a:fillRef idx="1">
+                <a:schemeClr val="accent1"/>
+              </a:fillRef>
+              <a:effectRef idx="0">
+                <a:schemeClr val="accent1"/>
+              </a:effectRef>
+              <a:fontRef idx="minor">
+                <a:schemeClr val="lt1"/>
+              </a:fontRef>
+            </p:style>
+            <p:txBody>
+              <a:bodyPr rtlCol="0" anchor="ctr"/>
+              <a:lstStyle/>
+              <a:p>
+                <a:pPr algn="ctr"/>
+                <a:endParaRPr lang="en-US">
+                  <a:solidFill>
+                    <a:schemeClr val="lt1"/>
+                  </a:solidFill>
+                </a:endParaRPr>
+              </a:p>
+            </p:txBody>
+          </p:sp>
+          <p:cxnSp>
+            <p:nvCxnSpPr>
+              <p:cNvPr id="5" name="Straight Connector 4"/>
+              <p:cNvCxnSpPr/>
+              <p:nvPr/>
+            </p:nvCxnSpPr>
+            <p:spPr>
+              <a:xfrm>
+                <a:off x="1536648" y="709778"/>
+                <a:ext cx="246622" cy="0"/>
+              </a:xfrm>
+              <a:prstGeom prst="line">
+                <a:avLst/>
+              </a:prstGeom>
+              <a:ln>
+                <a:solidFill>
+                  <a:schemeClr val="accent6">
+                    <a:lumMod val="75000"/>
+                  </a:schemeClr>
+                </a:solidFill>
+              </a:ln>
+            </p:spPr>
+            <p:style>
+              <a:lnRef idx="1">
+                <a:schemeClr val="accent1"/>
+              </a:lnRef>
+              <a:fillRef idx="0">
+                <a:schemeClr val="accent1"/>
+              </a:fillRef>
+              <a:effectRef idx="0">
+                <a:schemeClr val="accent1"/>
+              </a:effectRef>
+              <a:fontRef idx="minor">
+                <a:schemeClr val="tx1"/>
+              </a:fontRef>
+            </p:style>
+          </p:cxnSp>
+          <p:cxnSp>
+            <p:nvCxnSpPr>
+              <p:cNvPr id="14" name="Straight Connector 13"/>
+              <p:cNvCxnSpPr/>
+              <p:nvPr/>
+            </p:nvCxnSpPr>
+            <p:spPr>
+              <a:xfrm>
+                <a:off x="1536648" y="768891"/>
+                <a:ext cx="246622" cy="0"/>
+              </a:xfrm>
+              <a:prstGeom prst="line">
+                <a:avLst/>
+              </a:prstGeom>
+              <a:ln>
+                <a:solidFill>
+                  <a:schemeClr val="accent6">
+                    <a:lumMod val="75000"/>
+                  </a:schemeClr>
+                </a:solidFill>
+              </a:ln>
+            </p:spPr>
+            <p:style>
+              <a:lnRef idx="1">
+                <a:schemeClr val="accent1"/>
+              </a:lnRef>
+              <a:fillRef idx="0">
+                <a:schemeClr val="accent1"/>
+              </a:fillRef>
+              <a:effectRef idx="0">
+                <a:schemeClr val="accent1"/>
+              </a:effectRef>
+              <a:fontRef idx="minor">
+                <a:schemeClr val="tx1"/>
+              </a:fontRef>
+            </p:style>
+          </p:cxnSp>
+          <p:cxnSp>
+            <p:nvCxnSpPr>
+              <p:cNvPr id="15" name="Straight Connector 14"/>
+              <p:cNvCxnSpPr/>
+              <p:nvPr/>
+            </p:nvCxnSpPr>
+            <p:spPr>
+              <a:xfrm>
+                <a:off x="1536648" y="828004"/>
+                <a:ext cx="246622" cy="0"/>
+              </a:xfrm>
+              <a:prstGeom prst="line">
+                <a:avLst/>
+              </a:prstGeom>
+              <a:ln>
+                <a:solidFill>
+                  <a:schemeClr val="accent6">
+                    <a:lumMod val="75000"/>
+                  </a:schemeClr>
+                </a:solidFill>
+              </a:ln>
+            </p:spPr>
+            <p:style>
+              <a:lnRef idx="1">
+                <a:schemeClr val="accent1"/>
+              </a:lnRef>
+              <a:fillRef idx="0">
+                <a:schemeClr val="accent1"/>
+              </a:fillRef>
+              <a:effectRef idx="0">
+                <a:schemeClr val="accent1"/>
+              </a:effectRef>
+              <a:fontRef idx="minor">
+                <a:schemeClr val="tx1"/>
+              </a:fontRef>
+            </p:style>
+          </p:cxnSp>
+          <p:cxnSp>
+            <p:nvCxnSpPr>
+              <p:cNvPr id="16" name="Straight Connector 15"/>
+              <p:cNvCxnSpPr/>
+              <p:nvPr/>
+            </p:nvCxnSpPr>
+            <p:spPr>
+              <a:xfrm>
+                <a:off x="1536648" y="887117"/>
+                <a:ext cx="246622" cy="0"/>
+              </a:xfrm>
+              <a:prstGeom prst="line">
+                <a:avLst/>
+              </a:prstGeom>
+              <a:ln>
+                <a:solidFill>
+                  <a:schemeClr val="accent6">
+                    <a:lumMod val="75000"/>
+                  </a:schemeClr>
+                </a:solidFill>
+              </a:ln>
+            </p:spPr>
+            <p:style>
+              <a:lnRef idx="1">
+                <a:schemeClr val="accent1"/>
+              </a:lnRef>
+              <a:fillRef idx="0">
+                <a:schemeClr val="accent1"/>
+              </a:fillRef>
+              <a:effectRef idx="0">
+                <a:schemeClr val="accent1"/>
+              </a:effectRef>
+              <a:fontRef idx="minor">
+                <a:schemeClr val="tx1"/>
+              </a:fontRef>
+            </p:style>
+          </p:cxnSp>
+          <p:sp>
+            <p:nvSpPr>
+              <p:cNvPr id="6" name="Pentagon 5"/>
+              <p:cNvSpPr/>
+              <p:nvPr/>
+            </p:nvSpPr>
+            <p:spPr>
+              <a:xfrm rot="2240143">
+                <a:off x="1282872" y="869145"/>
+                <a:ext cx="326300" cy="45719"/>
+              </a:xfrm>
+              <a:prstGeom prst="homePlate">
+                <a:avLst/>
+              </a:prstGeom>
+              <a:solidFill>
+                <a:schemeClr val="tx2"/>
+              </a:solidFill>
+              <a:ln>
+                <a:noFill/>
+              </a:ln>
+            </p:spPr>
+            <p:style>
+              <a:lnRef idx="2">
+                <a:schemeClr val="accent1">
+                  <a:shade val="50000"/>
+                </a:schemeClr>
+              </a:lnRef>
+              <a:fillRef idx="1">
+                <a:schemeClr val="accent1"/>
+              </a:fillRef>
+              <a:effectRef idx="0">
+                <a:schemeClr val="accent1"/>
+              </a:effectRef>
+              <a:fontRef idx="minor">
+                <a:schemeClr val="lt1"/>
+              </a:fontRef>
+            </p:style>
+            <p:txBody>
+              <a:bodyPr rtlCol="0" anchor="ctr"/>
+              <a:lstStyle/>
+              <a:p>
+                <a:pPr algn="ctr"/>
+                <a:endParaRPr lang="en-US"/>
+              </a:p>
+            </p:txBody>
+          </p:sp>
+          <p:sp>
+            <p:nvSpPr>
+              <p:cNvPr id="8" name="Freeform 7"/>
+              <p:cNvSpPr/>
+              <p:nvPr/>
+            </p:nvSpPr>
+            <p:spPr>
+              <a:xfrm>
+                <a:off x="1608737" y="937165"/>
+                <a:ext cx="106237" cy="75884"/>
+              </a:xfrm>
+              <a:custGeom>
+                <a:avLst/>
+                <a:gdLst>
+                  <a:gd name="connsiteX0" fmla="*/ 0 w 106237"/>
+                  <a:gd name="connsiteY0" fmla="*/ 26559 h 75884"/>
+                  <a:gd name="connsiteX1" fmla="*/ 30353 w 106237"/>
+                  <a:gd name="connsiteY1" fmla="*/ 75884 h 75884"/>
+                  <a:gd name="connsiteX2" fmla="*/ 106237 w 106237"/>
+                  <a:gd name="connsiteY2" fmla="*/ 0 h 75884"/>
+                </a:gdLst>
+                <a:ahLst/>
+                <a:cxnLst>
+                  <a:cxn ang="0">
+                    <a:pos x="connsiteX0" y="connsiteY0"/>
+                  </a:cxn>
+                  <a:cxn ang="0">
+                    <a:pos x="connsiteX1" y="connsiteY1"/>
+                  </a:cxn>
+                  <a:cxn ang="0">
+                    <a:pos x="connsiteX2" y="connsiteY2"/>
+                  </a:cxn>
+                </a:cxnLst>
+                <a:rect l="l" t="t" r="r" b="b"/>
+                <a:pathLst>
+                  <a:path w="106237" h="75884">
+                    <a:moveTo>
+                      <a:pt x="0" y="26559"/>
+                    </a:moveTo>
+                    <a:lnTo>
+                      <a:pt x="30353" y="75884"/>
+                    </a:lnTo>
+                    <a:lnTo>
+                      <a:pt x="106237" y="0"/>
+                    </a:lnTo>
+                  </a:path>
+                </a:pathLst>
+              </a:custGeom>
+              <a:noFill/>
+              <a:ln w="28575" cap="rnd">
+                <a:solidFill>
+                  <a:srgbClr val="00B050"/>
+                </a:solidFill>
+              </a:ln>
+            </p:spPr>
+            <p:style>
+              <a:lnRef idx="2">
+                <a:schemeClr val="accent1">
+                  <a:shade val="50000"/>
+                </a:schemeClr>
+              </a:lnRef>
+              <a:fillRef idx="1">
+                <a:schemeClr val="accent1"/>
+              </a:fillRef>
+              <a:effectRef idx="0">
+                <a:schemeClr val="accent1"/>
+              </a:effectRef>
+              <a:fontRef idx="minor">
+                <a:schemeClr val="lt1"/>
+              </a:fontRef>
+            </p:style>
+            <p:txBody>
+              <a:bodyPr rtlCol="0" anchor="ctr"/>
+              <a:lstStyle/>
+              <a:p>
+                <a:pPr algn="ctr"/>
+                <a:endParaRPr lang="en-US">
+                  <a:solidFill>
+                    <a:schemeClr val="lt1"/>
+                  </a:solidFill>
+                </a:endParaRPr>
+              </a:p>
+            </p:txBody>
+          </p:sp>
+        </p:grpSp>
+        <p:sp>
+          <p:nvSpPr>
+            <p:cNvPr id="17" name="Rectangle 16"/>
+            <p:cNvSpPr/>
+            <p:nvPr/>
+          </p:nvSpPr>
+          <p:spPr>
+            <a:xfrm>
+              <a:off x="798066" y="1101069"/>
+              <a:ext cx="1114600" cy="67633"/>
+            </a:xfrm>
+            <a:prstGeom prst="rect">
+              <a:avLst/>
+            </a:prstGeom>
+            <a:noFill/>
+            <a:ln>
+              <a:noFill/>
+            </a:ln>
+          </p:spPr>
+          <p:style>
+            <a:lnRef idx="2">
+              <a:schemeClr val="accent1">
+                <a:shade val="50000"/>
+              </a:schemeClr>
+            </a:lnRef>
+            <a:fillRef idx="1">
+              <a:schemeClr val="accent1"/>
+            </a:fillRef>
+            <a:effectRef idx="0">
+              <a:schemeClr val="accent1"/>
+            </a:effectRef>
+            <a:fontRef idx="minor">
+              <a:schemeClr val="lt1"/>
+            </a:fontRef>
+          </p:style>
+          <p:txBody>
+            <a:bodyPr rtlCol="0" anchor="ctr"/>
+            <a:lstStyle/>
+            <a:p>
+              <a:pPr algn="ctr"/>
+              <a:endParaRPr lang="en-SG"/>
+            </a:p>
+          </p:txBody>
+        </p:sp>
+      </p:grpSp>
+    </p:spTree>
+    <p:extLst>
+      <p:ext uri="{BB962C8B-B14F-4D97-AF65-F5344CB8AC3E}">
+        <p14:creationId xmlns:p14="http://schemas.microsoft.com/office/powerpoint/2010/main" val="1177397186"/>
+      </p:ext>
+    </p:extLst>
+  </p:cSld>
+  <p:clrMapOvr>
+    <a:masterClrMapping/>
+  </p:clrMapOvr>
+  <p:timing>
+    <p:tnLst>
+      <p:par>
+        <p:cTn id="1" dur="indefinite" restart="never" nodeType="tmRoot"/>
+      </p:par>
+    </p:tnLst>
+  </p:timing>
+</p:sld>
+</file>
+
+<file path=ppt/slides/slide6.xml><?xml version="1.0" encoding="utf-8"?>
+<p:sld xmlns:a="http://schemas.openxmlformats.org/drawingml/2006/main" xmlns:r="http://schemas.openxmlformats.org/officeDocument/2006/relationships" xmlns:p="http://schemas.openxmlformats.org/presentationml/2006/main">
+  <p:cSld>
+    <p:spTree>
+      <p:nvGrpSpPr>
+        <p:cNvPr id="1" name=""/>
+        <p:cNvGrpSpPr/>
+        <p:nvPr/>
+      </p:nvGrpSpPr>
+      <p:grpSpPr>
+        <a:xfrm>
+          <a:off x="0" y="0"/>
+          <a:ext cx="0" cy="0"/>
+          <a:chOff x="0" y="0"/>
+          <a:chExt cx="0" cy="0"/>
+        </a:xfrm>
+      </p:grpSpPr>
+      <p:sp>
+        <p:nvSpPr>
+          <p:cNvPr id="7" name="Rectangle 6"/>
+          <p:cNvSpPr/>
+          <p:nvPr/>
+        </p:nvSpPr>
+        <p:spPr>
+          <a:xfrm>
+            <a:off x="1092951" y="551886"/>
+            <a:ext cx="468022" cy="895463"/>
+          </a:xfrm>
+          <a:prstGeom prst="rect">
+            <a:avLst/>
+          </a:prstGeom>
+          <a:solidFill>
+            <a:schemeClr val="tx1"/>
+          </a:solidFill>
+          <a:ln>
+            <a:noFill/>
+          </a:ln>
+        </p:spPr>
+        <p:style>
+          <a:lnRef idx="2">
+            <a:schemeClr val="accent1">
+              <a:shade val="50000"/>
+            </a:schemeClr>
+          </a:lnRef>
+          <a:fillRef idx="1">
+            <a:schemeClr val="accent1"/>
+          </a:fillRef>
+          <a:effectRef idx="0">
+            <a:schemeClr val="accent1"/>
+          </a:effectRef>
+          <a:fontRef idx="minor">
+            <a:schemeClr val="lt1"/>
+          </a:fontRef>
+        </p:style>
+        <p:txBody>
+          <a:bodyPr rtlCol="0" anchor="ctr"/>
+          <a:lstStyle/>
+          <a:p>
+            <a:pPr algn="ctr"/>
+            <a:endParaRPr lang="en-SG"/>
+          </a:p>
+        </p:txBody>
+      </p:sp>
+      <p:grpSp>
+        <p:nvGrpSpPr>
+          <p:cNvPr id="6" name="Group 5"/>
+          <p:cNvGrpSpPr/>
+          <p:nvPr/>
+        </p:nvGrpSpPr>
+        <p:grpSpPr>
+          <a:xfrm>
+            <a:off x="1262063" y="681268"/>
+            <a:ext cx="219075" cy="571500"/>
+            <a:chOff x="1262063" y="681268"/>
+            <a:chExt cx="219075" cy="571500"/>
+          </a:xfrm>
+        </p:grpSpPr>
+        <p:sp>
+          <p:nvSpPr>
+            <p:cNvPr id="5" name="Rectangle 4"/>
+            <p:cNvSpPr/>
+            <p:nvPr/>
+          </p:nvSpPr>
+          <p:spPr>
+            <a:xfrm>
+              <a:off x="1262063" y="681268"/>
+              <a:ext cx="219075" cy="571500"/>
+            </a:xfrm>
+            <a:prstGeom prst="rect">
+              <a:avLst/>
+            </a:prstGeom>
+            <a:noFill/>
+            <a:ln>
+              <a:noFill/>
+            </a:ln>
+          </p:spPr>
+          <p:style>
+            <a:lnRef idx="2">
+              <a:schemeClr val="accent1">
+                <a:shade val="50000"/>
+              </a:schemeClr>
+            </a:lnRef>
+            <a:fillRef idx="1">
+              <a:schemeClr val="accent1"/>
+            </a:fillRef>
+            <a:effectRef idx="0">
+              <a:schemeClr val="accent1"/>
+            </a:effectRef>
+            <a:fontRef idx="minor">
+              <a:schemeClr val="lt1"/>
+            </a:fontRef>
+          </p:style>
+          <p:txBody>
+            <a:bodyPr rtlCol="0" anchor="ctr"/>
+            <a:lstStyle/>
+            <a:p>
+              <a:pPr algn="ctr"/>
+              <a:endParaRPr lang="en-SG"/>
+            </a:p>
+          </p:txBody>
+        </p:sp>
+        <p:sp>
+          <p:nvSpPr>
+            <p:cNvPr id="4" name="Isosceles Triangle 3"/>
+            <p:cNvSpPr/>
+            <p:nvPr/>
+          </p:nvSpPr>
+          <p:spPr>
+            <a:xfrm>
+              <a:off x="1262063" y="1071313"/>
+              <a:ext cx="219075" cy="181455"/>
+            </a:xfrm>
+            <a:prstGeom prst="triangle">
+              <a:avLst/>
+            </a:prstGeom>
+            <a:solidFill>
+              <a:schemeClr val="bg1"/>
+            </a:solidFill>
+            <a:ln>
+              <a:solidFill>
+                <a:schemeClr val="bg1"/>
+              </a:solidFill>
+              <a:miter lim="800000"/>
+            </a:ln>
+          </p:spPr>
+          <p:style>
+            <a:lnRef idx="2">
+              <a:schemeClr val="accent1">
+                <a:shade val="50000"/>
+              </a:schemeClr>
+            </a:lnRef>
+            <a:fillRef idx="1">
+              <a:schemeClr val="accent1"/>
+            </a:fillRef>
+            <a:effectRef idx="0">
+              <a:schemeClr val="accent1"/>
+            </a:effectRef>
+            <a:fontRef idx="minor">
+              <a:schemeClr val="lt1"/>
+            </a:fontRef>
+          </p:style>
+          <p:txBody>
+            <a:bodyPr rtlCol="0" anchor="ctr"/>
+            <a:lstStyle/>
+            <a:p>
+              <a:pPr algn="ctr"/>
+              <a:endParaRPr lang="en-SG"/>
+            </a:p>
+          </p:txBody>
+        </p:sp>
+      </p:grpSp>
+    </p:spTree>
+    <p:extLst>
+      <p:ext uri="{BB962C8B-B14F-4D97-AF65-F5344CB8AC3E}">
+        <p14:creationId xmlns:p14="http://schemas.microsoft.com/office/powerpoint/2010/main" val="2777776051"/>
+      </p:ext>
+    </p:extLst>
+  </p:cSld>
+  <p:clrMapOvr>
+    <a:masterClrMapping/>
+  </p:clrMapOvr>
+  <p:timing>
+    <p:tnLst>
+      <p:par>
+        <p:cTn id="1" dur="indefinite" restart="never" nodeType="tmRoot"/>
+      </p:par>
+    </p:tnLst>
+  </p:timing>
+</p:sld>
+</file>
+
+<file path=ppt/tags/tag1.xml><?xml version="1.0" encoding="utf-8"?>
+<p:tagLst xmlns:a="http://schemas.openxmlformats.org/drawingml/2006/main" xmlns:r="http://schemas.openxmlformats.org/officeDocument/2006/relationships" xmlns:p="http://schemas.openxmlformats.org/presentationml/2006/main">
+  <p:tag name="ARTICULATE_PROJECT_OPEN" val="0"/>
+</p:tagLst>
 </file>
 
 <file path=ppt/theme/theme1.xml><?xml version="1.0" encoding="utf-8"?>
